--- a/Presentations/Grad Symposium 21.pptx
+++ b/Presentations/Grad Symposium 21.pptx
@@ -5,7 +5,7 @@
     <p:sldMasterId id="2147493617" r:id="rId1"/>
   </p:sldMasterIdLst>
   <p:notesMasterIdLst>
-    <p:notesMasterId r:id="rId15"/>
+    <p:notesMasterId r:id="rId24"/>
   </p:notesMasterIdLst>
   <p:sldIdLst>
     <p:sldId id="298" r:id="rId2"/>
@@ -15,12 +15,21 @@
     <p:sldId id="307" r:id="rId6"/>
     <p:sldId id="308" r:id="rId7"/>
     <p:sldId id="266" r:id="rId8"/>
-    <p:sldId id="265" r:id="rId9"/>
-    <p:sldId id="301" r:id="rId10"/>
-    <p:sldId id="299" r:id="rId11"/>
-    <p:sldId id="300" r:id="rId12"/>
-    <p:sldId id="297" r:id="rId13"/>
-    <p:sldId id="296" r:id="rId14"/>
+    <p:sldId id="309" r:id="rId9"/>
+    <p:sldId id="265" r:id="rId10"/>
+    <p:sldId id="313" r:id="rId11"/>
+    <p:sldId id="322" r:id="rId12"/>
+    <p:sldId id="301" r:id="rId13"/>
+    <p:sldId id="299" r:id="rId14"/>
+    <p:sldId id="316" r:id="rId15"/>
+    <p:sldId id="317" r:id="rId16"/>
+    <p:sldId id="312" r:id="rId17"/>
+    <p:sldId id="311" r:id="rId18"/>
+    <p:sldId id="319" r:id="rId19"/>
+    <p:sldId id="320" r:id="rId20"/>
+    <p:sldId id="321" r:id="rId21"/>
+    <p:sldId id="297" r:id="rId22"/>
+    <p:sldId id="296" r:id="rId23"/>
   </p:sldIdLst>
   <p:sldSz cx="9144000" cy="5143500" type="screen16x9"/>
   <p:notesSz cx="6858000" cy="9144000"/>
@@ -209,7 +218,7 @@
           <a:p>
             <a:fld id="{75CB3914-4D35-42D3-857C-7663624C350B}" type="datetimeFigureOut">
               <a:rPr lang="en-US" smtClean="0"/>
-              <a:t>3/19/2021</a:t>
+              <a:t>3/21/2021</a:t>
             </a:fld>
             <a:endParaRPr lang="en-US"/>
           </a:p>
@@ -563,6 +572,90 @@
 </p:notes>
 </file>
 
+<file path=ppt/notesSlides/notesSlide10.xml><?xml version="1.0" encoding="utf-8"?>
+<p:notes xmlns:a="http://schemas.openxmlformats.org/drawingml/2006/main" xmlns:r="http://schemas.openxmlformats.org/officeDocument/2006/relationships" xmlns:p="http://schemas.openxmlformats.org/presentationml/2006/main">
+  <p:cSld>
+    <p:spTree>
+      <p:nvGrpSpPr>
+        <p:cNvPr id="1" name=""/>
+        <p:cNvGrpSpPr/>
+        <p:nvPr/>
+      </p:nvGrpSpPr>
+      <p:grpSpPr>
+        <a:xfrm>
+          <a:off x="0" y="0"/>
+          <a:ext cx="0" cy="0"/>
+          <a:chOff x="0" y="0"/>
+          <a:chExt cx="0" cy="0"/>
+        </a:xfrm>
+      </p:grpSpPr>
+      <p:sp>
+        <p:nvSpPr>
+          <p:cNvPr id="2" name="Slide Image Placeholder 1"/>
+          <p:cNvSpPr>
+            <a:spLocks noGrp="1" noRot="1" noChangeAspect="1"/>
+          </p:cNvSpPr>
+          <p:nvPr>
+            <p:ph type="sldImg"/>
+          </p:nvPr>
+        </p:nvSpPr>
+        <p:spPr/>
+      </p:sp>
+      <p:sp>
+        <p:nvSpPr>
+          <p:cNvPr id="3" name="Notes Placeholder 2"/>
+          <p:cNvSpPr>
+            <a:spLocks noGrp="1"/>
+          </p:cNvSpPr>
+          <p:nvPr>
+            <p:ph type="body" idx="1"/>
+          </p:nvPr>
+        </p:nvSpPr>
+        <p:spPr/>
+        <p:txBody>
+          <a:bodyPr/>
+          <a:lstStyle/>
+          <a:p>
+            <a:endParaRPr lang="en-US" dirty="0"/>
+          </a:p>
+        </p:txBody>
+      </p:sp>
+      <p:sp>
+        <p:nvSpPr>
+          <p:cNvPr id="4" name="Slide Number Placeholder 3"/>
+          <p:cNvSpPr>
+            <a:spLocks noGrp="1"/>
+          </p:cNvSpPr>
+          <p:nvPr>
+            <p:ph type="sldNum" sz="quarter" idx="5"/>
+          </p:nvPr>
+        </p:nvSpPr>
+        <p:spPr/>
+        <p:txBody>
+          <a:bodyPr/>
+          <a:lstStyle/>
+          <a:p>
+            <a:fld id="{5FB4CB51-7BB7-4D82-80F2-A9EED2F5C979}" type="slidenum">
+              <a:rPr lang="en-US" smtClean="0"/>
+              <a:t>20</a:t>
+            </a:fld>
+            <a:endParaRPr lang="en-US"/>
+          </a:p>
+        </p:txBody>
+      </p:sp>
+    </p:spTree>
+    <p:extLst>
+      <p:ext uri="{BB962C8B-B14F-4D97-AF65-F5344CB8AC3E}">
+        <p14:creationId xmlns:p14="http://schemas.microsoft.com/office/powerpoint/2010/main" val="1694405100"/>
+      </p:ext>
+    </p:extLst>
+  </p:cSld>
+  <p:clrMapOvr>
+    <a:masterClrMapping/>
+  </p:clrMapOvr>
+</p:notes>
+</file>
+
 <file path=ppt/notesSlides/notesSlide2.xml><?xml version="1.0" encoding="utf-8"?>
 <p:notes xmlns:a="http://schemas.openxmlformats.org/drawingml/2006/main" xmlns:r="http://schemas.openxmlformats.org/officeDocument/2006/relationships" xmlns:p="http://schemas.openxmlformats.org/presentationml/2006/main">
   <p:cSld>
@@ -823,6 +916,474 @@
     <p:extLst>
       <p:ext uri="{BB962C8B-B14F-4D97-AF65-F5344CB8AC3E}">
         <p14:creationId xmlns:p14="http://schemas.microsoft.com/office/powerpoint/2010/main" val="261478368"/>
+      </p:ext>
+    </p:extLst>
+  </p:cSld>
+  <p:clrMapOvr>
+    <a:masterClrMapping/>
+  </p:clrMapOvr>
+</p:notes>
+</file>
+
+<file path=ppt/notesSlides/notesSlide5.xml><?xml version="1.0" encoding="utf-8"?>
+<p:notes xmlns:a="http://schemas.openxmlformats.org/drawingml/2006/main" xmlns:r="http://schemas.openxmlformats.org/officeDocument/2006/relationships" xmlns:p="http://schemas.openxmlformats.org/presentationml/2006/main">
+  <p:cSld>
+    <p:spTree>
+      <p:nvGrpSpPr>
+        <p:cNvPr id="1" name=""/>
+        <p:cNvGrpSpPr/>
+        <p:nvPr/>
+      </p:nvGrpSpPr>
+      <p:grpSpPr>
+        <a:xfrm>
+          <a:off x="0" y="0"/>
+          <a:ext cx="0" cy="0"/>
+          <a:chOff x="0" y="0"/>
+          <a:chExt cx="0" cy="0"/>
+        </a:xfrm>
+      </p:grpSpPr>
+      <p:sp>
+        <p:nvSpPr>
+          <p:cNvPr id="2" name="Slide Image Placeholder 1"/>
+          <p:cNvSpPr>
+            <a:spLocks noGrp="1" noRot="1" noChangeAspect="1"/>
+          </p:cNvSpPr>
+          <p:nvPr>
+            <p:ph type="sldImg"/>
+          </p:nvPr>
+        </p:nvSpPr>
+        <p:spPr/>
+      </p:sp>
+      <p:sp>
+        <p:nvSpPr>
+          <p:cNvPr id="3" name="Notes Placeholder 2"/>
+          <p:cNvSpPr>
+            <a:spLocks noGrp="1"/>
+          </p:cNvSpPr>
+          <p:nvPr>
+            <p:ph type="body" idx="1"/>
+          </p:nvPr>
+        </p:nvSpPr>
+        <p:spPr/>
+        <p:txBody>
+          <a:bodyPr/>
+          <a:lstStyle/>
+          <a:p>
+            <a:r>
+              <a:rPr lang="en-US" dirty="0"/>
+              <a:t>Used </a:t>
+            </a:r>
+            <a:r>
+              <a:rPr lang="en-US" dirty="0" err="1"/>
+              <a:t>lrd</a:t>
+            </a:r>
+            <a:r>
+              <a:rPr lang="en-US" dirty="0"/>
+              <a:t> to score sets of cued and free-recall data and compared to manually coded data</a:t>
+            </a:r>
+          </a:p>
+          <a:p>
+            <a:endParaRPr lang="en-US" dirty="0"/>
+          </a:p>
+        </p:txBody>
+      </p:sp>
+      <p:sp>
+        <p:nvSpPr>
+          <p:cNvPr id="4" name="Slide Number Placeholder 3"/>
+          <p:cNvSpPr>
+            <a:spLocks noGrp="1"/>
+          </p:cNvSpPr>
+          <p:nvPr>
+            <p:ph type="sldNum" sz="quarter" idx="5"/>
+          </p:nvPr>
+        </p:nvSpPr>
+        <p:spPr/>
+        <p:txBody>
+          <a:bodyPr/>
+          <a:lstStyle/>
+          <a:p>
+            <a:fld id="{5FB4CB51-7BB7-4D82-80F2-A9EED2F5C979}" type="slidenum">
+              <a:rPr lang="en-US" smtClean="0"/>
+              <a:t>12</a:t>
+            </a:fld>
+            <a:endParaRPr lang="en-US"/>
+          </a:p>
+        </p:txBody>
+      </p:sp>
+    </p:spTree>
+    <p:extLst>
+      <p:ext uri="{BB962C8B-B14F-4D97-AF65-F5344CB8AC3E}">
+        <p14:creationId xmlns:p14="http://schemas.microsoft.com/office/powerpoint/2010/main" val="1611691448"/>
+      </p:ext>
+    </p:extLst>
+  </p:cSld>
+  <p:clrMapOvr>
+    <a:masterClrMapping/>
+  </p:clrMapOvr>
+</p:notes>
+</file>
+
+<file path=ppt/notesSlides/notesSlide6.xml><?xml version="1.0" encoding="utf-8"?>
+<p:notes xmlns:a="http://schemas.openxmlformats.org/drawingml/2006/main" xmlns:r="http://schemas.openxmlformats.org/officeDocument/2006/relationships" xmlns:p="http://schemas.openxmlformats.org/presentationml/2006/main">
+  <p:cSld>
+    <p:spTree>
+      <p:nvGrpSpPr>
+        <p:cNvPr id="1" name=""/>
+        <p:cNvGrpSpPr/>
+        <p:nvPr/>
+      </p:nvGrpSpPr>
+      <p:grpSpPr>
+        <a:xfrm>
+          <a:off x="0" y="0"/>
+          <a:ext cx="0" cy="0"/>
+          <a:chOff x="0" y="0"/>
+          <a:chExt cx="0" cy="0"/>
+        </a:xfrm>
+      </p:grpSpPr>
+      <p:sp>
+        <p:nvSpPr>
+          <p:cNvPr id="2" name="Slide Image Placeholder 1"/>
+          <p:cNvSpPr>
+            <a:spLocks noGrp="1" noRot="1" noChangeAspect="1"/>
+          </p:cNvSpPr>
+          <p:nvPr>
+            <p:ph type="sldImg"/>
+          </p:nvPr>
+        </p:nvSpPr>
+        <p:spPr/>
+      </p:sp>
+      <p:sp>
+        <p:nvSpPr>
+          <p:cNvPr id="3" name="Notes Placeholder 2"/>
+          <p:cNvSpPr>
+            <a:spLocks noGrp="1"/>
+          </p:cNvSpPr>
+          <p:nvPr>
+            <p:ph type="body" idx="1"/>
+          </p:nvPr>
+        </p:nvSpPr>
+        <p:spPr/>
+        <p:txBody>
+          <a:bodyPr/>
+          <a:lstStyle/>
+          <a:p>
+            <a:r>
+              <a:rPr lang="en-US" dirty="0"/>
+              <a:t>Notice how recall rates increase with flexibility</a:t>
+            </a:r>
+          </a:p>
+        </p:txBody>
+      </p:sp>
+      <p:sp>
+        <p:nvSpPr>
+          <p:cNvPr id="4" name="Slide Number Placeholder 3"/>
+          <p:cNvSpPr>
+            <a:spLocks noGrp="1"/>
+          </p:cNvSpPr>
+          <p:nvPr>
+            <p:ph type="sldNum" sz="quarter" idx="5"/>
+          </p:nvPr>
+        </p:nvSpPr>
+        <p:spPr/>
+        <p:txBody>
+          <a:bodyPr/>
+          <a:lstStyle/>
+          <a:p>
+            <a:fld id="{5FB4CB51-7BB7-4D82-80F2-A9EED2F5C979}" type="slidenum">
+              <a:rPr lang="en-US" smtClean="0"/>
+              <a:t>15</a:t>
+            </a:fld>
+            <a:endParaRPr lang="en-US"/>
+          </a:p>
+        </p:txBody>
+      </p:sp>
+    </p:spTree>
+    <p:extLst>
+      <p:ext uri="{BB962C8B-B14F-4D97-AF65-F5344CB8AC3E}">
+        <p14:creationId xmlns:p14="http://schemas.microsoft.com/office/powerpoint/2010/main" val="1336928623"/>
+      </p:ext>
+    </p:extLst>
+  </p:cSld>
+  <p:clrMapOvr>
+    <a:masterClrMapping/>
+  </p:clrMapOvr>
+</p:notes>
+</file>
+
+<file path=ppt/notesSlides/notesSlide7.xml><?xml version="1.0" encoding="utf-8"?>
+<p:notes xmlns:a="http://schemas.openxmlformats.org/drawingml/2006/main" xmlns:r="http://schemas.openxmlformats.org/officeDocument/2006/relationships" xmlns:p="http://schemas.openxmlformats.org/presentationml/2006/main">
+  <p:cSld>
+    <p:spTree>
+      <p:nvGrpSpPr>
+        <p:cNvPr id="1" name=""/>
+        <p:cNvGrpSpPr/>
+        <p:nvPr/>
+      </p:nvGrpSpPr>
+      <p:grpSpPr>
+        <a:xfrm>
+          <a:off x="0" y="0"/>
+          <a:ext cx="0" cy="0"/>
+          <a:chOff x="0" y="0"/>
+          <a:chExt cx="0" cy="0"/>
+        </a:xfrm>
+      </p:grpSpPr>
+      <p:sp>
+        <p:nvSpPr>
+          <p:cNvPr id="2" name="Slide Image Placeholder 1"/>
+          <p:cNvSpPr>
+            <a:spLocks noGrp="1" noRot="1" noChangeAspect="1"/>
+          </p:cNvSpPr>
+          <p:nvPr>
+            <p:ph type="sldImg"/>
+          </p:nvPr>
+        </p:nvSpPr>
+        <p:spPr/>
+      </p:sp>
+      <p:sp>
+        <p:nvSpPr>
+          <p:cNvPr id="3" name="Notes Placeholder 2"/>
+          <p:cNvSpPr>
+            <a:spLocks noGrp="1"/>
+          </p:cNvSpPr>
+          <p:nvPr>
+            <p:ph type="body" idx="1"/>
+          </p:nvPr>
+        </p:nvSpPr>
+        <p:spPr/>
+        <p:txBody>
+          <a:bodyPr/>
+          <a:lstStyle/>
+          <a:p>
+            <a:r>
+              <a:rPr lang="en-US" dirty="0"/>
+              <a:t>Sensitivity = True positives (</a:t>
+            </a:r>
+            <a:r>
+              <a:rPr lang="en-US" dirty="0" err="1"/>
+              <a:t>lrd</a:t>
+            </a:r>
+            <a:r>
+              <a:rPr lang="en-US" dirty="0"/>
+              <a:t> correctly marks a word correct); specificity true negatives (</a:t>
+            </a:r>
+            <a:r>
+              <a:rPr lang="en-US" dirty="0" err="1"/>
+              <a:t>lrd</a:t>
+            </a:r>
+            <a:r>
+              <a:rPr lang="en-US" dirty="0"/>
+              <a:t> correctly marks a word as incorrect). </a:t>
+            </a:r>
+          </a:p>
+          <a:p>
+            <a:r>
+              <a:rPr lang="en-US" dirty="0"/>
+              <a:t>0 provides no flexibility in scoring, 5 is highly lenient as it allows for up to 5 character changes/insertions/deletions</a:t>
+            </a:r>
+          </a:p>
+        </p:txBody>
+      </p:sp>
+      <p:sp>
+        <p:nvSpPr>
+          <p:cNvPr id="4" name="Slide Number Placeholder 3"/>
+          <p:cNvSpPr>
+            <a:spLocks noGrp="1"/>
+          </p:cNvSpPr>
+          <p:nvPr>
+            <p:ph type="sldNum" sz="quarter" idx="5"/>
+          </p:nvPr>
+        </p:nvSpPr>
+        <p:spPr/>
+        <p:txBody>
+          <a:bodyPr/>
+          <a:lstStyle/>
+          <a:p>
+            <a:fld id="{5FB4CB51-7BB7-4D82-80F2-A9EED2F5C979}" type="slidenum">
+              <a:rPr lang="en-US" smtClean="0"/>
+              <a:t>16</a:t>
+            </a:fld>
+            <a:endParaRPr lang="en-US"/>
+          </a:p>
+        </p:txBody>
+      </p:sp>
+    </p:spTree>
+    <p:extLst>
+      <p:ext uri="{BB962C8B-B14F-4D97-AF65-F5344CB8AC3E}">
+        <p14:creationId xmlns:p14="http://schemas.microsoft.com/office/powerpoint/2010/main" val="4067996684"/>
+      </p:ext>
+    </p:extLst>
+  </p:cSld>
+  <p:clrMapOvr>
+    <a:masterClrMapping/>
+  </p:clrMapOvr>
+</p:notes>
+</file>
+
+<file path=ppt/notesSlides/notesSlide8.xml><?xml version="1.0" encoding="utf-8"?>
+<p:notes xmlns:a="http://schemas.openxmlformats.org/drawingml/2006/main" xmlns:r="http://schemas.openxmlformats.org/officeDocument/2006/relationships" xmlns:p="http://schemas.openxmlformats.org/presentationml/2006/main">
+  <p:cSld>
+    <p:spTree>
+      <p:nvGrpSpPr>
+        <p:cNvPr id="1" name=""/>
+        <p:cNvGrpSpPr/>
+        <p:nvPr/>
+      </p:nvGrpSpPr>
+      <p:grpSpPr>
+        <a:xfrm>
+          <a:off x="0" y="0"/>
+          <a:ext cx="0" cy="0"/>
+          <a:chOff x="0" y="0"/>
+          <a:chExt cx="0" cy="0"/>
+        </a:xfrm>
+      </p:grpSpPr>
+      <p:sp>
+        <p:nvSpPr>
+          <p:cNvPr id="2" name="Slide Image Placeholder 1"/>
+          <p:cNvSpPr>
+            <a:spLocks noGrp="1" noRot="1" noChangeAspect="1"/>
+          </p:cNvSpPr>
+          <p:nvPr>
+            <p:ph type="sldImg"/>
+          </p:nvPr>
+        </p:nvSpPr>
+        <p:spPr/>
+      </p:sp>
+      <p:sp>
+        <p:nvSpPr>
+          <p:cNvPr id="3" name="Notes Placeholder 2"/>
+          <p:cNvSpPr>
+            <a:spLocks noGrp="1"/>
+          </p:cNvSpPr>
+          <p:nvPr>
+            <p:ph type="body" idx="1"/>
+          </p:nvPr>
+        </p:nvSpPr>
+        <p:spPr/>
+        <p:txBody>
+          <a:bodyPr/>
+          <a:lstStyle/>
+          <a:p>
+            <a:r>
+              <a:rPr lang="en-US" dirty="0"/>
+              <a:t>Notice how recall rates increase with flexibility</a:t>
+            </a:r>
+          </a:p>
+        </p:txBody>
+      </p:sp>
+      <p:sp>
+        <p:nvSpPr>
+          <p:cNvPr id="4" name="Slide Number Placeholder 3"/>
+          <p:cNvSpPr>
+            <a:spLocks noGrp="1"/>
+          </p:cNvSpPr>
+          <p:nvPr>
+            <p:ph type="sldNum" sz="quarter" idx="5"/>
+          </p:nvPr>
+        </p:nvSpPr>
+        <p:spPr/>
+        <p:txBody>
+          <a:bodyPr/>
+          <a:lstStyle/>
+          <a:p>
+            <a:fld id="{5FB4CB51-7BB7-4D82-80F2-A9EED2F5C979}" type="slidenum">
+              <a:rPr lang="en-US" smtClean="0"/>
+              <a:t>18</a:t>
+            </a:fld>
+            <a:endParaRPr lang="en-US"/>
+          </a:p>
+        </p:txBody>
+      </p:sp>
+    </p:spTree>
+    <p:extLst>
+      <p:ext uri="{BB962C8B-B14F-4D97-AF65-F5344CB8AC3E}">
+        <p14:creationId xmlns:p14="http://schemas.microsoft.com/office/powerpoint/2010/main" val="417975010"/>
+      </p:ext>
+    </p:extLst>
+  </p:cSld>
+  <p:clrMapOvr>
+    <a:masterClrMapping/>
+  </p:clrMapOvr>
+</p:notes>
+</file>
+
+<file path=ppt/notesSlides/notesSlide9.xml><?xml version="1.0" encoding="utf-8"?>
+<p:notes xmlns:a="http://schemas.openxmlformats.org/drawingml/2006/main" xmlns:r="http://schemas.openxmlformats.org/officeDocument/2006/relationships" xmlns:p="http://schemas.openxmlformats.org/presentationml/2006/main">
+  <p:cSld>
+    <p:spTree>
+      <p:nvGrpSpPr>
+        <p:cNvPr id="1" name=""/>
+        <p:cNvGrpSpPr/>
+        <p:nvPr/>
+      </p:nvGrpSpPr>
+      <p:grpSpPr>
+        <a:xfrm>
+          <a:off x="0" y="0"/>
+          <a:ext cx="0" cy="0"/>
+          <a:chOff x="0" y="0"/>
+          <a:chExt cx="0" cy="0"/>
+        </a:xfrm>
+      </p:grpSpPr>
+      <p:sp>
+        <p:nvSpPr>
+          <p:cNvPr id="2" name="Slide Image Placeholder 1"/>
+          <p:cNvSpPr>
+            <a:spLocks noGrp="1" noRot="1" noChangeAspect="1"/>
+          </p:cNvSpPr>
+          <p:nvPr>
+            <p:ph type="sldImg"/>
+          </p:nvPr>
+        </p:nvSpPr>
+        <p:spPr/>
+      </p:sp>
+      <p:sp>
+        <p:nvSpPr>
+          <p:cNvPr id="3" name="Notes Placeholder 2"/>
+          <p:cNvSpPr>
+            <a:spLocks noGrp="1"/>
+          </p:cNvSpPr>
+          <p:nvPr>
+            <p:ph type="body" idx="1"/>
+          </p:nvPr>
+        </p:nvSpPr>
+        <p:spPr/>
+        <p:txBody>
+          <a:bodyPr/>
+          <a:lstStyle/>
+          <a:p>
+            <a:r>
+              <a:rPr lang="en-US" dirty="0"/>
+              <a:t>Notice how recall rates increase with flexibility</a:t>
+            </a:r>
+          </a:p>
+        </p:txBody>
+      </p:sp>
+      <p:sp>
+        <p:nvSpPr>
+          <p:cNvPr id="4" name="Slide Number Placeholder 3"/>
+          <p:cNvSpPr>
+            <a:spLocks noGrp="1"/>
+          </p:cNvSpPr>
+          <p:nvPr>
+            <p:ph type="sldNum" sz="quarter" idx="5"/>
+          </p:nvPr>
+        </p:nvSpPr>
+        <p:spPr/>
+        <p:txBody>
+          <a:bodyPr/>
+          <a:lstStyle/>
+          <a:p>
+            <a:fld id="{5FB4CB51-7BB7-4D82-80F2-A9EED2F5C979}" type="slidenum">
+              <a:rPr lang="en-US" smtClean="0"/>
+              <a:t>19</a:t>
+            </a:fld>
+            <a:endParaRPr lang="en-US"/>
+          </a:p>
+        </p:txBody>
+      </p:sp>
+    </p:spTree>
+    <p:extLst>
+      <p:ext uri="{BB962C8B-B14F-4D97-AF65-F5344CB8AC3E}">
+        <p14:creationId xmlns:p14="http://schemas.microsoft.com/office/powerpoint/2010/main" val="1244510962"/>
       </p:ext>
     </p:extLst>
   </p:cSld>
@@ -1479,7 +2040,7 @@
             <a:fld id="{5923F103-BC34-4FE4-A40E-EDDEECFDA5D0}" type="datetimeFigureOut">
               <a:rPr lang="en-US" smtClean="0"/>
               <a:pPr/>
-              <a:t>3/19/2021</a:t>
+              <a:t>3/21/2021</a:t>
             </a:fld>
             <a:endParaRPr lang="en-US" dirty="0"/>
           </a:p>
@@ -2605,7 +3166,7 @@
           <a:p>
             <a:fld id="{923A1CC3-2375-41D4-9E03-427CAF2A4C1A}" type="datetimeFigureOut">
               <a:rPr lang="en-US" smtClean="0"/>
-              <a:t>3/19/2021</a:t>
+              <a:t>3/21/2021</a:t>
             </a:fld>
             <a:endParaRPr lang="en-US" dirty="0"/>
           </a:p>
@@ -3623,7 +4184,7 @@
           <a:p>
             <a:fld id="{AFF16868-8199-4C2C-A5B1-63AEE139F88E}" type="datetimeFigureOut">
               <a:rPr lang="en-US" smtClean="0"/>
-              <a:t>3/19/2021</a:t>
+              <a:t>3/21/2021</a:t>
             </a:fld>
             <a:endParaRPr lang="en-US" dirty="0"/>
           </a:p>
@@ -4800,7 +5361,7 @@
           <a:p>
             <a:fld id="{2BE451C3-0FF4-47C4-B829-773ADF60F88C}" type="datetimeFigureOut">
               <a:rPr lang="en-US" smtClean="0"/>
-              <a:t>3/19/2021</a:t>
+              <a:t>3/21/2021</a:t>
             </a:fld>
             <a:endParaRPr lang="en-US" dirty="0"/>
           </a:p>
@@ -5868,7 +6429,7 @@
           <a:p>
             <a:fld id="{5C12C299-16B2-4475-990D-751901EACC14}" type="datetimeFigureOut">
               <a:rPr lang="en-US" smtClean="0"/>
-              <a:t>3/19/2021</a:t>
+              <a:t>3/21/2021</a:t>
             </a:fld>
             <a:endParaRPr lang="en-US" dirty="0"/>
           </a:p>
@@ -6521,7 +7082,7 @@
           <a:p>
             <a:fld id="{9FE86839-B9D8-4651-8783-F325ECE74E65}" type="datetimeFigureOut">
               <a:rPr lang="en-US" smtClean="0"/>
-              <a:t>3/19/2021</a:t>
+              <a:t>3/21/2021</a:t>
             </a:fld>
             <a:endParaRPr lang="en-US" dirty="0"/>
           </a:p>
@@ -7375,7 +7936,7 @@
           <a:p>
             <a:fld id="{FD484F64-32F6-45C5-931F-ADC1662401D0}" type="datetimeFigureOut">
               <a:rPr lang="en-US" smtClean="0"/>
-              <a:t>3/19/2021</a:t>
+              <a:t>3/21/2021</a:t>
             </a:fld>
             <a:endParaRPr lang="en-US" dirty="0"/>
           </a:p>
@@ -7557,7 +8118,7 @@
           <a:p>
             <a:fld id="{53086D93-FCAC-47E0-A2EE-787E62CA814C}" type="datetimeFigureOut">
               <a:rPr lang="en-US" smtClean="0"/>
-              <a:t>3/19/2021</a:t>
+              <a:t>3/21/2021</a:t>
             </a:fld>
             <a:endParaRPr lang="en-US" dirty="0"/>
           </a:p>
@@ -8562,7 +9123,7 @@
           <a:p>
             <a:fld id="{CDA879A6-0FD0-4734-A311-86BFCA472E6E}" type="datetimeFigureOut">
               <a:rPr lang="en-US" smtClean="0"/>
-              <a:t>3/19/2021</a:t>
+              <a:t>3/21/2021</a:t>
             </a:fld>
             <a:endParaRPr lang="en-US" dirty="0"/>
           </a:p>
@@ -8819,7 +9380,7 @@
           <a:p>
             <a:fld id="{19C9CA7B-DFD4-44B5-8C60-D14B8CD1FB59}" type="datetimeFigureOut">
               <a:rPr lang="en-US" smtClean="0"/>
-              <a:t>3/19/2021</a:t>
+              <a:t>3/21/2021</a:t>
             </a:fld>
             <a:endParaRPr lang="en-US" dirty="0"/>
           </a:p>
@@ -9887,7 +10448,7 @@
           <a:p>
             <a:fld id="{F34E6425-0181-43F2-84FC-787E803FD2F8}" type="datetimeFigureOut">
               <a:rPr lang="en-US" smtClean="0"/>
-              <a:t>3/19/2021</a:t>
+              <a:t>3/21/2021</a:t>
             </a:fld>
             <a:endParaRPr lang="en-US" dirty="0"/>
           </a:p>
@@ -10165,7 +10726,7 @@
           <a:p>
             <a:fld id="{3BDB8791-F1B0-41E7-B7FD-A781E65C4266}" type="datetimeFigureOut">
               <a:rPr lang="en-US" smtClean="0"/>
-              <a:t>3/19/2021</a:t>
+              <a:t>3/21/2021</a:t>
             </a:fld>
             <a:endParaRPr lang="en-US" dirty="0"/>
           </a:p>
@@ -10553,7 +11114,7 @@
           <a:p>
             <a:fld id="{5FDD63B2-E120-4ED8-B27B-C685F510A5FE}" type="datetimeFigureOut">
               <a:rPr lang="en-US" smtClean="0"/>
-              <a:t>3/19/2021</a:t>
+              <a:t>3/21/2021</a:t>
             </a:fld>
             <a:endParaRPr lang="en-US" dirty="0"/>
           </a:p>
@@ -10678,7 +11239,7 @@
           <a:p>
             <a:fld id="{7AA18ACC-A947-437B-A130-35BD54FDF1E9}" type="datetimeFigureOut">
               <a:rPr lang="en-US" smtClean="0"/>
-              <a:t>3/19/2021</a:t>
+              <a:t>3/21/2021</a:t>
             </a:fld>
             <a:endParaRPr lang="en-US" dirty="0"/>
           </a:p>
@@ -10780,7 +11341,7 @@
           <a:p>
             <a:fld id="{7C8D7E02-BCB8-4D50-A234-369438C08659}" type="datetimeFigureOut">
               <a:rPr lang="en-US" smtClean="0"/>
-              <a:t>3/19/2021</a:t>
+              <a:t>3/21/2021</a:t>
             </a:fld>
             <a:endParaRPr lang="en-US" dirty="0"/>
           </a:p>
@@ -11896,7 +12457,7 @@
           <a:p>
             <a:fld id="{76E86A4C-8E40-4F87-A4F0-01A0687C5742}" type="datetimeFigureOut">
               <a:rPr lang="en-US" smtClean="0"/>
-              <a:t>3/19/2021</a:t>
+              <a:t>3/21/2021</a:t>
             </a:fld>
             <a:endParaRPr lang="en-US" dirty="0"/>
           </a:p>
@@ -13036,7 +13597,7 @@
           <a:p>
             <a:fld id="{35E72C73-2D91-4E12-BA25-F0AA0C03599B}" type="datetimeFigureOut">
               <a:rPr lang="en-US" smtClean="0"/>
-              <a:t>3/19/2021</a:t>
+              <a:t>3/21/2021</a:t>
             </a:fld>
             <a:endParaRPr lang="en-US" dirty="0"/>
           </a:p>
@@ -14071,7 +14632,7 @@
           <a:p>
             <a:fld id="{2BE451C3-0FF4-47C4-B829-773ADF60F88C}" type="datetimeFigureOut">
               <a:rPr lang="en-US" smtClean="0"/>
-              <a:t>3/19/2021</a:t>
+              <a:t>3/21/2021</a:t>
             </a:fld>
             <a:endParaRPr lang="en-US" dirty="0"/>
           </a:p>
@@ -14667,7 +15228,7 @@
           <a:lstStyle/>
           <a:p>
             <a:r>
-              <a:rPr lang="en-US" sz="3600" b="1" dirty="0" err="1"/>
+              <a:rPr lang="en-US" sz="3600" b="1" i="1" dirty="0" err="1"/>
               <a:t>lrd</a:t>
             </a:r>
             <a:r>
@@ -14696,7 +15257,7 @@
         <p:spPr>
           <a:xfrm>
             <a:off x="639793" y="3330486"/>
-            <a:ext cx="6619244" cy="646065"/>
+            <a:ext cx="7658818" cy="646065"/>
           </a:xfrm>
         </p:spPr>
         <p:txBody>
@@ -14751,6 +15312,290 @@
               </a:rPr>
               <a:t>2</a:t>
             </a:r>
+          </a:p>
+        </p:txBody>
+      </p:sp>
+      <p:sp>
+        <p:nvSpPr>
+          <p:cNvPr id="6" name="Subtitle 4">
+            <a:extLst>
+              <a:ext uri="{FF2B5EF4-FFF2-40B4-BE49-F238E27FC236}">
+                <a16:creationId xmlns:a16="http://schemas.microsoft.com/office/drawing/2014/main" id="{1EB0234B-AF31-4D76-B9B3-297ED32DDBC7}"/>
+              </a:ext>
+            </a:extLst>
+          </p:cNvPr>
+          <p:cNvSpPr txBox="1">
+            <a:spLocks/>
+          </p:cNvSpPr>
+          <p:nvPr/>
+        </p:nvSpPr>
+        <p:spPr>
+          <a:xfrm>
+            <a:off x="639792" y="3653518"/>
+            <a:ext cx="8038381" cy="646065"/>
+          </a:xfrm>
+          <a:prstGeom prst="rect">
+            <a:avLst/>
+          </a:prstGeom>
+        </p:spPr>
+        <p:txBody>
+          <a:bodyPr vert="horz" lIns="91440" tIns="45720" rIns="91440" bIns="45720" rtlCol="0" anchor="t">
+            <a:normAutofit/>
+          </a:bodyPr>
+          <a:lstStyle>
+            <a:lvl1pPr marL="0" indent="0" algn="l" defTabSz="342900" rtl="0" eaLnBrk="1" latinLnBrk="0" hangingPunct="1">
+              <a:spcBef>
+                <a:spcPts val="750"/>
+              </a:spcBef>
+              <a:spcAft>
+                <a:spcPts val="0"/>
+              </a:spcAft>
+              <a:buClr>
+                <a:schemeClr val="accent1"/>
+              </a:buClr>
+              <a:buSzPct val="80000"/>
+              <a:buFont typeface="Wingdings 3" charset="2"/>
+              <a:buNone/>
+              <a:defRPr sz="1350" b="0" i="0" kern="1200" cap="all">
+                <a:solidFill>
+                  <a:schemeClr val="accent1"/>
+                </a:solidFill>
+                <a:latin typeface="+mn-lt"/>
+                <a:ea typeface="+mn-ea"/>
+                <a:cs typeface="+mn-cs"/>
+              </a:defRPr>
+            </a:lvl1pPr>
+            <a:lvl2pPr marL="342900" indent="0" algn="ctr" defTabSz="342900" rtl="0" eaLnBrk="1" latinLnBrk="0" hangingPunct="1">
+              <a:spcBef>
+                <a:spcPts val="750"/>
+              </a:spcBef>
+              <a:spcAft>
+                <a:spcPts val="0"/>
+              </a:spcAft>
+              <a:buClr>
+                <a:schemeClr val="accent1"/>
+              </a:buClr>
+              <a:buSzPct val="80000"/>
+              <a:buFont typeface="Wingdings 3" charset="2"/>
+              <a:buNone/>
+              <a:defRPr sz="1200" b="0" i="0" kern="1200">
+                <a:solidFill>
+                  <a:schemeClr val="tx1">
+                    <a:tint val="75000"/>
+                  </a:schemeClr>
+                </a:solidFill>
+                <a:latin typeface="+mn-lt"/>
+                <a:ea typeface="+mn-ea"/>
+                <a:cs typeface="+mn-cs"/>
+              </a:defRPr>
+            </a:lvl2pPr>
+            <a:lvl3pPr marL="685800" indent="0" algn="ctr" defTabSz="342900" rtl="0" eaLnBrk="1" latinLnBrk="0" hangingPunct="1">
+              <a:spcBef>
+                <a:spcPts val="750"/>
+              </a:spcBef>
+              <a:spcAft>
+                <a:spcPts val="0"/>
+              </a:spcAft>
+              <a:buClr>
+                <a:schemeClr val="accent1"/>
+              </a:buClr>
+              <a:buSzPct val="80000"/>
+              <a:buFont typeface="Wingdings 3" charset="2"/>
+              <a:buNone/>
+              <a:defRPr sz="1050" b="0" i="0" kern="1200">
+                <a:solidFill>
+                  <a:schemeClr val="tx1">
+                    <a:tint val="75000"/>
+                  </a:schemeClr>
+                </a:solidFill>
+                <a:latin typeface="+mn-lt"/>
+                <a:ea typeface="+mn-ea"/>
+                <a:cs typeface="+mn-cs"/>
+              </a:defRPr>
+            </a:lvl3pPr>
+            <a:lvl4pPr marL="1028700" indent="0" algn="ctr" defTabSz="342900" rtl="0" eaLnBrk="1" latinLnBrk="0" hangingPunct="1">
+              <a:spcBef>
+                <a:spcPts val="750"/>
+              </a:spcBef>
+              <a:spcAft>
+                <a:spcPts val="0"/>
+              </a:spcAft>
+              <a:buClr>
+                <a:schemeClr val="accent1"/>
+              </a:buClr>
+              <a:buSzPct val="80000"/>
+              <a:buFont typeface="Wingdings 3" charset="2"/>
+              <a:buNone/>
+              <a:defRPr sz="900" b="0" i="0" kern="1200">
+                <a:solidFill>
+                  <a:schemeClr val="tx1">
+                    <a:tint val="75000"/>
+                  </a:schemeClr>
+                </a:solidFill>
+                <a:latin typeface="+mn-lt"/>
+                <a:ea typeface="+mn-ea"/>
+                <a:cs typeface="+mn-cs"/>
+              </a:defRPr>
+            </a:lvl4pPr>
+            <a:lvl5pPr marL="1371600" indent="0" algn="ctr" defTabSz="342900" rtl="0" eaLnBrk="1" latinLnBrk="0" hangingPunct="1">
+              <a:spcBef>
+                <a:spcPts val="750"/>
+              </a:spcBef>
+              <a:spcAft>
+                <a:spcPts val="0"/>
+              </a:spcAft>
+              <a:buClr>
+                <a:schemeClr val="accent1"/>
+              </a:buClr>
+              <a:buSzPct val="80000"/>
+              <a:buFont typeface="Wingdings 3" charset="2"/>
+              <a:buNone/>
+              <a:defRPr sz="900" b="0" i="0" kern="1200">
+                <a:solidFill>
+                  <a:schemeClr val="tx1">
+                    <a:tint val="75000"/>
+                  </a:schemeClr>
+                </a:solidFill>
+                <a:latin typeface="+mn-lt"/>
+                <a:ea typeface="+mn-ea"/>
+                <a:cs typeface="+mn-cs"/>
+              </a:defRPr>
+            </a:lvl5pPr>
+            <a:lvl6pPr marL="1714500" indent="0" algn="ctr" defTabSz="342900" rtl="0" eaLnBrk="1" latinLnBrk="0" hangingPunct="1">
+              <a:spcBef>
+                <a:spcPts val="750"/>
+              </a:spcBef>
+              <a:spcAft>
+                <a:spcPts val="0"/>
+              </a:spcAft>
+              <a:buClr>
+                <a:schemeClr val="accent1"/>
+              </a:buClr>
+              <a:buSzPct val="80000"/>
+              <a:buFont typeface="Wingdings 3" charset="2"/>
+              <a:buNone/>
+              <a:defRPr sz="900" b="0" i="0" kern="1200">
+                <a:solidFill>
+                  <a:schemeClr val="tx1">
+                    <a:tint val="75000"/>
+                  </a:schemeClr>
+                </a:solidFill>
+                <a:latin typeface="+mn-lt"/>
+                <a:ea typeface="+mn-ea"/>
+                <a:cs typeface="+mn-cs"/>
+              </a:defRPr>
+            </a:lvl6pPr>
+            <a:lvl7pPr marL="2057400" indent="0" algn="ctr" defTabSz="342900" rtl="0" eaLnBrk="1" latinLnBrk="0" hangingPunct="1">
+              <a:spcBef>
+                <a:spcPts val="750"/>
+              </a:spcBef>
+              <a:spcAft>
+                <a:spcPts val="0"/>
+              </a:spcAft>
+              <a:buClr>
+                <a:schemeClr val="accent1"/>
+              </a:buClr>
+              <a:buSzPct val="80000"/>
+              <a:buFont typeface="Wingdings 3" charset="2"/>
+              <a:buNone/>
+              <a:defRPr sz="900" b="0" i="0" kern="1200">
+                <a:solidFill>
+                  <a:schemeClr val="tx1">
+                    <a:tint val="75000"/>
+                  </a:schemeClr>
+                </a:solidFill>
+                <a:latin typeface="+mn-lt"/>
+                <a:ea typeface="+mn-ea"/>
+                <a:cs typeface="+mn-cs"/>
+              </a:defRPr>
+            </a:lvl7pPr>
+            <a:lvl8pPr marL="2400300" indent="0" algn="ctr" defTabSz="342900" rtl="0" eaLnBrk="1" latinLnBrk="0" hangingPunct="1">
+              <a:spcBef>
+                <a:spcPts val="750"/>
+              </a:spcBef>
+              <a:spcAft>
+                <a:spcPts val="0"/>
+              </a:spcAft>
+              <a:buClr>
+                <a:schemeClr val="accent1"/>
+              </a:buClr>
+              <a:buSzPct val="80000"/>
+              <a:buFont typeface="Wingdings 3" charset="2"/>
+              <a:buNone/>
+              <a:defRPr sz="900" b="0" i="0" kern="1200">
+                <a:solidFill>
+                  <a:schemeClr val="tx1">
+                    <a:tint val="75000"/>
+                  </a:schemeClr>
+                </a:solidFill>
+                <a:latin typeface="+mn-lt"/>
+                <a:ea typeface="+mn-ea"/>
+                <a:cs typeface="+mn-cs"/>
+              </a:defRPr>
+            </a:lvl8pPr>
+            <a:lvl9pPr marL="2743200" indent="0" algn="ctr" defTabSz="342900" rtl="0" eaLnBrk="1" latinLnBrk="0" hangingPunct="1">
+              <a:spcBef>
+                <a:spcPts val="750"/>
+              </a:spcBef>
+              <a:spcAft>
+                <a:spcPts val="0"/>
+              </a:spcAft>
+              <a:buClr>
+                <a:schemeClr val="accent1"/>
+              </a:buClr>
+              <a:buSzPct val="80000"/>
+              <a:buFont typeface="Wingdings 3" charset="2"/>
+              <a:buNone/>
+              <a:defRPr sz="900" b="0" i="0" kern="1200">
+                <a:solidFill>
+                  <a:schemeClr val="tx1">
+                    <a:tint val="75000"/>
+                  </a:schemeClr>
+                </a:solidFill>
+                <a:latin typeface="+mn-lt"/>
+                <a:ea typeface="+mn-ea"/>
+                <a:cs typeface="+mn-cs"/>
+              </a:defRPr>
+            </a:lvl9pPr>
+          </a:lstStyle>
+          <a:p>
+            <a:r>
+              <a:rPr lang="en-US" sz="1200" baseline="30000" dirty="0">
+                <a:solidFill>
+                  <a:schemeClr val="bg1"/>
+                </a:solidFill>
+              </a:rPr>
+              <a:t>1 </a:t>
+            </a:r>
+            <a:r>
+              <a:rPr lang="en-US" sz="1200" dirty="0">
+                <a:solidFill>
+                  <a:schemeClr val="bg1"/>
+                </a:solidFill>
+              </a:rPr>
+              <a:t>the university of southern Mississippi, </a:t>
+            </a:r>
+            <a:r>
+              <a:rPr lang="en-US" sz="1200" baseline="30000" dirty="0">
+                <a:solidFill>
+                  <a:schemeClr val="bg1"/>
+                </a:solidFill>
+              </a:rPr>
+              <a:t>2 </a:t>
+            </a:r>
+            <a:r>
+              <a:rPr lang="en-US" sz="1200" dirty="0">
+                <a:solidFill>
+                  <a:schemeClr val="bg1"/>
+                </a:solidFill>
+              </a:rPr>
+              <a:t>Harrisburg University OF Science and Technology</a:t>
+            </a:r>
+            <a:endParaRPr lang="en-US" sz="1200" baseline="30000" dirty="0">
+              <a:solidFill>
+                <a:schemeClr val="bg1"/>
+              </a:solidFill>
+            </a:endParaRPr>
           </a:p>
         </p:txBody>
       </p:sp>
@@ -14768,6 +15613,959 @@
 </file>
 
 <file path=ppt/slides/slide10.xml><?xml version="1.0" encoding="utf-8"?>
+<p:sld xmlns:a="http://schemas.openxmlformats.org/drawingml/2006/main" xmlns:r="http://schemas.openxmlformats.org/officeDocument/2006/relationships" xmlns:p="http://schemas.openxmlformats.org/presentationml/2006/main">
+  <p:cSld>
+    <p:spTree>
+      <p:nvGrpSpPr>
+        <p:cNvPr id="1" name=""/>
+        <p:cNvGrpSpPr/>
+        <p:nvPr/>
+      </p:nvGrpSpPr>
+      <p:grpSpPr>
+        <a:xfrm>
+          <a:off x="0" y="0"/>
+          <a:ext cx="0" cy="0"/>
+          <a:chOff x="0" y="0"/>
+          <a:chExt cx="0" cy="0"/>
+        </a:xfrm>
+      </p:grpSpPr>
+      <p:sp>
+        <p:nvSpPr>
+          <p:cNvPr id="4" name="Footer Placeholder 3">
+            <a:extLst>
+              <a:ext uri="{FF2B5EF4-FFF2-40B4-BE49-F238E27FC236}">
+                <a16:creationId xmlns:a16="http://schemas.microsoft.com/office/drawing/2014/main" id="{2C48350D-D1D6-4991-8D5A-77AF8BE21B05}"/>
+              </a:ext>
+            </a:extLst>
+          </p:cNvPr>
+          <p:cNvSpPr>
+            <a:spLocks noGrp="1"/>
+          </p:cNvSpPr>
+          <p:nvPr>
+            <p:ph type="ftr" sz="quarter" idx="11"/>
+          </p:nvPr>
+        </p:nvSpPr>
+        <p:spPr/>
+        <p:txBody>
+          <a:bodyPr/>
+          <a:lstStyle/>
+          <a:p>
+            <a:r>
+              <a:rPr lang="en-US"/>
+              <a:t>
+              </a:t>
+            </a:r>
+            <a:endParaRPr lang="en-US" dirty="0"/>
+          </a:p>
+        </p:txBody>
+      </p:sp>
+      <p:pic>
+        <p:nvPicPr>
+          <p:cNvPr id="6" name="Content Placeholder 5" descr="Graphical user interface, text, application, email&#10;&#10;Description automatically generated">
+            <a:extLst>
+              <a:ext uri="{FF2B5EF4-FFF2-40B4-BE49-F238E27FC236}">
+                <a16:creationId xmlns:a16="http://schemas.microsoft.com/office/drawing/2014/main" id="{0CB11EE7-4755-46FC-B7B8-3BD84B394F0F}"/>
+              </a:ext>
+            </a:extLst>
+          </p:cNvPr>
+          <p:cNvPicPr>
+            <a:picLocks noGrp="1" noChangeAspect="1"/>
+          </p:cNvPicPr>
+          <p:nvPr>
+            <p:ph idx="4294967295"/>
+          </p:nvPr>
+        </p:nvPicPr>
+        <p:blipFill>
+          <a:blip r:embed="rId2"/>
+          <a:stretch>
+            <a:fillRect/>
+          </a:stretch>
+        </p:blipFill>
+        <p:spPr>
+          <a:xfrm>
+            <a:off x="-1" y="0"/>
+            <a:ext cx="9147249" cy="4793879"/>
+          </a:xfrm>
+        </p:spPr>
+      </p:pic>
+    </p:spTree>
+    <p:extLst>
+      <p:ext uri="{BB962C8B-B14F-4D97-AF65-F5344CB8AC3E}">
+        <p14:creationId xmlns:p14="http://schemas.microsoft.com/office/powerpoint/2010/main" val="3259735360"/>
+      </p:ext>
+    </p:extLst>
+  </p:cSld>
+  <p:clrMapOvr>
+    <a:masterClrMapping/>
+  </p:clrMapOvr>
+</p:sld>
+</file>
+
+<file path=ppt/slides/slide11.xml><?xml version="1.0" encoding="utf-8"?>
+<p:sld xmlns:a="http://schemas.openxmlformats.org/drawingml/2006/main" xmlns:r="http://schemas.openxmlformats.org/officeDocument/2006/relationships" xmlns:p="http://schemas.openxmlformats.org/presentationml/2006/main">
+  <p:cSld>
+    <p:spTree>
+      <p:nvGrpSpPr>
+        <p:cNvPr id="1" name=""/>
+        <p:cNvGrpSpPr/>
+        <p:nvPr/>
+      </p:nvGrpSpPr>
+      <p:grpSpPr>
+        <a:xfrm>
+          <a:off x="0" y="0"/>
+          <a:ext cx="0" cy="0"/>
+          <a:chOff x="0" y="0"/>
+          <a:chExt cx="0" cy="0"/>
+        </a:xfrm>
+      </p:grpSpPr>
+      <p:sp>
+        <p:nvSpPr>
+          <p:cNvPr id="4" name="Footer Placeholder 3">
+            <a:extLst>
+              <a:ext uri="{FF2B5EF4-FFF2-40B4-BE49-F238E27FC236}">
+                <a16:creationId xmlns:a16="http://schemas.microsoft.com/office/drawing/2014/main" id="{2C48350D-D1D6-4991-8D5A-77AF8BE21B05}"/>
+              </a:ext>
+            </a:extLst>
+          </p:cNvPr>
+          <p:cNvSpPr>
+            <a:spLocks noGrp="1"/>
+          </p:cNvSpPr>
+          <p:nvPr>
+            <p:ph type="ftr" sz="quarter" idx="11"/>
+          </p:nvPr>
+        </p:nvSpPr>
+        <p:spPr/>
+        <p:txBody>
+          <a:bodyPr/>
+          <a:lstStyle/>
+          <a:p>
+            <a:r>
+              <a:rPr lang="en-US"/>
+              <a:t>
+              </a:t>
+            </a:r>
+            <a:endParaRPr lang="en-US" dirty="0"/>
+          </a:p>
+        </p:txBody>
+      </p:sp>
+      <p:pic>
+        <p:nvPicPr>
+          <p:cNvPr id="3" name="Picture 2" descr="Graphical user interface, table&#10;&#10;Description automatically generated">
+            <a:extLst>
+              <a:ext uri="{FF2B5EF4-FFF2-40B4-BE49-F238E27FC236}">
+                <a16:creationId xmlns:a16="http://schemas.microsoft.com/office/drawing/2014/main" id="{D5EF4EB5-C139-4D31-B40A-8047D60E926B}"/>
+              </a:ext>
+            </a:extLst>
+          </p:cNvPr>
+          <p:cNvPicPr>
+            <a:picLocks noChangeAspect="1"/>
+          </p:cNvPicPr>
+          <p:nvPr/>
+        </p:nvPicPr>
+        <p:blipFill>
+          <a:blip r:embed="rId2"/>
+          <a:stretch>
+            <a:fillRect/>
+          </a:stretch>
+        </p:blipFill>
+        <p:spPr>
+          <a:xfrm>
+            <a:off x="0" y="94557"/>
+            <a:ext cx="9144000" cy="4954385"/>
+          </a:xfrm>
+          <a:prstGeom prst="rect">
+            <a:avLst/>
+          </a:prstGeom>
+        </p:spPr>
+      </p:pic>
+      <p:cxnSp>
+        <p:nvCxnSpPr>
+          <p:cNvPr id="7" name="Straight Arrow Connector 6">
+            <a:extLst>
+              <a:ext uri="{FF2B5EF4-FFF2-40B4-BE49-F238E27FC236}">
+                <a16:creationId xmlns:a16="http://schemas.microsoft.com/office/drawing/2014/main" id="{AF20FD4A-BF2D-4D22-B9CB-0B902CBCD4C2}"/>
+              </a:ext>
+            </a:extLst>
+          </p:cNvPr>
+          <p:cNvCxnSpPr/>
+          <p:nvPr/>
+        </p:nvCxnSpPr>
+        <p:spPr>
+          <a:xfrm>
+            <a:off x="5431747" y="870857"/>
+            <a:ext cx="0" cy="313508"/>
+          </a:xfrm>
+          <a:prstGeom prst="straightConnector1">
+            <a:avLst/>
+          </a:prstGeom>
+          <a:ln w="38100">
+            <a:solidFill>
+              <a:srgbClr val="FF0000"/>
+            </a:solidFill>
+            <a:tailEnd type="triangle"/>
+          </a:ln>
+        </p:spPr>
+        <p:style>
+          <a:lnRef idx="1">
+            <a:schemeClr val="accent1"/>
+          </a:lnRef>
+          <a:fillRef idx="0">
+            <a:schemeClr val="accent1"/>
+          </a:fillRef>
+          <a:effectRef idx="0">
+            <a:schemeClr val="accent1"/>
+          </a:effectRef>
+          <a:fontRef idx="minor">
+            <a:schemeClr val="tx1"/>
+          </a:fontRef>
+        </p:style>
+      </p:cxnSp>
+      <p:cxnSp>
+        <p:nvCxnSpPr>
+          <p:cNvPr id="8" name="Straight Arrow Connector 7">
+            <a:extLst>
+              <a:ext uri="{FF2B5EF4-FFF2-40B4-BE49-F238E27FC236}">
+                <a16:creationId xmlns:a16="http://schemas.microsoft.com/office/drawing/2014/main" id="{9EB7D081-EC0D-40B4-ACAE-36630B3D57E1}"/>
+              </a:ext>
+            </a:extLst>
+          </p:cNvPr>
+          <p:cNvCxnSpPr/>
+          <p:nvPr/>
+        </p:nvCxnSpPr>
+        <p:spPr>
+          <a:xfrm>
+            <a:off x="6897940" y="870857"/>
+            <a:ext cx="0" cy="313508"/>
+          </a:xfrm>
+          <a:prstGeom prst="straightConnector1">
+            <a:avLst/>
+          </a:prstGeom>
+          <a:ln w="38100">
+            <a:solidFill>
+              <a:srgbClr val="00B0F0"/>
+            </a:solidFill>
+            <a:tailEnd type="triangle"/>
+          </a:ln>
+        </p:spPr>
+        <p:style>
+          <a:lnRef idx="1">
+            <a:schemeClr val="accent1"/>
+          </a:lnRef>
+          <a:fillRef idx="0">
+            <a:schemeClr val="accent1"/>
+          </a:fillRef>
+          <a:effectRef idx="0">
+            <a:schemeClr val="accent1"/>
+          </a:effectRef>
+          <a:fontRef idx="minor">
+            <a:schemeClr val="tx1"/>
+          </a:fontRef>
+        </p:style>
+      </p:cxnSp>
+      <p:cxnSp>
+        <p:nvCxnSpPr>
+          <p:cNvPr id="10" name="Straight Arrow Connector 9">
+            <a:extLst>
+              <a:ext uri="{FF2B5EF4-FFF2-40B4-BE49-F238E27FC236}">
+                <a16:creationId xmlns:a16="http://schemas.microsoft.com/office/drawing/2014/main" id="{CAFEF8F2-2876-4C92-B864-D3DE5078C292}"/>
+              </a:ext>
+            </a:extLst>
+          </p:cNvPr>
+          <p:cNvCxnSpPr/>
+          <p:nvPr/>
+        </p:nvCxnSpPr>
+        <p:spPr>
+          <a:xfrm>
+            <a:off x="8668933" y="870857"/>
+            <a:ext cx="0" cy="313508"/>
+          </a:xfrm>
+          <a:prstGeom prst="straightConnector1">
+            <a:avLst/>
+          </a:prstGeom>
+          <a:ln w="38100">
+            <a:solidFill>
+              <a:srgbClr val="92D050"/>
+            </a:solidFill>
+            <a:tailEnd type="triangle"/>
+          </a:ln>
+        </p:spPr>
+        <p:style>
+          <a:lnRef idx="1">
+            <a:schemeClr val="accent1"/>
+          </a:lnRef>
+          <a:fillRef idx="0">
+            <a:schemeClr val="accent1"/>
+          </a:fillRef>
+          <a:effectRef idx="0">
+            <a:schemeClr val="accent1"/>
+          </a:effectRef>
+          <a:fontRef idx="minor">
+            <a:schemeClr val="tx1"/>
+          </a:fontRef>
+        </p:style>
+      </p:cxnSp>
+      <p:sp>
+        <p:nvSpPr>
+          <p:cNvPr id="11" name="Oval 10">
+            <a:extLst>
+              <a:ext uri="{FF2B5EF4-FFF2-40B4-BE49-F238E27FC236}">
+                <a16:creationId xmlns:a16="http://schemas.microsoft.com/office/drawing/2014/main" id="{7C4FAEB4-2F73-4BF6-87E9-23FBF4EB8BAD}"/>
+              </a:ext>
+            </a:extLst>
+          </p:cNvPr>
+          <p:cNvSpPr/>
+          <p:nvPr/>
+        </p:nvSpPr>
+        <p:spPr>
+          <a:xfrm>
+            <a:off x="-82542" y="573598"/>
+            <a:ext cx="2163590" cy="908025"/>
+          </a:xfrm>
+          <a:prstGeom prst="ellipse">
+            <a:avLst/>
+          </a:prstGeom>
+          <a:noFill/>
+          <a:ln>
+            <a:solidFill>
+              <a:srgbClr val="FF0000"/>
+            </a:solidFill>
+          </a:ln>
+        </p:spPr>
+        <p:style>
+          <a:lnRef idx="2">
+            <a:schemeClr val="accent1">
+              <a:shade val="50000"/>
+            </a:schemeClr>
+          </a:lnRef>
+          <a:fillRef idx="1">
+            <a:schemeClr val="accent1"/>
+          </a:fillRef>
+          <a:effectRef idx="0">
+            <a:schemeClr val="accent1"/>
+          </a:effectRef>
+          <a:fontRef idx="minor">
+            <a:schemeClr val="lt1"/>
+          </a:fontRef>
+        </p:style>
+        <p:txBody>
+          <a:bodyPr rtlCol="0" anchor="ctr"/>
+          <a:lstStyle/>
+          <a:p>
+            <a:pPr algn="ctr"/>
+            <a:endParaRPr lang="en-US"/>
+          </a:p>
+        </p:txBody>
+      </p:sp>
+    </p:spTree>
+    <p:extLst>
+      <p:ext uri="{BB962C8B-B14F-4D97-AF65-F5344CB8AC3E}">
+        <p14:creationId xmlns:p14="http://schemas.microsoft.com/office/powerpoint/2010/main" val="825581967"/>
+      </p:ext>
+    </p:extLst>
+  </p:cSld>
+  <p:clrMapOvr>
+    <a:masterClrMapping/>
+  </p:clrMapOvr>
+  <p:timing>
+    <p:tnLst>
+      <p:par>
+        <p:cTn id="1" dur="indefinite" restart="never" nodeType="tmRoot">
+          <p:childTnLst>
+            <p:seq concurrent="1" nextAc="seek">
+              <p:cTn id="2" dur="indefinite" nodeType="mainSeq">
+                <p:childTnLst>
+                  <p:par>
+                    <p:cTn id="3" fill="hold">
+                      <p:stCondLst>
+                        <p:cond delay="indefinite"/>
+                      </p:stCondLst>
+                      <p:childTnLst>
+                        <p:par>
+                          <p:cTn id="4" fill="hold">
+                            <p:stCondLst>
+                              <p:cond delay="0"/>
+                            </p:stCondLst>
+                            <p:childTnLst>
+                              <p:par>
+                                <p:cTn id="5" presetID="1" presetClass="entr" presetSubtype="0" fill="hold" nodeType="clickEffect">
+                                  <p:stCondLst>
+                                    <p:cond delay="0"/>
+                                  </p:stCondLst>
+                                  <p:childTnLst>
+                                    <p:set>
+                                      <p:cBhvr>
+                                        <p:cTn id="6" dur="1" fill="hold">
+                                          <p:stCondLst>
+                                            <p:cond delay="0"/>
+                                          </p:stCondLst>
+                                        </p:cTn>
+                                        <p:tgtEl>
+                                          <p:spTgt spid="7"/>
+                                        </p:tgtEl>
+                                        <p:attrNameLst>
+                                          <p:attrName>style.visibility</p:attrName>
+                                        </p:attrNameLst>
+                                      </p:cBhvr>
+                                      <p:to>
+                                        <p:strVal val="visible"/>
+                                      </p:to>
+                                    </p:set>
+                                  </p:childTnLst>
+                                </p:cTn>
+                              </p:par>
+                            </p:childTnLst>
+                          </p:cTn>
+                        </p:par>
+                      </p:childTnLst>
+                    </p:cTn>
+                  </p:par>
+                  <p:par>
+                    <p:cTn id="7" fill="hold">
+                      <p:stCondLst>
+                        <p:cond delay="indefinite"/>
+                      </p:stCondLst>
+                      <p:childTnLst>
+                        <p:par>
+                          <p:cTn id="8" fill="hold">
+                            <p:stCondLst>
+                              <p:cond delay="0"/>
+                            </p:stCondLst>
+                            <p:childTnLst>
+                              <p:par>
+                                <p:cTn id="9" presetID="1" presetClass="entr" presetSubtype="0" fill="hold" nodeType="clickEffect">
+                                  <p:stCondLst>
+                                    <p:cond delay="0"/>
+                                  </p:stCondLst>
+                                  <p:childTnLst>
+                                    <p:set>
+                                      <p:cBhvr>
+                                        <p:cTn id="10" dur="1" fill="hold">
+                                          <p:stCondLst>
+                                            <p:cond delay="0"/>
+                                          </p:stCondLst>
+                                        </p:cTn>
+                                        <p:tgtEl>
+                                          <p:spTgt spid="8"/>
+                                        </p:tgtEl>
+                                        <p:attrNameLst>
+                                          <p:attrName>style.visibility</p:attrName>
+                                        </p:attrNameLst>
+                                      </p:cBhvr>
+                                      <p:to>
+                                        <p:strVal val="visible"/>
+                                      </p:to>
+                                    </p:set>
+                                  </p:childTnLst>
+                                </p:cTn>
+                              </p:par>
+                            </p:childTnLst>
+                          </p:cTn>
+                        </p:par>
+                      </p:childTnLst>
+                    </p:cTn>
+                  </p:par>
+                  <p:par>
+                    <p:cTn id="11" fill="hold">
+                      <p:stCondLst>
+                        <p:cond delay="indefinite"/>
+                      </p:stCondLst>
+                      <p:childTnLst>
+                        <p:par>
+                          <p:cTn id="12" fill="hold">
+                            <p:stCondLst>
+                              <p:cond delay="0"/>
+                            </p:stCondLst>
+                            <p:childTnLst>
+                              <p:par>
+                                <p:cTn id="13" presetID="1" presetClass="entr" presetSubtype="0" fill="hold" nodeType="clickEffect">
+                                  <p:stCondLst>
+                                    <p:cond delay="0"/>
+                                  </p:stCondLst>
+                                  <p:childTnLst>
+                                    <p:set>
+                                      <p:cBhvr>
+                                        <p:cTn id="14" dur="1" fill="hold">
+                                          <p:stCondLst>
+                                            <p:cond delay="0"/>
+                                          </p:stCondLst>
+                                        </p:cTn>
+                                        <p:tgtEl>
+                                          <p:spTgt spid="10"/>
+                                        </p:tgtEl>
+                                        <p:attrNameLst>
+                                          <p:attrName>style.visibility</p:attrName>
+                                        </p:attrNameLst>
+                                      </p:cBhvr>
+                                      <p:to>
+                                        <p:strVal val="visible"/>
+                                      </p:to>
+                                    </p:set>
+                                  </p:childTnLst>
+                                </p:cTn>
+                              </p:par>
+                            </p:childTnLst>
+                          </p:cTn>
+                        </p:par>
+                      </p:childTnLst>
+                    </p:cTn>
+                  </p:par>
+                  <p:par>
+                    <p:cTn id="15" fill="hold">
+                      <p:stCondLst>
+                        <p:cond delay="indefinite"/>
+                      </p:stCondLst>
+                      <p:childTnLst>
+                        <p:par>
+                          <p:cTn id="16" fill="hold">
+                            <p:stCondLst>
+                              <p:cond delay="0"/>
+                            </p:stCondLst>
+                            <p:childTnLst>
+                              <p:par>
+                                <p:cTn id="17" presetID="1" presetClass="entr" presetSubtype="0" fill="hold" grpId="0" nodeType="clickEffect">
+                                  <p:stCondLst>
+                                    <p:cond delay="0"/>
+                                  </p:stCondLst>
+                                  <p:childTnLst>
+                                    <p:set>
+                                      <p:cBhvr>
+                                        <p:cTn id="18" dur="1" fill="hold">
+                                          <p:stCondLst>
+                                            <p:cond delay="0"/>
+                                          </p:stCondLst>
+                                        </p:cTn>
+                                        <p:tgtEl>
+                                          <p:spTgt spid="11"/>
+                                        </p:tgtEl>
+                                        <p:attrNameLst>
+                                          <p:attrName>style.visibility</p:attrName>
+                                        </p:attrNameLst>
+                                      </p:cBhvr>
+                                      <p:to>
+                                        <p:strVal val="visible"/>
+                                      </p:to>
+                                    </p:set>
+                                  </p:childTnLst>
+                                </p:cTn>
+                              </p:par>
+                            </p:childTnLst>
+                          </p:cTn>
+                        </p:par>
+                      </p:childTnLst>
+                    </p:cTn>
+                  </p:par>
+                </p:childTnLst>
+              </p:cTn>
+              <p:prevCondLst>
+                <p:cond evt="onPrev" delay="0">
+                  <p:tgtEl>
+                    <p:sldTgt/>
+                  </p:tgtEl>
+                </p:cond>
+              </p:prevCondLst>
+              <p:nextCondLst>
+                <p:cond evt="onNext" delay="0">
+                  <p:tgtEl>
+                    <p:sldTgt/>
+                  </p:tgtEl>
+                </p:cond>
+              </p:nextCondLst>
+            </p:seq>
+          </p:childTnLst>
+        </p:cTn>
+      </p:par>
+    </p:tnLst>
+    <p:bldLst>
+      <p:bldP spid="11" grpId="0" animBg="1"/>
+    </p:bldLst>
+  </p:timing>
+</p:sld>
+</file>
+
+<file path=ppt/slides/slide12.xml><?xml version="1.0" encoding="utf-8"?>
+<p:sld xmlns:a="http://schemas.openxmlformats.org/drawingml/2006/main" xmlns:r="http://schemas.openxmlformats.org/officeDocument/2006/relationships" xmlns:p="http://schemas.openxmlformats.org/presentationml/2006/main">
+  <p:cSld>
+    <p:spTree>
+      <p:nvGrpSpPr>
+        <p:cNvPr id="1" name=""/>
+        <p:cNvGrpSpPr/>
+        <p:nvPr/>
+      </p:nvGrpSpPr>
+      <p:grpSpPr>
+        <a:xfrm>
+          <a:off x="0" y="0"/>
+          <a:ext cx="0" cy="0"/>
+          <a:chOff x="0" y="0"/>
+          <a:chExt cx="0" cy="0"/>
+        </a:xfrm>
+      </p:grpSpPr>
+      <p:sp>
+        <p:nvSpPr>
+          <p:cNvPr id="2" name="Title 1">
+            <a:extLst>
+              <a:ext uri="{FF2B5EF4-FFF2-40B4-BE49-F238E27FC236}">
+                <a16:creationId xmlns:a16="http://schemas.microsoft.com/office/drawing/2014/main" id="{9927F1A6-99DA-4715-B03E-BA46B558B56C}"/>
+              </a:ext>
+            </a:extLst>
+          </p:cNvPr>
+          <p:cNvSpPr>
+            <a:spLocks noGrp="1"/>
+          </p:cNvSpPr>
+          <p:nvPr>
+            <p:ph type="title"/>
+          </p:nvPr>
+        </p:nvSpPr>
+        <p:spPr/>
+        <p:txBody>
+          <a:bodyPr/>
+          <a:lstStyle/>
+          <a:p>
+            <a:r>
+              <a:rPr lang="en-US" b="1" dirty="0"/>
+              <a:t>Testing</a:t>
+            </a:r>
+            <a:r>
+              <a:rPr lang="en-US" b="1" i="1" dirty="0"/>
+              <a:t> </a:t>
+            </a:r>
+            <a:r>
+              <a:rPr lang="en-US" b="1" i="1" dirty="0" err="1"/>
+              <a:t>lrd</a:t>
+            </a:r>
+            <a:r>
+              <a:rPr lang="en-US" b="1" dirty="0"/>
+              <a:t> vs Manually Coded Data</a:t>
+            </a:r>
+          </a:p>
+        </p:txBody>
+      </p:sp>
+      <p:sp>
+        <p:nvSpPr>
+          <p:cNvPr id="3" name="Content Placeholder 2">
+            <a:extLst>
+              <a:ext uri="{FF2B5EF4-FFF2-40B4-BE49-F238E27FC236}">
+                <a16:creationId xmlns:a16="http://schemas.microsoft.com/office/drawing/2014/main" id="{EB061A30-88A4-4046-A930-23F63126D6E2}"/>
+              </a:ext>
+            </a:extLst>
+          </p:cNvPr>
+          <p:cNvSpPr>
+            <a:spLocks noGrp="1"/>
+          </p:cNvSpPr>
+          <p:nvPr>
+            <p:ph idx="1"/>
+          </p:nvPr>
+        </p:nvSpPr>
+        <p:spPr/>
+        <p:txBody>
+          <a:bodyPr>
+            <a:normAutofit/>
+          </a:bodyPr>
+          <a:lstStyle/>
+          <a:p>
+            <a:r>
+              <a:rPr lang="en-US" sz="1750" dirty="0">
+                <a:solidFill>
+                  <a:schemeClr val="tx1"/>
+                </a:solidFill>
+              </a:rPr>
+              <a:t>Tested whether mean recall differed between manually coded data and each level of </a:t>
+            </a:r>
+            <a:r>
+              <a:rPr lang="en-US" sz="1750" i="1" dirty="0" err="1">
+                <a:solidFill>
+                  <a:schemeClr val="tx1"/>
+                </a:solidFill>
+              </a:rPr>
+              <a:t>lrd</a:t>
+            </a:r>
+            <a:r>
+              <a:rPr lang="en-US" sz="1750" dirty="0">
+                <a:solidFill>
+                  <a:schemeClr val="tx1"/>
+                </a:solidFill>
+              </a:rPr>
+              <a:t> scoring (ANOVAs)</a:t>
+            </a:r>
+          </a:p>
+          <a:p>
+            <a:r>
+              <a:rPr lang="en-US" sz="1750" dirty="0">
+                <a:solidFill>
+                  <a:schemeClr val="tx1"/>
+                </a:solidFill>
+              </a:rPr>
+              <a:t>Sensitivity and specificity analyses</a:t>
+            </a:r>
+          </a:p>
+          <a:p>
+            <a:pPr lvl="1"/>
+            <a:r>
+              <a:rPr lang="en-US" sz="1450" dirty="0">
+                <a:solidFill>
+                  <a:schemeClr val="tx1"/>
+                </a:solidFill>
+              </a:rPr>
+              <a:t>Sensitivity = proportion of </a:t>
+            </a:r>
+            <a:r>
+              <a:rPr lang="en-US" sz="1450" b="1" dirty="0">
+                <a:solidFill>
+                  <a:schemeClr val="tx2"/>
+                </a:solidFill>
+              </a:rPr>
+              <a:t>true positives</a:t>
+            </a:r>
+          </a:p>
+          <a:p>
+            <a:pPr lvl="1"/>
+            <a:r>
+              <a:rPr lang="en-US" sz="1450" dirty="0">
+                <a:solidFill>
+                  <a:schemeClr val="tx1"/>
+                </a:solidFill>
+              </a:rPr>
+              <a:t>Specificity = proportion to </a:t>
+            </a:r>
+            <a:r>
+              <a:rPr lang="en-US" sz="1450" b="1" dirty="0">
+                <a:solidFill>
+                  <a:schemeClr val="tx2"/>
+                </a:solidFill>
+              </a:rPr>
+              <a:t>true negatives</a:t>
+            </a:r>
+          </a:p>
+          <a:p>
+            <a:pPr lvl="1"/>
+            <a:endParaRPr lang="en-US" sz="1650" dirty="0">
+              <a:solidFill>
+                <a:schemeClr val="tx1"/>
+              </a:solidFill>
+            </a:endParaRPr>
+          </a:p>
+        </p:txBody>
+      </p:sp>
+      <p:sp>
+        <p:nvSpPr>
+          <p:cNvPr id="4" name="Footer Placeholder 3">
+            <a:extLst>
+              <a:ext uri="{FF2B5EF4-FFF2-40B4-BE49-F238E27FC236}">
+                <a16:creationId xmlns:a16="http://schemas.microsoft.com/office/drawing/2014/main" id="{A2AE2969-1273-4A3C-8C5F-3EAB04C45AF5}"/>
+              </a:ext>
+            </a:extLst>
+          </p:cNvPr>
+          <p:cNvSpPr>
+            <a:spLocks noGrp="1"/>
+          </p:cNvSpPr>
+          <p:nvPr>
+            <p:ph type="ftr" sz="quarter" idx="11"/>
+          </p:nvPr>
+        </p:nvSpPr>
+        <p:spPr/>
+        <p:txBody>
+          <a:bodyPr/>
+          <a:lstStyle/>
+          <a:p>
+            <a:r>
+              <a:rPr lang="en-US"/>
+              <a:t>
+              </a:t>
+            </a:r>
+            <a:endParaRPr lang="en-US" dirty="0"/>
+          </a:p>
+        </p:txBody>
+      </p:sp>
+    </p:spTree>
+    <p:extLst>
+      <p:ext uri="{BB962C8B-B14F-4D97-AF65-F5344CB8AC3E}">
+        <p14:creationId xmlns:p14="http://schemas.microsoft.com/office/powerpoint/2010/main" val="1686186141"/>
+      </p:ext>
+    </p:extLst>
+  </p:cSld>
+  <p:clrMapOvr>
+    <a:masterClrMapping/>
+  </p:clrMapOvr>
+  <p:timing>
+    <p:tnLst>
+      <p:par>
+        <p:cTn id="1" dur="indefinite" restart="never" nodeType="tmRoot">
+          <p:childTnLst>
+            <p:seq concurrent="1" nextAc="seek">
+              <p:cTn id="2" dur="indefinite" nodeType="mainSeq">
+                <p:childTnLst>
+                  <p:par>
+                    <p:cTn id="3" fill="hold">
+                      <p:stCondLst>
+                        <p:cond delay="indefinite"/>
+                      </p:stCondLst>
+                      <p:childTnLst>
+                        <p:par>
+                          <p:cTn id="4" fill="hold">
+                            <p:stCondLst>
+                              <p:cond delay="0"/>
+                            </p:stCondLst>
+                            <p:childTnLst>
+                              <p:par>
+                                <p:cTn id="5" presetID="1" presetClass="entr" presetSubtype="0" fill="hold" nodeType="clickEffect">
+                                  <p:stCondLst>
+                                    <p:cond delay="0"/>
+                                  </p:stCondLst>
+                                  <p:childTnLst>
+                                    <p:set>
+                                      <p:cBhvr>
+                                        <p:cTn id="6" dur="1" fill="hold">
+                                          <p:stCondLst>
+                                            <p:cond delay="0"/>
+                                          </p:stCondLst>
+                                        </p:cTn>
+                                        <p:tgtEl>
+                                          <p:spTgt spid="3">
+                                            <p:txEl>
+                                              <p:pRg st="1" end="1"/>
+                                            </p:txEl>
+                                          </p:spTgt>
+                                        </p:tgtEl>
+                                        <p:attrNameLst>
+                                          <p:attrName>style.visibility</p:attrName>
+                                        </p:attrNameLst>
+                                      </p:cBhvr>
+                                      <p:to>
+                                        <p:strVal val="visible"/>
+                                      </p:to>
+                                    </p:set>
+                                  </p:childTnLst>
+                                </p:cTn>
+                              </p:par>
+                            </p:childTnLst>
+                          </p:cTn>
+                        </p:par>
+                      </p:childTnLst>
+                    </p:cTn>
+                  </p:par>
+                  <p:par>
+                    <p:cTn id="7" fill="hold">
+                      <p:stCondLst>
+                        <p:cond delay="indefinite"/>
+                      </p:stCondLst>
+                      <p:childTnLst>
+                        <p:par>
+                          <p:cTn id="8" fill="hold">
+                            <p:stCondLst>
+                              <p:cond delay="0"/>
+                            </p:stCondLst>
+                            <p:childTnLst>
+                              <p:par>
+                                <p:cTn id="9" presetID="1" presetClass="entr" presetSubtype="0" fill="hold" nodeType="clickEffect">
+                                  <p:stCondLst>
+                                    <p:cond delay="0"/>
+                                  </p:stCondLst>
+                                  <p:childTnLst>
+                                    <p:set>
+                                      <p:cBhvr>
+                                        <p:cTn id="10" dur="1" fill="hold">
+                                          <p:stCondLst>
+                                            <p:cond delay="0"/>
+                                          </p:stCondLst>
+                                        </p:cTn>
+                                        <p:tgtEl>
+                                          <p:spTgt spid="3">
+                                            <p:txEl>
+                                              <p:pRg st="2" end="2"/>
+                                            </p:txEl>
+                                          </p:spTgt>
+                                        </p:tgtEl>
+                                        <p:attrNameLst>
+                                          <p:attrName>style.visibility</p:attrName>
+                                        </p:attrNameLst>
+                                      </p:cBhvr>
+                                      <p:to>
+                                        <p:strVal val="visible"/>
+                                      </p:to>
+                                    </p:set>
+                                  </p:childTnLst>
+                                </p:cTn>
+                              </p:par>
+                            </p:childTnLst>
+                          </p:cTn>
+                        </p:par>
+                      </p:childTnLst>
+                    </p:cTn>
+                  </p:par>
+                  <p:par>
+                    <p:cTn id="11" fill="hold">
+                      <p:stCondLst>
+                        <p:cond delay="indefinite"/>
+                      </p:stCondLst>
+                      <p:childTnLst>
+                        <p:par>
+                          <p:cTn id="12" fill="hold">
+                            <p:stCondLst>
+                              <p:cond delay="0"/>
+                            </p:stCondLst>
+                            <p:childTnLst>
+                              <p:par>
+                                <p:cTn id="13" presetID="1" presetClass="entr" presetSubtype="0" fill="hold" nodeType="clickEffect">
+                                  <p:stCondLst>
+                                    <p:cond delay="0"/>
+                                  </p:stCondLst>
+                                  <p:childTnLst>
+                                    <p:set>
+                                      <p:cBhvr>
+                                        <p:cTn id="14" dur="1" fill="hold">
+                                          <p:stCondLst>
+                                            <p:cond delay="0"/>
+                                          </p:stCondLst>
+                                        </p:cTn>
+                                        <p:tgtEl>
+                                          <p:spTgt spid="3">
+                                            <p:txEl>
+                                              <p:pRg st="3" end="3"/>
+                                            </p:txEl>
+                                          </p:spTgt>
+                                        </p:tgtEl>
+                                        <p:attrNameLst>
+                                          <p:attrName>style.visibility</p:attrName>
+                                        </p:attrNameLst>
+                                      </p:cBhvr>
+                                      <p:to>
+                                        <p:strVal val="visible"/>
+                                      </p:to>
+                                    </p:set>
+                                  </p:childTnLst>
+                                </p:cTn>
+                              </p:par>
+                            </p:childTnLst>
+                          </p:cTn>
+                        </p:par>
+                      </p:childTnLst>
+                    </p:cTn>
+                  </p:par>
+                </p:childTnLst>
+              </p:cTn>
+              <p:prevCondLst>
+                <p:cond evt="onPrev" delay="0">
+                  <p:tgtEl>
+                    <p:sldTgt/>
+                  </p:tgtEl>
+                </p:cond>
+              </p:prevCondLst>
+              <p:nextCondLst>
+                <p:cond evt="onNext" delay="0">
+                  <p:tgtEl>
+                    <p:sldTgt/>
+                  </p:tgtEl>
+                </p:cond>
+              </p:nextCondLst>
+            </p:seq>
+          </p:childTnLst>
+        </p:cTn>
+      </p:par>
+    </p:tnLst>
+  </p:timing>
+</p:sld>
+</file>
+
+<file path=ppt/slides/slide13.xml><?xml version="1.0" encoding="utf-8"?>
 <p:sld xmlns:a="http://schemas.openxmlformats.org/drawingml/2006/main" xmlns:r="http://schemas.openxmlformats.org/officeDocument/2006/relationships" xmlns:p="http://schemas.openxmlformats.org/presentationml/2006/main">
   <p:cSld>
     <p:spTree>
@@ -14807,7 +16605,7 @@
           <a:p>
             <a:r>
               <a:rPr lang="en-US" b="1" dirty="0"/>
-              <a:t>Method</a:t>
+              <a:t>Cued-Recall</a:t>
             </a:r>
           </a:p>
         </p:txBody>
@@ -14830,10 +16628,51 @@
         </p:nvSpPr>
         <p:spPr/>
         <p:txBody>
-          <a:bodyPr/>
+          <a:bodyPr>
+            <a:normAutofit/>
+          </a:bodyPr>
           <a:lstStyle/>
           <a:p>
-            <a:endParaRPr lang="en-US"/>
+            <a:r>
+              <a:rPr lang="en-US" sz="1800" dirty="0">
+                <a:solidFill>
+                  <a:schemeClr val="tx1"/>
+                </a:solidFill>
+              </a:rPr>
+              <a:t>Cued-recall data taken from two studies</a:t>
+            </a:r>
+          </a:p>
+          <a:p>
+            <a:pPr lvl="1"/>
+            <a:r>
+              <a:rPr lang="en-US" sz="1600" dirty="0">
+                <a:solidFill>
+                  <a:schemeClr val="tx1"/>
+                </a:solidFill>
+              </a:rPr>
+              <a:t>Maxwell &amp; Buchanan (2020)</a:t>
+            </a:r>
+          </a:p>
+          <a:p>
+            <a:pPr lvl="1"/>
+            <a:r>
+              <a:rPr lang="en-US" sz="1600" dirty="0">
+                <a:solidFill>
+                  <a:schemeClr val="tx1"/>
+                </a:solidFill>
+              </a:rPr>
+              <a:t>Maxwell &amp; Huff (in press)</a:t>
+            </a:r>
+          </a:p>
+          <a:p>
+            <a:r>
+              <a:rPr lang="en-US" sz="1800" dirty="0">
+                <a:solidFill>
+                  <a:schemeClr val="tx1"/>
+                </a:solidFill>
+              </a:rPr>
+              <a:t>Combined dataset contained 31,301 observations taken from 334 participants</a:t>
+            </a:r>
           </a:p>
         </p:txBody>
       </p:sp>
@@ -14880,7 +16719,7 @@
 </p:sld>
 </file>
 
-<file path=ppt/slides/slide11.xml><?xml version="1.0" encoding="utf-8"?>
+<file path=ppt/slides/slide14.xml><?xml version="1.0" encoding="utf-8"?>
 <p:sld xmlns:a="http://schemas.openxmlformats.org/drawingml/2006/main" xmlns:r="http://schemas.openxmlformats.org/officeDocument/2006/relationships" xmlns:p="http://schemas.openxmlformats.org/presentationml/2006/main">
   <p:cSld>
     <p:spTree>
@@ -14919,37 +16758,438 @@
           <a:lstStyle/>
           <a:p>
             <a:r>
-              <a:rPr lang="en-US" dirty="0"/>
+              <a:rPr lang="en-US" b="1" dirty="0"/>
               <a:t>Results</a:t>
             </a:r>
           </a:p>
         </p:txBody>
       </p:sp>
-      <p:sp>
-        <p:nvSpPr>
-          <p:cNvPr id="3" name="Content Placeholder 2">
+      <p:graphicFrame>
+        <p:nvGraphicFramePr>
+          <p:cNvPr id="5" name="Table 5">
             <a:extLst>
               <a:ext uri="{FF2B5EF4-FFF2-40B4-BE49-F238E27FC236}">
-                <a16:creationId xmlns:a16="http://schemas.microsoft.com/office/drawing/2014/main" id="{0F441C14-36EF-4A16-8D39-3685A7038FC1}"/>
+                <a16:creationId xmlns:a16="http://schemas.microsoft.com/office/drawing/2014/main" id="{D38D64F8-53E5-4500-80DF-E02DEB4C4654}"/>
               </a:ext>
             </a:extLst>
           </p:cNvPr>
-          <p:cNvSpPr>
-            <a:spLocks noGrp="1"/>
-          </p:cNvSpPr>
+          <p:cNvGraphicFramePr>
+            <a:graphicFrameLocks noGrp="1"/>
+          </p:cNvGraphicFramePr>
           <p:nvPr>
             <p:ph idx="1"/>
+            <p:extLst>
+              <p:ext uri="{D42A27DB-BD31-4B8C-83A1-F6EECF244321}">
+                <p14:modId xmlns:p14="http://schemas.microsoft.com/office/powerpoint/2010/main" val="682943490"/>
+              </p:ext>
+            </p:extLst>
           </p:nvPr>
-        </p:nvSpPr>
-        <p:spPr/>
-        <p:txBody>
-          <a:bodyPr/>
-          <a:lstStyle/>
-          <a:p>
-            <a:endParaRPr lang="en-US"/>
-          </a:p>
-        </p:txBody>
-      </p:sp>
+        </p:nvGraphicFramePr>
+        <p:xfrm>
+          <a:off x="866215" y="1879052"/>
+          <a:ext cx="6894785" cy="1725996"/>
+        </p:xfrm>
+        <a:graphic>
+          <a:graphicData uri="http://schemas.openxmlformats.org/drawingml/2006/table">
+            <a:tbl>
+              <a:tblPr firstRow="1" bandRow="1">
+                <a:tableStyleId>{5C22544A-7EE6-4342-B048-85BDC9FD1C3A}</a:tableStyleId>
+              </a:tblPr>
+              <a:tblGrid>
+                <a:gridCol w="1133518">
+                  <a:extLst>
+                    <a:ext uri="{9D8B030D-6E8A-4147-A177-3AD203B41FA5}">
+                      <a16:colId xmlns:a16="http://schemas.microsoft.com/office/drawing/2014/main" val="1414667312"/>
+                    </a:ext>
+                  </a:extLst>
+                </a:gridCol>
+                <a:gridCol w="861849">
+                  <a:extLst>
+                    <a:ext uri="{9D8B030D-6E8A-4147-A177-3AD203B41FA5}">
+                      <a16:colId xmlns:a16="http://schemas.microsoft.com/office/drawing/2014/main" val="3022451391"/>
+                    </a:ext>
+                  </a:extLst>
+                </a:gridCol>
+                <a:gridCol w="800956">
+                  <a:extLst>
+                    <a:ext uri="{9D8B030D-6E8A-4147-A177-3AD203B41FA5}">
+                      <a16:colId xmlns:a16="http://schemas.microsoft.com/office/drawing/2014/main" val="1655699768"/>
+                    </a:ext>
+                  </a:extLst>
+                </a:gridCol>
+                <a:gridCol w="810324">
+                  <a:extLst>
+                    <a:ext uri="{9D8B030D-6E8A-4147-A177-3AD203B41FA5}">
+                      <a16:colId xmlns:a16="http://schemas.microsoft.com/office/drawing/2014/main" val="3095863849"/>
+                    </a:ext>
+                  </a:extLst>
+                </a:gridCol>
+                <a:gridCol w="805641">
+                  <a:extLst>
+                    <a:ext uri="{9D8B030D-6E8A-4147-A177-3AD203B41FA5}">
+                      <a16:colId xmlns:a16="http://schemas.microsoft.com/office/drawing/2014/main" val="3765619605"/>
+                    </a:ext>
+                  </a:extLst>
+                </a:gridCol>
+                <a:gridCol w="796273">
+                  <a:extLst>
+                    <a:ext uri="{9D8B030D-6E8A-4147-A177-3AD203B41FA5}">
+                      <a16:colId xmlns:a16="http://schemas.microsoft.com/office/drawing/2014/main" val="3776992281"/>
+                    </a:ext>
+                  </a:extLst>
+                </a:gridCol>
+                <a:gridCol w="843112">
+                  <a:extLst>
+                    <a:ext uri="{9D8B030D-6E8A-4147-A177-3AD203B41FA5}">
+                      <a16:colId xmlns:a16="http://schemas.microsoft.com/office/drawing/2014/main" val="2538133775"/>
+                    </a:ext>
+                  </a:extLst>
+                </a:gridCol>
+                <a:gridCol w="843112">
+                  <a:extLst>
+                    <a:ext uri="{9D8B030D-6E8A-4147-A177-3AD203B41FA5}">
+                      <a16:colId xmlns:a16="http://schemas.microsoft.com/office/drawing/2014/main" val="904071087"/>
+                    </a:ext>
+                  </a:extLst>
+                </a:gridCol>
+              </a:tblGrid>
+              <a:tr h="464936">
+                <a:tc>
+                  <a:txBody>
+                    <a:bodyPr/>
+                    <a:lstStyle/>
+                    <a:p>
+                      <a:r>
+                        <a:rPr lang="en-US" dirty="0"/>
+                        <a:t>Study</a:t>
+                      </a:r>
+                    </a:p>
+                  </a:txBody>
+                  <a:tcPr/>
+                </a:tc>
+                <a:tc>
+                  <a:txBody>
+                    <a:bodyPr/>
+                    <a:lstStyle/>
+                    <a:p>
+                      <a:r>
+                        <a:rPr lang="en-US" dirty="0"/>
+                        <a:t>Manual</a:t>
+                      </a:r>
+                    </a:p>
+                  </a:txBody>
+                  <a:tcPr/>
+                </a:tc>
+                <a:tc>
+                  <a:txBody>
+                    <a:bodyPr/>
+                    <a:lstStyle/>
+                    <a:p>
+                      <a:r>
+                        <a:rPr lang="en-US" dirty="0"/>
+                        <a:t>Lev 0</a:t>
+                      </a:r>
+                    </a:p>
+                  </a:txBody>
+                  <a:tcPr/>
+                </a:tc>
+                <a:tc>
+                  <a:txBody>
+                    <a:bodyPr/>
+                    <a:lstStyle/>
+                    <a:p>
+                      <a:r>
+                        <a:rPr lang="en-US" dirty="0"/>
+                        <a:t>Lev 1</a:t>
+                      </a:r>
+                    </a:p>
+                  </a:txBody>
+                  <a:tcPr/>
+                </a:tc>
+                <a:tc>
+                  <a:txBody>
+                    <a:bodyPr/>
+                    <a:lstStyle/>
+                    <a:p>
+                      <a:r>
+                        <a:rPr lang="en-US" dirty="0"/>
+                        <a:t>Lev 2</a:t>
+                      </a:r>
+                    </a:p>
+                  </a:txBody>
+                  <a:tcPr/>
+                </a:tc>
+                <a:tc>
+                  <a:txBody>
+                    <a:bodyPr/>
+                    <a:lstStyle/>
+                    <a:p>
+                      <a:r>
+                        <a:rPr lang="en-US" dirty="0"/>
+                        <a:t>Lev 3</a:t>
+                      </a:r>
+                    </a:p>
+                  </a:txBody>
+                  <a:tcPr/>
+                </a:tc>
+                <a:tc>
+                  <a:txBody>
+                    <a:bodyPr/>
+                    <a:lstStyle/>
+                    <a:p>
+                      <a:r>
+                        <a:rPr lang="en-US" dirty="0"/>
+                        <a:t>Lev 4</a:t>
+                      </a:r>
+                    </a:p>
+                  </a:txBody>
+                  <a:tcPr/>
+                </a:tc>
+                <a:tc>
+                  <a:txBody>
+                    <a:bodyPr/>
+                    <a:lstStyle/>
+                    <a:p>
+                      <a:r>
+                        <a:rPr lang="en-US" dirty="0"/>
+                        <a:t>Lev 5</a:t>
+                      </a:r>
+                    </a:p>
+                  </a:txBody>
+                  <a:tcPr/>
+                </a:tc>
+                <a:extLst>
+                  <a:ext uri="{0D108BD9-81ED-4DB2-BD59-A6C34878D82A}">
+                    <a16:rowId xmlns:a16="http://schemas.microsoft.com/office/drawing/2014/main" val="3094978493"/>
+                  </a:ext>
+                </a:extLst>
+              </a:tr>
+              <a:tr h="630530">
+                <a:tc>
+                  <a:txBody>
+                    <a:bodyPr/>
+                    <a:lstStyle/>
+                    <a:p>
+                      <a:r>
+                        <a:rPr lang="en-US" dirty="0"/>
+                        <a:t>Maxwell &amp; Buchanan</a:t>
+                      </a:r>
+                    </a:p>
+                  </a:txBody>
+                  <a:tcPr/>
+                </a:tc>
+                <a:tc>
+                  <a:txBody>
+                    <a:bodyPr/>
+                    <a:lstStyle/>
+                    <a:p>
+                      <a:r>
+                        <a:rPr lang="en-US" b="0" dirty="0"/>
+                        <a:t>54.14</a:t>
+                      </a:r>
+                    </a:p>
+                  </a:txBody>
+                  <a:tcPr/>
+                </a:tc>
+                <a:tc>
+                  <a:txBody>
+                    <a:bodyPr/>
+                    <a:lstStyle/>
+                    <a:p>
+                      <a:r>
+                        <a:rPr lang="en-US" dirty="0"/>
+                        <a:t>50.72</a:t>
+                      </a:r>
+                    </a:p>
+                  </a:txBody>
+                  <a:tcPr/>
+                </a:tc>
+                <a:tc>
+                  <a:txBody>
+                    <a:bodyPr/>
+                    <a:lstStyle/>
+                    <a:p>
+                      <a:r>
+                        <a:rPr lang="en-US" dirty="0"/>
+                        <a:t>52.14</a:t>
+                      </a:r>
+                    </a:p>
+                  </a:txBody>
+                  <a:tcPr/>
+                </a:tc>
+                <a:tc>
+                  <a:txBody>
+                    <a:bodyPr/>
+                    <a:lstStyle/>
+                    <a:p>
+                      <a:r>
+                        <a:rPr lang="en-US" dirty="0"/>
+                        <a:t>53.37</a:t>
+                      </a:r>
+                    </a:p>
+                  </a:txBody>
+                  <a:tcPr/>
+                </a:tc>
+                <a:tc>
+                  <a:txBody>
+                    <a:bodyPr/>
+                    <a:lstStyle/>
+                    <a:p>
+                      <a:r>
+                        <a:rPr lang="en-US" dirty="0"/>
+                        <a:t>61.30*</a:t>
+                      </a:r>
+                    </a:p>
+                  </a:txBody>
+                  <a:tcPr/>
+                </a:tc>
+                <a:tc>
+                  <a:txBody>
+                    <a:bodyPr/>
+                    <a:lstStyle/>
+                    <a:p>
+                      <a:r>
+                        <a:rPr lang="en-US" dirty="0"/>
+                        <a:t>77.42*</a:t>
+                      </a:r>
+                    </a:p>
+                  </a:txBody>
+                  <a:tcPr/>
+                </a:tc>
+                <a:tc>
+                  <a:txBody>
+                    <a:bodyPr/>
+                    <a:lstStyle/>
+                    <a:p>
+                      <a:r>
+                        <a:rPr lang="en-US" dirty="0"/>
+                        <a:t>88.48*</a:t>
+                      </a:r>
+                    </a:p>
+                  </a:txBody>
+                  <a:tcPr/>
+                </a:tc>
+                <a:extLst>
+                  <a:ext uri="{0D108BD9-81ED-4DB2-BD59-A6C34878D82A}">
+                    <a16:rowId xmlns:a16="http://schemas.microsoft.com/office/drawing/2014/main" val="1717987609"/>
+                  </a:ext>
+                </a:extLst>
+              </a:tr>
+              <a:tr h="630530">
+                <a:tc>
+                  <a:txBody>
+                    <a:bodyPr/>
+                    <a:lstStyle/>
+                    <a:p>
+                      <a:r>
+                        <a:rPr lang="en-US" dirty="0"/>
+                        <a:t>Maxwell &amp; Huff</a:t>
+                      </a:r>
+                    </a:p>
+                  </a:txBody>
+                  <a:tcPr/>
+                </a:tc>
+                <a:tc>
+                  <a:txBody>
+                    <a:bodyPr/>
+                    <a:lstStyle/>
+                    <a:p>
+                      <a:r>
+                        <a:rPr lang="en-US" b="0" dirty="0"/>
+                        <a:t>43.96</a:t>
+                      </a:r>
+                    </a:p>
+                  </a:txBody>
+                  <a:tcPr/>
+                </a:tc>
+                <a:tc>
+                  <a:txBody>
+                    <a:bodyPr/>
+                    <a:lstStyle/>
+                    <a:p>
+                      <a:r>
+                        <a:rPr lang="en-US" dirty="0"/>
+                        <a:t>41.06</a:t>
+                      </a:r>
+                    </a:p>
+                  </a:txBody>
+                  <a:tcPr/>
+                </a:tc>
+                <a:tc>
+                  <a:txBody>
+                    <a:bodyPr/>
+                    <a:lstStyle/>
+                    <a:p>
+                      <a:r>
+                        <a:rPr lang="en-US" dirty="0"/>
+                        <a:t>43.11</a:t>
+                      </a:r>
+                    </a:p>
+                  </a:txBody>
+                  <a:tcPr/>
+                </a:tc>
+                <a:tc>
+                  <a:txBody>
+                    <a:bodyPr/>
+                    <a:lstStyle/>
+                    <a:p>
+                      <a:r>
+                        <a:rPr lang="en-US" dirty="0"/>
+                        <a:t>44.86</a:t>
+                      </a:r>
+                    </a:p>
+                  </a:txBody>
+                  <a:tcPr/>
+                </a:tc>
+                <a:tc>
+                  <a:txBody>
+                    <a:bodyPr/>
+                    <a:lstStyle/>
+                    <a:p>
+                      <a:r>
+                        <a:rPr lang="en-US" dirty="0"/>
+                        <a:t>50.83*</a:t>
+                      </a:r>
+                    </a:p>
+                  </a:txBody>
+                  <a:tcPr/>
+                </a:tc>
+                <a:tc>
+                  <a:txBody>
+                    <a:bodyPr/>
+                    <a:lstStyle/>
+                    <a:p>
+                      <a:r>
+                        <a:rPr lang="en-US" dirty="0"/>
+                        <a:t>64.84*</a:t>
+                      </a:r>
+                    </a:p>
+                  </a:txBody>
+                  <a:tcPr/>
+                </a:tc>
+                <a:tc>
+                  <a:txBody>
+                    <a:bodyPr/>
+                    <a:lstStyle/>
+                    <a:p>
+                      <a:r>
+                        <a:rPr lang="en-US" dirty="0"/>
+                        <a:t>77.69*</a:t>
+                      </a:r>
+                    </a:p>
+                  </a:txBody>
+                  <a:tcPr/>
+                </a:tc>
+                <a:extLst>
+                  <a:ext uri="{0D108BD9-81ED-4DB2-BD59-A6C34878D82A}">
+                    <a16:rowId xmlns:a16="http://schemas.microsoft.com/office/drawing/2014/main" val="552033736"/>
+                  </a:ext>
+                </a:extLst>
+              </a:tr>
+            </a:tbl>
+          </a:graphicData>
+        </a:graphic>
+      </p:graphicFrame>
       <p:sp>
         <p:nvSpPr>
           <p:cNvPr id="4" name="Footer Placeholder 3">
@@ -14980,10 +17220,53 @@
           </a:p>
         </p:txBody>
       </p:sp>
+      <p:sp>
+        <p:nvSpPr>
+          <p:cNvPr id="7" name="TextBox 6">
+            <a:extLst>
+              <a:ext uri="{FF2B5EF4-FFF2-40B4-BE49-F238E27FC236}">
+                <a16:creationId xmlns:a16="http://schemas.microsoft.com/office/drawing/2014/main" id="{CCA89930-FC6C-472B-84FA-E9EA1B78E878}"/>
+              </a:ext>
+            </a:extLst>
+          </p:cNvPr>
+          <p:cNvSpPr txBox="1"/>
+          <p:nvPr/>
+        </p:nvSpPr>
+        <p:spPr>
+          <a:xfrm>
+            <a:off x="4866290" y="3638431"/>
+            <a:ext cx="3621704" cy="276999"/>
+          </a:xfrm>
+          <a:prstGeom prst="rect">
+            <a:avLst/>
+          </a:prstGeom>
+          <a:noFill/>
+        </p:spPr>
+        <p:txBody>
+          <a:bodyPr wrap="square" rtlCol="0">
+            <a:spAutoFit/>
+          </a:bodyPr>
+          <a:lstStyle/>
+          <a:p>
+            <a:r>
+              <a:rPr lang="en-US" sz="1200" dirty="0"/>
+              <a:t>* = </a:t>
+            </a:r>
+            <a:r>
+              <a:rPr lang="en-US" sz="1200" i="1" dirty="0"/>
+              <a:t>p</a:t>
+            </a:r>
+            <a:r>
+              <a:rPr lang="en-US" sz="1200" dirty="0"/>
+              <a:t> &lt; .05 relative to manually coded</a:t>
+            </a:r>
+          </a:p>
+        </p:txBody>
+      </p:sp>
     </p:spTree>
     <p:extLst>
       <p:ext uri="{BB962C8B-B14F-4D97-AF65-F5344CB8AC3E}">
-        <p14:creationId xmlns:p14="http://schemas.microsoft.com/office/powerpoint/2010/main" val="1171129342"/>
+        <p14:creationId xmlns:p14="http://schemas.microsoft.com/office/powerpoint/2010/main" val="4069836763"/>
       </p:ext>
     </p:extLst>
   </p:cSld>
@@ -14993,17 +17276,9 @@
 </p:sld>
 </file>
 
-<file path=ppt/slides/slide12.xml><?xml version="1.0" encoding="utf-8"?>
+<file path=ppt/slides/slide15.xml><?xml version="1.0" encoding="utf-8"?>
 <p:sld xmlns:a="http://schemas.openxmlformats.org/drawingml/2006/main" xmlns:r="http://schemas.openxmlformats.org/officeDocument/2006/relationships" xmlns:p="http://schemas.openxmlformats.org/presentationml/2006/main">
   <p:cSld>
-    <p:bg>
-      <p:bgPr>
-        <a:solidFill>
-          <a:schemeClr val="bg1"/>
-        </a:solidFill>
-        <a:effectLst/>
-      </p:bgPr>
-    </p:bg>
     <p:spTree>
       <p:nvGrpSpPr>
         <p:cNvPr id="1" name=""/>
@@ -15023,7 +17298,7 @@
           <p:cNvPr id="2" name="Title 1">
             <a:extLst>
               <a:ext uri="{FF2B5EF4-FFF2-40B4-BE49-F238E27FC236}">
-                <a16:creationId xmlns:a16="http://schemas.microsoft.com/office/drawing/2014/main" id="{2C7F63A0-35E9-42A5-B80B-260207A99B9F}"/>
+                <a16:creationId xmlns:a16="http://schemas.microsoft.com/office/drawing/2014/main" id="{28849B26-4C63-4518-8979-C30E3E564944}"/>
               </a:ext>
             </a:extLst>
           </p:cNvPr>
@@ -15040,18 +17315,444 @@
           <a:lstStyle/>
           <a:p>
             <a:r>
-              <a:rPr lang="en-US" dirty="0"/>
-              <a:t>Summary</a:t>
+              <a:rPr lang="en-US" b="1" dirty="0"/>
+              <a:t>Results</a:t>
             </a:r>
           </a:p>
         </p:txBody>
       </p:sp>
+      <p:graphicFrame>
+        <p:nvGraphicFramePr>
+          <p:cNvPr id="5" name="Table 5">
+            <a:extLst>
+              <a:ext uri="{FF2B5EF4-FFF2-40B4-BE49-F238E27FC236}">
+                <a16:creationId xmlns:a16="http://schemas.microsoft.com/office/drawing/2014/main" id="{D38D64F8-53E5-4500-80DF-E02DEB4C4654}"/>
+              </a:ext>
+            </a:extLst>
+          </p:cNvPr>
+          <p:cNvGraphicFramePr>
+            <a:graphicFrameLocks noGrp="1"/>
+          </p:cNvGraphicFramePr>
+          <p:nvPr>
+            <p:ph idx="1"/>
+            <p:extLst>
+              <p:ext uri="{D42A27DB-BD31-4B8C-83A1-F6EECF244321}">
+                <p14:modId xmlns:p14="http://schemas.microsoft.com/office/powerpoint/2010/main" val="4234611559"/>
+              </p:ext>
+            </p:extLst>
+          </p:nvPr>
+        </p:nvGraphicFramePr>
+        <p:xfrm>
+          <a:off x="866215" y="1879052"/>
+          <a:ext cx="6894785" cy="1725996"/>
+        </p:xfrm>
+        <a:graphic>
+          <a:graphicData uri="http://schemas.openxmlformats.org/drawingml/2006/table">
+            <a:tbl>
+              <a:tblPr firstRow="1" bandRow="1">
+                <a:tableStyleId>{5C22544A-7EE6-4342-B048-85BDC9FD1C3A}</a:tableStyleId>
+              </a:tblPr>
+              <a:tblGrid>
+                <a:gridCol w="1133518">
+                  <a:extLst>
+                    <a:ext uri="{9D8B030D-6E8A-4147-A177-3AD203B41FA5}">
+                      <a16:colId xmlns:a16="http://schemas.microsoft.com/office/drawing/2014/main" val="1414667312"/>
+                    </a:ext>
+                  </a:extLst>
+                </a:gridCol>
+                <a:gridCol w="861849">
+                  <a:extLst>
+                    <a:ext uri="{9D8B030D-6E8A-4147-A177-3AD203B41FA5}">
+                      <a16:colId xmlns:a16="http://schemas.microsoft.com/office/drawing/2014/main" val="3022451391"/>
+                    </a:ext>
+                  </a:extLst>
+                </a:gridCol>
+                <a:gridCol w="800956">
+                  <a:extLst>
+                    <a:ext uri="{9D8B030D-6E8A-4147-A177-3AD203B41FA5}">
+                      <a16:colId xmlns:a16="http://schemas.microsoft.com/office/drawing/2014/main" val="1655699768"/>
+                    </a:ext>
+                  </a:extLst>
+                </a:gridCol>
+                <a:gridCol w="810324">
+                  <a:extLst>
+                    <a:ext uri="{9D8B030D-6E8A-4147-A177-3AD203B41FA5}">
+                      <a16:colId xmlns:a16="http://schemas.microsoft.com/office/drawing/2014/main" val="3095863849"/>
+                    </a:ext>
+                  </a:extLst>
+                </a:gridCol>
+                <a:gridCol w="805641">
+                  <a:extLst>
+                    <a:ext uri="{9D8B030D-6E8A-4147-A177-3AD203B41FA5}">
+                      <a16:colId xmlns:a16="http://schemas.microsoft.com/office/drawing/2014/main" val="3765619605"/>
+                    </a:ext>
+                  </a:extLst>
+                </a:gridCol>
+                <a:gridCol w="796273">
+                  <a:extLst>
+                    <a:ext uri="{9D8B030D-6E8A-4147-A177-3AD203B41FA5}">
+                      <a16:colId xmlns:a16="http://schemas.microsoft.com/office/drawing/2014/main" val="3776992281"/>
+                    </a:ext>
+                  </a:extLst>
+                </a:gridCol>
+                <a:gridCol w="843112">
+                  <a:extLst>
+                    <a:ext uri="{9D8B030D-6E8A-4147-A177-3AD203B41FA5}">
+                      <a16:colId xmlns:a16="http://schemas.microsoft.com/office/drawing/2014/main" val="2538133775"/>
+                    </a:ext>
+                  </a:extLst>
+                </a:gridCol>
+                <a:gridCol w="843112">
+                  <a:extLst>
+                    <a:ext uri="{9D8B030D-6E8A-4147-A177-3AD203B41FA5}">
+                      <a16:colId xmlns:a16="http://schemas.microsoft.com/office/drawing/2014/main" val="904071087"/>
+                    </a:ext>
+                  </a:extLst>
+                </a:gridCol>
+              </a:tblGrid>
+              <a:tr h="464936">
+                <a:tc>
+                  <a:txBody>
+                    <a:bodyPr/>
+                    <a:lstStyle/>
+                    <a:p>
+                      <a:r>
+                        <a:rPr lang="en-US" dirty="0"/>
+                        <a:t>Study</a:t>
+                      </a:r>
+                    </a:p>
+                  </a:txBody>
+                  <a:tcPr/>
+                </a:tc>
+                <a:tc>
+                  <a:txBody>
+                    <a:bodyPr/>
+                    <a:lstStyle/>
+                    <a:p>
+                      <a:r>
+                        <a:rPr lang="en-US" dirty="0"/>
+                        <a:t>Manual</a:t>
+                      </a:r>
+                    </a:p>
+                  </a:txBody>
+                  <a:tcPr/>
+                </a:tc>
+                <a:tc>
+                  <a:txBody>
+                    <a:bodyPr/>
+                    <a:lstStyle/>
+                    <a:p>
+                      <a:r>
+                        <a:rPr lang="en-US" dirty="0"/>
+                        <a:t>Lev 0</a:t>
+                      </a:r>
+                    </a:p>
+                  </a:txBody>
+                  <a:tcPr/>
+                </a:tc>
+                <a:tc>
+                  <a:txBody>
+                    <a:bodyPr/>
+                    <a:lstStyle/>
+                    <a:p>
+                      <a:r>
+                        <a:rPr lang="en-US" dirty="0"/>
+                        <a:t>Lev 1</a:t>
+                      </a:r>
+                    </a:p>
+                  </a:txBody>
+                  <a:tcPr/>
+                </a:tc>
+                <a:tc>
+                  <a:txBody>
+                    <a:bodyPr/>
+                    <a:lstStyle/>
+                    <a:p>
+                      <a:r>
+                        <a:rPr lang="en-US" dirty="0"/>
+                        <a:t>Lev 2</a:t>
+                      </a:r>
+                    </a:p>
+                  </a:txBody>
+                  <a:tcPr/>
+                </a:tc>
+                <a:tc>
+                  <a:txBody>
+                    <a:bodyPr/>
+                    <a:lstStyle/>
+                    <a:p>
+                      <a:r>
+                        <a:rPr lang="en-US" dirty="0"/>
+                        <a:t>Lev 3</a:t>
+                      </a:r>
+                    </a:p>
+                  </a:txBody>
+                  <a:tcPr/>
+                </a:tc>
+                <a:tc>
+                  <a:txBody>
+                    <a:bodyPr/>
+                    <a:lstStyle/>
+                    <a:p>
+                      <a:r>
+                        <a:rPr lang="en-US" dirty="0"/>
+                        <a:t>Lev 4</a:t>
+                      </a:r>
+                    </a:p>
+                  </a:txBody>
+                  <a:tcPr/>
+                </a:tc>
+                <a:tc>
+                  <a:txBody>
+                    <a:bodyPr/>
+                    <a:lstStyle/>
+                    <a:p>
+                      <a:r>
+                        <a:rPr lang="en-US" dirty="0"/>
+                        <a:t>Lev 5</a:t>
+                      </a:r>
+                    </a:p>
+                  </a:txBody>
+                  <a:tcPr/>
+                </a:tc>
+                <a:extLst>
+                  <a:ext uri="{0D108BD9-81ED-4DB2-BD59-A6C34878D82A}">
+                    <a16:rowId xmlns:a16="http://schemas.microsoft.com/office/drawing/2014/main" val="3094978493"/>
+                  </a:ext>
+                </a:extLst>
+              </a:tr>
+              <a:tr h="630530">
+                <a:tc>
+                  <a:txBody>
+                    <a:bodyPr/>
+                    <a:lstStyle/>
+                    <a:p>
+                      <a:r>
+                        <a:rPr lang="en-US" dirty="0"/>
+                        <a:t>Maxwell &amp; Buchanan</a:t>
+                      </a:r>
+                    </a:p>
+                  </a:txBody>
+                  <a:tcPr/>
+                </a:tc>
+                <a:tc>
+                  <a:txBody>
+                    <a:bodyPr/>
+                    <a:lstStyle/>
+                    <a:p>
+                      <a:r>
+                        <a:rPr lang="en-US" b="1" dirty="0"/>
+                        <a:t>54.14</a:t>
+                      </a:r>
+                    </a:p>
+                  </a:txBody>
+                  <a:tcPr/>
+                </a:tc>
+                <a:tc>
+                  <a:txBody>
+                    <a:bodyPr/>
+                    <a:lstStyle/>
+                    <a:p>
+                      <a:r>
+                        <a:rPr lang="en-US" dirty="0"/>
+                        <a:t>50.72</a:t>
+                      </a:r>
+                    </a:p>
+                  </a:txBody>
+                  <a:tcPr/>
+                </a:tc>
+                <a:tc>
+                  <a:txBody>
+                    <a:bodyPr/>
+                    <a:lstStyle/>
+                    <a:p>
+                      <a:r>
+                        <a:rPr lang="en-US" dirty="0"/>
+                        <a:t>52.14</a:t>
+                      </a:r>
+                    </a:p>
+                  </a:txBody>
+                  <a:tcPr/>
+                </a:tc>
+                <a:tc>
+                  <a:txBody>
+                    <a:bodyPr/>
+                    <a:lstStyle/>
+                    <a:p>
+                      <a:r>
+                        <a:rPr lang="en-US" b="1" dirty="0"/>
+                        <a:t>53.37</a:t>
+                      </a:r>
+                    </a:p>
+                  </a:txBody>
+                  <a:tcPr/>
+                </a:tc>
+                <a:tc>
+                  <a:txBody>
+                    <a:bodyPr/>
+                    <a:lstStyle/>
+                    <a:p>
+                      <a:r>
+                        <a:rPr lang="en-US" dirty="0"/>
+                        <a:t>61.30*</a:t>
+                      </a:r>
+                    </a:p>
+                  </a:txBody>
+                  <a:tcPr/>
+                </a:tc>
+                <a:tc>
+                  <a:txBody>
+                    <a:bodyPr/>
+                    <a:lstStyle/>
+                    <a:p>
+                      <a:r>
+                        <a:rPr lang="en-US" dirty="0"/>
+                        <a:t>77.42*</a:t>
+                      </a:r>
+                    </a:p>
+                  </a:txBody>
+                  <a:tcPr/>
+                </a:tc>
+                <a:tc>
+                  <a:txBody>
+                    <a:bodyPr/>
+                    <a:lstStyle/>
+                    <a:p>
+                      <a:r>
+                        <a:rPr lang="en-US" dirty="0"/>
+                        <a:t>88.48*</a:t>
+                      </a:r>
+                    </a:p>
+                  </a:txBody>
+                  <a:tcPr/>
+                </a:tc>
+                <a:extLst>
+                  <a:ext uri="{0D108BD9-81ED-4DB2-BD59-A6C34878D82A}">
+                    <a16:rowId xmlns:a16="http://schemas.microsoft.com/office/drawing/2014/main" val="1717987609"/>
+                  </a:ext>
+                </a:extLst>
+              </a:tr>
+              <a:tr h="630530">
+                <a:tc>
+                  <a:txBody>
+                    <a:bodyPr/>
+                    <a:lstStyle/>
+                    <a:p>
+                      <a:r>
+                        <a:rPr lang="en-US" dirty="0"/>
+                        <a:t>Maxwell &amp; Huff</a:t>
+                      </a:r>
+                    </a:p>
+                  </a:txBody>
+                  <a:tcPr/>
+                </a:tc>
+                <a:tc>
+                  <a:txBody>
+                    <a:bodyPr/>
+                    <a:lstStyle/>
+                    <a:p>
+                      <a:r>
+                        <a:rPr lang="en-US" b="1" dirty="0"/>
+                        <a:t>43.96</a:t>
+                      </a:r>
+                    </a:p>
+                  </a:txBody>
+                  <a:tcPr/>
+                </a:tc>
+                <a:tc>
+                  <a:txBody>
+                    <a:bodyPr/>
+                    <a:lstStyle/>
+                    <a:p>
+                      <a:r>
+                        <a:rPr lang="en-US" dirty="0"/>
+                        <a:t>41.06</a:t>
+                      </a:r>
+                    </a:p>
+                  </a:txBody>
+                  <a:tcPr/>
+                </a:tc>
+                <a:tc>
+                  <a:txBody>
+                    <a:bodyPr/>
+                    <a:lstStyle/>
+                    <a:p>
+                      <a:r>
+                        <a:rPr lang="en-US" dirty="0"/>
+                        <a:t>43.11</a:t>
+                      </a:r>
+                    </a:p>
+                  </a:txBody>
+                  <a:tcPr/>
+                </a:tc>
+                <a:tc>
+                  <a:txBody>
+                    <a:bodyPr/>
+                    <a:lstStyle/>
+                    <a:p>
+                      <a:r>
+                        <a:rPr lang="en-US" b="1" dirty="0"/>
+                        <a:t>44.86</a:t>
+                      </a:r>
+                    </a:p>
+                  </a:txBody>
+                  <a:tcPr/>
+                </a:tc>
+                <a:tc>
+                  <a:txBody>
+                    <a:bodyPr/>
+                    <a:lstStyle/>
+                    <a:p>
+                      <a:r>
+                        <a:rPr lang="en-US" dirty="0"/>
+                        <a:t>50.83*</a:t>
+                      </a:r>
+                    </a:p>
+                  </a:txBody>
+                  <a:tcPr/>
+                </a:tc>
+                <a:tc>
+                  <a:txBody>
+                    <a:bodyPr/>
+                    <a:lstStyle/>
+                    <a:p>
+                      <a:r>
+                        <a:rPr lang="en-US" dirty="0"/>
+                        <a:t>64.84*</a:t>
+                      </a:r>
+                    </a:p>
+                  </a:txBody>
+                  <a:tcPr/>
+                </a:tc>
+                <a:tc>
+                  <a:txBody>
+                    <a:bodyPr/>
+                    <a:lstStyle/>
+                    <a:p>
+                      <a:r>
+                        <a:rPr lang="en-US" dirty="0"/>
+                        <a:t>77.69*</a:t>
+                      </a:r>
+                    </a:p>
+                  </a:txBody>
+                  <a:tcPr/>
+                </a:tc>
+                <a:extLst>
+                  <a:ext uri="{0D108BD9-81ED-4DB2-BD59-A6C34878D82A}">
+                    <a16:rowId xmlns:a16="http://schemas.microsoft.com/office/drawing/2014/main" val="552033736"/>
+                  </a:ext>
+                </a:extLst>
+              </a:tr>
+            </a:tbl>
+          </a:graphicData>
+        </a:graphic>
+      </p:graphicFrame>
       <p:sp>
         <p:nvSpPr>
-          <p:cNvPr id="3" name="Content Placeholder 2">
+          <p:cNvPr id="4" name="Footer Placeholder 3">
             <a:extLst>
               <a:ext uri="{FF2B5EF4-FFF2-40B4-BE49-F238E27FC236}">
-                <a16:creationId xmlns:a16="http://schemas.microsoft.com/office/drawing/2014/main" id="{9A8D6A74-E591-433F-8679-4707003C8C14}"/>
+                <a16:creationId xmlns:a16="http://schemas.microsoft.com/office/drawing/2014/main" id="{E840E93B-3EB5-41FD-9778-380533936B76}"/>
               </a:ext>
             </a:extLst>
           </p:cNvPr>
@@ -15059,7 +17760,7 @@
             <a:spLocks noGrp="1"/>
           </p:cNvSpPr>
           <p:nvPr>
-            <p:ph idx="1"/>
+            <p:ph type="ftr" sz="quarter" idx="11"/>
           </p:nvPr>
         </p:nvSpPr>
         <p:spPr/>
@@ -15068,26 +17769,88 @@
           <a:lstStyle/>
           <a:p>
             <a:r>
-              <a:rPr lang="en-US" dirty="0" err="1"/>
-              <a:t>lrd</a:t>
-            </a:r>
+              <a:rPr lang="en-US"/>
+              <a:t>
+              </a:t>
+            </a:r>
+            <a:endParaRPr lang="en-US" dirty="0"/>
+          </a:p>
+        </p:txBody>
+      </p:sp>
+      <p:sp>
+        <p:nvSpPr>
+          <p:cNvPr id="6" name="TextBox 5">
+            <a:extLst>
+              <a:ext uri="{FF2B5EF4-FFF2-40B4-BE49-F238E27FC236}">
+                <a16:creationId xmlns:a16="http://schemas.microsoft.com/office/drawing/2014/main" id="{472F1FFB-1B92-4B18-B5DC-2DDF7D5676CE}"/>
+              </a:ext>
+            </a:extLst>
+          </p:cNvPr>
+          <p:cNvSpPr txBox="1"/>
+          <p:nvPr/>
+        </p:nvSpPr>
+        <p:spPr>
+          <a:xfrm>
+            <a:off x="797896" y="4090083"/>
+            <a:ext cx="7031421" cy="646331"/>
+          </a:xfrm>
+          <a:prstGeom prst="rect">
+            <a:avLst/>
+          </a:prstGeom>
+          <a:noFill/>
+        </p:spPr>
+        <p:txBody>
+          <a:bodyPr wrap="square" rtlCol="0">
+            <a:spAutoFit/>
+          </a:bodyPr>
+          <a:lstStyle/>
+          <a:p>
             <a:r>
               <a:rPr lang="en-US" dirty="0"/>
-              <a:t> allows researchers to </a:t>
-            </a:r>
-            <a:r>
-              <a:rPr lang="en-US"/>
-              <a:t>quickly score </a:t>
-            </a:r>
-            <a:r>
-              <a:rPr lang="en-US" dirty="0"/>
-              <a:t>several types of recall data</a:t>
-            </a:r>
-          </a:p>
-          <a:p>
-            <a:r>
-              <a:rPr lang="en-US" dirty="0"/>
-              <a:t>The goal is to provide a standardized, open-source method for processing lexical output across psychological studies.</a:t>
+              <a:t>For both datasets, recall rates matched the closest using a Levenshtein distance of 2 </a:t>
+            </a:r>
+          </a:p>
+        </p:txBody>
+      </p:sp>
+      <p:sp>
+        <p:nvSpPr>
+          <p:cNvPr id="3" name="TextBox 2">
+            <a:extLst>
+              <a:ext uri="{FF2B5EF4-FFF2-40B4-BE49-F238E27FC236}">
+                <a16:creationId xmlns:a16="http://schemas.microsoft.com/office/drawing/2014/main" id="{6DE8FD7E-59F9-4862-AC80-47ADEB43181F}"/>
+              </a:ext>
+            </a:extLst>
+          </p:cNvPr>
+          <p:cNvSpPr txBox="1"/>
+          <p:nvPr/>
+        </p:nvSpPr>
+        <p:spPr>
+          <a:xfrm>
+            <a:off x="4866290" y="3638431"/>
+            <a:ext cx="3621704" cy="276999"/>
+          </a:xfrm>
+          <a:prstGeom prst="rect">
+            <a:avLst/>
+          </a:prstGeom>
+          <a:noFill/>
+        </p:spPr>
+        <p:txBody>
+          <a:bodyPr wrap="square" rtlCol="0">
+            <a:spAutoFit/>
+          </a:bodyPr>
+          <a:lstStyle/>
+          <a:p>
+            <a:r>
+              <a:rPr lang="en-US" sz="1200" dirty="0"/>
+              <a:t>* = </a:t>
+            </a:r>
+            <a:r>
+              <a:rPr lang="en-US" sz="1200" i="1" dirty="0"/>
+              <a:t>p</a:t>
+            </a:r>
+            <a:r>
+              <a:rPr lang="en-US" sz="1200" dirty="0"/>
+              <a:t> &lt; .05 relative to manually coded</a:t>
             </a:r>
           </a:p>
         </p:txBody>
@@ -15095,7 +17858,7 @@
     </p:spTree>
     <p:extLst>
       <p:ext uri="{BB962C8B-B14F-4D97-AF65-F5344CB8AC3E}">
-        <p14:creationId xmlns:p14="http://schemas.microsoft.com/office/powerpoint/2010/main" val="1388640223"/>
+        <p14:creationId xmlns:p14="http://schemas.microsoft.com/office/powerpoint/2010/main" val="3771470507"/>
       </p:ext>
     </p:extLst>
   </p:cSld>
@@ -15105,17 +17868,9 @@
 </p:sld>
 </file>
 
-<file path=ppt/slides/slide13.xml><?xml version="1.0" encoding="utf-8"?>
+<file path=ppt/slides/slide16.xml><?xml version="1.0" encoding="utf-8"?>
 <p:sld xmlns:a="http://schemas.openxmlformats.org/drawingml/2006/main" xmlns:r="http://schemas.openxmlformats.org/officeDocument/2006/relationships" xmlns:p="http://schemas.openxmlformats.org/presentationml/2006/main">
   <p:cSld>
-    <p:bg>
-      <p:bgPr>
-        <a:solidFill>
-          <a:schemeClr val="bg1"/>
-        </a:solidFill>
-        <a:effectLst/>
-      </p:bgPr>
-    </p:bg>
     <p:spTree>
       <p:nvGrpSpPr>
         <p:cNvPr id="1" name=""/>
@@ -15132,10 +17887,10 @@
       </p:grpSpPr>
       <p:sp>
         <p:nvSpPr>
-          <p:cNvPr id="4" name="Title 3">
+          <p:cNvPr id="2" name="Title 1">
             <a:extLst>
               <a:ext uri="{FF2B5EF4-FFF2-40B4-BE49-F238E27FC236}">
-                <a16:creationId xmlns:a16="http://schemas.microsoft.com/office/drawing/2014/main" id="{A0FF33C2-1ABB-4975-89F1-B56F3EA03E2A}"/>
+                <a16:creationId xmlns:a16="http://schemas.microsoft.com/office/drawing/2014/main" id="{28849B26-4C63-4518-8979-C30E3E564944}"/>
               </a:ext>
             </a:extLst>
           </p:cNvPr>
@@ -15143,31 +17898,36 @@
             <a:spLocks noGrp="1"/>
           </p:cNvSpPr>
           <p:nvPr>
-            <p:ph type="ctrTitle"/>
+            <p:ph type="title" idx="4294967295"/>
           </p:nvPr>
         </p:nvSpPr>
-        <p:spPr/>
+        <p:spPr>
+          <a:xfrm>
+            <a:off x="115614" y="126056"/>
+            <a:ext cx="6570663" cy="530225"/>
+          </a:xfrm>
+        </p:spPr>
         <p:txBody>
           <a:bodyPr/>
           <a:lstStyle/>
           <a:p>
             <a:r>
-              <a:rPr lang="en-US" dirty="0">
+              <a:rPr lang="en-US" b="1" dirty="0">
                 <a:solidFill>
-                  <a:schemeClr val="accent1"/>
+                  <a:schemeClr val="tx1"/>
                 </a:solidFill>
               </a:rPr>
-              <a:t>Questions?</a:t>
+              <a:t>Results – Sensitivity/Specificity</a:t>
             </a:r>
           </a:p>
         </p:txBody>
       </p:sp>
       <p:sp>
         <p:nvSpPr>
-          <p:cNvPr id="5" name="Subtitle 4">
+          <p:cNvPr id="3" name="Content Placeholder 2">
             <a:extLst>
               <a:ext uri="{FF2B5EF4-FFF2-40B4-BE49-F238E27FC236}">
-                <a16:creationId xmlns:a16="http://schemas.microsoft.com/office/drawing/2014/main" id="{3B588CDB-83F3-4F93-94EA-82955AF1498F}"/>
+                <a16:creationId xmlns:a16="http://schemas.microsoft.com/office/drawing/2014/main" id="{0F441C14-36EF-4A16-8D39-3685A7038FC1}"/>
               </a:ext>
             </a:extLst>
           </p:cNvPr>
@@ -15175,7 +17935,1639 @@
             <a:spLocks noGrp="1"/>
           </p:cNvSpPr>
           <p:nvPr>
-            <p:ph type="subTitle" idx="1"/>
+            <p:ph idx="4294967295"/>
+          </p:nvPr>
+        </p:nvSpPr>
+        <p:spPr>
+          <a:xfrm>
+            <a:off x="285318" y="557676"/>
+            <a:ext cx="3363310" cy="792233"/>
+          </a:xfrm>
+        </p:spPr>
+        <p:txBody>
+          <a:bodyPr>
+            <a:normAutofit/>
+          </a:bodyPr>
+          <a:lstStyle/>
+          <a:p>
+            <a:endParaRPr lang="en-US" sz="1750" dirty="0">
+              <a:solidFill>
+                <a:schemeClr val="tx1"/>
+              </a:solidFill>
+            </a:endParaRPr>
+          </a:p>
+          <a:p>
+            <a:pPr marL="0" indent="0">
+              <a:buNone/>
+            </a:pPr>
+            <a:r>
+              <a:rPr lang="en-US" sz="1750" b="1" dirty="0">
+                <a:solidFill>
+                  <a:schemeClr val="tx1"/>
+                </a:solidFill>
+              </a:rPr>
+              <a:t>Maxwell &amp; Buchanan (2020)</a:t>
+            </a:r>
+          </a:p>
+          <a:p>
+            <a:pPr marL="342900" lvl="1" indent="0">
+              <a:buNone/>
+            </a:pPr>
+            <a:endParaRPr lang="en-US" sz="1800" dirty="0">
+              <a:solidFill>
+                <a:schemeClr val="tx1"/>
+              </a:solidFill>
+            </a:endParaRPr>
+          </a:p>
+        </p:txBody>
+      </p:sp>
+      <p:graphicFrame>
+        <p:nvGraphicFramePr>
+          <p:cNvPr id="5" name="Table 5">
+            <a:extLst>
+              <a:ext uri="{FF2B5EF4-FFF2-40B4-BE49-F238E27FC236}">
+                <a16:creationId xmlns:a16="http://schemas.microsoft.com/office/drawing/2014/main" id="{8FBB2780-3747-42DD-AC5A-33CD7670A9B3}"/>
+              </a:ext>
+            </a:extLst>
+          </p:cNvPr>
+          <p:cNvGraphicFramePr>
+            <a:graphicFrameLocks noGrp="1"/>
+          </p:cNvGraphicFramePr>
+          <p:nvPr>
+            <p:extLst>
+              <p:ext uri="{D42A27DB-BD31-4B8C-83A1-F6EECF244321}">
+                <p14:modId xmlns:p14="http://schemas.microsoft.com/office/powerpoint/2010/main" val="1664424137"/>
+              </p:ext>
+            </p:extLst>
+          </p:nvPr>
+        </p:nvGraphicFramePr>
+        <p:xfrm>
+          <a:off x="115614" y="1349909"/>
+          <a:ext cx="3702723" cy="2804160"/>
+        </p:xfrm>
+        <a:graphic>
+          <a:graphicData uri="http://schemas.openxmlformats.org/drawingml/2006/table">
+            <a:tbl>
+              <a:tblPr firstRow="1" bandRow="1">
+                <a:tableStyleId>{5C22544A-7EE6-4342-B048-85BDC9FD1C3A}</a:tableStyleId>
+              </a:tblPr>
+              <a:tblGrid>
+                <a:gridCol w="1234241">
+                  <a:extLst>
+                    <a:ext uri="{9D8B030D-6E8A-4147-A177-3AD203B41FA5}">
+                      <a16:colId xmlns:a16="http://schemas.microsoft.com/office/drawing/2014/main" val="3334947787"/>
+                    </a:ext>
+                  </a:extLst>
+                </a:gridCol>
+                <a:gridCol w="1234241">
+                  <a:extLst>
+                    <a:ext uri="{9D8B030D-6E8A-4147-A177-3AD203B41FA5}">
+                      <a16:colId xmlns:a16="http://schemas.microsoft.com/office/drawing/2014/main" val="3215490151"/>
+                    </a:ext>
+                  </a:extLst>
+                </a:gridCol>
+                <a:gridCol w="1234241">
+                  <a:extLst>
+                    <a:ext uri="{9D8B030D-6E8A-4147-A177-3AD203B41FA5}">
+                      <a16:colId xmlns:a16="http://schemas.microsoft.com/office/drawing/2014/main" val="167819274"/>
+                    </a:ext>
+                  </a:extLst>
+                </a:gridCol>
+              </a:tblGrid>
+              <a:tr h="370840">
+                <a:tc>
+                  <a:txBody>
+                    <a:bodyPr/>
+                    <a:lstStyle/>
+                    <a:p>
+                      <a:r>
+                        <a:rPr lang="en-US" sz="1600" dirty="0"/>
+                        <a:t>Scoring Cutoff</a:t>
+                      </a:r>
+                    </a:p>
+                  </a:txBody>
+                  <a:tcPr/>
+                </a:tc>
+                <a:tc>
+                  <a:txBody>
+                    <a:bodyPr/>
+                    <a:lstStyle/>
+                    <a:p>
+                      <a:r>
+                        <a:rPr lang="en-US" sz="1600" dirty="0"/>
+                        <a:t>Sensitivity</a:t>
+                      </a:r>
+                    </a:p>
+                  </a:txBody>
+                  <a:tcPr/>
+                </a:tc>
+                <a:tc>
+                  <a:txBody>
+                    <a:bodyPr/>
+                    <a:lstStyle/>
+                    <a:p>
+                      <a:r>
+                        <a:rPr lang="en-US" sz="1600" dirty="0"/>
+                        <a:t>Specificity</a:t>
+                      </a:r>
+                    </a:p>
+                  </a:txBody>
+                  <a:tcPr/>
+                </a:tc>
+                <a:extLst>
+                  <a:ext uri="{0D108BD9-81ED-4DB2-BD59-A6C34878D82A}">
+                    <a16:rowId xmlns:a16="http://schemas.microsoft.com/office/drawing/2014/main" val="2170148188"/>
+                  </a:ext>
+                </a:extLst>
+              </a:tr>
+              <a:tr h="370840">
+                <a:tc>
+                  <a:txBody>
+                    <a:bodyPr/>
+                    <a:lstStyle/>
+                    <a:p>
+                      <a:r>
+                        <a:rPr lang="en-US" dirty="0"/>
+                        <a:t>0</a:t>
+                      </a:r>
+                    </a:p>
+                  </a:txBody>
+                  <a:tcPr/>
+                </a:tc>
+                <a:tc>
+                  <a:txBody>
+                    <a:bodyPr/>
+                    <a:lstStyle/>
+                    <a:p>
+                      <a:r>
+                        <a:rPr lang="en-US" dirty="0"/>
+                        <a:t>99</a:t>
+                      </a:r>
+                    </a:p>
+                  </a:txBody>
+                  <a:tcPr/>
+                </a:tc>
+                <a:tc>
+                  <a:txBody>
+                    <a:bodyPr/>
+                    <a:lstStyle/>
+                    <a:p>
+                      <a:r>
+                        <a:rPr lang="en-US" dirty="0"/>
+                        <a:t>94</a:t>
+                      </a:r>
+                    </a:p>
+                  </a:txBody>
+                  <a:tcPr/>
+                </a:tc>
+                <a:extLst>
+                  <a:ext uri="{0D108BD9-81ED-4DB2-BD59-A6C34878D82A}">
+                    <a16:rowId xmlns:a16="http://schemas.microsoft.com/office/drawing/2014/main" val="2439817468"/>
+                  </a:ext>
+                </a:extLst>
+              </a:tr>
+              <a:tr h="370840">
+                <a:tc>
+                  <a:txBody>
+                    <a:bodyPr/>
+                    <a:lstStyle/>
+                    <a:p>
+                      <a:r>
+                        <a:rPr lang="en-US" dirty="0"/>
+                        <a:t>1</a:t>
+                      </a:r>
+                    </a:p>
+                  </a:txBody>
+                  <a:tcPr/>
+                </a:tc>
+                <a:tc>
+                  <a:txBody>
+                    <a:bodyPr/>
+                    <a:lstStyle/>
+                    <a:p>
+                      <a:r>
+                        <a:rPr lang="en-US" dirty="0"/>
+                        <a:t>99</a:t>
+                      </a:r>
+                    </a:p>
+                  </a:txBody>
+                  <a:tcPr/>
+                </a:tc>
+                <a:tc>
+                  <a:txBody>
+                    <a:bodyPr/>
+                    <a:lstStyle/>
+                    <a:p>
+                      <a:r>
+                        <a:rPr lang="en-US" dirty="0"/>
+                        <a:t>96</a:t>
+                      </a:r>
+                    </a:p>
+                  </a:txBody>
+                  <a:tcPr/>
+                </a:tc>
+                <a:extLst>
+                  <a:ext uri="{0D108BD9-81ED-4DB2-BD59-A6C34878D82A}">
+                    <a16:rowId xmlns:a16="http://schemas.microsoft.com/office/drawing/2014/main" val="4255178025"/>
+                  </a:ext>
+                </a:extLst>
+              </a:tr>
+              <a:tr h="370840">
+                <a:tc>
+                  <a:txBody>
+                    <a:bodyPr/>
+                    <a:lstStyle/>
+                    <a:p>
+                      <a:r>
+                        <a:rPr lang="en-US" dirty="0"/>
+                        <a:t>2</a:t>
+                      </a:r>
+                    </a:p>
+                  </a:txBody>
+                  <a:tcPr/>
+                </a:tc>
+                <a:tc>
+                  <a:txBody>
+                    <a:bodyPr/>
+                    <a:lstStyle/>
+                    <a:p>
+                      <a:r>
+                        <a:rPr lang="en-US" dirty="0"/>
+                        <a:t>97</a:t>
+                      </a:r>
+                    </a:p>
+                  </a:txBody>
+                  <a:tcPr/>
+                </a:tc>
+                <a:tc>
+                  <a:txBody>
+                    <a:bodyPr/>
+                    <a:lstStyle/>
+                    <a:p>
+                      <a:r>
+                        <a:rPr lang="en-US" dirty="0"/>
+                        <a:t>96</a:t>
+                      </a:r>
+                    </a:p>
+                  </a:txBody>
+                  <a:tcPr/>
+                </a:tc>
+                <a:extLst>
+                  <a:ext uri="{0D108BD9-81ED-4DB2-BD59-A6C34878D82A}">
+                    <a16:rowId xmlns:a16="http://schemas.microsoft.com/office/drawing/2014/main" val="3573381080"/>
+                  </a:ext>
+                </a:extLst>
+              </a:tr>
+              <a:tr h="370840">
+                <a:tc>
+                  <a:txBody>
+                    <a:bodyPr/>
+                    <a:lstStyle/>
+                    <a:p>
+                      <a:r>
+                        <a:rPr lang="en-US" dirty="0"/>
+                        <a:t>3</a:t>
+                      </a:r>
+                    </a:p>
+                  </a:txBody>
+                  <a:tcPr/>
+                </a:tc>
+                <a:tc>
+                  <a:txBody>
+                    <a:bodyPr/>
+                    <a:lstStyle/>
+                    <a:p>
+                      <a:r>
+                        <a:rPr lang="en-US" dirty="0"/>
+                        <a:t>80</a:t>
+                      </a:r>
+                    </a:p>
+                  </a:txBody>
+                  <a:tcPr/>
+                </a:tc>
+                <a:tc>
+                  <a:txBody>
+                    <a:bodyPr/>
+                    <a:lstStyle/>
+                    <a:p>
+                      <a:r>
+                        <a:rPr lang="en-US" dirty="0"/>
+                        <a:t>97</a:t>
+                      </a:r>
+                    </a:p>
+                  </a:txBody>
+                  <a:tcPr/>
+                </a:tc>
+                <a:extLst>
+                  <a:ext uri="{0D108BD9-81ED-4DB2-BD59-A6C34878D82A}">
+                    <a16:rowId xmlns:a16="http://schemas.microsoft.com/office/drawing/2014/main" val="2207217057"/>
+                  </a:ext>
+                </a:extLst>
+              </a:tr>
+              <a:tr h="370840">
+                <a:tc>
+                  <a:txBody>
+                    <a:bodyPr/>
+                    <a:lstStyle/>
+                    <a:p>
+                      <a:r>
+                        <a:rPr lang="en-US" dirty="0"/>
+                        <a:t>4</a:t>
+                      </a:r>
+                    </a:p>
+                  </a:txBody>
+                  <a:tcPr/>
+                </a:tc>
+                <a:tc>
+                  <a:txBody>
+                    <a:bodyPr/>
+                    <a:lstStyle/>
+                    <a:p>
+                      <a:r>
+                        <a:rPr lang="en-US" dirty="0"/>
+                        <a:t>47</a:t>
+                      </a:r>
+                    </a:p>
+                  </a:txBody>
+                  <a:tcPr/>
+                </a:tc>
+                <a:tc>
+                  <a:txBody>
+                    <a:bodyPr/>
+                    <a:lstStyle/>
+                    <a:p>
+                      <a:r>
+                        <a:rPr lang="en-US" dirty="0"/>
+                        <a:t>98</a:t>
+                      </a:r>
+                    </a:p>
+                  </a:txBody>
+                  <a:tcPr/>
+                </a:tc>
+                <a:extLst>
+                  <a:ext uri="{0D108BD9-81ED-4DB2-BD59-A6C34878D82A}">
+                    <a16:rowId xmlns:a16="http://schemas.microsoft.com/office/drawing/2014/main" val="1166615615"/>
+                  </a:ext>
+                </a:extLst>
+              </a:tr>
+              <a:tr h="370840">
+                <a:tc>
+                  <a:txBody>
+                    <a:bodyPr/>
+                    <a:lstStyle/>
+                    <a:p>
+                      <a:r>
+                        <a:rPr lang="en-US" dirty="0"/>
+                        <a:t>5</a:t>
+                      </a:r>
+                    </a:p>
+                  </a:txBody>
+                  <a:tcPr/>
+                </a:tc>
+                <a:tc>
+                  <a:txBody>
+                    <a:bodyPr/>
+                    <a:lstStyle/>
+                    <a:p>
+                      <a:r>
+                        <a:rPr lang="en-US" dirty="0"/>
+                        <a:t>24</a:t>
+                      </a:r>
+                    </a:p>
+                  </a:txBody>
+                  <a:tcPr/>
+                </a:tc>
+                <a:tc>
+                  <a:txBody>
+                    <a:bodyPr/>
+                    <a:lstStyle/>
+                    <a:p>
+                      <a:r>
+                        <a:rPr lang="en-US" dirty="0"/>
+                        <a:t>99</a:t>
+                      </a:r>
+                    </a:p>
+                  </a:txBody>
+                  <a:tcPr/>
+                </a:tc>
+                <a:extLst>
+                  <a:ext uri="{0D108BD9-81ED-4DB2-BD59-A6C34878D82A}">
+                    <a16:rowId xmlns:a16="http://schemas.microsoft.com/office/drawing/2014/main" val="3025026932"/>
+                  </a:ext>
+                </a:extLst>
+              </a:tr>
+            </a:tbl>
+          </a:graphicData>
+        </a:graphic>
+      </p:graphicFrame>
+      <p:graphicFrame>
+        <p:nvGraphicFramePr>
+          <p:cNvPr id="7" name="Table 5">
+            <a:extLst>
+              <a:ext uri="{FF2B5EF4-FFF2-40B4-BE49-F238E27FC236}">
+                <a16:creationId xmlns:a16="http://schemas.microsoft.com/office/drawing/2014/main" id="{A9422633-9B9C-4C58-9145-A8846B9EE4DF}"/>
+              </a:ext>
+            </a:extLst>
+          </p:cNvPr>
+          <p:cNvGraphicFramePr>
+            <a:graphicFrameLocks noGrp="1"/>
+          </p:cNvGraphicFramePr>
+          <p:nvPr>
+            <p:extLst>
+              <p:ext uri="{D42A27DB-BD31-4B8C-83A1-F6EECF244321}">
+                <p14:modId xmlns:p14="http://schemas.microsoft.com/office/powerpoint/2010/main" val="4021065231"/>
+              </p:ext>
+            </p:extLst>
+          </p:nvPr>
+        </p:nvGraphicFramePr>
+        <p:xfrm>
+          <a:off x="5243121" y="1349909"/>
+          <a:ext cx="3702723" cy="2804160"/>
+        </p:xfrm>
+        <a:graphic>
+          <a:graphicData uri="http://schemas.openxmlformats.org/drawingml/2006/table">
+            <a:tbl>
+              <a:tblPr firstRow="1" bandRow="1">
+                <a:tableStyleId>{5C22544A-7EE6-4342-B048-85BDC9FD1C3A}</a:tableStyleId>
+              </a:tblPr>
+              <a:tblGrid>
+                <a:gridCol w="1234241">
+                  <a:extLst>
+                    <a:ext uri="{9D8B030D-6E8A-4147-A177-3AD203B41FA5}">
+                      <a16:colId xmlns:a16="http://schemas.microsoft.com/office/drawing/2014/main" val="3334947787"/>
+                    </a:ext>
+                  </a:extLst>
+                </a:gridCol>
+                <a:gridCol w="1234241">
+                  <a:extLst>
+                    <a:ext uri="{9D8B030D-6E8A-4147-A177-3AD203B41FA5}">
+                      <a16:colId xmlns:a16="http://schemas.microsoft.com/office/drawing/2014/main" val="3215490151"/>
+                    </a:ext>
+                  </a:extLst>
+                </a:gridCol>
+                <a:gridCol w="1234241">
+                  <a:extLst>
+                    <a:ext uri="{9D8B030D-6E8A-4147-A177-3AD203B41FA5}">
+                      <a16:colId xmlns:a16="http://schemas.microsoft.com/office/drawing/2014/main" val="167819274"/>
+                    </a:ext>
+                  </a:extLst>
+                </a:gridCol>
+              </a:tblGrid>
+              <a:tr h="370840">
+                <a:tc>
+                  <a:txBody>
+                    <a:bodyPr/>
+                    <a:lstStyle/>
+                    <a:p>
+                      <a:r>
+                        <a:rPr lang="en-US" sz="1600" dirty="0"/>
+                        <a:t>Scoring Cutoff</a:t>
+                      </a:r>
+                    </a:p>
+                  </a:txBody>
+                  <a:tcPr/>
+                </a:tc>
+                <a:tc>
+                  <a:txBody>
+                    <a:bodyPr/>
+                    <a:lstStyle/>
+                    <a:p>
+                      <a:r>
+                        <a:rPr lang="en-US" sz="1600" dirty="0"/>
+                        <a:t>Sensitivity</a:t>
+                      </a:r>
+                    </a:p>
+                  </a:txBody>
+                  <a:tcPr/>
+                </a:tc>
+                <a:tc>
+                  <a:txBody>
+                    <a:bodyPr/>
+                    <a:lstStyle/>
+                    <a:p>
+                      <a:r>
+                        <a:rPr lang="en-US" sz="1600" dirty="0"/>
+                        <a:t>Specificity</a:t>
+                      </a:r>
+                    </a:p>
+                  </a:txBody>
+                  <a:tcPr/>
+                </a:tc>
+                <a:extLst>
+                  <a:ext uri="{0D108BD9-81ED-4DB2-BD59-A6C34878D82A}">
+                    <a16:rowId xmlns:a16="http://schemas.microsoft.com/office/drawing/2014/main" val="2170148188"/>
+                  </a:ext>
+                </a:extLst>
+              </a:tr>
+              <a:tr h="370840">
+                <a:tc>
+                  <a:txBody>
+                    <a:bodyPr/>
+                    <a:lstStyle/>
+                    <a:p>
+                      <a:r>
+                        <a:rPr lang="en-US" dirty="0"/>
+                        <a:t>0</a:t>
+                      </a:r>
+                    </a:p>
+                  </a:txBody>
+                  <a:tcPr/>
+                </a:tc>
+                <a:tc>
+                  <a:txBody>
+                    <a:bodyPr/>
+                    <a:lstStyle/>
+                    <a:p>
+                      <a:r>
+                        <a:rPr lang="en-US" dirty="0"/>
+                        <a:t>99</a:t>
+                      </a:r>
+                    </a:p>
+                  </a:txBody>
+                  <a:tcPr/>
+                </a:tc>
+                <a:tc>
+                  <a:txBody>
+                    <a:bodyPr/>
+                    <a:lstStyle/>
+                    <a:p>
+                      <a:r>
+                        <a:rPr lang="en-US" dirty="0"/>
+                        <a:t>93</a:t>
+                      </a:r>
+                    </a:p>
+                  </a:txBody>
+                  <a:tcPr/>
+                </a:tc>
+                <a:extLst>
+                  <a:ext uri="{0D108BD9-81ED-4DB2-BD59-A6C34878D82A}">
+                    <a16:rowId xmlns:a16="http://schemas.microsoft.com/office/drawing/2014/main" val="2439817468"/>
+                  </a:ext>
+                </a:extLst>
+              </a:tr>
+              <a:tr h="370840">
+                <a:tc>
+                  <a:txBody>
+                    <a:bodyPr/>
+                    <a:lstStyle/>
+                    <a:p>
+                      <a:r>
+                        <a:rPr lang="en-US" dirty="0"/>
+                        <a:t>1</a:t>
+                      </a:r>
+                    </a:p>
+                  </a:txBody>
+                  <a:tcPr/>
+                </a:tc>
+                <a:tc>
+                  <a:txBody>
+                    <a:bodyPr/>
+                    <a:lstStyle/>
+                    <a:p>
+                      <a:r>
+                        <a:rPr lang="en-US" dirty="0"/>
+                        <a:t>99</a:t>
+                      </a:r>
+                    </a:p>
+                  </a:txBody>
+                  <a:tcPr/>
+                </a:tc>
+                <a:tc>
+                  <a:txBody>
+                    <a:bodyPr/>
+                    <a:lstStyle/>
+                    <a:p>
+                      <a:r>
+                        <a:rPr lang="en-US" dirty="0"/>
+                        <a:t>97</a:t>
+                      </a:r>
+                    </a:p>
+                  </a:txBody>
+                  <a:tcPr/>
+                </a:tc>
+                <a:extLst>
+                  <a:ext uri="{0D108BD9-81ED-4DB2-BD59-A6C34878D82A}">
+                    <a16:rowId xmlns:a16="http://schemas.microsoft.com/office/drawing/2014/main" val="4255178025"/>
+                  </a:ext>
+                </a:extLst>
+              </a:tr>
+              <a:tr h="370840">
+                <a:tc>
+                  <a:txBody>
+                    <a:bodyPr/>
+                    <a:lstStyle/>
+                    <a:p>
+                      <a:r>
+                        <a:rPr lang="en-US" dirty="0"/>
+                        <a:t>2</a:t>
+                      </a:r>
+                    </a:p>
+                  </a:txBody>
+                  <a:tcPr/>
+                </a:tc>
+                <a:tc>
+                  <a:txBody>
+                    <a:bodyPr/>
+                    <a:lstStyle/>
+                    <a:p>
+                      <a:r>
+                        <a:rPr lang="en-US" dirty="0"/>
+                        <a:t>97</a:t>
+                      </a:r>
+                    </a:p>
+                  </a:txBody>
+                  <a:tcPr/>
+                </a:tc>
+                <a:tc>
+                  <a:txBody>
+                    <a:bodyPr/>
+                    <a:lstStyle/>
+                    <a:p>
+                      <a:r>
+                        <a:rPr lang="en-US" dirty="0"/>
+                        <a:t>98</a:t>
+                      </a:r>
+                    </a:p>
+                  </a:txBody>
+                  <a:tcPr/>
+                </a:tc>
+                <a:extLst>
+                  <a:ext uri="{0D108BD9-81ED-4DB2-BD59-A6C34878D82A}">
+                    <a16:rowId xmlns:a16="http://schemas.microsoft.com/office/drawing/2014/main" val="3573381080"/>
+                  </a:ext>
+                </a:extLst>
+              </a:tr>
+              <a:tr h="370840">
+                <a:tc>
+                  <a:txBody>
+                    <a:bodyPr/>
+                    <a:lstStyle/>
+                    <a:p>
+                      <a:r>
+                        <a:rPr lang="en-US" dirty="0"/>
+                        <a:t>3</a:t>
+                      </a:r>
+                    </a:p>
+                  </a:txBody>
+                  <a:tcPr/>
+                </a:tc>
+                <a:tc>
+                  <a:txBody>
+                    <a:bodyPr/>
+                    <a:lstStyle/>
+                    <a:p>
+                      <a:r>
+                        <a:rPr lang="en-US" dirty="0"/>
+                        <a:t>87</a:t>
+                      </a:r>
+                    </a:p>
+                  </a:txBody>
+                  <a:tcPr/>
+                </a:tc>
+                <a:tc>
+                  <a:txBody>
+                    <a:bodyPr/>
+                    <a:lstStyle/>
+                    <a:p>
+                      <a:r>
+                        <a:rPr lang="en-US" dirty="0"/>
+                        <a:t>99</a:t>
+                      </a:r>
+                    </a:p>
+                  </a:txBody>
+                  <a:tcPr/>
+                </a:tc>
+                <a:extLst>
+                  <a:ext uri="{0D108BD9-81ED-4DB2-BD59-A6C34878D82A}">
+                    <a16:rowId xmlns:a16="http://schemas.microsoft.com/office/drawing/2014/main" val="2207217057"/>
+                  </a:ext>
+                </a:extLst>
+              </a:tr>
+              <a:tr h="370840">
+                <a:tc>
+                  <a:txBody>
+                    <a:bodyPr/>
+                    <a:lstStyle/>
+                    <a:p>
+                      <a:r>
+                        <a:rPr lang="en-US" dirty="0"/>
+                        <a:t>4</a:t>
+                      </a:r>
+                    </a:p>
+                  </a:txBody>
+                  <a:tcPr/>
+                </a:tc>
+                <a:tc>
+                  <a:txBody>
+                    <a:bodyPr/>
+                    <a:lstStyle/>
+                    <a:p>
+                      <a:r>
+                        <a:rPr lang="en-US" dirty="0"/>
+                        <a:t>62</a:t>
+                      </a:r>
+                    </a:p>
+                  </a:txBody>
+                  <a:tcPr/>
+                </a:tc>
+                <a:tc>
+                  <a:txBody>
+                    <a:bodyPr/>
+                    <a:lstStyle/>
+                    <a:p>
+                      <a:r>
+                        <a:rPr lang="en-US" dirty="0"/>
+                        <a:t>99</a:t>
+                      </a:r>
+                    </a:p>
+                  </a:txBody>
+                  <a:tcPr/>
+                </a:tc>
+                <a:extLst>
+                  <a:ext uri="{0D108BD9-81ED-4DB2-BD59-A6C34878D82A}">
+                    <a16:rowId xmlns:a16="http://schemas.microsoft.com/office/drawing/2014/main" val="1166615615"/>
+                  </a:ext>
+                </a:extLst>
+              </a:tr>
+              <a:tr h="370840">
+                <a:tc>
+                  <a:txBody>
+                    <a:bodyPr/>
+                    <a:lstStyle/>
+                    <a:p>
+                      <a:r>
+                        <a:rPr lang="en-US" dirty="0"/>
+                        <a:t>5</a:t>
+                      </a:r>
+                    </a:p>
+                  </a:txBody>
+                  <a:tcPr/>
+                </a:tc>
+                <a:tc>
+                  <a:txBody>
+                    <a:bodyPr/>
+                    <a:lstStyle/>
+                    <a:p>
+                      <a:r>
+                        <a:rPr lang="en-US" dirty="0"/>
+                        <a:t>40</a:t>
+                      </a:r>
+                    </a:p>
+                  </a:txBody>
+                  <a:tcPr/>
+                </a:tc>
+                <a:tc>
+                  <a:txBody>
+                    <a:bodyPr/>
+                    <a:lstStyle/>
+                    <a:p>
+                      <a:r>
+                        <a:rPr lang="en-US" dirty="0"/>
+                        <a:t>99</a:t>
+                      </a:r>
+                    </a:p>
+                  </a:txBody>
+                  <a:tcPr/>
+                </a:tc>
+                <a:extLst>
+                  <a:ext uri="{0D108BD9-81ED-4DB2-BD59-A6C34878D82A}">
+                    <a16:rowId xmlns:a16="http://schemas.microsoft.com/office/drawing/2014/main" val="3025026932"/>
+                  </a:ext>
+                </a:extLst>
+              </a:tr>
+            </a:tbl>
+          </a:graphicData>
+        </a:graphic>
+      </p:graphicFrame>
+      <p:sp>
+        <p:nvSpPr>
+          <p:cNvPr id="6" name="Oval 5">
+            <a:extLst>
+              <a:ext uri="{FF2B5EF4-FFF2-40B4-BE49-F238E27FC236}">
+                <a16:creationId xmlns:a16="http://schemas.microsoft.com/office/drawing/2014/main" id="{867E04E1-0774-4ADC-A5D2-DA3BEA04EA87}"/>
+              </a:ext>
+            </a:extLst>
+          </p:cNvPr>
+          <p:cNvSpPr/>
+          <p:nvPr/>
+        </p:nvSpPr>
+        <p:spPr>
+          <a:xfrm>
+            <a:off x="5044965" y="2151095"/>
+            <a:ext cx="4099034" cy="530222"/>
+          </a:xfrm>
+          <a:prstGeom prst="ellipse">
+            <a:avLst/>
+          </a:prstGeom>
+          <a:noFill/>
+          <a:ln>
+            <a:solidFill>
+              <a:srgbClr val="FF0000"/>
+            </a:solidFill>
+          </a:ln>
+        </p:spPr>
+        <p:style>
+          <a:lnRef idx="2">
+            <a:schemeClr val="accent1">
+              <a:shade val="50000"/>
+            </a:schemeClr>
+          </a:lnRef>
+          <a:fillRef idx="1">
+            <a:schemeClr val="accent1"/>
+          </a:fillRef>
+          <a:effectRef idx="0">
+            <a:schemeClr val="accent1"/>
+          </a:effectRef>
+          <a:fontRef idx="minor">
+            <a:schemeClr val="lt1"/>
+          </a:fontRef>
+        </p:style>
+        <p:txBody>
+          <a:bodyPr rtlCol="0" anchor="ctr"/>
+          <a:lstStyle/>
+          <a:p>
+            <a:pPr algn="ctr"/>
+            <a:endParaRPr lang="en-US"/>
+          </a:p>
+        </p:txBody>
+      </p:sp>
+      <p:sp>
+        <p:nvSpPr>
+          <p:cNvPr id="8" name="Oval 7">
+            <a:extLst>
+              <a:ext uri="{FF2B5EF4-FFF2-40B4-BE49-F238E27FC236}">
+                <a16:creationId xmlns:a16="http://schemas.microsoft.com/office/drawing/2014/main" id="{CF2756E9-616F-4B4C-AF17-5B5C26364CE2}"/>
+              </a:ext>
+            </a:extLst>
+          </p:cNvPr>
+          <p:cNvSpPr/>
+          <p:nvPr/>
+        </p:nvSpPr>
+        <p:spPr>
+          <a:xfrm>
+            <a:off x="-82542" y="2224058"/>
+            <a:ext cx="4099034" cy="530222"/>
+          </a:xfrm>
+          <a:prstGeom prst="ellipse">
+            <a:avLst/>
+          </a:prstGeom>
+          <a:noFill/>
+          <a:ln>
+            <a:solidFill>
+              <a:srgbClr val="FF0000"/>
+            </a:solidFill>
+          </a:ln>
+        </p:spPr>
+        <p:style>
+          <a:lnRef idx="2">
+            <a:schemeClr val="accent1">
+              <a:shade val="50000"/>
+            </a:schemeClr>
+          </a:lnRef>
+          <a:fillRef idx="1">
+            <a:schemeClr val="accent1"/>
+          </a:fillRef>
+          <a:effectRef idx="0">
+            <a:schemeClr val="accent1"/>
+          </a:effectRef>
+          <a:fontRef idx="minor">
+            <a:schemeClr val="lt1"/>
+          </a:fontRef>
+        </p:style>
+        <p:txBody>
+          <a:bodyPr rtlCol="0" anchor="ctr"/>
+          <a:lstStyle/>
+          <a:p>
+            <a:pPr algn="ctr"/>
+            <a:endParaRPr lang="en-US"/>
+          </a:p>
+        </p:txBody>
+      </p:sp>
+      <p:sp>
+        <p:nvSpPr>
+          <p:cNvPr id="9" name="Content Placeholder 2">
+            <a:extLst>
+              <a:ext uri="{FF2B5EF4-FFF2-40B4-BE49-F238E27FC236}">
+                <a16:creationId xmlns:a16="http://schemas.microsoft.com/office/drawing/2014/main" id="{45A1620D-73ED-4ECA-91AF-E4F70C51EA77}"/>
+              </a:ext>
+            </a:extLst>
+          </p:cNvPr>
+          <p:cNvSpPr txBox="1">
+            <a:spLocks/>
+          </p:cNvSpPr>
+          <p:nvPr/>
+        </p:nvSpPr>
+        <p:spPr>
+          <a:xfrm>
+            <a:off x="5495372" y="557675"/>
+            <a:ext cx="3363310" cy="792233"/>
+          </a:xfrm>
+          <a:prstGeom prst="rect">
+            <a:avLst/>
+          </a:prstGeom>
+        </p:spPr>
+        <p:txBody>
+          <a:bodyPr vert="horz" lIns="91440" tIns="45720" rIns="91440" bIns="45720" rtlCol="0">
+            <a:normAutofit/>
+          </a:bodyPr>
+          <a:lstStyle>
+            <a:lvl1pPr marL="257175" indent="-257175" algn="l" defTabSz="342900" rtl="0" eaLnBrk="1" latinLnBrk="0" hangingPunct="1">
+              <a:spcBef>
+                <a:spcPts val="750"/>
+              </a:spcBef>
+              <a:spcAft>
+                <a:spcPts val="0"/>
+              </a:spcAft>
+              <a:buClr>
+                <a:schemeClr val="accent1"/>
+              </a:buClr>
+              <a:buSzPct val="80000"/>
+              <a:buFont typeface="Wingdings 3" charset="2"/>
+              <a:buChar char=""/>
+              <a:defRPr sz="1350" b="0" i="0" kern="1200">
+                <a:solidFill>
+                  <a:schemeClr val="tx1">
+                    <a:lumMod val="75000"/>
+                    <a:lumOff val="25000"/>
+                  </a:schemeClr>
+                </a:solidFill>
+                <a:latin typeface="+mn-lt"/>
+                <a:ea typeface="+mn-ea"/>
+                <a:cs typeface="+mn-cs"/>
+              </a:defRPr>
+            </a:lvl1pPr>
+            <a:lvl2pPr marL="557213" indent="-214313" algn="l" defTabSz="342900" rtl="0" eaLnBrk="1" latinLnBrk="0" hangingPunct="1">
+              <a:spcBef>
+                <a:spcPts val="750"/>
+              </a:spcBef>
+              <a:spcAft>
+                <a:spcPts val="0"/>
+              </a:spcAft>
+              <a:buClr>
+                <a:schemeClr val="accent1"/>
+              </a:buClr>
+              <a:buSzPct val="80000"/>
+              <a:buFont typeface="Wingdings 3" charset="2"/>
+              <a:buChar char=""/>
+              <a:defRPr sz="1200" b="0" i="0" kern="1200">
+                <a:solidFill>
+                  <a:schemeClr val="tx1">
+                    <a:lumMod val="75000"/>
+                    <a:lumOff val="25000"/>
+                  </a:schemeClr>
+                </a:solidFill>
+                <a:latin typeface="+mn-lt"/>
+                <a:ea typeface="+mn-ea"/>
+                <a:cs typeface="+mn-cs"/>
+              </a:defRPr>
+            </a:lvl2pPr>
+            <a:lvl3pPr marL="857250" indent="-171450" algn="l" defTabSz="342900" rtl="0" eaLnBrk="1" latinLnBrk="0" hangingPunct="1">
+              <a:spcBef>
+                <a:spcPts val="750"/>
+              </a:spcBef>
+              <a:spcAft>
+                <a:spcPts val="0"/>
+              </a:spcAft>
+              <a:buClr>
+                <a:schemeClr val="accent1"/>
+              </a:buClr>
+              <a:buSzPct val="80000"/>
+              <a:buFont typeface="Wingdings 3" charset="2"/>
+              <a:buChar char=""/>
+              <a:defRPr sz="1050" b="0" i="0" kern="1200">
+                <a:solidFill>
+                  <a:schemeClr val="tx1">
+                    <a:lumMod val="75000"/>
+                    <a:lumOff val="25000"/>
+                  </a:schemeClr>
+                </a:solidFill>
+                <a:latin typeface="+mn-lt"/>
+                <a:ea typeface="+mn-ea"/>
+                <a:cs typeface="+mn-cs"/>
+              </a:defRPr>
+            </a:lvl3pPr>
+            <a:lvl4pPr marL="1200150" indent="-171450" algn="l" defTabSz="342900" rtl="0" eaLnBrk="1" latinLnBrk="0" hangingPunct="1">
+              <a:spcBef>
+                <a:spcPts val="750"/>
+              </a:spcBef>
+              <a:spcAft>
+                <a:spcPts val="0"/>
+              </a:spcAft>
+              <a:buClr>
+                <a:schemeClr val="accent1"/>
+              </a:buClr>
+              <a:buSzPct val="80000"/>
+              <a:buFont typeface="Wingdings 3" charset="2"/>
+              <a:buChar char=""/>
+              <a:defRPr sz="900" b="0" i="0" kern="1200">
+                <a:solidFill>
+                  <a:schemeClr val="tx1">
+                    <a:lumMod val="75000"/>
+                    <a:lumOff val="25000"/>
+                  </a:schemeClr>
+                </a:solidFill>
+                <a:latin typeface="+mn-lt"/>
+                <a:ea typeface="+mn-ea"/>
+                <a:cs typeface="+mn-cs"/>
+              </a:defRPr>
+            </a:lvl4pPr>
+            <a:lvl5pPr marL="1543050" indent="-171450" algn="l" defTabSz="342900" rtl="0" eaLnBrk="1" latinLnBrk="0" hangingPunct="1">
+              <a:spcBef>
+                <a:spcPts val="750"/>
+              </a:spcBef>
+              <a:spcAft>
+                <a:spcPts val="0"/>
+              </a:spcAft>
+              <a:buClr>
+                <a:schemeClr val="accent1"/>
+              </a:buClr>
+              <a:buSzPct val="80000"/>
+              <a:buFont typeface="Wingdings 3" charset="2"/>
+              <a:buChar char=""/>
+              <a:defRPr sz="900" b="0" i="0" kern="1200">
+                <a:solidFill>
+                  <a:schemeClr val="tx1">
+                    <a:lumMod val="75000"/>
+                    <a:lumOff val="25000"/>
+                  </a:schemeClr>
+                </a:solidFill>
+                <a:latin typeface="+mn-lt"/>
+                <a:ea typeface="+mn-ea"/>
+                <a:cs typeface="+mn-cs"/>
+              </a:defRPr>
+            </a:lvl5pPr>
+            <a:lvl6pPr marL="1885950" indent="-171450" algn="l" defTabSz="342900" rtl="0" eaLnBrk="1" latinLnBrk="0" hangingPunct="1">
+              <a:spcBef>
+                <a:spcPts val="750"/>
+              </a:spcBef>
+              <a:spcAft>
+                <a:spcPts val="0"/>
+              </a:spcAft>
+              <a:buClr>
+                <a:schemeClr val="accent1"/>
+              </a:buClr>
+              <a:buSzPct val="80000"/>
+              <a:buFont typeface="Wingdings 3" charset="2"/>
+              <a:buChar char=""/>
+              <a:defRPr sz="900" b="0" i="0" kern="1200">
+                <a:solidFill>
+                  <a:schemeClr val="tx1">
+                    <a:lumMod val="75000"/>
+                    <a:lumOff val="25000"/>
+                  </a:schemeClr>
+                </a:solidFill>
+                <a:latin typeface="+mn-lt"/>
+                <a:ea typeface="+mn-ea"/>
+                <a:cs typeface="+mn-cs"/>
+              </a:defRPr>
+            </a:lvl6pPr>
+            <a:lvl7pPr marL="2228850" indent="-171450" algn="l" defTabSz="342900" rtl="0" eaLnBrk="1" latinLnBrk="0" hangingPunct="1">
+              <a:spcBef>
+                <a:spcPts val="750"/>
+              </a:spcBef>
+              <a:spcAft>
+                <a:spcPts val="0"/>
+              </a:spcAft>
+              <a:buClr>
+                <a:schemeClr val="accent1"/>
+              </a:buClr>
+              <a:buSzPct val="80000"/>
+              <a:buFont typeface="Wingdings 3" charset="2"/>
+              <a:buChar char=""/>
+              <a:defRPr sz="900" b="0" i="0" kern="1200">
+                <a:solidFill>
+                  <a:schemeClr val="tx1">
+                    <a:lumMod val="75000"/>
+                    <a:lumOff val="25000"/>
+                  </a:schemeClr>
+                </a:solidFill>
+                <a:latin typeface="+mn-lt"/>
+                <a:ea typeface="+mn-ea"/>
+                <a:cs typeface="+mn-cs"/>
+              </a:defRPr>
+            </a:lvl7pPr>
+            <a:lvl8pPr marL="2571750" indent="-171450" algn="l" defTabSz="342900" rtl="0" eaLnBrk="1" latinLnBrk="0" hangingPunct="1">
+              <a:spcBef>
+                <a:spcPts val="750"/>
+              </a:spcBef>
+              <a:spcAft>
+                <a:spcPts val="0"/>
+              </a:spcAft>
+              <a:buClr>
+                <a:schemeClr val="accent1"/>
+              </a:buClr>
+              <a:buSzPct val="80000"/>
+              <a:buFont typeface="Wingdings 3" charset="2"/>
+              <a:buChar char=""/>
+              <a:defRPr sz="900" b="0" i="0" kern="1200">
+                <a:solidFill>
+                  <a:schemeClr val="tx1">
+                    <a:lumMod val="75000"/>
+                    <a:lumOff val="25000"/>
+                  </a:schemeClr>
+                </a:solidFill>
+                <a:latin typeface="+mn-lt"/>
+                <a:ea typeface="+mn-ea"/>
+                <a:cs typeface="+mn-cs"/>
+              </a:defRPr>
+            </a:lvl8pPr>
+            <a:lvl9pPr marL="2914650" indent="-171450" algn="l" defTabSz="342900" rtl="0" eaLnBrk="1" latinLnBrk="0" hangingPunct="1">
+              <a:spcBef>
+                <a:spcPts val="750"/>
+              </a:spcBef>
+              <a:spcAft>
+                <a:spcPts val="0"/>
+              </a:spcAft>
+              <a:buClr>
+                <a:schemeClr val="accent1"/>
+              </a:buClr>
+              <a:buSzPct val="80000"/>
+              <a:buFont typeface="Wingdings 3" charset="2"/>
+              <a:buChar char=""/>
+              <a:defRPr sz="900" b="0" i="0" kern="1200">
+                <a:solidFill>
+                  <a:schemeClr val="tx1">
+                    <a:lumMod val="75000"/>
+                    <a:lumOff val="25000"/>
+                  </a:schemeClr>
+                </a:solidFill>
+                <a:latin typeface="+mn-lt"/>
+                <a:ea typeface="+mn-ea"/>
+                <a:cs typeface="+mn-cs"/>
+              </a:defRPr>
+            </a:lvl9pPr>
+          </a:lstStyle>
+          <a:p>
+            <a:endParaRPr lang="en-US" sz="1750" dirty="0">
+              <a:solidFill>
+                <a:schemeClr val="tx1"/>
+              </a:solidFill>
+            </a:endParaRPr>
+          </a:p>
+          <a:p>
+            <a:pPr marL="0" indent="0">
+              <a:buFont typeface="Wingdings 3" charset="2"/>
+              <a:buNone/>
+            </a:pPr>
+            <a:r>
+              <a:rPr lang="en-US" sz="1750" b="1" dirty="0">
+                <a:solidFill>
+                  <a:schemeClr val="tx1"/>
+                </a:solidFill>
+              </a:rPr>
+              <a:t>Maxwell &amp; Huff (in press)</a:t>
+            </a:r>
+          </a:p>
+          <a:p>
+            <a:pPr marL="342900" lvl="1" indent="0">
+              <a:buFont typeface="Wingdings 3" charset="2"/>
+              <a:buNone/>
+            </a:pPr>
+            <a:endParaRPr lang="en-US" sz="1800" dirty="0">
+              <a:solidFill>
+                <a:schemeClr val="tx1"/>
+              </a:solidFill>
+            </a:endParaRPr>
+          </a:p>
+        </p:txBody>
+      </p:sp>
+      <p:sp>
+        <p:nvSpPr>
+          <p:cNvPr id="10" name="TextBox 9">
+            <a:extLst>
+              <a:ext uri="{FF2B5EF4-FFF2-40B4-BE49-F238E27FC236}">
+                <a16:creationId xmlns:a16="http://schemas.microsoft.com/office/drawing/2014/main" id="{8D645140-1FB9-4E1F-88E4-38C20874CFFC}"/>
+              </a:ext>
+            </a:extLst>
+          </p:cNvPr>
+          <p:cNvSpPr txBox="1"/>
+          <p:nvPr/>
+        </p:nvSpPr>
+        <p:spPr>
+          <a:xfrm>
+            <a:off x="709448" y="4322057"/>
+            <a:ext cx="7725103" cy="338554"/>
+          </a:xfrm>
+          <a:prstGeom prst="rect">
+            <a:avLst/>
+          </a:prstGeom>
+          <a:noFill/>
+        </p:spPr>
+        <p:txBody>
+          <a:bodyPr wrap="square" rtlCol="0">
+            <a:spAutoFit/>
+          </a:bodyPr>
+          <a:lstStyle/>
+          <a:p>
+            <a:r>
+              <a:rPr lang="en-US" sz="1600" dirty="0"/>
+              <a:t>Sensitivity/Specificity were both maximized when using cutoff of 1 at scoring.</a:t>
+            </a:r>
+          </a:p>
+        </p:txBody>
+      </p:sp>
+    </p:spTree>
+    <p:extLst>
+      <p:ext uri="{BB962C8B-B14F-4D97-AF65-F5344CB8AC3E}">
+        <p14:creationId xmlns:p14="http://schemas.microsoft.com/office/powerpoint/2010/main" val="167830086"/>
+      </p:ext>
+    </p:extLst>
+  </p:cSld>
+  <p:clrMapOvr>
+    <a:masterClrMapping/>
+  </p:clrMapOvr>
+  <p:timing>
+    <p:tnLst>
+      <p:par>
+        <p:cTn id="1" dur="indefinite" restart="never" nodeType="tmRoot">
+          <p:childTnLst>
+            <p:seq concurrent="1" nextAc="seek">
+              <p:cTn id="2" dur="indefinite" nodeType="mainSeq">
+                <p:childTnLst>
+                  <p:par>
+                    <p:cTn id="3" fill="hold">
+                      <p:stCondLst>
+                        <p:cond delay="indefinite"/>
+                      </p:stCondLst>
+                      <p:childTnLst>
+                        <p:par>
+                          <p:cTn id="4" fill="hold">
+                            <p:stCondLst>
+                              <p:cond delay="0"/>
+                            </p:stCondLst>
+                            <p:childTnLst>
+                              <p:par>
+                                <p:cTn id="5" presetID="1" presetClass="entr" presetSubtype="0" fill="hold" nodeType="clickEffect">
+                                  <p:stCondLst>
+                                    <p:cond delay="0"/>
+                                  </p:stCondLst>
+                                  <p:childTnLst>
+                                    <p:set>
+                                      <p:cBhvr>
+                                        <p:cTn id="6" dur="1" fill="hold">
+                                          <p:stCondLst>
+                                            <p:cond delay="0"/>
+                                          </p:stCondLst>
+                                        </p:cTn>
+                                        <p:tgtEl>
+                                          <p:spTgt spid="3">
+                                            <p:txEl>
+                                              <p:pRg st="1" end="1"/>
+                                            </p:txEl>
+                                          </p:spTgt>
+                                        </p:tgtEl>
+                                        <p:attrNameLst>
+                                          <p:attrName>style.visibility</p:attrName>
+                                        </p:attrNameLst>
+                                      </p:cBhvr>
+                                      <p:to>
+                                        <p:strVal val="visible"/>
+                                      </p:to>
+                                    </p:set>
+                                  </p:childTnLst>
+                                </p:cTn>
+                              </p:par>
+                            </p:childTnLst>
+                          </p:cTn>
+                        </p:par>
+                      </p:childTnLst>
+                    </p:cTn>
+                  </p:par>
+                  <p:par>
+                    <p:cTn id="7" fill="hold">
+                      <p:stCondLst>
+                        <p:cond delay="indefinite"/>
+                      </p:stCondLst>
+                      <p:childTnLst>
+                        <p:par>
+                          <p:cTn id="8" fill="hold">
+                            <p:stCondLst>
+                              <p:cond delay="0"/>
+                            </p:stCondLst>
+                            <p:childTnLst>
+                              <p:par>
+                                <p:cTn id="9" presetID="1" presetClass="entr" presetSubtype="0" fill="hold" nodeType="clickEffect">
+                                  <p:stCondLst>
+                                    <p:cond delay="0"/>
+                                  </p:stCondLst>
+                                  <p:childTnLst>
+                                    <p:set>
+                                      <p:cBhvr>
+                                        <p:cTn id="10" dur="1" fill="hold">
+                                          <p:stCondLst>
+                                            <p:cond delay="0"/>
+                                          </p:stCondLst>
+                                        </p:cTn>
+                                        <p:tgtEl>
+                                          <p:spTgt spid="5"/>
+                                        </p:tgtEl>
+                                        <p:attrNameLst>
+                                          <p:attrName>style.visibility</p:attrName>
+                                        </p:attrNameLst>
+                                      </p:cBhvr>
+                                      <p:to>
+                                        <p:strVal val="visible"/>
+                                      </p:to>
+                                    </p:set>
+                                  </p:childTnLst>
+                                </p:cTn>
+                              </p:par>
+                            </p:childTnLst>
+                          </p:cTn>
+                        </p:par>
+                      </p:childTnLst>
+                    </p:cTn>
+                  </p:par>
+                  <p:par>
+                    <p:cTn id="11" fill="hold">
+                      <p:stCondLst>
+                        <p:cond delay="indefinite"/>
+                      </p:stCondLst>
+                      <p:childTnLst>
+                        <p:par>
+                          <p:cTn id="12" fill="hold">
+                            <p:stCondLst>
+                              <p:cond delay="0"/>
+                            </p:stCondLst>
+                            <p:childTnLst>
+                              <p:par>
+                                <p:cTn id="13" presetID="1" presetClass="entr" presetSubtype="0" fill="hold" grpId="0" nodeType="clickEffect">
+                                  <p:stCondLst>
+                                    <p:cond delay="0"/>
+                                  </p:stCondLst>
+                                  <p:childTnLst>
+                                    <p:set>
+                                      <p:cBhvr>
+                                        <p:cTn id="14" dur="1" fill="hold">
+                                          <p:stCondLst>
+                                            <p:cond delay="0"/>
+                                          </p:stCondLst>
+                                        </p:cTn>
+                                        <p:tgtEl>
+                                          <p:spTgt spid="8"/>
+                                        </p:tgtEl>
+                                        <p:attrNameLst>
+                                          <p:attrName>style.visibility</p:attrName>
+                                        </p:attrNameLst>
+                                      </p:cBhvr>
+                                      <p:to>
+                                        <p:strVal val="visible"/>
+                                      </p:to>
+                                    </p:set>
+                                  </p:childTnLst>
+                                </p:cTn>
+                              </p:par>
+                            </p:childTnLst>
+                          </p:cTn>
+                        </p:par>
+                      </p:childTnLst>
+                    </p:cTn>
+                  </p:par>
+                  <p:par>
+                    <p:cTn id="15" fill="hold">
+                      <p:stCondLst>
+                        <p:cond delay="indefinite"/>
+                      </p:stCondLst>
+                      <p:childTnLst>
+                        <p:par>
+                          <p:cTn id="16" fill="hold">
+                            <p:stCondLst>
+                              <p:cond delay="0"/>
+                            </p:stCondLst>
+                            <p:childTnLst>
+                              <p:par>
+                                <p:cTn id="17" presetID="1" presetClass="entr" presetSubtype="0" fill="hold" nodeType="clickEffect">
+                                  <p:stCondLst>
+                                    <p:cond delay="0"/>
+                                  </p:stCondLst>
+                                  <p:childTnLst>
+                                    <p:set>
+                                      <p:cBhvr>
+                                        <p:cTn id="18" dur="1" fill="hold">
+                                          <p:stCondLst>
+                                            <p:cond delay="0"/>
+                                          </p:stCondLst>
+                                        </p:cTn>
+                                        <p:tgtEl>
+                                          <p:spTgt spid="7"/>
+                                        </p:tgtEl>
+                                        <p:attrNameLst>
+                                          <p:attrName>style.visibility</p:attrName>
+                                        </p:attrNameLst>
+                                      </p:cBhvr>
+                                      <p:to>
+                                        <p:strVal val="visible"/>
+                                      </p:to>
+                                    </p:set>
+                                  </p:childTnLst>
+                                </p:cTn>
+                              </p:par>
+                            </p:childTnLst>
+                          </p:cTn>
+                        </p:par>
+                      </p:childTnLst>
+                    </p:cTn>
+                  </p:par>
+                  <p:par>
+                    <p:cTn id="19" fill="hold">
+                      <p:stCondLst>
+                        <p:cond delay="indefinite"/>
+                      </p:stCondLst>
+                      <p:childTnLst>
+                        <p:par>
+                          <p:cTn id="20" fill="hold">
+                            <p:stCondLst>
+                              <p:cond delay="0"/>
+                            </p:stCondLst>
+                            <p:childTnLst>
+                              <p:par>
+                                <p:cTn id="21" presetID="1" presetClass="entr" presetSubtype="0" fill="hold" nodeType="clickEffect">
+                                  <p:stCondLst>
+                                    <p:cond delay="0"/>
+                                  </p:stCondLst>
+                                  <p:childTnLst>
+                                    <p:set>
+                                      <p:cBhvr>
+                                        <p:cTn id="22" dur="1" fill="hold">
+                                          <p:stCondLst>
+                                            <p:cond delay="0"/>
+                                          </p:stCondLst>
+                                        </p:cTn>
+                                        <p:tgtEl>
+                                          <p:spTgt spid="9">
+                                            <p:txEl>
+                                              <p:pRg st="1" end="1"/>
+                                            </p:txEl>
+                                          </p:spTgt>
+                                        </p:tgtEl>
+                                        <p:attrNameLst>
+                                          <p:attrName>style.visibility</p:attrName>
+                                        </p:attrNameLst>
+                                      </p:cBhvr>
+                                      <p:to>
+                                        <p:strVal val="visible"/>
+                                      </p:to>
+                                    </p:set>
+                                  </p:childTnLst>
+                                </p:cTn>
+                              </p:par>
+                            </p:childTnLst>
+                          </p:cTn>
+                        </p:par>
+                      </p:childTnLst>
+                    </p:cTn>
+                  </p:par>
+                  <p:par>
+                    <p:cTn id="23" fill="hold">
+                      <p:stCondLst>
+                        <p:cond delay="indefinite"/>
+                      </p:stCondLst>
+                      <p:childTnLst>
+                        <p:par>
+                          <p:cTn id="24" fill="hold">
+                            <p:stCondLst>
+                              <p:cond delay="0"/>
+                            </p:stCondLst>
+                            <p:childTnLst>
+                              <p:par>
+                                <p:cTn id="25" presetID="1" presetClass="entr" presetSubtype="0" fill="hold" grpId="0" nodeType="clickEffect">
+                                  <p:stCondLst>
+                                    <p:cond delay="0"/>
+                                  </p:stCondLst>
+                                  <p:childTnLst>
+                                    <p:set>
+                                      <p:cBhvr>
+                                        <p:cTn id="26" dur="1" fill="hold">
+                                          <p:stCondLst>
+                                            <p:cond delay="0"/>
+                                          </p:stCondLst>
+                                        </p:cTn>
+                                        <p:tgtEl>
+                                          <p:spTgt spid="6"/>
+                                        </p:tgtEl>
+                                        <p:attrNameLst>
+                                          <p:attrName>style.visibility</p:attrName>
+                                        </p:attrNameLst>
+                                      </p:cBhvr>
+                                      <p:to>
+                                        <p:strVal val="visible"/>
+                                      </p:to>
+                                    </p:set>
+                                  </p:childTnLst>
+                                </p:cTn>
+                              </p:par>
+                            </p:childTnLst>
+                          </p:cTn>
+                        </p:par>
+                      </p:childTnLst>
+                    </p:cTn>
+                  </p:par>
+                  <p:par>
+                    <p:cTn id="27" fill="hold">
+                      <p:stCondLst>
+                        <p:cond delay="indefinite"/>
+                      </p:stCondLst>
+                      <p:childTnLst>
+                        <p:par>
+                          <p:cTn id="28" fill="hold">
+                            <p:stCondLst>
+                              <p:cond delay="0"/>
+                            </p:stCondLst>
+                            <p:childTnLst>
+                              <p:par>
+                                <p:cTn id="29" presetID="1" presetClass="entr" presetSubtype="0" fill="hold" grpId="0" nodeType="clickEffect">
+                                  <p:stCondLst>
+                                    <p:cond delay="0"/>
+                                  </p:stCondLst>
+                                  <p:childTnLst>
+                                    <p:set>
+                                      <p:cBhvr>
+                                        <p:cTn id="30" dur="1" fill="hold">
+                                          <p:stCondLst>
+                                            <p:cond delay="0"/>
+                                          </p:stCondLst>
+                                        </p:cTn>
+                                        <p:tgtEl>
+                                          <p:spTgt spid="10"/>
+                                        </p:tgtEl>
+                                        <p:attrNameLst>
+                                          <p:attrName>style.visibility</p:attrName>
+                                        </p:attrNameLst>
+                                      </p:cBhvr>
+                                      <p:to>
+                                        <p:strVal val="visible"/>
+                                      </p:to>
+                                    </p:set>
+                                  </p:childTnLst>
+                                </p:cTn>
+                              </p:par>
+                            </p:childTnLst>
+                          </p:cTn>
+                        </p:par>
+                      </p:childTnLst>
+                    </p:cTn>
+                  </p:par>
+                </p:childTnLst>
+              </p:cTn>
+              <p:prevCondLst>
+                <p:cond evt="onPrev" delay="0">
+                  <p:tgtEl>
+                    <p:sldTgt/>
+                  </p:tgtEl>
+                </p:cond>
+              </p:prevCondLst>
+              <p:nextCondLst>
+                <p:cond evt="onNext" delay="0">
+                  <p:tgtEl>
+                    <p:sldTgt/>
+                  </p:tgtEl>
+                </p:cond>
+              </p:nextCondLst>
+            </p:seq>
+          </p:childTnLst>
+        </p:cTn>
+      </p:par>
+    </p:tnLst>
+    <p:bldLst>
+      <p:bldP spid="6" grpId="0" animBg="1"/>
+      <p:bldP spid="8" grpId="0" animBg="1"/>
+      <p:bldP spid="10" grpId="0"/>
+    </p:bldLst>
+  </p:timing>
+</p:sld>
+</file>
+
+<file path=ppt/slides/slide17.xml><?xml version="1.0" encoding="utf-8"?>
+<p:sld xmlns:a="http://schemas.openxmlformats.org/drawingml/2006/main" xmlns:r="http://schemas.openxmlformats.org/officeDocument/2006/relationships" xmlns:p="http://schemas.openxmlformats.org/presentationml/2006/main">
+  <p:cSld>
+    <p:spTree>
+      <p:nvGrpSpPr>
+        <p:cNvPr id="1" name=""/>
+        <p:cNvGrpSpPr/>
+        <p:nvPr/>
+      </p:nvGrpSpPr>
+      <p:grpSpPr>
+        <a:xfrm>
+          <a:off x="0" y="0"/>
+          <a:ext cx="0" cy="0"/>
+          <a:chOff x="0" y="0"/>
+          <a:chExt cx="0" cy="0"/>
+        </a:xfrm>
+      </p:grpSpPr>
+      <p:sp>
+        <p:nvSpPr>
+          <p:cNvPr id="2" name="Title 1">
+            <a:extLst>
+              <a:ext uri="{FF2B5EF4-FFF2-40B4-BE49-F238E27FC236}">
+                <a16:creationId xmlns:a16="http://schemas.microsoft.com/office/drawing/2014/main" id="{3C5F83DF-0561-4141-875F-99F36076C97D}"/>
+              </a:ext>
+            </a:extLst>
+          </p:cNvPr>
+          <p:cNvSpPr>
+            <a:spLocks noGrp="1"/>
+          </p:cNvSpPr>
+          <p:nvPr>
+            <p:ph type="title"/>
           </p:nvPr>
         </p:nvSpPr>
         <p:spPr/>
@@ -15183,14 +19575,1454 @@
           <a:bodyPr/>
           <a:lstStyle/>
           <a:p>
-            <a:endParaRPr lang="en-US"/>
+            <a:r>
+              <a:rPr lang="en-US" b="1" dirty="0"/>
+              <a:t>Free-Recall</a:t>
+            </a:r>
+          </a:p>
+        </p:txBody>
+      </p:sp>
+      <p:sp>
+        <p:nvSpPr>
+          <p:cNvPr id="3" name="Content Placeholder 2">
+            <a:extLst>
+              <a:ext uri="{FF2B5EF4-FFF2-40B4-BE49-F238E27FC236}">
+                <a16:creationId xmlns:a16="http://schemas.microsoft.com/office/drawing/2014/main" id="{A5562E7E-FB37-4271-B667-A6BF2CD1A2E4}"/>
+              </a:ext>
+            </a:extLst>
+          </p:cNvPr>
+          <p:cNvSpPr>
+            <a:spLocks noGrp="1"/>
+          </p:cNvSpPr>
+          <p:nvPr>
+            <p:ph idx="1"/>
+          </p:nvPr>
+        </p:nvSpPr>
+        <p:spPr/>
+        <p:txBody>
+          <a:bodyPr>
+            <a:normAutofit/>
+          </a:bodyPr>
+          <a:lstStyle/>
+          <a:p>
+            <a:r>
+              <a:rPr lang="en-US" sz="1800" dirty="0">
+                <a:solidFill>
+                  <a:schemeClr val="tx1"/>
+                </a:solidFill>
+              </a:rPr>
+              <a:t>Free recall data taken from Huff, Yates, &amp; </a:t>
+            </a:r>
+            <a:r>
+              <a:rPr lang="en-US" sz="1800" dirty="0" err="1">
+                <a:solidFill>
+                  <a:schemeClr val="tx1"/>
+                </a:solidFill>
+              </a:rPr>
+              <a:t>Balota</a:t>
+            </a:r>
+            <a:r>
+              <a:rPr lang="en-US" sz="1800" dirty="0">
+                <a:solidFill>
+                  <a:schemeClr val="tx1"/>
+                </a:solidFill>
+              </a:rPr>
+              <a:t> (2018)</a:t>
+            </a:r>
+          </a:p>
+          <a:p>
+            <a:pPr lvl="1"/>
+            <a:r>
+              <a:rPr lang="en-US" sz="1600" dirty="0">
+                <a:solidFill>
+                  <a:schemeClr val="tx1"/>
+                </a:solidFill>
+              </a:rPr>
+              <a:t>120 participants completed free-recall tasks for three types of words lists</a:t>
+            </a:r>
+          </a:p>
+          <a:p>
+            <a:pPr lvl="2"/>
+            <a:r>
+              <a:rPr lang="en-US" sz="1400" dirty="0" err="1">
+                <a:solidFill>
+                  <a:schemeClr val="tx1"/>
+                </a:solidFill>
+              </a:rPr>
+              <a:t>Adhoc</a:t>
+            </a:r>
+            <a:endParaRPr lang="en-US" sz="1400" dirty="0">
+              <a:solidFill>
+                <a:schemeClr val="tx1"/>
+              </a:solidFill>
+            </a:endParaRPr>
+          </a:p>
+          <a:p>
+            <a:pPr lvl="2"/>
+            <a:r>
+              <a:rPr lang="en-US" sz="1400" dirty="0">
+                <a:solidFill>
+                  <a:schemeClr val="tx1"/>
+                </a:solidFill>
+              </a:rPr>
+              <a:t>Categorical</a:t>
+            </a:r>
+          </a:p>
+          <a:p>
+            <a:pPr lvl="2"/>
+            <a:r>
+              <a:rPr lang="en-US" sz="1400" dirty="0">
+                <a:solidFill>
+                  <a:schemeClr val="tx1"/>
+                </a:solidFill>
+              </a:rPr>
+              <a:t>Unrelated</a:t>
+            </a:r>
+            <a:endParaRPr lang="en-US" sz="1100" dirty="0">
+              <a:solidFill>
+                <a:schemeClr val="tx1"/>
+              </a:solidFill>
+            </a:endParaRPr>
+          </a:p>
+        </p:txBody>
+      </p:sp>
+      <p:sp>
+        <p:nvSpPr>
+          <p:cNvPr id="4" name="Footer Placeholder 3">
+            <a:extLst>
+              <a:ext uri="{FF2B5EF4-FFF2-40B4-BE49-F238E27FC236}">
+                <a16:creationId xmlns:a16="http://schemas.microsoft.com/office/drawing/2014/main" id="{E9FA8B5A-3260-4792-A3A4-2AF0EB2A7CFE}"/>
+              </a:ext>
+            </a:extLst>
+          </p:cNvPr>
+          <p:cNvSpPr>
+            <a:spLocks noGrp="1"/>
+          </p:cNvSpPr>
+          <p:nvPr>
+            <p:ph type="ftr" sz="quarter" idx="11"/>
+          </p:nvPr>
+        </p:nvSpPr>
+        <p:spPr/>
+        <p:txBody>
+          <a:bodyPr/>
+          <a:lstStyle/>
+          <a:p>
+            <a:r>
+              <a:rPr lang="en-US"/>
+              <a:t>
+              </a:t>
+            </a:r>
+            <a:endParaRPr lang="en-US" dirty="0"/>
           </a:p>
         </p:txBody>
       </p:sp>
     </p:spTree>
     <p:extLst>
       <p:ext uri="{BB962C8B-B14F-4D97-AF65-F5344CB8AC3E}">
-        <p14:creationId xmlns:p14="http://schemas.microsoft.com/office/powerpoint/2010/main" val="1459554017"/>
+        <p14:creationId xmlns:p14="http://schemas.microsoft.com/office/powerpoint/2010/main" val="131209907"/>
+      </p:ext>
+    </p:extLst>
+  </p:cSld>
+  <p:clrMapOvr>
+    <a:masterClrMapping/>
+  </p:clrMapOvr>
+</p:sld>
+</file>
+
+<file path=ppt/slides/slide18.xml><?xml version="1.0" encoding="utf-8"?>
+<p:sld xmlns:a="http://schemas.openxmlformats.org/drawingml/2006/main" xmlns:r="http://schemas.openxmlformats.org/officeDocument/2006/relationships" xmlns:p="http://schemas.openxmlformats.org/presentationml/2006/main">
+  <p:cSld>
+    <p:spTree>
+      <p:nvGrpSpPr>
+        <p:cNvPr id="1" name=""/>
+        <p:cNvGrpSpPr/>
+        <p:nvPr/>
+      </p:nvGrpSpPr>
+      <p:grpSpPr>
+        <a:xfrm>
+          <a:off x="0" y="0"/>
+          <a:ext cx="0" cy="0"/>
+          <a:chOff x="0" y="0"/>
+          <a:chExt cx="0" cy="0"/>
+        </a:xfrm>
+      </p:grpSpPr>
+      <p:sp>
+        <p:nvSpPr>
+          <p:cNvPr id="2" name="Title 1">
+            <a:extLst>
+              <a:ext uri="{FF2B5EF4-FFF2-40B4-BE49-F238E27FC236}">
+                <a16:creationId xmlns:a16="http://schemas.microsoft.com/office/drawing/2014/main" id="{28849B26-4C63-4518-8979-C30E3E564944}"/>
+              </a:ext>
+            </a:extLst>
+          </p:cNvPr>
+          <p:cNvSpPr>
+            <a:spLocks noGrp="1"/>
+          </p:cNvSpPr>
+          <p:nvPr>
+            <p:ph type="title"/>
+          </p:nvPr>
+        </p:nvSpPr>
+        <p:spPr/>
+        <p:txBody>
+          <a:bodyPr/>
+          <a:lstStyle/>
+          <a:p>
+            <a:r>
+              <a:rPr lang="en-US" b="1" dirty="0"/>
+              <a:t>Results</a:t>
+            </a:r>
+          </a:p>
+        </p:txBody>
+      </p:sp>
+      <p:graphicFrame>
+        <p:nvGraphicFramePr>
+          <p:cNvPr id="5" name="Table 5">
+            <a:extLst>
+              <a:ext uri="{FF2B5EF4-FFF2-40B4-BE49-F238E27FC236}">
+                <a16:creationId xmlns:a16="http://schemas.microsoft.com/office/drawing/2014/main" id="{D38D64F8-53E5-4500-80DF-E02DEB4C4654}"/>
+              </a:ext>
+            </a:extLst>
+          </p:cNvPr>
+          <p:cNvGraphicFramePr>
+            <a:graphicFrameLocks noGrp="1"/>
+          </p:cNvGraphicFramePr>
+          <p:nvPr>
+            <p:ph idx="1"/>
+            <p:extLst>
+              <p:ext uri="{D42A27DB-BD31-4B8C-83A1-F6EECF244321}">
+                <p14:modId xmlns:p14="http://schemas.microsoft.com/office/powerpoint/2010/main" val="1039259529"/>
+              </p:ext>
+            </p:extLst>
+          </p:nvPr>
+        </p:nvGraphicFramePr>
+        <p:xfrm>
+          <a:off x="642424" y="1803454"/>
+          <a:ext cx="7342364" cy="2101977"/>
+        </p:xfrm>
+        <a:graphic>
+          <a:graphicData uri="http://schemas.openxmlformats.org/drawingml/2006/table">
+            <a:tbl>
+              <a:tblPr firstRow="1" bandRow="1">
+                <a:tableStyleId>{5C22544A-7EE6-4342-B048-85BDC9FD1C3A}</a:tableStyleId>
+              </a:tblPr>
+              <a:tblGrid>
+                <a:gridCol w="1248925">
+                  <a:extLst>
+                    <a:ext uri="{9D8B030D-6E8A-4147-A177-3AD203B41FA5}">
+                      <a16:colId xmlns:a16="http://schemas.microsoft.com/office/drawing/2014/main" val="1414667312"/>
+                    </a:ext>
+                  </a:extLst>
+                </a:gridCol>
+                <a:gridCol w="875973">
+                  <a:extLst>
+                    <a:ext uri="{9D8B030D-6E8A-4147-A177-3AD203B41FA5}">
+                      <a16:colId xmlns:a16="http://schemas.microsoft.com/office/drawing/2014/main" val="3022451391"/>
+                    </a:ext>
+                  </a:extLst>
+                </a:gridCol>
+                <a:gridCol w="852951">
+                  <a:extLst>
+                    <a:ext uri="{9D8B030D-6E8A-4147-A177-3AD203B41FA5}">
+                      <a16:colId xmlns:a16="http://schemas.microsoft.com/office/drawing/2014/main" val="1655699768"/>
+                    </a:ext>
+                  </a:extLst>
+                </a:gridCol>
+                <a:gridCol w="862926">
+                  <a:extLst>
+                    <a:ext uri="{9D8B030D-6E8A-4147-A177-3AD203B41FA5}">
+                      <a16:colId xmlns:a16="http://schemas.microsoft.com/office/drawing/2014/main" val="3095863849"/>
+                    </a:ext>
+                  </a:extLst>
+                </a:gridCol>
+                <a:gridCol w="857940">
+                  <a:extLst>
+                    <a:ext uri="{9D8B030D-6E8A-4147-A177-3AD203B41FA5}">
+                      <a16:colId xmlns:a16="http://schemas.microsoft.com/office/drawing/2014/main" val="3765619605"/>
+                    </a:ext>
+                  </a:extLst>
+                </a:gridCol>
+                <a:gridCol w="847963">
+                  <a:extLst>
+                    <a:ext uri="{9D8B030D-6E8A-4147-A177-3AD203B41FA5}">
+                      <a16:colId xmlns:a16="http://schemas.microsoft.com/office/drawing/2014/main" val="3776992281"/>
+                    </a:ext>
+                  </a:extLst>
+                </a:gridCol>
+                <a:gridCol w="897843">
+                  <a:extLst>
+                    <a:ext uri="{9D8B030D-6E8A-4147-A177-3AD203B41FA5}">
+                      <a16:colId xmlns:a16="http://schemas.microsoft.com/office/drawing/2014/main" val="2538133775"/>
+                    </a:ext>
+                  </a:extLst>
+                </a:gridCol>
+                <a:gridCol w="897843">
+                  <a:extLst>
+                    <a:ext uri="{9D8B030D-6E8A-4147-A177-3AD203B41FA5}">
+                      <a16:colId xmlns:a16="http://schemas.microsoft.com/office/drawing/2014/main" val="904071087"/>
+                    </a:ext>
+                  </a:extLst>
+                </a:gridCol>
+              </a:tblGrid>
+              <a:tr h="414714">
+                <a:tc>
+                  <a:txBody>
+                    <a:bodyPr/>
+                    <a:lstStyle/>
+                    <a:p>
+                      <a:r>
+                        <a:rPr lang="en-US" dirty="0"/>
+                        <a:t>List Type</a:t>
+                      </a:r>
+                    </a:p>
+                  </a:txBody>
+                  <a:tcPr/>
+                </a:tc>
+                <a:tc>
+                  <a:txBody>
+                    <a:bodyPr/>
+                    <a:lstStyle/>
+                    <a:p>
+                      <a:r>
+                        <a:rPr lang="en-US" dirty="0"/>
+                        <a:t>Manual</a:t>
+                      </a:r>
+                    </a:p>
+                  </a:txBody>
+                  <a:tcPr/>
+                </a:tc>
+                <a:tc>
+                  <a:txBody>
+                    <a:bodyPr/>
+                    <a:lstStyle/>
+                    <a:p>
+                      <a:r>
+                        <a:rPr lang="en-US" dirty="0"/>
+                        <a:t>Lev 0</a:t>
+                      </a:r>
+                    </a:p>
+                  </a:txBody>
+                  <a:tcPr/>
+                </a:tc>
+                <a:tc>
+                  <a:txBody>
+                    <a:bodyPr/>
+                    <a:lstStyle/>
+                    <a:p>
+                      <a:r>
+                        <a:rPr lang="en-US" dirty="0"/>
+                        <a:t>Lev 1</a:t>
+                      </a:r>
+                    </a:p>
+                  </a:txBody>
+                  <a:tcPr/>
+                </a:tc>
+                <a:tc>
+                  <a:txBody>
+                    <a:bodyPr/>
+                    <a:lstStyle/>
+                    <a:p>
+                      <a:r>
+                        <a:rPr lang="en-US" dirty="0"/>
+                        <a:t>Lev 2</a:t>
+                      </a:r>
+                    </a:p>
+                  </a:txBody>
+                  <a:tcPr/>
+                </a:tc>
+                <a:tc>
+                  <a:txBody>
+                    <a:bodyPr/>
+                    <a:lstStyle/>
+                    <a:p>
+                      <a:r>
+                        <a:rPr lang="en-US" dirty="0"/>
+                        <a:t>Lev 3</a:t>
+                      </a:r>
+                    </a:p>
+                  </a:txBody>
+                  <a:tcPr/>
+                </a:tc>
+                <a:tc>
+                  <a:txBody>
+                    <a:bodyPr/>
+                    <a:lstStyle/>
+                    <a:p>
+                      <a:r>
+                        <a:rPr lang="en-US" dirty="0"/>
+                        <a:t>Lev 4</a:t>
+                      </a:r>
+                    </a:p>
+                  </a:txBody>
+                  <a:tcPr/>
+                </a:tc>
+                <a:tc>
+                  <a:txBody>
+                    <a:bodyPr/>
+                    <a:lstStyle/>
+                    <a:p>
+                      <a:r>
+                        <a:rPr lang="en-US" dirty="0"/>
+                        <a:t>Lev 5</a:t>
+                      </a:r>
+                    </a:p>
+                  </a:txBody>
+                  <a:tcPr/>
+                </a:tc>
+                <a:extLst>
+                  <a:ext uri="{0D108BD9-81ED-4DB2-BD59-A6C34878D82A}">
+                    <a16:rowId xmlns:a16="http://schemas.microsoft.com/office/drawing/2014/main" val="3094978493"/>
+                  </a:ext>
+                </a:extLst>
+              </a:tr>
+              <a:tr h="562421">
+                <a:tc>
+                  <a:txBody>
+                    <a:bodyPr/>
+                    <a:lstStyle/>
+                    <a:p>
+                      <a:r>
+                        <a:rPr lang="en-US" dirty="0" err="1"/>
+                        <a:t>Adhoc</a:t>
+                      </a:r>
+                      <a:endParaRPr lang="en-US" dirty="0"/>
+                    </a:p>
+                  </a:txBody>
+                  <a:tcPr/>
+                </a:tc>
+                <a:tc>
+                  <a:txBody>
+                    <a:bodyPr/>
+                    <a:lstStyle/>
+                    <a:p>
+                      <a:r>
+                        <a:rPr lang="en-US" b="0" dirty="0"/>
+                        <a:t>50.00</a:t>
+                      </a:r>
+                    </a:p>
+                  </a:txBody>
+                  <a:tcPr/>
+                </a:tc>
+                <a:tc>
+                  <a:txBody>
+                    <a:bodyPr/>
+                    <a:lstStyle/>
+                    <a:p>
+                      <a:r>
+                        <a:rPr lang="en-US" b="0" dirty="0"/>
+                        <a:t>48.10</a:t>
+                      </a:r>
+                    </a:p>
+                  </a:txBody>
+                  <a:tcPr/>
+                </a:tc>
+                <a:tc>
+                  <a:txBody>
+                    <a:bodyPr/>
+                    <a:lstStyle/>
+                    <a:p>
+                      <a:r>
+                        <a:rPr lang="en-US" b="0" dirty="0"/>
+                        <a:t>48.64</a:t>
+                      </a:r>
+                    </a:p>
+                  </a:txBody>
+                  <a:tcPr/>
+                </a:tc>
+                <a:tc>
+                  <a:txBody>
+                    <a:bodyPr/>
+                    <a:lstStyle/>
+                    <a:p>
+                      <a:r>
+                        <a:rPr lang="en-US" b="0" dirty="0"/>
+                        <a:t>48.58</a:t>
+                      </a:r>
+                    </a:p>
+                  </a:txBody>
+                  <a:tcPr/>
+                </a:tc>
+                <a:tc>
+                  <a:txBody>
+                    <a:bodyPr/>
+                    <a:lstStyle/>
+                    <a:p>
+                      <a:r>
+                        <a:rPr lang="en-US" b="0" dirty="0"/>
+                        <a:t>49.48</a:t>
+                      </a:r>
+                    </a:p>
+                  </a:txBody>
+                  <a:tcPr/>
+                </a:tc>
+                <a:tc>
+                  <a:txBody>
+                    <a:bodyPr/>
+                    <a:lstStyle/>
+                    <a:p>
+                      <a:r>
+                        <a:rPr lang="en-US" b="0" dirty="0"/>
+                        <a:t>49.71</a:t>
+                      </a:r>
+                    </a:p>
+                  </a:txBody>
+                  <a:tcPr/>
+                </a:tc>
+                <a:tc>
+                  <a:txBody>
+                    <a:bodyPr/>
+                    <a:lstStyle/>
+                    <a:p>
+                      <a:r>
+                        <a:rPr lang="en-US" b="0" dirty="0"/>
+                        <a:t>49.71</a:t>
+                      </a:r>
+                    </a:p>
+                  </a:txBody>
+                  <a:tcPr/>
+                </a:tc>
+                <a:extLst>
+                  <a:ext uri="{0D108BD9-81ED-4DB2-BD59-A6C34878D82A}">
+                    <a16:rowId xmlns:a16="http://schemas.microsoft.com/office/drawing/2014/main" val="1717987609"/>
+                  </a:ext>
+                </a:extLst>
+              </a:tr>
+              <a:tr h="562421">
+                <a:tc>
+                  <a:txBody>
+                    <a:bodyPr/>
+                    <a:lstStyle/>
+                    <a:p>
+                      <a:r>
+                        <a:rPr lang="en-US" dirty="0"/>
+                        <a:t>Categorical</a:t>
+                      </a:r>
+                    </a:p>
+                  </a:txBody>
+                  <a:tcPr/>
+                </a:tc>
+                <a:tc>
+                  <a:txBody>
+                    <a:bodyPr/>
+                    <a:lstStyle/>
+                    <a:p>
+                      <a:r>
+                        <a:rPr lang="en-US" b="0" dirty="0"/>
+                        <a:t>47.86</a:t>
+                      </a:r>
+                    </a:p>
+                  </a:txBody>
+                  <a:tcPr/>
+                </a:tc>
+                <a:tc>
+                  <a:txBody>
+                    <a:bodyPr/>
+                    <a:lstStyle/>
+                    <a:p>
+                      <a:r>
+                        <a:rPr lang="en-US" b="0" dirty="0"/>
+                        <a:t>44.13</a:t>
+                      </a:r>
+                    </a:p>
+                  </a:txBody>
+                  <a:tcPr/>
+                </a:tc>
+                <a:tc>
+                  <a:txBody>
+                    <a:bodyPr/>
+                    <a:lstStyle/>
+                    <a:p>
+                      <a:r>
+                        <a:rPr lang="en-US" b="0" dirty="0"/>
+                        <a:t>44.60</a:t>
+                      </a:r>
+                    </a:p>
+                  </a:txBody>
+                  <a:tcPr/>
+                </a:tc>
+                <a:tc>
+                  <a:txBody>
+                    <a:bodyPr/>
+                    <a:lstStyle/>
+                    <a:p>
+                      <a:r>
+                        <a:rPr lang="en-US" b="0" dirty="0"/>
+                        <a:t>44.71</a:t>
+                      </a:r>
+                    </a:p>
+                  </a:txBody>
+                  <a:tcPr/>
+                </a:tc>
+                <a:tc>
+                  <a:txBody>
+                    <a:bodyPr/>
+                    <a:lstStyle/>
+                    <a:p>
+                      <a:r>
+                        <a:rPr lang="en-US" b="0" dirty="0"/>
+                        <a:t>45.56</a:t>
+                      </a:r>
+                    </a:p>
+                  </a:txBody>
+                  <a:tcPr/>
+                </a:tc>
+                <a:tc>
+                  <a:txBody>
+                    <a:bodyPr/>
+                    <a:lstStyle/>
+                    <a:p>
+                      <a:r>
+                        <a:rPr lang="en-US" b="0" dirty="0"/>
+                        <a:t>47.19</a:t>
+                      </a:r>
+                    </a:p>
+                  </a:txBody>
+                  <a:tcPr/>
+                </a:tc>
+                <a:tc>
+                  <a:txBody>
+                    <a:bodyPr/>
+                    <a:lstStyle/>
+                    <a:p>
+                      <a:r>
+                        <a:rPr lang="en-US" b="0" dirty="0"/>
+                        <a:t>47.19</a:t>
+                      </a:r>
+                    </a:p>
+                  </a:txBody>
+                  <a:tcPr/>
+                </a:tc>
+                <a:extLst>
+                  <a:ext uri="{0D108BD9-81ED-4DB2-BD59-A6C34878D82A}">
+                    <a16:rowId xmlns:a16="http://schemas.microsoft.com/office/drawing/2014/main" val="552033736"/>
+                  </a:ext>
+                </a:extLst>
+              </a:tr>
+              <a:tr h="562421">
+                <a:tc>
+                  <a:txBody>
+                    <a:bodyPr/>
+                    <a:lstStyle/>
+                    <a:p>
+                      <a:r>
+                        <a:rPr lang="en-US" dirty="0"/>
+                        <a:t>Unrelated</a:t>
+                      </a:r>
+                    </a:p>
+                  </a:txBody>
+                  <a:tcPr/>
+                </a:tc>
+                <a:tc>
+                  <a:txBody>
+                    <a:bodyPr/>
+                    <a:lstStyle/>
+                    <a:p>
+                      <a:r>
+                        <a:rPr lang="en-US" b="0" dirty="0"/>
+                        <a:t>37.99</a:t>
+                      </a:r>
+                    </a:p>
+                  </a:txBody>
+                  <a:tcPr/>
+                </a:tc>
+                <a:tc>
+                  <a:txBody>
+                    <a:bodyPr/>
+                    <a:lstStyle/>
+                    <a:p>
+                      <a:r>
+                        <a:rPr lang="en-US" b="0" dirty="0"/>
+                        <a:t>37.40</a:t>
+                      </a:r>
+                    </a:p>
+                  </a:txBody>
+                  <a:tcPr/>
+                </a:tc>
+                <a:tc>
+                  <a:txBody>
+                    <a:bodyPr/>
+                    <a:lstStyle/>
+                    <a:p>
+                      <a:r>
+                        <a:rPr lang="en-US" b="0" dirty="0"/>
+                        <a:t>37.52</a:t>
+                      </a:r>
+                    </a:p>
+                  </a:txBody>
+                  <a:tcPr/>
+                </a:tc>
+                <a:tc>
+                  <a:txBody>
+                    <a:bodyPr/>
+                    <a:lstStyle/>
+                    <a:p>
+                      <a:r>
+                        <a:rPr lang="en-US" b="0" dirty="0"/>
+                        <a:t>37.88</a:t>
+                      </a:r>
+                    </a:p>
+                  </a:txBody>
+                  <a:tcPr/>
+                </a:tc>
+                <a:tc>
+                  <a:txBody>
+                    <a:bodyPr/>
+                    <a:lstStyle/>
+                    <a:p>
+                      <a:r>
+                        <a:rPr lang="en-US" b="0" dirty="0"/>
+                        <a:t>38.46</a:t>
+                      </a:r>
+                    </a:p>
+                  </a:txBody>
+                  <a:tcPr/>
+                </a:tc>
+                <a:tc>
+                  <a:txBody>
+                    <a:bodyPr/>
+                    <a:lstStyle/>
+                    <a:p>
+                      <a:r>
+                        <a:rPr lang="en-US" b="0" dirty="0"/>
+                        <a:t>38.46</a:t>
+                      </a:r>
+                    </a:p>
+                  </a:txBody>
+                  <a:tcPr/>
+                </a:tc>
+                <a:tc>
+                  <a:txBody>
+                    <a:bodyPr/>
+                    <a:lstStyle/>
+                    <a:p>
+                      <a:r>
+                        <a:rPr lang="en-US" b="0" dirty="0"/>
+                        <a:t>38.46</a:t>
+                      </a:r>
+                    </a:p>
+                  </a:txBody>
+                  <a:tcPr/>
+                </a:tc>
+                <a:extLst>
+                  <a:ext uri="{0D108BD9-81ED-4DB2-BD59-A6C34878D82A}">
+                    <a16:rowId xmlns:a16="http://schemas.microsoft.com/office/drawing/2014/main" val="95508324"/>
+                  </a:ext>
+                </a:extLst>
+              </a:tr>
+            </a:tbl>
+          </a:graphicData>
+        </a:graphic>
+      </p:graphicFrame>
+      <p:sp>
+        <p:nvSpPr>
+          <p:cNvPr id="4" name="Footer Placeholder 3">
+            <a:extLst>
+              <a:ext uri="{FF2B5EF4-FFF2-40B4-BE49-F238E27FC236}">
+                <a16:creationId xmlns:a16="http://schemas.microsoft.com/office/drawing/2014/main" id="{E840E93B-3EB5-41FD-9778-380533936B76}"/>
+              </a:ext>
+            </a:extLst>
+          </p:cNvPr>
+          <p:cNvSpPr>
+            <a:spLocks noGrp="1"/>
+          </p:cNvSpPr>
+          <p:nvPr>
+            <p:ph type="ftr" sz="quarter" idx="11"/>
+          </p:nvPr>
+        </p:nvSpPr>
+        <p:spPr/>
+        <p:txBody>
+          <a:bodyPr/>
+          <a:lstStyle/>
+          <a:p>
+            <a:r>
+              <a:rPr lang="en-US"/>
+              <a:t>
+              </a:t>
+            </a:r>
+            <a:endParaRPr lang="en-US" dirty="0"/>
+          </a:p>
+        </p:txBody>
+      </p:sp>
+    </p:spTree>
+    <p:extLst>
+      <p:ext uri="{BB962C8B-B14F-4D97-AF65-F5344CB8AC3E}">
+        <p14:creationId xmlns:p14="http://schemas.microsoft.com/office/powerpoint/2010/main" val="595653585"/>
+      </p:ext>
+    </p:extLst>
+  </p:cSld>
+  <p:clrMapOvr>
+    <a:masterClrMapping/>
+  </p:clrMapOvr>
+</p:sld>
+</file>
+
+<file path=ppt/slides/slide19.xml><?xml version="1.0" encoding="utf-8"?>
+<p:sld xmlns:a="http://schemas.openxmlformats.org/drawingml/2006/main" xmlns:r="http://schemas.openxmlformats.org/officeDocument/2006/relationships" xmlns:p="http://schemas.openxmlformats.org/presentationml/2006/main">
+  <p:cSld>
+    <p:spTree>
+      <p:nvGrpSpPr>
+        <p:cNvPr id="1" name=""/>
+        <p:cNvGrpSpPr/>
+        <p:nvPr/>
+      </p:nvGrpSpPr>
+      <p:grpSpPr>
+        <a:xfrm>
+          <a:off x="0" y="0"/>
+          <a:ext cx="0" cy="0"/>
+          <a:chOff x="0" y="0"/>
+          <a:chExt cx="0" cy="0"/>
+        </a:xfrm>
+      </p:grpSpPr>
+      <p:sp>
+        <p:nvSpPr>
+          <p:cNvPr id="2" name="Title 1">
+            <a:extLst>
+              <a:ext uri="{FF2B5EF4-FFF2-40B4-BE49-F238E27FC236}">
+                <a16:creationId xmlns:a16="http://schemas.microsoft.com/office/drawing/2014/main" id="{28849B26-4C63-4518-8979-C30E3E564944}"/>
+              </a:ext>
+            </a:extLst>
+          </p:cNvPr>
+          <p:cNvSpPr>
+            <a:spLocks noGrp="1"/>
+          </p:cNvSpPr>
+          <p:nvPr>
+            <p:ph type="title"/>
+          </p:nvPr>
+        </p:nvSpPr>
+        <p:spPr/>
+        <p:txBody>
+          <a:bodyPr/>
+          <a:lstStyle/>
+          <a:p>
+            <a:r>
+              <a:rPr lang="en-US" b="1" dirty="0"/>
+              <a:t>Results</a:t>
+            </a:r>
+          </a:p>
+        </p:txBody>
+      </p:sp>
+      <p:graphicFrame>
+        <p:nvGraphicFramePr>
+          <p:cNvPr id="5" name="Table 5">
+            <a:extLst>
+              <a:ext uri="{FF2B5EF4-FFF2-40B4-BE49-F238E27FC236}">
+                <a16:creationId xmlns:a16="http://schemas.microsoft.com/office/drawing/2014/main" id="{D38D64F8-53E5-4500-80DF-E02DEB4C4654}"/>
+              </a:ext>
+            </a:extLst>
+          </p:cNvPr>
+          <p:cNvGraphicFramePr>
+            <a:graphicFrameLocks noGrp="1"/>
+          </p:cNvGraphicFramePr>
+          <p:nvPr>
+            <p:ph idx="1"/>
+            <p:extLst>
+              <p:ext uri="{D42A27DB-BD31-4B8C-83A1-F6EECF244321}">
+                <p14:modId xmlns:p14="http://schemas.microsoft.com/office/powerpoint/2010/main" val="3786503034"/>
+              </p:ext>
+            </p:extLst>
+          </p:nvPr>
+        </p:nvGraphicFramePr>
+        <p:xfrm>
+          <a:off x="642424" y="1803454"/>
+          <a:ext cx="7342364" cy="2101977"/>
+        </p:xfrm>
+        <a:graphic>
+          <a:graphicData uri="http://schemas.openxmlformats.org/drawingml/2006/table">
+            <a:tbl>
+              <a:tblPr firstRow="1" bandRow="1">
+                <a:tableStyleId>{5C22544A-7EE6-4342-B048-85BDC9FD1C3A}</a:tableStyleId>
+              </a:tblPr>
+              <a:tblGrid>
+                <a:gridCol w="1248925">
+                  <a:extLst>
+                    <a:ext uri="{9D8B030D-6E8A-4147-A177-3AD203B41FA5}">
+                      <a16:colId xmlns:a16="http://schemas.microsoft.com/office/drawing/2014/main" val="1414667312"/>
+                    </a:ext>
+                  </a:extLst>
+                </a:gridCol>
+                <a:gridCol w="875973">
+                  <a:extLst>
+                    <a:ext uri="{9D8B030D-6E8A-4147-A177-3AD203B41FA5}">
+                      <a16:colId xmlns:a16="http://schemas.microsoft.com/office/drawing/2014/main" val="3022451391"/>
+                    </a:ext>
+                  </a:extLst>
+                </a:gridCol>
+                <a:gridCol w="852951">
+                  <a:extLst>
+                    <a:ext uri="{9D8B030D-6E8A-4147-A177-3AD203B41FA5}">
+                      <a16:colId xmlns:a16="http://schemas.microsoft.com/office/drawing/2014/main" val="1655699768"/>
+                    </a:ext>
+                  </a:extLst>
+                </a:gridCol>
+                <a:gridCol w="862926">
+                  <a:extLst>
+                    <a:ext uri="{9D8B030D-6E8A-4147-A177-3AD203B41FA5}">
+                      <a16:colId xmlns:a16="http://schemas.microsoft.com/office/drawing/2014/main" val="3095863849"/>
+                    </a:ext>
+                  </a:extLst>
+                </a:gridCol>
+                <a:gridCol w="857940">
+                  <a:extLst>
+                    <a:ext uri="{9D8B030D-6E8A-4147-A177-3AD203B41FA5}">
+                      <a16:colId xmlns:a16="http://schemas.microsoft.com/office/drawing/2014/main" val="3765619605"/>
+                    </a:ext>
+                  </a:extLst>
+                </a:gridCol>
+                <a:gridCol w="847963">
+                  <a:extLst>
+                    <a:ext uri="{9D8B030D-6E8A-4147-A177-3AD203B41FA5}">
+                      <a16:colId xmlns:a16="http://schemas.microsoft.com/office/drawing/2014/main" val="3776992281"/>
+                    </a:ext>
+                  </a:extLst>
+                </a:gridCol>
+                <a:gridCol w="897843">
+                  <a:extLst>
+                    <a:ext uri="{9D8B030D-6E8A-4147-A177-3AD203B41FA5}">
+                      <a16:colId xmlns:a16="http://schemas.microsoft.com/office/drawing/2014/main" val="2538133775"/>
+                    </a:ext>
+                  </a:extLst>
+                </a:gridCol>
+                <a:gridCol w="897843">
+                  <a:extLst>
+                    <a:ext uri="{9D8B030D-6E8A-4147-A177-3AD203B41FA5}">
+                      <a16:colId xmlns:a16="http://schemas.microsoft.com/office/drawing/2014/main" val="904071087"/>
+                    </a:ext>
+                  </a:extLst>
+                </a:gridCol>
+              </a:tblGrid>
+              <a:tr h="414714">
+                <a:tc>
+                  <a:txBody>
+                    <a:bodyPr/>
+                    <a:lstStyle/>
+                    <a:p>
+                      <a:r>
+                        <a:rPr lang="en-US" dirty="0"/>
+                        <a:t>List Type</a:t>
+                      </a:r>
+                    </a:p>
+                  </a:txBody>
+                  <a:tcPr/>
+                </a:tc>
+                <a:tc>
+                  <a:txBody>
+                    <a:bodyPr/>
+                    <a:lstStyle/>
+                    <a:p>
+                      <a:r>
+                        <a:rPr lang="en-US" dirty="0"/>
+                        <a:t>Manual</a:t>
+                      </a:r>
+                    </a:p>
+                  </a:txBody>
+                  <a:tcPr/>
+                </a:tc>
+                <a:tc>
+                  <a:txBody>
+                    <a:bodyPr/>
+                    <a:lstStyle/>
+                    <a:p>
+                      <a:r>
+                        <a:rPr lang="en-US" dirty="0"/>
+                        <a:t>Lev 0</a:t>
+                      </a:r>
+                    </a:p>
+                  </a:txBody>
+                  <a:tcPr/>
+                </a:tc>
+                <a:tc>
+                  <a:txBody>
+                    <a:bodyPr/>
+                    <a:lstStyle/>
+                    <a:p>
+                      <a:r>
+                        <a:rPr lang="en-US" dirty="0"/>
+                        <a:t>Lev 1</a:t>
+                      </a:r>
+                    </a:p>
+                  </a:txBody>
+                  <a:tcPr/>
+                </a:tc>
+                <a:tc>
+                  <a:txBody>
+                    <a:bodyPr/>
+                    <a:lstStyle/>
+                    <a:p>
+                      <a:r>
+                        <a:rPr lang="en-US" dirty="0"/>
+                        <a:t>Lev 2</a:t>
+                      </a:r>
+                    </a:p>
+                  </a:txBody>
+                  <a:tcPr/>
+                </a:tc>
+                <a:tc>
+                  <a:txBody>
+                    <a:bodyPr/>
+                    <a:lstStyle/>
+                    <a:p>
+                      <a:r>
+                        <a:rPr lang="en-US" dirty="0"/>
+                        <a:t>Lev 3</a:t>
+                      </a:r>
+                    </a:p>
+                  </a:txBody>
+                  <a:tcPr/>
+                </a:tc>
+                <a:tc>
+                  <a:txBody>
+                    <a:bodyPr/>
+                    <a:lstStyle/>
+                    <a:p>
+                      <a:r>
+                        <a:rPr lang="en-US" dirty="0"/>
+                        <a:t>Lev 4</a:t>
+                      </a:r>
+                    </a:p>
+                  </a:txBody>
+                  <a:tcPr/>
+                </a:tc>
+                <a:tc>
+                  <a:txBody>
+                    <a:bodyPr/>
+                    <a:lstStyle/>
+                    <a:p>
+                      <a:r>
+                        <a:rPr lang="en-US" dirty="0"/>
+                        <a:t>Lev 5</a:t>
+                      </a:r>
+                    </a:p>
+                  </a:txBody>
+                  <a:tcPr/>
+                </a:tc>
+                <a:extLst>
+                  <a:ext uri="{0D108BD9-81ED-4DB2-BD59-A6C34878D82A}">
+                    <a16:rowId xmlns:a16="http://schemas.microsoft.com/office/drawing/2014/main" val="3094978493"/>
+                  </a:ext>
+                </a:extLst>
+              </a:tr>
+              <a:tr h="562421">
+                <a:tc>
+                  <a:txBody>
+                    <a:bodyPr/>
+                    <a:lstStyle/>
+                    <a:p>
+                      <a:r>
+                        <a:rPr lang="en-US" dirty="0" err="1"/>
+                        <a:t>Adhoc</a:t>
+                      </a:r>
+                      <a:endParaRPr lang="en-US" dirty="0"/>
+                    </a:p>
+                  </a:txBody>
+                  <a:tcPr/>
+                </a:tc>
+                <a:tc>
+                  <a:txBody>
+                    <a:bodyPr/>
+                    <a:lstStyle/>
+                    <a:p>
+                      <a:r>
+                        <a:rPr lang="en-US" b="1" dirty="0"/>
+                        <a:t>50.00</a:t>
+                      </a:r>
+                    </a:p>
+                  </a:txBody>
+                  <a:tcPr/>
+                </a:tc>
+                <a:tc>
+                  <a:txBody>
+                    <a:bodyPr/>
+                    <a:lstStyle/>
+                    <a:p>
+                      <a:r>
+                        <a:rPr lang="en-US" b="0" dirty="0"/>
+                        <a:t>48.10</a:t>
+                      </a:r>
+                    </a:p>
+                  </a:txBody>
+                  <a:tcPr/>
+                </a:tc>
+                <a:tc>
+                  <a:txBody>
+                    <a:bodyPr/>
+                    <a:lstStyle/>
+                    <a:p>
+                      <a:r>
+                        <a:rPr lang="en-US" b="0" dirty="0"/>
+                        <a:t>48.64</a:t>
+                      </a:r>
+                    </a:p>
+                  </a:txBody>
+                  <a:tcPr/>
+                </a:tc>
+                <a:tc>
+                  <a:txBody>
+                    <a:bodyPr/>
+                    <a:lstStyle/>
+                    <a:p>
+                      <a:r>
+                        <a:rPr lang="en-US" b="0" dirty="0"/>
+                        <a:t>48.58</a:t>
+                      </a:r>
+                    </a:p>
+                  </a:txBody>
+                  <a:tcPr/>
+                </a:tc>
+                <a:tc>
+                  <a:txBody>
+                    <a:bodyPr/>
+                    <a:lstStyle/>
+                    <a:p>
+                      <a:r>
+                        <a:rPr lang="en-US" b="0" dirty="0"/>
+                        <a:t>49.48</a:t>
+                      </a:r>
+                    </a:p>
+                  </a:txBody>
+                  <a:tcPr/>
+                </a:tc>
+                <a:tc>
+                  <a:txBody>
+                    <a:bodyPr/>
+                    <a:lstStyle/>
+                    <a:p>
+                      <a:r>
+                        <a:rPr lang="en-US" b="1" dirty="0"/>
+                        <a:t>49.71</a:t>
+                      </a:r>
+                    </a:p>
+                  </a:txBody>
+                  <a:tcPr/>
+                </a:tc>
+                <a:tc>
+                  <a:txBody>
+                    <a:bodyPr/>
+                    <a:lstStyle/>
+                    <a:p>
+                      <a:r>
+                        <a:rPr lang="en-US" b="1" dirty="0"/>
+                        <a:t>49.71</a:t>
+                      </a:r>
+                    </a:p>
+                  </a:txBody>
+                  <a:tcPr/>
+                </a:tc>
+                <a:extLst>
+                  <a:ext uri="{0D108BD9-81ED-4DB2-BD59-A6C34878D82A}">
+                    <a16:rowId xmlns:a16="http://schemas.microsoft.com/office/drawing/2014/main" val="1717987609"/>
+                  </a:ext>
+                </a:extLst>
+              </a:tr>
+              <a:tr h="562421">
+                <a:tc>
+                  <a:txBody>
+                    <a:bodyPr/>
+                    <a:lstStyle/>
+                    <a:p>
+                      <a:r>
+                        <a:rPr lang="en-US" dirty="0"/>
+                        <a:t>Categorical</a:t>
+                      </a:r>
+                    </a:p>
+                  </a:txBody>
+                  <a:tcPr/>
+                </a:tc>
+                <a:tc>
+                  <a:txBody>
+                    <a:bodyPr/>
+                    <a:lstStyle/>
+                    <a:p>
+                      <a:r>
+                        <a:rPr lang="en-US" b="1" dirty="0"/>
+                        <a:t>47.86</a:t>
+                      </a:r>
+                    </a:p>
+                  </a:txBody>
+                  <a:tcPr/>
+                </a:tc>
+                <a:tc>
+                  <a:txBody>
+                    <a:bodyPr/>
+                    <a:lstStyle/>
+                    <a:p>
+                      <a:r>
+                        <a:rPr lang="en-US" b="0" dirty="0"/>
+                        <a:t>44.13</a:t>
+                      </a:r>
+                    </a:p>
+                  </a:txBody>
+                  <a:tcPr/>
+                </a:tc>
+                <a:tc>
+                  <a:txBody>
+                    <a:bodyPr/>
+                    <a:lstStyle/>
+                    <a:p>
+                      <a:r>
+                        <a:rPr lang="en-US" b="0" dirty="0"/>
+                        <a:t>44.60</a:t>
+                      </a:r>
+                    </a:p>
+                  </a:txBody>
+                  <a:tcPr/>
+                </a:tc>
+                <a:tc>
+                  <a:txBody>
+                    <a:bodyPr/>
+                    <a:lstStyle/>
+                    <a:p>
+                      <a:r>
+                        <a:rPr lang="en-US" b="0" dirty="0"/>
+                        <a:t>44.71</a:t>
+                      </a:r>
+                    </a:p>
+                  </a:txBody>
+                  <a:tcPr/>
+                </a:tc>
+                <a:tc>
+                  <a:txBody>
+                    <a:bodyPr/>
+                    <a:lstStyle/>
+                    <a:p>
+                      <a:r>
+                        <a:rPr lang="en-US" b="0" dirty="0"/>
+                        <a:t>45.56</a:t>
+                      </a:r>
+                    </a:p>
+                  </a:txBody>
+                  <a:tcPr/>
+                </a:tc>
+                <a:tc>
+                  <a:txBody>
+                    <a:bodyPr/>
+                    <a:lstStyle/>
+                    <a:p>
+                      <a:r>
+                        <a:rPr lang="en-US" b="1" dirty="0"/>
+                        <a:t>47.19</a:t>
+                      </a:r>
+                    </a:p>
+                  </a:txBody>
+                  <a:tcPr/>
+                </a:tc>
+                <a:tc>
+                  <a:txBody>
+                    <a:bodyPr/>
+                    <a:lstStyle/>
+                    <a:p>
+                      <a:r>
+                        <a:rPr lang="en-US" b="1" dirty="0"/>
+                        <a:t>47.19</a:t>
+                      </a:r>
+                    </a:p>
+                  </a:txBody>
+                  <a:tcPr/>
+                </a:tc>
+                <a:extLst>
+                  <a:ext uri="{0D108BD9-81ED-4DB2-BD59-A6C34878D82A}">
+                    <a16:rowId xmlns:a16="http://schemas.microsoft.com/office/drawing/2014/main" val="552033736"/>
+                  </a:ext>
+                </a:extLst>
+              </a:tr>
+              <a:tr h="562421">
+                <a:tc>
+                  <a:txBody>
+                    <a:bodyPr/>
+                    <a:lstStyle/>
+                    <a:p>
+                      <a:r>
+                        <a:rPr lang="en-US" dirty="0"/>
+                        <a:t>Unrelated</a:t>
+                      </a:r>
+                    </a:p>
+                  </a:txBody>
+                  <a:tcPr/>
+                </a:tc>
+                <a:tc>
+                  <a:txBody>
+                    <a:bodyPr/>
+                    <a:lstStyle/>
+                    <a:p>
+                      <a:r>
+                        <a:rPr lang="en-US" b="1" dirty="0"/>
+                        <a:t>37.99</a:t>
+                      </a:r>
+                    </a:p>
+                  </a:txBody>
+                  <a:tcPr/>
+                </a:tc>
+                <a:tc>
+                  <a:txBody>
+                    <a:bodyPr/>
+                    <a:lstStyle/>
+                    <a:p>
+                      <a:r>
+                        <a:rPr lang="en-US" b="0" dirty="0"/>
+                        <a:t>37.40</a:t>
+                      </a:r>
+                    </a:p>
+                  </a:txBody>
+                  <a:tcPr/>
+                </a:tc>
+                <a:tc>
+                  <a:txBody>
+                    <a:bodyPr/>
+                    <a:lstStyle/>
+                    <a:p>
+                      <a:r>
+                        <a:rPr lang="en-US" b="0" dirty="0"/>
+                        <a:t>37.52</a:t>
+                      </a:r>
+                    </a:p>
+                  </a:txBody>
+                  <a:tcPr/>
+                </a:tc>
+                <a:tc>
+                  <a:txBody>
+                    <a:bodyPr/>
+                    <a:lstStyle/>
+                    <a:p>
+                      <a:r>
+                        <a:rPr lang="en-US" b="1" dirty="0"/>
+                        <a:t>37.88</a:t>
+                      </a:r>
+                    </a:p>
+                  </a:txBody>
+                  <a:tcPr/>
+                </a:tc>
+                <a:tc>
+                  <a:txBody>
+                    <a:bodyPr/>
+                    <a:lstStyle/>
+                    <a:p>
+                      <a:r>
+                        <a:rPr lang="en-US" b="0" dirty="0"/>
+                        <a:t>38.46</a:t>
+                      </a:r>
+                    </a:p>
+                  </a:txBody>
+                  <a:tcPr/>
+                </a:tc>
+                <a:tc>
+                  <a:txBody>
+                    <a:bodyPr/>
+                    <a:lstStyle/>
+                    <a:p>
+                      <a:r>
+                        <a:rPr lang="en-US" b="0" dirty="0"/>
+                        <a:t>38.46</a:t>
+                      </a:r>
+                    </a:p>
+                  </a:txBody>
+                  <a:tcPr/>
+                </a:tc>
+                <a:tc>
+                  <a:txBody>
+                    <a:bodyPr/>
+                    <a:lstStyle/>
+                    <a:p>
+                      <a:r>
+                        <a:rPr lang="en-US" b="0" dirty="0"/>
+                        <a:t>38.46</a:t>
+                      </a:r>
+                    </a:p>
+                  </a:txBody>
+                  <a:tcPr/>
+                </a:tc>
+                <a:extLst>
+                  <a:ext uri="{0D108BD9-81ED-4DB2-BD59-A6C34878D82A}">
+                    <a16:rowId xmlns:a16="http://schemas.microsoft.com/office/drawing/2014/main" val="95508324"/>
+                  </a:ext>
+                </a:extLst>
+              </a:tr>
+            </a:tbl>
+          </a:graphicData>
+        </a:graphic>
+      </p:graphicFrame>
+      <p:sp>
+        <p:nvSpPr>
+          <p:cNvPr id="4" name="Footer Placeholder 3">
+            <a:extLst>
+              <a:ext uri="{FF2B5EF4-FFF2-40B4-BE49-F238E27FC236}">
+                <a16:creationId xmlns:a16="http://schemas.microsoft.com/office/drawing/2014/main" id="{E840E93B-3EB5-41FD-9778-380533936B76}"/>
+              </a:ext>
+            </a:extLst>
+          </p:cNvPr>
+          <p:cNvSpPr>
+            <a:spLocks noGrp="1"/>
+          </p:cNvSpPr>
+          <p:nvPr>
+            <p:ph type="ftr" sz="quarter" idx="11"/>
+          </p:nvPr>
+        </p:nvSpPr>
+        <p:spPr/>
+        <p:txBody>
+          <a:bodyPr/>
+          <a:lstStyle/>
+          <a:p>
+            <a:r>
+              <a:rPr lang="en-US"/>
+              <a:t>
+              </a:t>
+            </a:r>
+            <a:endParaRPr lang="en-US" dirty="0"/>
+          </a:p>
+        </p:txBody>
+      </p:sp>
+      <p:sp>
+        <p:nvSpPr>
+          <p:cNvPr id="6" name="TextBox 5">
+            <a:extLst>
+              <a:ext uri="{FF2B5EF4-FFF2-40B4-BE49-F238E27FC236}">
+                <a16:creationId xmlns:a16="http://schemas.microsoft.com/office/drawing/2014/main" id="{7152655D-7628-4DE5-A79E-E4209489EA91}"/>
+              </a:ext>
+            </a:extLst>
+          </p:cNvPr>
+          <p:cNvSpPr txBox="1"/>
+          <p:nvPr/>
+        </p:nvSpPr>
+        <p:spPr>
+          <a:xfrm>
+            <a:off x="642424" y="4147548"/>
+            <a:ext cx="7031421" cy="646331"/>
+          </a:xfrm>
+          <a:prstGeom prst="rect">
+            <a:avLst/>
+          </a:prstGeom>
+          <a:noFill/>
+        </p:spPr>
+        <p:txBody>
+          <a:bodyPr wrap="square" rtlCol="0">
+            <a:spAutoFit/>
+          </a:bodyPr>
+          <a:lstStyle/>
+          <a:p>
+            <a:r>
+              <a:rPr lang="en-US" dirty="0"/>
+              <a:t>Across list types,</a:t>
+            </a:r>
+            <a:r>
+              <a:rPr lang="en-US" i="1" dirty="0"/>
+              <a:t> </a:t>
+            </a:r>
+            <a:r>
+              <a:rPr lang="en-US" i="1" dirty="0" err="1"/>
+              <a:t>lrd</a:t>
+            </a:r>
+            <a:r>
+              <a:rPr lang="en-US" i="1" dirty="0"/>
+              <a:t> </a:t>
+            </a:r>
+            <a:r>
+              <a:rPr lang="en-US" dirty="0"/>
+              <a:t>was most accurate when using a cutoff of 3 or greater.</a:t>
+            </a:r>
+          </a:p>
+        </p:txBody>
+      </p:sp>
+    </p:spTree>
+    <p:extLst>
+      <p:ext uri="{BB962C8B-B14F-4D97-AF65-F5344CB8AC3E}">
+        <p14:creationId xmlns:p14="http://schemas.microsoft.com/office/powerpoint/2010/main" val="1896286760"/>
       </p:ext>
     </p:extLst>
   </p:cSld>
@@ -15274,21 +21106,33 @@
           <a:lstStyle/>
           <a:p>
             <a:r>
-              <a:rPr lang="en-US" sz="1800" dirty="0"/>
+              <a:rPr lang="en-US" sz="1800" dirty="0">
+                <a:solidFill>
+                  <a:schemeClr val="tx1"/>
+                </a:solidFill>
+              </a:rPr>
               <a:t>Recall testing is commonly used to gauge memory retrieval</a:t>
             </a:r>
           </a:p>
           <a:p>
             <a:pPr lvl="1"/>
             <a:r>
-              <a:rPr lang="en-US" sz="1800" dirty="0"/>
+              <a:rPr lang="en-US" sz="1600" dirty="0">
+                <a:solidFill>
+                  <a:schemeClr val="tx1"/>
+                </a:solidFill>
+              </a:rPr>
               <a:t>Cued-recall testing</a:t>
             </a:r>
           </a:p>
           <a:p>
             <a:pPr lvl="1"/>
             <a:r>
-              <a:rPr lang="en-US" sz="1800" dirty="0"/>
+              <a:rPr lang="en-US" sz="1600" dirty="0">
+                <a:solidFill>
+                  <a:schemeClr val="tx1"/>
+                </a:solidFill>
+              </a:rPr>
               <a:t>Free-recall testing</a:t>
             </a:r>
           </a:p>
@@ -15471,6 +21315,1491 @@
 </p:sld>
 </file>
 
+<file path=ppt/slides/slide20.xml><?xml version="1.0" encoding="utf-8"?>
+<p:sld xmlns:a="http://schemas.openxmlformats.org/drawingml/2006/main" xmlns:r="http://schemas.openxmlformats.org/officeDocument/2006/relationships" xmlns:p="http://schemas.openxmlformats.org/presentationml/2006/main">
+  <p:cSld>
+    <p:spTree>
+      <p:nvGrpSpPr>
+        <p:cNvPr id="1" name=""/>
+        <p:cNvGrpSpPr/>
+        <p:nvPr/>
+      </p:nvGrpSpPr>
+      <p:grpSpPr>
+        <a:xfrm>
+          <a:off x="0" y="0"/>
+          <a:ext cx="0" cy="0"/>
+          <a:chOff x="0" y="0"/>
+          <a:chExt cx="0" cy="0"/>
+        </a:xfrm>
+      </p:grpSpPr>
+      <p:sp>
+        <p:nvSpPr>
+          <p:cNvPr id="2" name="Title 1">
+            <a:extLst>
+              <a:ext uri="{FF2B5EF4-FFF2-40B4-BE49-F238E27FC236}">
+                <a16:creationId xmlns:a16="http://schemas.microsoft.com/office/drawing/2014/main" id="{28849B26-4C63-4518-8979-C30E3E564944}"/>
+              </a:ext>
+            </a:extLst>
+          </p:cNvPr>
+          <p:cNvSpPr>
+            <a:spLocks noGrp="1"/>
+          </p:cNvSpPr>
+          <p:nvPr>
+            <p:ph type="title" idx="4294967295"/>
+          </p:nvPr>
+        </p:nvSpPr>
+        <p:spPr>
+          <a:xfrm>
+            <a:off x="115614" y="126056"/>
+            <a:ext cx="6570663" cy="530225"/>
+          </a:xfrm>
+        </p:spPr>
+        <p:txBody>
+          <a:bodyPr/>
+          <a:lstStyle/>
+          <a:p>
+            <a:r>
+              <a:rPr lang="en-US" b="1" dirty="0">
+                <a:solidFill>
+                  <a:schemeClr val="tx1"/>
+                </a:solidFill>
+              </a:rPr>
+              <a:t>Results – Sensitivity/Specificity</a:t>
+            </a:r>
+          </a:p>
+        </p:txBody>
+      </p:sp>
+      <p:graphicFrame>
+        <p:nvGraphicFramePr>
+          <p:cNvPr id="5" name="Table 5">
+            <a:extLst>
+              <a:ext uri="{FF2B5EF4-FFF2-40B4-BE49-F238E27FC236}">
+                <a16:creationId xmlns:a16="http://schemas.microsoft.com/office/drawing/2014/main" id="{8FBB2780-3747-42DD-AC5A-33CD7670A9B3}"/>
+              </a:ext>
+            </a:extLst>
+          </p:cNvPr>
+          <p:cNvGraphicFramePr>
+            <a:graphicFrameLocks noGrp="1"/>
+          </p:cNvGraphicFramePr>
+          <p:nvPr>
+            <p:extLst>
+              <p:ext uri="{D42A27DB-BD31-4B8C-83A1-F6EECF244321}">
+                <p14:modId xmlns:p14="http://schemas.microsoft.com/office/powerpoint/2010/main" val="1762777656"/>
+              </p:ext>
+            </p:extLst>
+          </p:nvPr>
+        </p:nvGraphicFramePr>
+        <p:xfrm>
+          <a:off x="525517" y="948119"/>
+          <a:ext cx="7909034" cy="3247262"/>
+        </p:xfrm>
+        <a:graphic>
+          <a:graphicData uri="http://schemas.openxmlformats.org/drawingml/2006/table">
+            <a:tbl>
+              <a:tblPr firstRow="1" bandRow="1">
+                <a:tableStyleId>{5C22544A-7EE6-4342-B048-85BDC9FD1C3A}</a:tableStyleId>
+              </a:tblPr>
+              <a:tblGrid>
+                <a:gridCol w="1129862">
+                  <a:extLst>
+                    <a:ext uri="{9D8B030D-6E8A-4147-A177-3AD203B41FA5}">
+                      <a16:colId xmlns:a16="http://schemas.microsoft.com/office/drawing/2014/main" val="3334947787"/>
+                    </a:ext>
+                  </a:extLst>
+                </a:gridCol>
+                <a:gridCol w="1129862">
+                  <a:extLst>
+                    <a:ext uri="{9D8B030D-6E8A-4147-A177-3AD203B41FA5}">
+                      <a16:colId xmlns:a16="http://schemas.microsoft.com/office/drawing/2014/main" val="3215490151"/>
+                    </a:ext>
+                  </a:extLst>
+                </a:gridCol>
+                <a:gridCol w="1129862">
+                  <a:extLst>
+                    <a:ext uri="{9D8B030D-6E8A-4147-A177-3AD203B41FA5}">
+                      <a16:colId xmlns:a16="http://schemas.microsoft.com/office/drawing/2014/main" val="167819274"/>
+                    </a:ext>
+                  </a:extLst>
+                </a:gridCol>
+                <a:gridCol w="1129862">
+                  <a:extLst>
+                    <a:ext uri="{9D8B030D-6E8A-4147-A177-3AD203B41FA5}">
+                      <a16:colId xmlns:a16="http://schemas.microsoft.com/office/drawing/2014/main" val="1574541124"/>
+                    </a:ext>
+                  </a:extLst>
+                </a:gridCol>
+                <a:gridCol w="1129862">
+                  <a:extLst>
+                    <a:ext uri="{9D8B030D-6E8A-4147-A177-3AD203B41FA5}">
+                      <a16:colId xmlns:a16="http://schemas.microsoft.com/office/drawing/2014/main" val="3603184295"/>
+                    </a:ext>
+                  </a:extLst>
+                </a:gridCol>
+                <a:gridCol w="1129862">
+                  <a:extLst>
+                    <a:ext uri="{9D8B030D-6E8A-4147-A177-3AD203B41FA5}">
+                      <a16:colId xmlns:a16="http://schemas.microsoft.com/office/drawing/2014/main" val="2071633889"/>
+                    </a:ext>
+                  </a:extLst>
+                </a:gridCol>
+                <a:gridCol w="1129862">
+                  <a:extLst>
+                    <a:ext uri="{9D8B030D-6E8A-4147-A177-3AD203B41FA5}">
+                      <a16:colId xmlns:a16="http://schemas.microsoft.com/office/drawing/2014/main" val="2653138364"/>
+                    </a:ext>
+                  </a:extLst>
+                </a:gridCol>
+              </a:tblGrid>
+              <a:tr h="596794">
+                <a:tc>
+                  <a:txBody>
+                    <a:bodyPr/>
+                    <a:lstStyle/>
+                    <a:p>
+                      <a:endParaRPr lang="en-US" sz="1400" dirty="0"/>
+                    </a:p>
+                  </a:txBody>
+                  <a:tcPr>
+                    <a:solidFill>
+                      <a:schemeClr val="tx2"/>
+                    </a:solidFill>
+                  </a:tcPr>
+                </a:tc>
+                <a:tc gridSpan="2">
+                  <a:txBody>
+                    <a:bodyPr/>
+                    <a:lstStyle/>
+                    <a:p>
+                      <a:pPr algn="ctr"/>
+                      <a:r>
+                        <a:rPr lang="en-US" sz="1800" dirty="0" err="1"/>
+                        <a:t>Adhoc</a:t>
+                      </a:r>
+                      <a:endParaRPr lang="en-US" sz="1800" dirty="0"/>
+                    </a:p>
+                  </a:txBody>
+                  <a:tcPr>
+                    <a:solidFill>
+                      <a:schemeClr val="tx2"/>
+                    </a:solidFill>
+                  </a:tcPr>
+                </a:tc>
+                <a:tc hMerge="1">
+                  <a:txBody>
+                    <a:bodyPr/>
+                    <a:lstStyle/>
+                    <a:p>
+                      <a:endParaRPr lang="en-US" sz="1400" dirty="0"/>
+                    </a:p>
+                  </a:txBody>
+                  <a:tcPr/>
+                </a:tc>
+                <a:tc gridSpan="2">
+                  <a:txBody>
+                    <a:bodyPr/>
+                    <a:lstStyle/>
+                    <a:p>
+                      <a:pPr algn="ctr"/>
+                      <a:r>
+                        <a:rPr lang="en-US" sz="1800" dirty="0"/>
+                        <a:t>Categorical</a:t>
+                      </a:r>
+                    </a:p>
+                  </a:txBody>
+                  <a:tcPr>
+                    <a:solidFill>
+                      <a:schemeClr val="tx2"/>
+                    </a:solidFill>
+                  </a:tcPr>
+                </a:tc>
+                <a:tc hMerge="1">
+                  <a:txBody>
+                    <a:bodyPr/>
+                    <a:lstStyle/>
+                    <a:p>
+                      <a:endParaRPr lang="en-US" sz="1400" dirty="0"/>
+                    </a:p>
+                  </a:txBody>
+                  <a:tcPr/>
+                </a:tc>
+                <a:tc gridSpan="2">
+                  <a:txBody>
+                    <a:bodyPr/>
+                    <a:lstStyle/>
+                    <a:p>
+                      <a:pPr algn="ctr"/>
+                      <a:r>
+                        <a:rPr lang="en-US" sz="1800" dirty="0"/>
+                        <a:t>Unrelated</a:t>
+                      </a:r>
+                    </a:p>
+                  </a:txBody>
+                  <a:tcPr>
+                    <a:solidFill>
+                      <a:schemeClr val="tx2"/>
+                    </a:solidFill>
+                  </a:tcPr>
+                </a:tc>
+                <a:tc hMerge="1">
+                  <a:txBody>
+                    <a:bodyPr/>
+                    <a:lstStyle/>
+                    <a:p>
+                      <a:endParaRPr lang="en-US" sz="1400" dirty="0"/>
+                    </a:p>
+                  </a:txBody>
+                  <a:tcPr/>
+                </a:tc>
+                <a:extLst>
+                  <a:ext uri="{0D108BD9-81ED-4DB2-BD59-A6C34878D82A}">
+                    <a16:rowId xmlns:a16="http://schemas.microsoft.com/office/drawing/2014/main" val="3614380497"/>
+                  </a:ext>
+                </a:extLst>
+              </a:tr>
+              <a:tr h="596794">
+                <a:tc>
+                  <a:txBody>
+                    <a:bodyPr/>
+                    <a:lstStyle/>
+                    <a:p>
+                      <a:r>
+                        <a:rPr lang="en-US" sz="1400" b="1" dirty="0">
+                          <a:solidFill>
+                            <a:schemeClr val="bg1"/>
+                          </a:solidFill>
+                        </a:rPr>
+                        <a:t>Scoring Cutoff</a:t>
+                      </a:r>
+                    </a:p>
+                  </a:txBody>
+                  <a:tcPr>
+                    <a:solidFill>
+                      <a:schemeClr val="accent1"/>
+                    </a:solidFill>
+                  </a:tcPr>
+                </a:tc>
+                <a:tc>
+                  <a:txBody>
+                    <a:bodyPr/>
+                    <a:lstStyle/>
+                    <a:p>
+                      <a:pPr algn="ctr"/>
+                      <a:r>
+                        <a:rPr lang="en-US" sz="1400" b="1" dirty="0">
+                          <a:solidFill>
+                            <a:schemeClr val="bg1"/>
+                          </a:solidFill>
+                        </a:rPr>
+                        <a:t>Sensitivity</a:t>
+                      </a:r>
+                    </a:p>
+                  </a:txBody>
+                  <a:tcPr>
+                    <a:solidFill>
+                      <a:schemeClr val="accent1"/>
+                    </a:solidFill>
+                  </a:tcPr>
+                </a:tc>
+                <a:tc>
+                  <a:txBody>
+                    <a:bodyPr/>
+                    <a:lstStyle/>
+                    <a:p>
+                      <a:pPr algn="ctr"/>
+                      <a:r>
+                        <a:rPr lang="en-US" sz="1400" b="1" dirty="0">
+                          <a:solidFill>
+                            <a:schemeClr val="bg1"/>
+                          </a:solidFill>
+                        </a:rPr>
+                        <a:t>Specificity</a:t>
+                      </a:r>
+                    </a:p>
+                  </a:txBody>
+                  <a:tcPr>
+                    <a:solidFill>
+                      <a:schemeClr val="accent1"/>
+                    </a:solidFill>
+                  </a:tcPr>
+                </a:tc>
+                <a:tc>
+                  <a:txBody>
+                    <a:bodyPr/>
+                    <a:lstStyle/>
+                    <a:p>
+                      <a:pPr algn="ctr"/>
+                      <a:r>
+                        <a:rPr lang="en-US" sz="1400" b="1" dirty="0">
+                          <a:solidFill>
+                            <a:schemeClr val="bg1"/>
+                          </a:solidFill>
+                        </a:rPr>
+                        <a:t>Sensitivity</a:t>
+                      </a:r>
+                    </a:p>
+                  </a:txBody>
+                  <a:tcPr>
+                    <a:solidFill>
+                      <a:schemeClr val="accent1"/>
+                    </a:solidFill>
+                  </a:tcPr>
+                </a:tc>
+                <a:tc>
+                  <a:txBody>
+                    <a:bodyPr/>
+                    <a:lstStyle/>
+                    <a:p>
+                      <a:pPr algn="ctr"/>
+                      <a:r>
+                        <a:rPr lang="en-US" sz="1400" b="1" dirty="0">
+                          <a:solidFill>
+                            <a:schemeClr val="bg1"/>
+                          </a:solidFill>
+                        </a:rPr>
+                        <a:t>Specificity</a:t>
+                      </a:r>
+                    </a:p>
+                  </a:txBody>
+                  <a:tcPr>
+                    <a:solidFill>
+                      <a:schemeClr val="accent1"/>
+                    </a:solidFill>
+                  </a:tcPr>
+                </a:tc>
+                <a:tc>
+                  <a:txBody>
+                    <a:bodyPr/>
+                    <a:lstStyle/>
+                    <a:p>
+                      <a:pPr algn="ctr"/>
+                      <a:r>
+                        <a:rPr lang="en-US" sz="1400" b="1" dirty="0">
+                          <a:solidFill>
+                            <a:schemeClr val="bg1"/>
+                          </a:solidFill>
+                        </a:rPr>
+                        <a:t>Sensitivity</a:t>
+                      </a:r>
+                    </a:p>
+                  </a:txBody>
+                  <a:tcPr>
+                    <a:solidFill>
+                      <a:schemeClr val="accent1"/>
+                    </a:solidFill>
+                  </a:tcPr>
+                </a:tc>
+                <a:tc>
+                  <a:txBody>
+                    <a:bodyPr/>
+                    <a:lstStyle/>
+                    <a:p>
+                      <a:pPr algn="ctr"/>
+                      <a:r>
+                        <a:rPr lang="en-US" sz="1400" b="1" dirty="0">
+                          <a:solidFill>
+                            <a:schemeClr val="bg1"/>
+                          </a:solidFill>
+                        </a:rPr>
+                        <a:t>Specificity</a:t>
+                      </a:r>
+                    </a:p>
+                  </a:txBody>
+                  <a:tcPr>
+                    <a:solidFill>
+                      <a:schemeClr val="accent1"/>
+                    </a:solidFill>
+                  </a:tcPr>
+                </a:tc>
+                <a:extLst>
+                  <a:ext uri="{0D108BD9-81ED-4DB2-BD59-A6C34878D82A}">
+                    <a16:rowId xmlns:a16="http://schemas.microsoft.com/office/drawing/2014/main" val="2170148188"/>
+                  </a:ext>
+                </a:extLst>
+              </a:tr>
+              <a:tr h="342279">
+                <a:tc>
+                  <a:txBody>
+                    <a:bodyPr/>
+                    <a:lstStyle/>
+                    <a:p>
+                      <a:r>
+                        <a:rPr lang="en-US" dirty="0"/>
+                        <a:t>0</a:t>
+                      </a:r>
+                    </a:p>
+                  </a:txBody>
+                  <a:tcPr/>
+                </a:tc>
+                <a:tc>
+                  <a:txBody>
+                    <a:bodyPr/>
+                    <a:lstStyle/>
+                    <a:p>
+                      <a:pPr algn="ctr"/>
+                      <a:r>
+                        <a:rPr lang="en-US" dirty="0"/>
+                        <a:t>90</a:t>
+                      </a:r>
+                    </a:p>
+                  </a:txBody>
+                  <a:tcPr/>
+                </a:tc>
+                <a:tc>
+                  <a:txBody>
+                    <a:bodyPr/>
+                    <a:lstStyle/>
+                    <a:p>
+                      <a:pPr algn="ctr"/>
+                      <a:r>
+                        <a:rPr lang="en-US" dirty="0"/>
+                        <a:t>86</a:t>
+                      </a:r>
+                    </a:p>
+                  </a:txBody>
+                  <a:tcPr/>
+                </a:tc>
+                <a:tc>
+                  <a:txBody>
+                    <a:bodyPr/>
+                    <a:lstStyle/>
+                    <a:p>
+                      <a:pPr algn="ctr"/>
+                      <a:r>
+                        <a:rPr lang="en-US" dirty="0"/>
+                        <a:t>98</a:t>
+                      </a:r>
+                    </a:p>
+                  </a:txBody>
+                  <a:tcPr/>
+                </a:tc>
+                <a:tc>
+                  <a:txBody>
+                    <a:bodyPr/>
+                    <a:lstStyle/>
+                    <a:p>
+                      <a:pPr algn="ctr"/>
+                      <a:r>
+                        <a:rPr lang="en-US" dirty="0"/>
+                        <a:t>90</a:t>
+                      </a:r>
+                    </a:p>
+                  </a:txBody>
+                  <a:tcPr/>
+                </a:tc>
+                <a:tc>
+                  <a:txBody>
+                    <a:bodyPr/>
+                    <a:lstStyle/>
+                    <a:p>
+                      <a:pPr algn="ctr"/>
+                      <a:r>
+                        <a:rPr lang="en-US" dirty="0"/>
+                        <a:t>93</a:t>
+                      </a:r>
+                    </a:p>
+                  </a:txBody>
+                  <a:tcPr/>
+                </a:tc>
+                <a:tc>
+                  <a:txBody>
+                    <a:bodyPr/>
+                    <a:lstStyle/>
+                    <a:p>
+                      <a:pPr algn="ctr"/>
+                      <a:r>
+                        <a:rPr lang="en-US" dirty="0"/>
+                        <a:t>87</a:t>
+                      </a:r>
+                    </a:p>
+                  </a:txBody>
+                  <a:tcPr/>
+                </a:tc>
+                <a:extLst>
+                  <a:ext uri="{0D108BD9-81ED-4DB2-BD59-A6C34878D82A}">
+                    <a16:rowId xmlns:a16="http://schemas.microsoft.com/office/drawing/2014/main" val="2439817468"/>
+                  </a:ext>
+                </a:extLst>
+              </a:tr>
+              <a:tr h="342279">
+                <a:tc>
+                  <a:txBody>
+                    <a:bodyPr/>
+                    <a:lstStyle/>
+                    <a:p>
+                      <a:r>
+                        <a:rPr lang="en-US" dirty="0"/>
+                        <a:t>1</a:t>
+                      </a:r>
+                    </a:p>
+                  </a:txBody>
+                  <a:tcPr/>
+                </a:tc>
+                <a:tc>
+                  <a:txBody>
+                    <a:bodyPr/>
+                    <a:lstStyle/>
+                    <a:p>
+                      <a:pPr algn="ctr"/>
+                      <a:r>
+                        <a:rPr lang="en-US" dirty="0"/>
+                        <a:t>98</a:t>
+                      </a:r>
+                    </a:p>
+                  </a:txBody>
+                  <a:tcPr/>
+                </a:tc>
+                <a:tc>
+                  <a:txBody>
+                    <a:bodyPr/>
+                    <a:lstStyle/>
+                    <a:p>
+                      <a:pPr algn="ctr"/>
+                      <a:r>
+                        <a:rPr lang="en-US" dirty="0"/>
+                        <a:t>87</a:t>
+                      </a:r>
+                    </a:p>
+                  </a:txBody>
+                  <a:tcPr/>
+                </a:tc>
+                <a:tc>
+                  <a:txBody>
+                    <a:bodyPr/>
+                    <a:lstStyle/>
+                    <a:p>
+                      <a:pPr algn="ctr"/>
+                      <a:r>
+                        <a:rPr lang="en-US" dirty="0"/>
+                        <a:t>98</a:t>
+                      </a:r>
+                    </a:p>
+                  </a:txBody>
+                  <a:tcPr/>
+                </a:tc>
+                <a:tc>
+                  <a:txBody>
+                    <a:bodyPr/>
+                    <a:lstStyle/>
+                    <a:p>
+                      <a:pPr algn="ctr"/>
+                      <a:r>
+                        <a:rPr lang="en-US" dirty="0"/>
+                        <a:t>91</a:t>
+                      </a:r>
+                    </a:p>
+                  </a:txBody>
+                  <a:tcPr/>
+                </a:tc>
+                <a:tc>
+                  <a:txBody>
+                    <a:bodyPr/>
+                    <a:lstStyle/>
+                    <a:p>
+                      <a:pPr algn="ctr"/>
+                      <a:r>
+                        <a:rPr lang="en-US" dirty="0"/>
+                        <a:t>93</a:t>
+                      </a:r>
+                    </a:p>
+                  </a:txBody>
+                  <a:tcPr/>
+                </a:tc>
+                <a:tc>
+                  <a:txBody>
+                    <a:bodyPr/>
+                    <a:lstStyle/>
+                    <a:p>
+                      <a:pPr algn="ctr"/>
+                      <a:r>
+                        <a:rPr lang="en-US" dirty="0"/>
+                        <a:t>87</a:t>
+                      </a:r>
+                    </a:p>
+                  </a:txBody>
+                  <a:tcPr/>
+                </a:tc>
+                <a:extLst>
+                  <a:ext uri="{0D108BD9-81ED-4DB2-BD59-A6C34878D82A}">
+                    <a16:rowId xmlns:a16="http://schemas.microsoft.com/office/drawing/2014/main" val="4255178025"/>
+                  </a:ext>
+                </a:extLst>
+              </a:tr>
+              <a:tr h="342279">
+                <a:tc>
+                  <a:txBody>
+                    <a:bodyPr/>
+                    <a:lstStyle/>
+                    <a:p>
+                      <a:r>
+                        <a:rPr lang="en-US" dirty="0"/>
+                        <a:t>2</a:t>
+                      </a:r>
+                    </a:p>
+                  </a:txBody>
+                  <a:tcPr/>
+                </a:tc>
+                <a:tc>
+                  <a:txBody>
+                    <a:bodyPr/>
+                    <a:lstStyle/>
+                    <a:p>
+                      <a:pPr algn="ctr"/>
+                      <a:r>
+                        <a:rPr lang="en-US" dirty="0"/>
+                        <a:t>95</a:t>
+                      </a:r>
+                    </a:p>
+                  </a:txBody>
+                  <a:tcPr/>
+                </a:tc>
+                <a:tc>
+                  <a:txBody>
+                    <a:bodyPr/>
+                    <a:lstStyle/>
+                    <a:p>
+                      <a:pPr algn="ctr"/>
+                      <a:r>
+                        <a:rPr lang="en-US" dirty="0"/>
+                        <a:t>95</a:t>
+                      </a:r>
+                    </a:p>
+                  </a:txBody>
+                  <a:tcPr/>
+                </a:tc>
+                <a:tc>
+                  <a:txBody>
+                    <a:bodyPr/>
+                    <a:lstStyle/>
+                    <a:p>
+                      <a:pPr algn="ctr"/>
+                      <a:r>
+                        <a:rPr lang="en-US" dirty="0"/>
+                        <a:t>98</a:t>
+                      </a:r>
+                    </a:p>
+                  </a:txBody>
+                  <a:tcPr/>
+                </a:tc>
+                <a:tc>
+                  <a:txBody>
+                    <a:bodyPr/>
+                    <a:lstStyle/>
+                    <a:p>
+                      <a:pPr algn="ctr"/>
+                      <a:r>
+                        <a:rPr lang="en-US" dirty="0"/>
+                        <a:t>91</a:t>
+                      </a:r>
+                    </a:p>
+                  </a:txBody>
+                  <a:tcPr/>
+                </a:tc>
+                <a:tc>
+                  <a:txBody>
+                    <a:bodyPr/>
+                    <a:lstStyle/>
+                    <a:p>
+                      <a:pPr algn="ctr"/>
+                      <a:r>
+                        <a:rPr lang="en-US" dirty="0"/>
+                        <a:t>92</a:t>
+                      </a:r>
+                    </a:p>
+                  </a:txBody>
+                  <a:tcPr/>
+                </a:tc>
+                <a:tc>
+                  <a:txBody>
+                    <a:bodyPr/>
+                    <a:lstStyle/>
+                    <a:p>
+                      <a:pPr algn="ctr"/>
+                      <a:r>
+                        <a:rPr lang="en-US" dirty="0"/>
+                        <a:t>87</a:t>
+                      </a:r>
+                    </a:p>
+                  </a:txBody>
+                  <a:tcPr/>
+                </a:tc>
+                <a:extLst>
+                  <a:ext uri="{0D108BD9-81ED-4DB2-BD59-A6C34878D82A}">
+                    <a16:rowId xmlns:a16="http://schemas.microsoft.com/office/drawing/2014/main" val="3573381080"/>
+                  </a:ext>
+                </a:extLst>
+              </a:tr>
+              <a:tr h="342279">
+                <a:tc>
+                  <a:txBody>
+                    <a:bodyPr/>
+                    <a:lstStyle/>
+                    <a:p>
+                      <a:r>
+                        <a:rPr lang="en-US" dirty="0"/>
+                        <a:t>3</a:t>
+                      </a:r>
+                    </a:p>
+                  </a:txBody>
+                  <a:tcPr/>
+                </a:tc>
+                <a:tc>
+                  <a:txBody>
+                    <a:bodyPr/>
+                    <a:lstStyle/>
+                    <a:p>
+                      <a:pPr algn="ctr"/>
+                      <a:r>
+                        <a:rPr lang="en-US" dirty="0"/>
+                        <a:t>95</a:t>
+                      </a:r>
+                    </a:p>
+                  </a:txBody>
+                  <a:tcPr/>
+                </a:tc>
+                <a:tc>
+                  <a:txBody>
+                    <a:bodyPr/>
+                    <a:lstStyle/>
+                    <a:p>
+                      <a:pPr algn="ctr"/>
+                      <a:r>
+                        <a:rPr lang="en-US" dirty="0"/>
+                        <a:t>96</a:t>
+                      </a:r>
+                    </a:p>
+                  </a:txBody>
+                  <a:tcPr/>
+                </a:tc>
+                <a:tc>
+                  <a:txBody>
+                    <a:bodyPr/>
+                    <a:lstStyle/>
+                    <a:p>
+                      <a:pPr algn="ctr"/>
+                      <a:r>
+                        <a:rPr lang="en-US" dirty="0"/>
+                        <a:t>97</a:t>
+                      </a:r>
+                    </a:p>
+                  </a:txBody>
+                  <a:tcPr/>
+                </a:tc>
+                <a:tc>
+                  <a:txBody>
+                    <a:bodyPr/>
+                    <a:lstStyle/>
+                    <a:p>
+                      <a:pPr algn="ctr"/>
+                      <a:r>
+                        <a:rPr lang="en-US" dirty="0"/>
+                        <a:t>95</a:t>
+                      </a:r>
+                    </a:p>
+                  </a:txBody>
+                  <a:tcPr/>
+                </a:tc>
+                <a:tc>
+                  <a:txBody>
+                    <a:bodyPr/>
+                    <a:lstStyle/>
+                    <a:p>
+                      <a:pPr algn="ctr"/>
+                      <a:r>
+                        <a:rPr lang="en-US" dirty="0"/>
+                        <a:t>97</a:t>
+                      </a:r>
+                    </a:p>
+                  </a:txBody>
+                  <a:tcPr/>
+                </a:tc>
+                <a:tc>
+                  <a:txBody>
+                    <a:bodyPr/>
+                    <a:lstStyle/>
+                    <a:p>
+                      <a:pPr algn="ctr"/>
+                      <a:r>
+                        <a:rPr lang="en-US" dirty="0"/>
+                        <a:t>96</a:t>
+                      </a:r>
+                    </a:p>
+                  </a:txBody>
+                  <a:tcPr/>
+                </a:tc>
+                <a:extLst>
+                  <a:ext uri="{0D108BD9-81ED-4DB2-BD59-A6C34878D82A}">
+                    <a16:rowId xmlns:a16="http://schemas.microsoft.com/office/drawing/2014/main" val="2207217057"/>
+                  </a:ext>
+                </a:extLst>
+              </a:tr>
+              <a:tr h="342279">
+                <a:tc>
+                  <a:txBody>
+                    <a:bodyPr/>
+                    <a:lstStyle/>
+                    <a:p>
+                      <a:r>
+                        <a:rPr lang="en-US" dirty="0"/>
+                        <a:t>4</a:t>
+                      </a:r>
+                    </a:p>
+                  </a:txBody>
+                  <a:tcPr/>
+                </a:tc>
+                <a:tc>
+                  <a:txBody>
+                    <a:bodyPr/>
+                    <a:lstStyle/>
+                    <a:p>
+                      <a:pPr algn="ctr"/>
+                      <a:r>
+                        <a:rPr lang="en-US" dirty="0"/>
+                        <a:t>96</a:t>
+                      </a:r>
+                    </a:p>
+                  </a:txBody>
+                  <a:tcPr/>
+                </a:tc>
+                <a:tc>
+                  <a:txBody>
+                    <a:bodyPr/>
+                    <a:lstStyle/>
+                    <a:p>
+                      <a:pPr algn="ctr"/>
+                      <a:r>
+                        <a:rPr lang="en-US" dirty="0"/>
+                        <a:t>96</a:t>
+                      </a:r>
+                    </a:p>
+                  </a:txBody>
+                  <a:tcPr/>
+                </a:tc>
+                <a:tc>
+                  <a:txBody>
+                    <a:bodyPr/>
+                    <a:lstStyle/>
+                    <a:p>
+                      <a:pPr algn="ctr"/>
+                      <a:r>
+                        <a:rPr lang="en-US" dirty="0"/>
+                        <a:t>95</a:t>
+                      </a:r>
+                    </a:p>
+                  </a:txBody>
+                  <a:tcPr/>
+                </a:tc>
+                <a:tc>
+                  <a:txBody>
+                    <a:bodyPr/>
+                    <a:lstStyle/>
+                    <a:p>
+                      <a:pPr algn="ctr"/>
+                      <a:r>
+                        <a:rPr lang="en-US" dirty="0"/>
+                        <a:t>94</a:t>
+                      </a:r>
+                    </a:p>
+                  </a:txBody>
+                  <a:tcPr/>
+                </a:tc>
+                <a:tc>
+                  <a:txBody>
+                    <a:bodyPr/>
+                    <a:lstStyle/>
+                    <a:p>
+                      <a:pPr algn="ctr"/>
+                      <a:r>
+                        <a:rPr lang="en-US" dirty="0"/>
+                        <a:t>97</a:t>
+                      </a:r>
+                    </a:p>
+                  </a:txBody>
+                  <a:tcPr/>
+                </a:tc>
+                <a:tc>
+                  <a:txBody>
+                    <a:bodyPr/>
+                    <a:lstStyle/>
+                    <a:p>
+                      <a:pPr algn="ctr"/>
+                      <a:r>
+                        <a:rPr lang="en-US" dirty="0"/>
+                        <a:t>96</a:t>
+                      </a:r>
+                    </a:p>
+                  </a:txBody>
+                  <a:tcPr/>
+                </a:tc>
+                <a:extLst>
+                  <a:ext uri="{0D108BD9-81ED-4DB2-BD59-A6C34878D82A}">
+                    <a16:rowId xmlns:a16="http://schemas.microsoft.com/office/drawing/2014/main" val="1166615615"/>
+                  </a:ext>
+                </a:extLst>
+              </a:tr>
+              <a:tr h="342279">
+                <a:tc>
+                  <a:txBody>
+                    <a:bodyPr/>
+                    <a:lstStyle/>
+                    <a:p>
+                      <a:r>
+                        <a:rPr lang="en-US" dirty="0"/>
+                        <a:t>5</a:t>
+                      </a:r>
+                    </a:p>
+                  </a:txBody>
+                  <a:tcPr/>
+                </a:tc>
+                <a:tc>
+                  <a:txBody>
+                    <a:bodyPr/>
+                    <a:lstStyle/>
+                    <a:p>
+                      <a:pPr algn="ctr"/>
+                      <a:r>
+                        <a:rPr lang="en-US" dirty="0"/>
+                        <a:t>96</a:t>
+                      </a:r>
+                    </a:p>
+                  </a:txBody>
+                  <a:tcPr/>
+                </a:tc>
+                <a:tc>
+                  <a:txBody>
+                    <a:bodyPr/>
+                    <a:lstStyle/>
+                    <a:p>
+                      <a:pPr algn="ctr"/>
+                      <a:r>
+                        <a:rPr lang="en-US" dirty="0"/>
+                        <a:t>96</a:t>
+                      </a:r>
+                    </a:p>
+                  </a:txBody>
+                  <a:tcPr/>
+                </a:tc>
+                <a:tc>
+                  <a:txBody>
+                    <a:bodyPr/>
+                    <a:lstStyle/>
+                    <a:p>
+                      <a:pPr algn="ctr"/>
+                      <a:r>
+                        <a:rPr lang="en-US" dirty="0"/>
+                        <a:t>95</a:t>
+                      </a:r>
+                    </a:p>
+                  </a:txBody>
+                  <a:tcPr/>
+                </a:tc>
+                <a:tc>
+                  <a:txBody>
+                    <a:bodyPr/>
+                    <a:lstStyle/>
+                    <a:p>
+                      <a:pPr algn="ctr"/>
+                      <a:r>
+                        <a:rPr lang="en-US" dirty="0"/>
+                        <a:t>94</a:t>
+                      </a:r>
+                    </a:p>
+                  </a:txBody>
+                  <a:tcPr/>
+                </a:tc>
+                <a:tc>
+                  <a:txBody>
+                    <a:bodyPr/>
+                    <a:lstStyle/>
+                    <a:p>
+                      <a:pPr algn="ctr"/>
+                      <a:r>
+                        <a:rPr lang="en-US" dirty="0"/>
+                        <a:t>97</a:t>
+                      </a:r>
+                    </a:p>
+                  </a:txBody>
+                  <a:tcPr/>
+                </a:tc>
+                <a:tc>
+                  <a:txBody>
+                    <a:bodyPr/>
+                    <a:lstStyle/>
+                    <a:p>
+                      <a:pPr algn="ctr"/>
+                      <a:r>
+                        <a:rPr lang="en-US" dirty="0"/>
+                        <a:t>96</a:t>
+                      </a:r>
+                    </a:p>
+                  </a:txBody>
+                  <a:tcPr/>
+                </a:tc>
+                <a:extLst>
+                  <a:ext uri="{0D108BD9-81ED-4DB2-BD59-A6C34878D82A}">
+                    <a16:rowId xmlns:a16="http://schemas.microsoft.com/office/drawing/2014/main" val="3025026932"/>
+                  </a:ext>
+                </a:extLst>
+              </a:tr>
+            </a:tbl>
+          </a:graphicData>
+        </a:graphic>
+      </p:graphicFrame>
+      <p:sp>
+        <p:nvSpPr>
+          <p:cNvPr id="10" name="TextBox 9">
+            <a:extLst>
+              <a:ext uri="{FF2B5EF4-FFF2-40B4-BE49-F238E27FC236}">
+                <a16:creationId xmlns:a16="http://schemas.microsoft.com/office/drawing/2014/main" id="{8D645140-1FB9-4E1F-88E4-38C20874CFFC}"/>
+              </a:ext>
+            </a:extLst>
+          </p:cNvPr>
+          <p:cNvSpPr txBox="1"/>
+          <p:nvPr/>
+        </p:nvSpPr>
+        <p:spPr>
+          <a:xfrm>
+            <a:off x="472965" y="4347261"/>
+            <a:ext cx="7725103" cy="338554"/>
+          </a:xfrm>
+          <a:prstGeom prst="rect">
+            <a:avLst/>
+          </a:prstGeom>
+          <a:noFill/>
+        </p:spPr>
+        <p:txBody>
+          <a:bodyPr wrap="square" rtlCol="0">
+            <a:spAutoFit/>
+          </a:bodyPr>
+          <a:lstStyle/>
+          <a:p>
+            <a:r>
+              <a:rPr lang="en-US" sz="1600" dirty="0"/>
+              <a:t>Sensitivity/specificity maximized using a cutoff of 3 or greater</a:t>
+            </a:r>
+          </a:p>
+        </p:txBody>
+      </p:sp>
+      <p:sp>
+        <p:nvSpPr>
+          <p:cNvPr id="6" name="Oval 5">
+            <a:extLst>
+              <a:ext uri="{FF2B5EF4-FFF2-40B4-BE49-F238E27FC236}">
+                <a16:creationId xmlns:a16="http://schemas.microsoft.com/office/drawing/2014/main" id="{4532B15E-0263-4CCC-9F7B-A348C28E0D12}"/>
+              </a:ext>
+            </a:extLst>
+          </p:cNvPr>
+          <p:cNvSpPr/>
+          <p:nvPr/>
+        </p:nvSpPr>
+        <p:spPr>
+          <a:xfrm>
+            <a:off x="472965" y="3022845"/>
+            <a:ext cx="7961586" cy="530222"/>
+          </a:xfrm>
+          <a:prstGeom prst="ellipse">
+            <a:avLst/>
+          </a:prstGeom>
+          <a:noFill/>
+          <a:ln>
+            <a:solidFill>
+              <a:srgbClr val="FF0000"/>
+            </a:solidFill>
+          </a:ln>
+        </p:spPr>
+        <p:style>
+          <a:lnRef idx="2">
+            <a:schemeClr val="accent1">
+              <a:shade val="50000"/>
+            </a:schemeClr>
+          </a:lnRef>
+          <a:fillRef idx="1">
+            <a:schemeClr val="accent1"/>
+          </a:fillRef>
+          <a:effectRef idx="0">
+            <a:schemeClr val="accent1"/>
+          </a:effectRef>
+          <a:fontRef idx="minor">
+            <a:schemeClr val="lt1"/>
+          </a:fontRef>
+        </p:style>
+        <p:txBody>
+          <a:bodyPr rtlCol="0" anchor="ctr"/>
+          <a:lstStyle/>
+          <a:p>
+            <a:pPr algn="ctr"/>
+            <a:endParaRPr lang="en-US"/>
+          </a:p>
+        </p:txBody>
+      </p:sp>
+    </p:spTree>
+    <p:extLst>
+      <p:ext uri="{BB962C8B-B14F-4D97-AF65-F5344CB8AC3E}">
+        <p14:creationId xmlns:p14="http://schemas.microsoft.com/office/powerpoint/2010/main" val="3713908802"/>
+      </p:ext>
+    </p:extLst>
+  </p:cSld>
+  <p:clrMapOvr>
+    <a:masterClrMapping/>
+  </p:clrMapOvr>
+  <p:timing>
+    <p:tnLst>
+      <p:par>
+        <p:cTn id="1" dur="indefinite" restart="never" nodeType="tmRoot">
+          <p:childTnLst>
+            <p:seq concurrent="1" nextAc="seek">
+              <p:cTn id="2" dur="indefinite" nodeType="mainSeq">
+                <p:childTnLst>
+                  <p:par>
+                    <p:cTn id="3" fill="hold">
+                      <p:stCondLst>
+                        <p:cond delay="indefinite"/>
+                      </p:stCondLst>
+                      <p:childTnLst>
+                        <p:par>
+                          <p:cTn id="4" fill="hold">
+                            <p:stCondLst>
+                              <p:cond delay="0"/>
+                            </p:stCondLst>
+                            <p:childTnLst>
+                              <p:par>
+                                <p:cTn id="5" presetID="1" presetClass="entr" presetSubtype="0" fill="hold" grpId="0" nodeType="clickEffect">
+                                  <p:stCondLst>
+                                    <p:cond delay="0"/>
+                                  </p:stCondLst>
+                                  <p:childTnLst>
+                                    <p:set>
+                                      <p:cBhvr>
+                                        <p:cTn id="6" dur="1" fill="hold">
+                                          <p:stCondLst>
+                                            <p:cond delay="0"/>
+                                          </p:stCondLst>
+                                        </p:cTn>
+                                        <p:tgtEl>
+                                          <p:spTgt spid="6"/>
+                                        </p:tgtEl>
+                                        <p:attrNameLst>
+                                          <p:attrName>style.visibility</p:attrName>
+                                        </p:attrNameLst>
+                                      </p:cBhvr>
+                                      <p:to>
+                                        <p:strVal val="visible"/>
+                                      </p:to>
+                                    </p:set>
+                                  </p:childTnLst>
+                                </p:cTn>
+                              </p:par>
+                            </p:childTnLst>
+                          </p:cTn>
+                        </p:par>
+                      </p:childTnLst>
+                    </p:cTn>
+                  </p:par>
+                  <p:par>
+                    <p:cTn id="7" fill="hold">
+                      <p:stCondLst>
+                        <p:cond delay="indefinite"/>
+                      </p:stCondLst>
+                      <p:childTnLst>
+                        <p:par>
+                          <p:cTn id="8" fill="hold">
+                            <p:stCondLst>
+                              <p:cond delay="0"/>
+                            </p:stCondLst>
+                            <p:childTnLst>
+                              <p:par>
+                                <p:cTn id="9" presetID="1" presetClass="entr" presetSubtype="0" fill="hold" grpId="0" nodeType="clickEffect">
+                                  <p:stCondLst>
+                                    <p:cond delay="0"/>
+                                  </p:stCondLst>
+                                  <p:childTnLst>
+                                    <p:set>
+                                      <p:cBhvr>
+                                        <p:cTn id="10" dur="1" fill="hold">
+                                          <p:stCondLst>
+                                            <p:cond delay="0"/>
+                                          </p:stCondLst>
+                                        </p:cTn>
+                                        <p:tgtEl>
+                                          <p:spTgt spid="10"/>
+                                        </p:tgtEl>
+                                        <p:attrNameLst>
+                                          <p:attrName>style.visibility</p:attrName>
+                                        </p:attrNameLst>
+                                      </p:cBhvr>
+                                      <p:to>
+                                        <p:strVal val="visible"/>
+                                      </p:to>
+                                    </p:set>
+                                  </p:childTnLst>
+                                </p:cTn>
+                              </p:par>
+                            </p:childTnLst>
+                          </p:cTn>
+                        </p:par>
+                      </p:childTnLst>
+                    </p:cTn>
+                  </p:par>
+                </p:childTnLst>
+              </p:cTn>
+              <p:prevCondLst>
+                <p:cond evt="onPrev" delay="0">
+                  <p:tgtEl>
+                    <p:sldTgt/>
+                  </p:tgtEl>
+                </p:cond>
+              </p:prevCondLst>
+              <p:nextCondLst>
+                <p:cond evt="onNext" delay="0">
+                  <p:tgtEl>
+                    <p:sldTgt/>
+                  </p:tgtEl>
+                </p:cond>
+              </p:nextCondLst>
+            </p:seq>
+          </p:childTnLst>
+        </p:cTn>
+      </p:par>
+    </p:tnLst>
+    <p:bldLst>
+      <p:bldP spid="10" grpId="0"/>
+      <p:bldP spid="6" grpId="0" animBg="1"/>
+    </p:bldLst>
+  </p:timing>
+</p:sld>
+</file>
+
+<file path=ppt/slides/slide21.xml><?xml version="1.0" encoding="utf-8"?>
+<p:sld xmlns:a="http://schemas.openxmlformats.org/drawingml/2006/main" xmlns:r="http://schemas.openxmlformats.org/officeDocument/2006/relationships" xmlns:p="http://schemas.openxmlformats.org/presentationml/2006/main">
+  <p:cSld>
+    <p:bg>
+      <p:bgPr>
+        <a:solidFill>
+          <a:schemeClr val="bg1"/>
+        </a:solidFill>
+        <a:effectLst/>
+      </p:bgPr>
+    </p:bg>
+    <p:spTree>
+      <p:nvGrpSpPr>
+        <p:cNvPr id="1" name=""/>
+        <p:cNvGrpSpPr/>
+        <p:nvPr/>
+      </p:nvGrpSpPr>
+      <p:grpSpPr>
+        <a:xfrm>
+          <a:off x="0" y="0"/>
+          <a:ext cx="0" cy="0"/>
+          <a:chOff x="0" y="0"/>
+          <a:chExt cx="0" cy="0"/>
+        </a:xfrm>
+      </p:grpSpPr>
+      <p:sp>
+        <p:nvSpPr>
+          <p:cNvPr id="2" name="Title 1">
+            <a:extLst>
+              <a:ext uri="{FF2B5EF4-FFF2-40B4-BE49-F238E27FC236}">
+                <a16:creationId xmlns:a16="http://schemas.microsoft.com/office/drawing/2014/main" id="{2C7F63A0-35E9-42A5-B80B-260207A99B9F}"/>
+              </a:ext>
+            </a:extLst>
+          </p:cNvPr>
+          <p:cNvSpPr>
+            <a:spLocks noGrp="1"/>
+          </p:cNvSpPr>
+          <p:nvPr>
+            <p:ph type="title"/>
+          </p:nvPr>
+        </p:nvSpPr>
+        <p:spPr/>
+        <p:txBody>
+          <a:bodyPr/>
+          <a:lstStyle/>
+          <a:p>
+            <a:r>
+              <a:rPr lang="en-US" b="1" dirty="0"/>
+              <a:t>Summary</a:t>
+            </a:r>
+          </a:p>
+        </p:txBody>
+      </p:sp>
+      <p:sp>
+        <p:nvSpPr>
+          <p:cNvPr id="3" name="Content Placeholder 2">
+            <a:extLst>
+              <a:ext uri="{FF2B5EF4-FFF2-40B4-BE49-F238E27FC236}">
+                <a16:creationId xmlns:a16="http://schemas.microsoft.com/office/drawing/2014/main" id="{9A8D6A74-E591-433F-8679-4707003C8C14}"/>
+              </a:ext>
+            </a:extLst>
+          </p:cNvPr>
+          <p:cNvSpPr>
+            <a:spLocks noGrp="1"/>
+          </p:cNvSpPr>
+          <p:nvPr>
+            <p:ph idx="1"/>
+          </p:nvPr>
+        </p:nvSpPr>
+        <p:spPr/>
+        <p:txBody>
+          <a:bodyPr>
+            <a:normAutofit/>
+          </a:bodyPr>
+          <a:lstStyle/>
+          <a:p>
+            <a:r>
+              <a:rPr lang="en-US" sz="1600" i="1" dirty="0" err="1">
+                <a:solidFill>
+                  <a:schemeClr val="tx1"/>
+                </a:solidFill>
+              </a:rPr>
+              <a:t>lrd</a:t>
+            </a:r>
+            <a:r>
+              <a:rPr lang="en-US" sz="1600" dirty="0">
+                <a:solidFill>
+                  <a:schemeClr val="tx1"/>
+                </a:solidFill>
+              </a:rPr>
+              <a:t> allows researchers to quickly score several types of recall data</a:t>
+            </a:r>
+          </a:p>
+          <a:p>
+            <a:r>
+              <a:rPr lang="en-US" sz="1600" i="1" dirty="0" err="1">
+                <a:solidFill>
+                  <a:schemeClr val="tx1"/>
+                </a:solidFill>
+              </a:rPr>
+              <a:t>lrd</a:t>
+            </a:r>
+            <a:r>
+              <a:rPr lang="en-US" sz="1600" dirty="0">
+                <a:solidFill>
+                  <a:schemeClr val="tx1"/>
+                </a:solidFill>
+              </a:rPr>
+              <a:t> can accurately reproduce human coded data</a:t>
+            </a:r>
+          </a:p>
+          <a:p>
+            <a:r>
+              <a:rPr lang="en-US" sz="1600" dirty="0">
+                <a:solidFill>
+                  <a:schemeClr val="tx1"/>
+                </a:solidFill>
+              </a:rPr>
+              <a:t>The goal is to provide a standardized, open-source method for processing lexical output across psychological studies.</a:t>
+            </a:r>
+          </a:p>
+        </p:txBody>
+      </p:sp>
+    </p:spTree>
+    <p:extLst>
+      <p:ext uri="{BB962C8B-B14F-4D97-AF65-F5344CB8AC3E}">
+        <p14:creationId xmlns:p14="http://schemas.microsoft.com/office/powerpoint/2010/main" val="1388640223"/>
+      </p:ext>
+    </p:extLst>
+  </p:cSld>
+  <p:clrMapOvr>
+    <a:masterClrMapping/>
+  </p:clrMapOvr>
+</p:sld>
+</file>
+
+<file path=ppt/slides/slide22.xml><?xml version="1.0" encoding="utf-8"?>
+<p:sld xmlns:a="http://schemas.openxmlformats.org/drawingml/2006/main" xmlns:r="http://schemas.openxmlformats.org/officeDocument/2006/relationships" xmlns:p="http://schemas.openxmlformats.org/presentationml/2006/main">
+  <p:cSld>
+    <p:bg>
+      <p:bgPr>
+        <a:solidFill>
+          <a:schemeClr val="bg1"/>
+        </a:solidFill>
+        <a:effectLst/>
+      </p:bgPr>
+    </p:bg>
+    <p:spTree>
+      <p:nvGrpSpPr>
+        <p:cNvPr id="1" name=""/>
+        <p:cNvGrpSpPr/>
+        <p:nvPr/>
+      </p:nvGrpSpPr>
+      <p:grpSpPr>
+        <a:xfrm>
+          <a:off x="0" y="0"/>
+          <a:ext cx="0" cy="0"/>
+          <a:chOff x="0" y="0"/>
+          <a:chExt cx="0" cy="0"/>
+        </a:xfrm>
+      </p:grpSpPr>
+      <p:sp>
+        <p:nvSpPr>
+          <p:cNvPr id="4" name="Title 3">
+            <a:extLst>
+              <a:ext uri="{FF2B5EF4-FFF2-40B4-BE49-F238E27FC236}">
+                <a16:creationId xmlns:a16="http://schemas.microsoft.com/office/drawing/2014/main" id="{A0FF33C2-1ABB-4975-89F1-B56F3EA03E2A}"/>
+              </a:ext>
+            </a:extLst>
+          </p:cNvPr>
+          <p:cNvSpPr>
+            <a:spLocks noGrp="1"/>
+          </p:cNvSpPr>
+          <p:nvPr>
+            <p:ph type="ctrTitle"/>
+          </p:nvPr>
+        </p:nvSpPr>
+        <p:spPr>
+          <a:xfrm>
+            <a:off x="2842160" y="839076"/>
+            <a:ext cx="6619244" cy="2008236"/>
+          </a:xfrm>
+        </p:spPr>
+        <p:txBody>
+          <a:bodyPr/>
+          <a:lstStyle/>
+          <a:p>
+            <a:r>
+              <a:rPr lang="en-US" b="1" dirty="0"/>
+              <a:t>Questions?</a:t>
+            </a:r>
+          </a:p>
+        </p:txBody>
+      </p:sp>
+      <p:sp>
+        <p:nvSpPr>
+          <p:cNvPr id="5" name="Subtitle 4">
+            <a:extLst>
+              <a:ext uri="{FF2B5EF4-FFF2-40B4-BE49-F238E27FC236}">
+                <a16:creationId xmlns:a16="http://schemas.microsoft.com/office/drawing/2014/main" id="{3B588CDB-83F3-4F93-94EA-82955AF1498F}"/>
+              </a:ext>
+            </a:extLst>
+          </p:cNvPr>
+          <p:cNvSpPr>
+            <a:spLocks noGrp="1"/>
+          </p:cNvSpPr>
+          <p:nvPr>
+            <p:ph type="subTitle" idx="1"/>
+          </p:nvPr>
+        </p:nvSpPr>
+        <p:spPr/>
+        <p:txBody>
+          <a:bodyPr/>
+          <a:lstStyle/>
+          <a:p>
+            <a:endParaRPr lang="en-US"/>
+          </a:p>
+        </p:txBody>
+      </p:sp>
+    </p:spTree>
+    <p:extLst>
+      <p:ext uri="{BB962C8B-B14F-4D97-AF65-F5344CB8AC3E}">
+        <p14:creationId xmlns:p14="http://schemas.microsoft.com/office/powerpoint/2010/main" val="1459554017"/>
+      </p:ext>
+    </p:extLst>
+  </p:cSld>
+  <p:clrMapOvr>
+    <a:masterClrMapping/>
+  </p:clrMapOvr>
+</p:sld>
+</file>
+
 <file path=ppt/slides/slide3.xml><?xml version="1.0" encoding="utf-8"?>
 <p:sld xmlns:a="http://schemas.openxmlformats.org/drawingml/2006/main" xmlns:r="http://schemas.openxmlformats.org/officeDocument/2006/relationships" xmlns:p="http://schemas.openxmlformats.org/presentationml/2006/main">
   <p:cSld>
@@ -15545,21 +22874,33 @@
           <a:lstStyle/>
           <a:p>
             <a:r>
-              <a:rPr lang="en-US" sz="1800" dirty="0"/>
+              <a:rPr lang="en-US" sz="1800" dirty="0">
+                <a:solidFill>
+                  <a:schemeClr val="tx1"/>
+                </a:solidFill>
+              </a:rPr>
               <a:t>Recall testing has been used extensively throughout psychological research</a:t>
             </a:r>
           </a:p>
           <a:p>
             <a:pPr lvl="1"/>
             <a:r>
-              <a:rPr lang="en-US" sz="1800" dirty="0"/>
+              <a:rPr lang="en-US" sz="1600" dirty="0">
+                <a:solidFill>
+                  <a:schemeClr val="tx1"/>
+                </a:solidFill>
+              </a:rPr>
               <a:t>Approximately 18,000 publications since 2000</a:t>
             </a:r>
           </a:p>
           <a:p>
             <a:pPr lvl="1"/>
             <a:r>
-              <a:rPr lang="en-US" sz="1800" dirty="0"/>
+              <a:rPr lang="en-US" sz="1600" dirty="0">
+                <a:solidFill>
+                  <a:schemeClr val="tx1"/>
+                </a:solidFill>
+              </a:rPr>
               <a:t>Across multiple subfields of psychology</a:t>
             </a:r>
           </a:p>
@@ -15821,76 +23162,144 @@
           <a:lstStyle/>
           <a:p>
             <a:r>
-              <a:rPr lang="en-US" sz="1800" dirty="0"/>
+              <a:rPr lang="en-US" sz="1800" dirty="0">
+                <a:solidFill>
+                  <a:schemeClr val="tx1"/>
+                </a:solidFill>
+              </a:rPr>
               <a:t>This can be partly attributed to the rise of the internet and more powerful computers</a:t>
             </a:r>
           </a:p>
           <a:p>
             <a:pPr lvl="1"/>
             <a:r>
-              <a:rPr lang="en-US" sz="1800" dirty="0"/>
+              <a:rPr lang="en-US" sz="1600" dirty="0">
+                <a:solidFill>
+                  <a:schemeClr val="tx1"/>
+                </a:solidFill>
+              </a:rPr>
               <a:t>Online recruitment platforms like Prolific or </a:t>
             </a:r>
             <a:r>
-              <a:rPr lang="en-US" sz="1800" dirty="0" err="1"/>
+              <a:rPr lang="en-US" sz="1600" dirty="0" err="1">
+                <a:solidFill>
+                  <a:schemeClr val="tx1"/>
+                </a:solidFill>
+              </a:rPr>
               <a:t>Mturk</a:t>
             </a:r>
-            <a:endParaRPr lang="en-US" sz="1800" dirty="0"/>
+            <a:endParaRPr lang="en-US" sz="1600" dirty="0">
+              <a:solidFill>
+                <a:schemeClr val="tx1"/>
+              </a:solidFill>
+            </a:endParaRPr>
           </a:p>
           <a:p>
             <a:pPr lvl="1"/>
             <a:r>
-              <a:rPr lang="en-US" sz="1800" dirty="0"/>
+              <a:rPr lang="en-US" sz="1600" dirty="0">
+                <a:solidFill>
+                  <a:schemeClr val="tx1"/>
+                </a:solidFill>
+              </a:rPr>
               <a:t>Large-scale normed databases for stimuli creation </a:t>
             </a:r>
             <a:r>
-              <a:rPr lang="en-US" sz="1400" dirty="0"/>
+              <a:rPr lang="en-US" dirty="0">
+                <a:solidFill>
+                  <a:schemeClr val="tx1"/>
+                </a:solidFill>
+              </a:rPr>
               <a:t>(English Lexicon Project; </a:t>
             </a:r>
             <a:r>
-              <a:rPr lang="en-US" sz="1400" dirty="0" err="1"/>
+              <a:rPr lang="en-US" dirty="0" err="1">
+                <a:solidFill>
+                  <a:schemeClr val="tx1"/>
+                </a:solidFill>
+              </a:rPr>
               <a:t>Balota</a:t>
             </a:r>
             <a:r>
-              <a:rPr lang="en-US" sz="1400" dirty="0"/>
+              <a:rPr lang="en-US" dirty="0">
+                <a:solidFill>
+                  <a:schemeClr val="tx1"/>
+                </a:solidFill>
+              </a:rPr>
               <a:t> et al., 2007; Small World of Words; De </a:t>
             </a:r>
             <a:r>
-              <a:rPr lang="en-US" sz="1400" dirty="0" err="1"/>
+              <a:rPr lang="en-US" dirty="0" err="1">
+                <a:solidFill>
+                  <a:schemeClr val="tx1"/>
+                </a:solidFill>
+              </a:rPr>
               <a:t>Deyne</a:t>
             </a:r>
             <a:r>
-              <a:rPr lang="en-US" sz="1400" dirty="0"/>
+              <a:rPr lang="en-US" dirty="0">
+                <a:solidFill>
+                  <a:schemeClr val="tx1"/>
+                </a:solidFill>
+              </a:rPr>
               <a:t> et al., 2019)</a:t>
             </a:r>
           </a:p>
           <a:p>
             <a:pPr lvl="1"/>
             <a:r>
-              <a:rPr lang="en-US" sz="1800" dirty="0"/>
+              <a:rPr lang="en-US" sz="1600" dirty="0">
+                <a:solidFill>
+                  <a:schemeClr val="tx1"/>
+                </a:solidFill>
+              </a:rPr>
               <a:t>Tools for automatically generating stimuli </a:t>
             </a:r>
             <a:r>
-              <a:rPr lang="en-US" sz="1400" dirty="0"/>
+              <a:rPr lang="en-US" dirty="0">
+                <a:solidFill>
+                  <a:schemeClr val="tx1"/>
+                </a:solidFill>
+              </a:rPr>
               <a:t>(</a:t>
             </a:r>
             <a:r>
-              <a:rPr lang="en-US" sz="1400" i="1" dirty="0" err="1"/>
+              <a:rPr lang="en-US" i="1" dirty="0" err="1">
+                <a:solidFill>
+                  <a:schemeClr val="tx1"/>
+                </a:solidFill>
+              </a:rPr>
               <a:t>lexOPS</a:t>
             </a:r>
             <a:r>
-              <a:rPr lang="en-US" sz="1400" dirty="0"/>
+              <a:rPr lang="en-US" dirty="0">
+                <a:solidFill>
+                  <a:schemeClr val="tx1"/>
+                </a:solidFill>
+              </a:rPr>
               <a:t>; Taylor, </a:t>
             </a:r>
             <a:r>
-              <a:rPr lang="en-US" sz="1400" dirty="0" err="1"/>
+              <a:rPr lang="en-US" dirty="0" err="1">
+                <a:solidFill>
+                  <a:schemeClr val="tx1"/>
+                </a:solidFill>
+              </a:rPr>
               <a:t>Beith</a:t>
             </a:r>
             <a:r>
-              <a:rPr lang="en-US" sz="1400" dirty="0"/>
+              <a:rPr lang="en-US" dirty="0">
+                <a:solidFill>
+                  <a:schemeClr val="tx1"/>
+                </a:solidFill>
+              </a:rPr>
               <a:t> &amp; Sereno, 2019)</a:t>
             </a:r>
-            <a:endParaRPr lang="en-US" sz="1800" dirty="0"/>
+            <a:endParaRPr lang="en-US" sz="1600" dirty="0">
+              <a:solidFill>
+                <a:schemeClr val="tx1"/>
+              </a:solidFill>
+            </a:endParaRPr>
           </a:p>
         </p:txBody>
       </p:sp>
@@ -16763,21 +24172,33 @@
           <a:lstStyle/>
           <a:p>
             <a:r>
-              <a:rPr lang="en-US" sz="1800" dirty="0"/>
+              <a:rPr lang="en-US" sz="1800" dirty="0">
+                <a:solidFill>
+                  <a:schemeClr val="tx1"/>
+                </a:solidFill>
+              </a:rPr>
               <a:t>An alternative is to automate the coding process</a:t>
             </a:r>
           </a:p>
           <a:p>
             <a:pPr lvl="1"/>
             <a:r>
-              <a:rPr lang="en-US" sz="1800" dirty="0"/>
+              <a:rPr lang="en-US" sz="1600" dirty="0">
+                <a:solidFill>
+                  <a:schemeClr val="tx1"/>
+                </a:solidFill>
+              </a:rPr>
               <a:t>Must be able to account for spelling errors!</a:t>
             </a:r>
           </a:p>
           <a:p>
             <a:pPr lvl="1"/>
             <a:r>
-              <a:rPr lang="en-US" sz="1800" dirty="0"/>
+              <a:rPr lang="en-US" sz="1600" dirty="0">
+                <a:solidFill>
+                  <a:schemeClr val="tx1"/>
+                </a:solidFill>
+              </a:rPr>
               <a:t>This requires a sufficient degree of flexibility to be programmed into the scoring package</a:t>
             </a:r>
           </a:p>
@@ -17059,50 +24480,86 @@
           <a:p>
             <a:pPr lvl="1"/>
             <a:r>
-              <a:rPr lang="en-US" sz="1800" i="1" dirty="0" err="1"/>
+              <a:rPr lang="en-US" sz="1800" i="1" dirty="0" err="1">
+                <a:solidFill>
+                  <a:schemeClr val="tx1"/>
+                </a:solidFill>
+              </a:rPr>
               <a:t>lrd</a:t>
             </a:r>
             <a:r>
-              <a:rPr lang="en-US" sz="1800" i="1" dirty="0"/>
+              <a:rPr lang="en-US" sz="1800" i="1" dirty="0">
+                <a:solidFill>
+                  <a:schemeClr val="tx1"/>
+                </a:solidFill>
+              </a:rPr>
               <a:t> </a:t>
             </a:r>
             <a:r>
-              <a:rPr lang="en-US" sz="1800" dirty="0"/>
+              <a:rPr lang="en-US" sz="1800" dirty="0">
+                <a:solidFill>
+                  <a:schemeClr val="tx1"/>
+                </a:solidFill>
+              </a:rPr>
               <a:t>(Lexical Response Data) is an R package designed to automate scoring of recall data while controlling for participant errors.</a:t>
             </a:r>
           </a:p>
           <a:p>
             <a:pPr lvl="2"/>
             <a:r>
-              <a:rPr lang="en-US" sz="1400" dirty="0"/>
+              <a:rPr lang="en-US" sz="1600" dirty="0">
+                <a:solidFill>
+                  <a:schemeClr val="tx1"/>
+                </a:solidFill>
+              </a:rPr>
               <a:t>Cued-recall</a:t>
             </a:r>
           </a:p>
           <a:p>
             <a:pPr lvl="2"/>
             <a:r>
-              <a:rPr lang="en-US" sz="1400" dirty="0"/>
+              <a:rPr lang="en-US" sz="1600" dirty="0">
+                <a:solidFill>
+                  <a:schemeClr val="tx1"/>
+                </a:solidFill>
+              </a:rPr>
               <a:t>Free recall</a:t>
             </a:r>
           </a:p>
           <a:p>
             <a:pPr lvl="2"/>
             <a:r>
-              <a:rPr lang="en-US" sz="1400" dirty="0"/>
+              <a:rPr lang="en-US" sz="1600" dirty="0">
+                <a:solidFill>
+                  <a:schemeClr val="tx1"/>
+                </a:solidFill>
+              </a:rPr>
               <a:t>Sentence responses</a:t>
             </a:r>
           </a:p>
           <a:p>
             <a:pPr lvl="1"/>
             <a:r>
-              <a:rPr lang="en-US" sz="1550" dirty="0"/>
+              <a:rPr lang="en-US" sz="1800" dirty="0">
+                <a:solidFill>
+                  <a:schemeClr val="tx1"/>
+                </a:solidFill>
+              </a:rPr>
               <a:t>Open source and freely available via </a:t>
             </a:r>
             <a:r>
-              <a:rPr lang="en-US" sz="1550" dirty="0" err="1"/>
-              <a:t>gitihub</a:t>
-            </a:r>
-            <a:endParaRPr lang="en-US" sz="1550" dirty="0"/>
+              <a:rPr lang="en-US" sz="1800" dirty="0" err="1">
+                <a:solidFill>
+                  <a:schemeClr val="tx1"/>
+                </a:solidFill>
+              </a:rPr>
+              <a:t>Gitihub</a:t>
+            </a:r>
+            <a:endParaRPr lang="en-US" sz="1800" dirty="0">
+              <a:solidFill>
+                <a:schemeClr val="tx1"/>
+              </a:solidFill>
+            </a:endParaRPr>
           </a:p>
           <a:p>
             <a:pPr marL="342900" lvl="1" indent="0">
@@ -17376,6 +24833,453 @@
 <file path=ppt/slides/slide8.xml><?xml version="1.0" encoding="utf-8"?>
 <p:sld xmlns:a="http://schemas.openxmlformats.org/drawingml/2006/main" xmlns:r="http://schemas.openxmlformats.org/officeDocument/2006/relationships" xmlns:p="http://schemas.openxmlformats.org/presentationml/2006/main">
   <p:cSld>
+    <p:spTree>
+      <p:nvGrpSpPr>
+        <p:cNvPr id="1" name=""/>
+        <p:cNvGrpSpPr/>
+        <p:nvPr/>
+      </p:nvGrpSpPr>
+      <p:grpSpPr>
+        <a:xfrm>
+          <a:off x="0" y="0"/>
+          <a:ext cx="0" cy="0"/>
+          <a:chOff x="0" y="0"/>
+          <a:chExt cx="0" cy="0"/>
+        </a:xfrm>
+      </p:grpSpPr>
+      <p:sp>
+        <p:nvSpPr>
+          <p:cNvPr id="3" name="Content Placeholder 2">
+            <a:extLst>
+              <a:ext uri="{FF2B5EF4-FFF2-40B4-BE49-F238E27FC236}">
+                <a16:creationId xmlns:a16="http://schemas.microsoft.com/office/drawing/2014/main" id="{CD332C8C-CB2C-4AA3-841B-2994E4F1FC99}"/>
+              </a:ext>
+            </a:extLst>
+          </p:cNvPr>
+          <p:cNvSpPr>
+            <a:spLocks noGrp="1"/>
+          </p:cNvSpPr>
+          <p:nvPr>
+            <p:ph idx="1"/>
+          </p:nvPr>
+        </p:nvSpPr>
+        <p:spPr>
+          <a:xfrm>
+            <a:off x="866216" y="1952625"/>
+            <a:ext cx="7321343" cy="2562225"/>
+          </a:xfrm>
+        </p:spPr>
+        <p:txBody>
+          <a:bodyPr>
+            <a:normAutofit/>
+          </a:bodyPr>
+          <a:lstStyle/>
+          <a:p>
+            <a:r>
+              <a:rPr lang="en-US" sz="1800" i="1" dirty="0" err="1">
+                <a:solidFill>
+                  <a:schemeClr val="tx1"/>
+                </a:solidFill>
+              </a:rPr>
+              <a:t>lrd</a:t>
+            </a:r>
+            <a:r>
+              <a:rPr lang="en-US" sz="1800" dirty="0">
+                <a:solidFill>
+                  <a:schemeClr val="tx1"/>
+                </a:solidFill>
+              </a:rPr>
+              <a:t> scores recall data using </a:t>
+            </a:r>
+            <a:r>
+              <a:rPr lang="en-US" sz="1800" b="1" dirty="0">
+                <a:solidFill>
+                  <a:schemeClr val="tx2"/>
+                </a:solidFill>
+              </a:rPr>
+              <a:t>Levenshtein</a:t>
+            </a:r>
+            <a:r>
+              <a:rPr lang="en-US" sz="1800" dirty="0"/>
+              <a:t> </a:t>
+            </a:r>
+            <a:r>
+              <a:rPr lang="en-US" sz="1800" dirty="0">
+                <a:solidFill>
+                  <a:schemeClr val="tx1"/>
+                </a:solidFill>
+              </a:rPr>
+              <a:t>distances</a:t>
+            </a:r>
+          </a:p>
+          <a:p>
+            <a:pPr lvl="1"/>
+            <a:r>
+              <a:rPr lang="en-US" sz="1600" dirty="0">
+                <a:solidFill>
+                  <a:schemeClr val="tx1"/>
+                </a:solidFill>
+              </a:rPr>
+              <a:t>Number of character insertions, deletions, or changes required to transform a word</a:t>
+            </a:r>
+          </a:p>
+          <a:p>
+            <a:pPr lvl="1"/>
+            <a:r>
+              <a:rPr lang="en-US" sz="1600" dirty="0">
+                <a:solidFill>
+                  <a:schemeClr val="tx1"/>
+                </a:solidFill>
+              </a:rPr>
+              <a:t>“Cat” and “Bat” have a Levenshtein distance of 1 while “Mouse” and “Mice” have a distance of 4</a:t>
+            </a:r>
+          </a:p>
+          <a:p>
+            <a:r>
+              <a:rPr lang="en-US" sz="1750" i="1" dirty="0" err="1">
+                <a:solidFill>
+                  <a:schemeClr val="tx1"/>
+                </a:solidFill>
+              </a:rPr>
+              <a:t>lrd</a:t>
+            </a:r>
+            <a:r>
+              <a:rPr lang="en-US" sz="1750" dirty="0">
+                <a:solidFill>
+                  <a:schemeClr val="tx1"/>
+                </a:solidFill>
+              </a:rPr>
+              <a:t> scores data using Levenshtein distances ranging from 0 – 5</a:t>
+            </a:r>
+          </a:p>
+          <a:p>
+            <a:pPr lvl="1"/>
+            <a:r>
+              <a:rPr lang="en-US" sz="1600" dirty="0">
+                <a:solidFill>
+                  <a:schemeClr val="tx1"/>
+                </a:solidFill>
+              </a:rPr>
+              <a:t>User selects this cutoff when scoring</a:t>
+            </a:r>
+          </a:p>
+        </p:txBody>
+      </p:sp>
+      <p:sp>
+        <p:nvSpPr>
+          <p:cNvPr id="4" name="Footer Placeholder 3">
+            <a:extLst>
+              <a:ext uri="{FF2B5EF4-FFF2-40B4-BE49-F238E27FC236}">
+                <a16:creationId xmlns:a16="http://schemas.microsoft.com/office/drawing/2014/main" id="{85B54B1A-6D90-4D6B-AFDE-7C06D5317E8D}"/>
+              </a:ext>
+            </a:extLst>
+          </p:cNvPr>
+          <p:cNvSpPr>
+            <a:spLocks noGrp="1"/>
+          </p:cNvSpPr>
+          <p:nvPr>
+            <p:ph type="ftr" sz="quarter" idx="11"/>
+          </p:nvPr>
+        </p:nvSpPr>
+        <p:spPr/>
+        <p:txBody>
+          <a:bodyPr/>
+          <a:lstStyle/>
+          <a:p>
+            <a:r>
+              <a:rPr lang="en-US"/>
+              <a:t>
+              </a:t>
+            </a:r>
+            <a:endParaRPr lang="en-US" dirty="0"/>
+          </a:p>
+        </p:txBody>
+      </p:sp>
+      <p:sp>
+        <p:nvSpPr>
+          <p:cNvPr id="5" name="Title 1">
+            <a:extLst>
+              <a:ext uri="{FF2B5EF4-FFF2-40B4-BE49-F238E27FC236}">
+                <a16:creationId xmlns:a16="http://schemas.microsoft.com/office/drawing/2014/main" id="{5ACABAC2-FCE9-4308-87B6-3595AA894652}"/>
+              </a:ext>
+            </a:extLst>
+          </p:cNvPr>
+          <p:cNvSpPr>
+            <a:spLocks noGrp="1"/>
+          </p:cNvSpPr>
+          <p:nvPr>
+            <p:ph type="title"/>
+          </p:nvPr>
+        </p:nvSpPr>
+        <p:spPr>
+          <a:xfrm>
+            <a:off x="866775" y="730250"/>
+            <a:ext cx="6570663" cy="530225"/>
+          </a:xfrm>
+        </p:spPr>
+        <p:txBody>
+          <a:bodyPr>
+            <a:normAutofit fontScale="90000"/>
+          </a:bodyPr>
+          <a:lstStyle/>
+          <a:p>
+            <a:r>
+              <a:rPr lang="en-US" sz="3200" b="1" dirty="0"/>
+              <a:t>The </a:t>
+            </a:r>
+            <a:r>
+              <a:rPr lang="en-US" sz="3200" b="1" i="1" dirty="0" err="1"/>
+              <a:t>lrd</a:t>
+            </a:r>
+            <a:r>
+              <a:rPr lang="en-US" sz="3200" b="1" dirty="0"/>
+              <a:t> Package</a:t>
+            </a:r>
+          </a:p>
+        </p:txBody>
+      </p:sp>
+    </p:spTree>
+    <p:extLst>
+      <p:ext uri="{BB962C8B-B14F-4D97-AF65-F5344CB8AC3E}">
+        <p14:creationId xmlns:p14="http://schemas.microsoft.com/office/powerpoint/2010/main" val="4162768942"/>
+      </p:ext>
+    </p:extLst>
+  </p:cSld>
+  <p:clrMapOvr>
+    <a:masterClrMapping/>
+  </p:clrMapOvr>
+  <p:timing>
+    <p:tnLst>
+      <p:par>
+        <p:cTn id="1" dur="indefinite" restart="never" nodeType="tmRoot">
+          <p:childTnLst>
+            <p:seq concurrent="1" nextAc="seek">
+              <p:cTn id="2" dur="indefinite" nodeType="mainSeq">
+                <p:childTnLst>
+                  <p:par>
+                    <p:cTn id="3" fill="hold">
+                      <p:stCondLst>
+                        <p:cond delay="indefinite"/>
+                      </p:stCondLst>
+                      <p:childTnLst>
+                        <p:par>
+                          <p:cTn id="4" fill="hold">
+                            <p:stCondLst>
+                              <p:cond delay="0"/>
+                            </p:stCondLst>
+                            <p:childTnLst>
+                              <p:par>
+                                <p:cTn id="5" presetID="1" presetClass="entr" presetSubtype="0" fill="hold" nodeType="clickEffect">
+                                  <p:stCondLst>
+                                    <p:cond delay="0"/>
+                                  </p:stCondLst>
+                                  <p:childTnLst>
+                                    <p:set>
+                                      <p:cBhvr>
+                                        <p:cTn id="6" dur="1" fill="hold">
+                                          <p:stCondLst>
+                                            <p:cond delay="0"/>
+                                          </p:stCondLst>
+                                        </p:cTn>
+                                        <p:tgtEl>
+                                          <p:spTgt spid="3">
+                                            <p:txEl>
+                                              <p:pRg st="1" end="1"/>
+                                            </p:txEl>
+                                          </p:spTgt>
+                                        </p:tgtEl>
+                                        <p:attrNameLst>
+                                          <p:attrName>style.visibility</p:attrName>
+                                        </p:attrNameLst>
+                                      </p:cBhvr>
+                                      <p:to>
+                                        <p:strVal val="visible"/>
+                                      </p:to>
+                                    </p:set>
+                                  </p:childTnLst>
+                                </p:cTn>
+                              </p:par>
+                            </p:childTnLst>
+                          </p:cTn>
+                        </p:par>
+                      </p:childTnLst>
+                    </p:cTn>
+                  </p:par>
+                  <p:par>
+                    <p:cTn id="7" fill="hold">
+                      <p:stCondLst>
+                        <p:cond delay="indefinite"/>
+                      </p:stCondLst>
+                      <p:childTnLst>
+                        <p:par>
+                          <p:cTn id="8" fill="hold">
+                            <p:stCondLst>
+                              <p:cond delay="0"/>
+                            </p:stCondLst>
+                            <p:childTnLst>
+                              <p:par>
+                                <p:cTn id="9" presetID="1" presetClass="entr" presetSubtype="0" fill="hold" nodeType="clickEffect">
+                                  <p:stCondLst>
+                                    <p:cond delay="0"/>
+                                  </p:stCondLst>
+                                  <p:childTnLst>
+                                    <p:set>
+                                      <p:cBhvr>
+                                        <p:cTn id="10" dur="1" fill="hold">
+                                          <p:stCondLst>
+                                            <p:cond delay="0"/>
+                                          </p:stCondLst>
+                                        </p:cTn>
+                                        <p:tgtEl>
+                                          <p:spTgt spid="3">
+                                            <p:txEl>
+                                              <p:pRg st="2" end="2"/>
+                                            </p:txEl>
+                                          </p:spTgt>
+                                        </p:tgtEl>
+                                        <p:attrNameLst>
+                                          <p:attrName>style.visibility</p:attrName>
+                                        </p:attrNameLst>
+                                      </p:cBhvr>
+                                      <p:to>
+                                        <p:strVal val="visible"/>
+                                      </p:to>
+                                    </p:set>
+                                  </p:childTnLst>
+                                </p:cTn>
+                              </p:par>
+                            </p:childTnLst>
+                          </p:cTn>
+                        </p:par>
+                      </p:childTnLst>
+                    </p:cTn>
+                  </p:par>
+                  <p:par>
+                    <p:cTn id="11" fill="hold">
+                      <p:stCondLst>
+                        <p:cond delay="indefinite"/>
+                      </p:stCondLst>
+                      <p:childTnLst>
+                        <p:par>
+                          <p:cTn id="12" fill="hold">
+                            <p:stCondLst>
+                              <p:cond delay="0"/>
+                            </p:stCondLst>
+                            <p:childTnLst>
+                              <p:par>
+                                <p:cTn id="13" presetID="1" presetClass="entr" presetSubtype="0" fill="hold" nodeType="clickEffect">
+                                  <p:stCondLst>
+                                    <p:cond delay="0"/>
+                                  </p:stCondLst>
+                                  <p:childTnLst>
+                                    <p:set>
+                                      <p:cBhvr>
+                                        <p:cTn id="14" dur="1" fill="hold">
+                                          <p:stCondLst>
+                                            <p:cond delay="0"/>
+                                          </p:stCondLst>
+                                        </p:cTn>
+                                        <p:tgtEl>
+                                          <p:spTgt spid="3">
+                                            <p:txEl>
+                                              <p:pRg st="3" end="3"/>
+                                            </p:txEl>
+                                          </p:spTgt>
+                                        </p:tgtEl>
+                                        <p:attrNameLst>
+                                          <p:attrName>style.visibility</p:attrName>
+                                        </p:attrNameLst>
+                                      </p:cBhvr>
+                                      <p:to>
+                                        <p:strVal val="visible"/>
+                                      </p:to>
+                                    </p:set>
+                                  </p:childTnLst>
+                                </p:cTn>
+                              </p:par>
+                            </p:childTnLst>
+                          </p:cTn>
+                        </p:par>
+                      </p:childTnLst>
+                    </p:cTn>
+                  </p:par>
+                  <p:par>
+                    <p:cTn id="15" fill="hold">
+                      <p:stCondLst>
+                        <p:cond delay="indefinite"/>
+                      </p:stCondLst>
+                      <p:childTnLst>
+                        <p:par>
+                          <p:cTn id="16" fill="hold">
+                            <p:stCondLst>
+                              <p:cond delay="0"/>
+                            </p:stCondLst>
+                            <p:childTnLst>
+                              <p:par>
+                                <p:cTn id="17" presetID="1" presetClass="entr" presetSubtype="0" fill="hold" nodeType="clickEffect">
+                                  <p:stCondLst>
+                                    <p:cond delay="0"/>
+                                  </p:stCondLst>
+                                  <p:childTnLst>
+                                    <p:set>
+                                      <p:cBhvr>
+                                        <p:cTn id="18" dur="1" fill="hold">
+                                          <p:stCondLst>
+                                            <p:cond delay="0"/>
+                                          </p:stCondLst>
+                                        </p:cTn>
+                                        <p:tgtEl>
+                                          <p:spTgt spid="3">
+                                            <p:txEl>
+                                              <p:pRg st="4" end="4"/>
+                                            </p:txEl>
+                                          </p:spTgt>
+                                        </p:tgtEl>
+                                        <p:attrNameLst>
+                                          <p:attrName>style.visibility</p:attrName>
+                                        </p:attrNameLst>
+                                      </p:cBhvr>
+                                      <p:to>
+                                        <p:strVal val="visible"/>
+                                      </p:to>
+                                    </p:set>
+                                  </p:childTnLst>
+                                </p:cTn>
+                              </p:par>
+                            </p:childTnLst>
+                          </p:cTn>
+                        </p:par>
+                      </p:childTnLst>
+                    </p:cTn>
+                  </p:par>
+                </p:childTnLst>
+              </p:cTn>
+              <p:prevCondLst>
+                <p:cond evt="onPrev" delay="0">
+                  <p:tgtEl>
+                    <p:sldTgt/>
+                  </p:tgtEl>
+                </p:cond>
+              </p:prevCondLst>
+              <p:nextCondLst>
+                <p:cond evt="onNext" delay="0">
+                  <p:tgtEl>
+                    <p:sldTgt/>
+                  </p:tgtEl>
+                </p:cond>
+              </p:nextCondLst>
+            </p:seq>
+          </p:childTnLst>
+        </p:cTn>
+      </p:par>
+    </p:tnLst>
+  </p:timing>
+</p:sld>
+</file>
+
+<file path=ppt/slides/slide9.xml><?xml version="1.0" encoding="utf-8"?>
+<p:sld xmlns:a="http://schemas.openxmlformats.org/drawingml/2006/main" xmlns:r="http://schemas.openxmlformats.org/officeDocument/2006/relationships" xmlns:p="http://schemas.openxmlformats.org/presentationml/2006/main">
+  <p:cSld>
     <p:bg>
       <p:bgPr>
         <a:solidFill>
@@ -17422,33 +25326,57 @@
           <a:lstStyle/>
           <a:p>
             <a:r>
-              <a:rPr lang="en-US" sz="1800" dirty="0" err="1"/>
+              <a:rPr lang="en-US" sz="1800" i="1" dirty="0" err="1">
+                <a:solidFill>
+                  <a:schemeClr val="tx1"/>
+                </a:solidFill>
+              </a:rPr>
               <a:t>lrd</a:t>
             </a:r>
             <a:r>
-              <a:rPr lang="en-US" sz="1800" dirty="0"/>
+              <a:rPr lang="en-US" sz="1800" dirty="0">
+                <a:solidFill>
+                  <a:schemeClr val="tx1"/>
+                </a:solidFill>
+              </a:rPr>
               <a:t> is also available as an R Shiny application!</a:t>
             </a:r>
           </a:p>
           <a:p>
             <a:pPr lvl="1"/>
             <a:r>
-              <a:rPr lang="en-US" sz="1800" dirty="0"/>
+              <a:rPr lang="en-US" sz="1600" dirty="0">
+                <a:solidFill>
+                  <a:schemeClr val="tx1"/>
+                </a:solidFill>
+              </a:rPr>
               <a:t>Shiny provides and interactive GUI for using </a:t>
             </a:r>
             <a:r>
-              <a:rPr lang="en-US" sz="1800" dirty="0" err="1"/>
+              <a:rPr lang="en-US" sz="1600" dirty="0" err="1">
+                <a:solidFill>
+                  <a:schemeClr val="tx1"/>
+                </a:solidFill>
+              </a:rPr>
               <a:t>lrd</a:t>
             </a:r>
             <a:r>
-              <a:rPr lang="en-US" sz="1800" dirty="0"/>
+              <a:rPr lang="en-US" sz="1600" dirty="0">
+                <a:solidFill>
+                  <a:schemeClr val="tx1"/>
+                </a:solidFill>
+              </a:rPr>
               <a:t>. No programming required!</a:t>
             </a:r>
           </a:p>
           <a:p>
             <a:pPr lvl="1"/>
             <a:r>
-              <a:rPr lang="en-US" sz="1800" dirty="0"/>
+              <a:rPr lang="en-US" sz="1600" dirty="0">
+                <a:solidFill>
+                  <a:schemeClr val="tx1"/>
+                </a:solidFill>
+              </a:rPr>
               <a:t>https://github.com/npm27/lrd/</a:t>
             </a:r>
           </a:p>
@@ -17646,138 +25574,6 @@
       </p:par>
     </p:tnLst>
   </p:timing>
-</p:sld>
-</file>
-
-<file path=ppt/slides/slide9.xml><?xml version="1.0" encoding="utf-8"?>
-<p:sld xmlns:a="http://schemas.openxmlformats.org/drawingml/2006/main" xmlns:r="http://schemas.openxmlformats.org/officeDocument/2006/relationships" xmlns:p="http://schemas.openxmlformats.org/presentationml/2006/main">
-  <p:cSld>
-    <p:spTree>
-      <p:nvGrpSpPr>
-        <p:cNvPr id="1" name=""/>
-        <p:cNvGrpSpPr/>
-        <p:nvPr/>
-      </p:nvGrpSpPr>
-      <p:grpSpPr>
-        <a:xfrm>
-          <a:off x="0" y="0"/>
-          <a:ext cx="0" cy="0"/>
-          <a:chOff x="0" y="0"/>
-          <a:chExt cx="0" cy="0"/>
-        </a:xfrm>
-      </p:grpSpPr>
-      <p:sp>
-        <p:nvSpPr>
-          <p:cNvPr id="2" name="Title 1">
-            <a:extLst>
-              <a:ext uri="{FF2B5EF4-FFF2-40B4-BE49-F238E27FC236}">
-                <a16:creationId xmlns:a16="http://schemas.microsoft.com/office/drawing/2014/main" id="{9927F1A6-99DA-4715-B03E-BA46B558B56C}"/>
-              </a:ext>
-            </a:extLst>
-          </p:cNvPr>
-          <p:cNvSpPr>
-            <a:spLocks noGrp="1"/>
-          </p:cNvSpPr>
-          <p:nvPr>
-            <p:ph type="title"/>
-          </p:nvPr>
-        </p:nvSpPr>
-        <p:spPr/>
-        <p:txBody>
-          <a:bodyPr/>
-          <a:lstStyle/>
-          <a:p>
-            <a:r>
-              <a:rPr lang="en-US" b="1" i="1" dirty="0" err="1"/>
-              <a:t>lrd</a:t>
-            </a:r>
-            <a:r>
-              <a:rPr lang="en-US" b="1" dirty="0"/>
-              <a:t> vs Hand Coded Data</a:t>
-            </a:r>
-          </a:p>
-        </p:txBody>
-      </p:sp>
-      <p:sp>
-        <p:nvSpPr>
-          <p:cNvPr id="3" name="Content Placeholder 2">
-            <a:extLst>
-              <a:ext uri="{FF2B5EF4-FFF2-40B4-BE49-F238E27FC236}">
-                <a16:creationId xmlns:a16="http://schemas.microsoft.com/office/drawing/2014/main" id="{EB061A30-88A4-4046-A930-23F63126D6E2}"/>
-              </a:ext>
-            </a:extLst>
-          </p:cNvPr>
-          <p:cNvSpPr>
-            <a:spLocks noGrp="1"/>
-          </p:cNvSpPr>
-          <p:nvPr>
-            <p:ph idx="1"/>
-          </p:nvPr>
-        </p:nvSpPr>
-        <p:spPr/>
-        <p:txBody>
-          <a:bodyPr/>
-          <a:lstStyle/>
-          <a:p>
-            <a:r>
-              <a:rPr lang="en-US" dirty="0"/>
-              <a:t>Used </a:t>
-            </a:r>
-            <a:r>
-              <a:rPr lang="en-US" i="1" dirty="0" err="1"/>
-              <a:t>lrd</a:t>
-            </a:r>
-            <a:r>
-              <a:rPr lang="en-US" i="1" dirty="0"/>
-              <a:t> </a:t>
-            </a:r>
-            <a:r>
-              <a:rPr lang="en-US" dirty="0"/>
-              <a:t>to score sets of cued and free-recall data</a:t>
-            </a:r>
-          </a:p>
-        </p:txBody>
-      </p:sp>
-      <p:sp>
-        <p:nvSpPr>
-          <p:cNvPr id="4" name="Footer Placeholder 3">
-            <a:extLst>
-              <a:ext uri="{FF2B5EF4-FFF2-40B4-BE49-F238E27FC236}">
-                <a16:creationId xmlns:a16="http://schemas.microsoft.com/office/drawing/2014/main" id="{A2AE2969-1273-4A3C-8C5F-3EAB04C45AF5}"/>
-              </a:ext>
-            </a:extLst>
-          </p:cNvPr>
-          <p:cNvSpPr>
-            <a:spLocks noGrp="1"/>
-          </p:cNvSpPr>
-          <p:nvPr>
-            <p:ph type="ftr" sz="quarter" idx="11"/>
-          </p:nvPr>
-        </p:nvSpPr>
-        <p:spPr/>
-        <p:txBody>
-          <a:bodyPr/>
-          <a:lstStyle/>
-          <a:p>
-            <a:r>
-              <a:rPr lang="en-US"/>
-              <a:t>
-              </a:t>
-            </a:r>
-            <a:endParaRPr lang="en-US" dirty="0"/>
-          </a:p>
-        </p:txBody>
-      </p:sp>
-    </p:spTree>
-    <p:extLst>
-      <p:ext uri="{BB962C8B-B14F-4D97-AF65-F5344CB8AC3E}">
-        <p14:creationId xmlns:p14="http://schemas.microsoft.com/office/powerpoint/2010/main" val="1686186141"/>
-      </p:ext>
-    </p:extLst>
-  </p:cSld>
-  <p:clrMapOvr>
-    <a:masterClrMapping/>
-  </p:clrMapOvr>
 </p:sld>
 </file>
 

--- a/Presentations/Grad Symposium 21.pptx
+++ b/Presentations/Grad Symposium 21.pptx
@@ -5,7 +5,7 @@
     <p:sldMasterId id="2147493617" r:id="rId1"/>
   </p:sldMasterIdLst>
   <p:notesMasterIdLst>
-    <p:notesMasterId r:id="rId24"/>
+    <p:notesMasterId r:id="rId25"/>
   </p:notesMasterIdLst>
   <p:sldIdLst>
     <p:sldId id="298" r:id="rId2"/>
@@ -13,23 +13,24 @@
     <p:sldId id="306" r:id="rId4"/>
     <p:sldId id="303" r:id="rId5"/>
     <p:sldId id="307" r:id="rId6"/>
-    <p:sldId id="308" r:id="rId7"/>
-    <p:sldId id="266" r:id="rId8"/>
-    <p:sldId id="309" r:id="rId9"/>
-    <p:sldId id="265" r:id="rId10"/>
-    <p:sldId id="313" r:id="rId11"/>
-    <p:sldId id="322" r:id="rId12"/>
-    <p:sldId id="301" r:id="rId13"/>
-    <p:sldId id="299" r:id="rId14"/>
-    <p:sldId id="316" r:id="rId15"/>
-    <p:sldId id="317" r:id="rId16"/>
-    <p:sldId id="312" r:id="rId17"/>
-    <p:sldId id="311" r:id="rId18"/>
-    <p:sldId id="319" r:id="rId19"/>
-    <p:sldId id="320" r:id="rId20"/>
-    <p:sldId id="321" r:id="rId21"/>
-    <p:sldId id="297" r:id="rId22"/>
-    <p:sldId id="296" r:id="rId23"/>
+    <p:sldId id="325" r:id="rId7"/>
+    <p:sldId id="327" r:id="rId8"/>
+    <p:sldId id="326" r:id="rId9"/>
+    <p:sldId id="308" r:id="rId10"/>
+    <p:sldId id="266" r:id="rId11"/>
+    <p:sldId id="309" r:id="rId12"/>
+    <p:sldId id="265" r:id="rId13"/>
+    <p:sldId id="313" r:id="rId14"/>
+    <p:sldId id="323" r:id="rId15"/>
+    <p:sldId id="324" r:id="rId16"/>
+    <p:sldId id="322" r:id="rId17"/>
+    <p:sldId id="301" r:id="rId18"/>
+    <p:sldId id="299" r:id="rId19"/>
+    <p:sldId id="312" r:id="rId20"/>
+    <p:sldId id="311" r:id="rId21"/>
+    <p:sldId id="321" r:id="rId22"/>
+    <p:sldId id="297" r:id="rId23"/>
+    <p:sldId id="296" r:id="rId24"/>
   </p:sldIdLst>
   <p:sldSz cx="9144000" cy="5143500" type="screen16x9"/>
   <p:notesSz cx="6858000" cy="9144000"/>
@@ -218,7 +219,7 @@
           <a:p>
             <a:fld id="{75CB3914-4D35-42D3-857C-7663624C350B}" type="datetimeFigureOut">
               <a:rPr lang="en-US" smtClean="0"/>
-              <a:t>3/21/2021</a:t>
+              <a:t>3/24/2021</a:t>
             </a:fld>
             <a:endParaRPr lang="en-US"/>
           </a:p>
@@ -531,7 +532,13 @@
           <a:p>
             <a:r>
               <a:rPr lang="en-US" dirty="0"/>
-              <a:t>However, little attention has been paid to creating tools for processing the large amounts of data that are generated from these studies</a:t>
+              <a:t>Cued-Recall testing where retrieval is prompted</a:t>
+            </a:r>
+          </a:p>
+          <a:p>
+            <a:r>
+              <a:rPr lang="en-US" dirty="0"/>
+              <a:t>Free-recall where retrieval is not prompted</a:t>
             </a:r>
           </a:p>
         </p:txBody>
@@ -553,7 +560,7 @@
           <a:p>
             <a:fld id="{5FB4CB51-7BB7-4D82-80F2-A9EED2F5C979}" type="slidenum">
               <a:rPr lang="en-US" smtClean="0"/>
-              <a:t>4</a:t>
+              <a:t>2</a:t>
             </a:fld>
             <a:endParaRPr lang="en-US"/>
           </a:p>
@@ -562,7 +569,7 @@
     </p:spTree>
     <p:extLst>
       <p:ext uri="{BB962C8B-B14F-4D97-AF65-F5344CB8AC3E}">
-        <p14:creationId xmlns:p14="http://schemas.microsoft.com/office/powerpoint/2010/main" val="89872060"/>
+        <p14:creationId xmlns:p14="http://schemas.microsoft.com/office/powerpoint/2010/main" val="3780270051"/>
       </p:ext>
     </p:extLst>
   </p:cSld>
@@ -616,6 +623,20 @@
           <a:bodyPr/>
           <a:lstStyle/>
           <a:p>
+            <a:r>
+              <a:rPr lang="en-US" dirty="0"/>
+              <a:t>Used </a:t>
+            </a:r>
+            <a:r>
+              <a:rPr lang="en-US" dirty="0" err="1"/>
+              <a:t>lrd</a:t>
+            </a:r>
+            <a:r>
+              <a:rPr lang="en-US" dirty="0"/>
+              <a:t> to score sets of cued and free-recall data and compared to manually coded data</a:t>
+            </a:r>
+          </a:p>
+          <a:p>
             <a:endParaRPr lang="en-US" dirty="0"/>
           </a:p>
         </p:txBody>
@@ -637,7 +658,200 @@
           <a:p>
             <a:fld id="{5FB4CB51-7BB7-4D82-80F2-A9EED2F5C979}" type="slidenum">
               <a:rPr lang="en-US" smtClean="0"/>
-              <a:t>20</a:t>
+              <a:t>17</a:t>
+            </a:fld>
+            <a:endParaRPr lang="en-US"/>
+          </a:p>
+        </p:txBody>
+      </p:sp>
+    </p:spTree>
+    <p:extLst>
+      <p:ext uri="{BB962C8B-B14F-4D97-AF65-F5344CB8AC3E}">
+        <p14:creationId xmlns:p14="http://schemas.microsoft.com/office/powerpoint/2010/main" val="1611691448"/>
+      </p:ext>
+    </p:extLst>
+  </p:cSld>
+  <p:clrMapOvr>
+    <a:masterClrMapping/>
+  </p:clrMapOvr>
+</p:notes>
+</file>
+
+<file path=ppt/notesSlides/notesSlide11.xml><?xml version="1.0" encoding="utf-8"?>
+<p:notes xmlns:a="http://schemas.openxmlformats.org/drawingml/2006/main" xmlns:r="http://schemas.openxmlformats.org/officeDocument/2006/relationships" xmlns:p="http://schemas.openxmlformats.org/presentationml/2006/main">
+  <p:cSld>
+    <p:spTree>
+      <p:nvGrpSpPr>
+        <p:cNvPr id="1" name=""/>
+        <p:cNvGrpSpPr/>
+        <p:nvPr/>
+      </p:nvGrpSpPr>
+      <p:grpSpPr>
+        <a:xfrm>
+          <a:off x="0" y="0"/>
+          <a:ext cx="0" cy="0"/>
+          <a:chOff x="0" y="0"/>
+          <a:chExt cx="0" cy="0"/>
+        </a:xfrm>
+      </p:grpSpPr>
+      <p:sp>
+        <p:nvSpPr>
+          <p:cNvPr id="2" name="Slide Image Placeholder 1"/>
+          <p:cNvSpPr>
+            <a:spLocks noGrp="1" noRot="1" noChangeAspect="1"/>
+          </p:cNvSpPr>
+          <p:nvPr>
+            <p:ph type="sldImg"/>
+          </p:nvPr>
+        </p:nvSpPr>
+        <p:spPr/>
+      </p:sp>
+      <p:sp>
+        <p:nvSpPr>
+          <p:cNvPr id="3" name="Notes Placeholder 2"/>
+          <p:cNvSpPr>
+            <a:spLocks noGrp="1"/>
+          </p:cNvSpPr>
+          <p:nvPr>
+            <p:ph type="body" idx="1"/>
+          </p:nvPr>
+        </p:nvSpPr>
+        <p:spPr/>
+        <p:txBody>
+          <a:bodyPr/>
+          <a:lstStyle/>
+          <a:p>
+            <a:r>
+              <a:rPr lang="en-US" dirty="0"/>
+              <a:t>Sensitivity = True positives (</a:t>
+            </a:r>
+            <a:r>
+              <a:rPr lang="en-US" dirty="0" err="1"/>
+              <a:t>lrd</a:t>
+            </a:r>
+            <a:r>
+              <a:rPr lang="en-US" dirty="0"/>
+              <a:t> correctly marks a word correct); specificity true negatives (</a:t>
+            </a:r>
+            <a:r>
+              <a:rPr lang="en-US" dirty="0" err="1"/>
+              <a:t>lrd</a:t>
+            </a:r>
+            <a:r>
+              <a:rPr lang="en-US" dirty="0"/>
+              <a:t> correctly marks a word as incorrect). </a:t>
+            </a:r>
+          </a:p>
+          <a:p>
+            <a:r>
+              <a:rPr lang="en-US" dirty="0"/>
+              <a:t>0 provides no flexibility in scoring, 5 is highly lenient as it allows for up to 5 character changes/insertions/deletions</a:t>
+            </a:r>
+          </a:p>
+        </p:txBody>
+      </p:sp>
+      <p:sp>
+        <p:nvSpPr>
+          <p:cNvPr id="4" name="Slide Number Placeholder 3"/>
+          <p:cNvSpPr>
+            <a:spLocks noGrp="1"/>
+          </p:cNvSpPr>
+          <p:nvPr>
+            <p:ph type="sldNum" sz="quarter" idx="5"/>
+          </p:nvPr>
+        </p:nvSpPr>
+        <p:spPr/>
+        <p:txBody>
+          <a:bodyPr/>
+          <a:lstStyle/>
+          <a:p>
+            <a:fld id="{5FB4CB51-7BB7-4D82-80F2-A9EED2F5C979}" type="slidenum">
+              <a:rPr lang="en-US" smtClean="0"/>
+              <a:t>19</a:t>
+            </a:fld>
+            <a:endParaRPr lang="en-US"/>
+          </a:p>
+        </p:txBody>
+      </p:sp>
+    </p:spTree>
+    <p:extLst>
+      <p:ext uri="{BB962C8B-B14F-4D97-AF65-F5344CB8AC3E}">
+        <p14:creationId xmlns:p14="http://schemas.microsoft.com/office/powerpoint/2010/main" val="4067996684"/>
+      </p:ext>
+    </p:extLst>
+  </p:cSld>
+  <p:clrMapOvr>
+    <a:masterClrMapping/>
+  </p:clrMapOvr>
+</p:notes>
+</file>
+
+<file path=ppt/notesSlides/notesSlide12.xml><?xml version="1.0" encoding="utf-8"?>
+<p:notes xmlns:a="http://schemas.openxmlformats.org/drawingml/2006/main" xmlns:r="http://schemas.openxmlformats.org/officeDocument/2006/relationships" xmlns:p="http://schemas.openxmlformats.org/presentationml/2006/main">
+  <p:cSld>
+    <p:spTree>
+      <p:nvGrpSpPr>
+        <p:cNvPr id="1" name=""/>
+        <p:cNvGrpSpPr/>
+        <p:nvPr/>
+      </p:nvGrpSpPr>
+      <p:grpSpPr>
+        <a:xfrm>
+          <a:off x="0" y="0"/>
+          <a:ext cx="0" cy="0"/>
+          <a:chOff x="0" y="0"/>
+          <a:chExt cx="0" cy="0"/>
+        </a:xfrm>
+      </p:grpSpPr>
+      <p:sp>
+        <p:nvSpPr>
+          <p:cNvPr id="2" name="Slide Image Placeholder 1"/>
+          <p:cNvSpPr>
+            <a:spLocks noGrp="1" noRot="1" noChangeAspect="1"/>
+          </p:cNvSpPr>
+          <p:nvPr>
+            <p:ph type="sldImg"/>
+          </p:nvPr>
+        </p:nvSpPr>
+        <p:spPr/>
+      </p:sp>
+      <p:sp>
+        <p:nvSpPr>
+          <p:cNvPr id="3" name="Notes Placeholder 2"/>
+          <p:cNvSpPr>
+            <a:spLocks noGrp="1"/>
+          </p:cNvSpPr>
+          <p:nvPr>
+            <p:ph type="body" idx="1"/>
+          </p:nvPr>
+        </p:nvSpPr>
+        <p:spPr/>
+        <p:txBody>
+          <a:bodyPr/>
+          <a:lstStyle/>
+          <a:p>
+            <a:endParaRPr lang="en-US" dirty="0"/>
+          </a:p>
+        </p:txBody>
+      </p:sp>
+      <p:sp>
+        <p:nvSpPr>
+          <p:cNvPr id="4" name="Slide Number Placeholder 3"/>
+          <p:cNvSpPr>
+            <a:spLocks noGrp="1"/>
+          </p:cNvSpPr>
+          <p:nvPr>
+            <p:ph type="sldNum" sz="quarter" idx="5"/>
+          </p:nvPr>
+        </p:nvSpPr>
+        <p:spPr/>
+        <p:txBody>
+          <a:bodyPr/>
+          <a:lstStyle/>
+          <a:p>
+            <a:fld id="{5FB4CB51-7BB7-4D82-80F2-A9EED2F5C979}" type="slidenum">
+              <a:rPr lang="en-US" smtClean="0"/>
+              <a:t>21</a:t>
             </a:fld>
             <a:endParaRPr lang="en-US"/>
           </a:p>
@@ -702,7 +916,7 @@
           <a:p>
             <a:r>
               <a:rPr lang="en-US" dirty="0"/>
-              <a:t>Time intensive and error prone! This was taken from an actual dataset I hand coded – 13,924 rows!</a:t>
+              <a:t>However, little attention has been paid to creating tools for processing the large amounts of data that are generated from these studies</a:t>
             </a:r>
           </a:p>
         </p:txBody>
@@ -724,7 +938,7 @@
           <a:p>
             <a:fld id="{5FB4CB51-7BB7-4D82-80F2-A9EED2F5C979}" type="slidenum">
               <a:rPr lang="en-US" smtClean="0"/>
-              <a:t>5</a:t>
+              <a:t>4</a:t>
             </a:fld>
             <a:endParaRPr lang="en-US"/>
           </a:p>
@@ -733,7 +947,7 @@
     </p:spTree>
     <p:extLst>
       <p:ext uri="{BB962C8B-B14F-4D97-AF65-F5344CB8AC3E}">
-        <p14:creationId xmlns:p14="http://schemas.microsoft.com/office/powerpoint/2010/main" val="2157702353"/>
+        <p14:creationId xmlns:p14="http://schemas.microsoft.com/office/powerpoint/2010/main" val="89872060"/>
       </p:ext>
     </p:extLst>
   </p:cSld>
@@ -789,7 +1003,7 @@
           <a:p>
             <a:r>
               <a:rPr lang="en-US" dirty="0"/>
-              <a:t>Simple text matching won’t work! Misspellings, embedded code leftover from survey software, etc.</a:t>
+              <a:t>Time intensive and error prone! This was taken from an actual dataset I hand coded – 13,924 rows!</a:t>
             </a:r>
           </a:p>
         </p:txBody>
@@ -811,7 +1025,7 @@
           <a:p>
             <a:fld id="{5FB4CB51-7BB7-4D82-80F2-A9EED2F5C979}" type="slidenum">
               <a:rPr lang="en-US" smtClean="0"/>
-              <a:t>6</a:t>
+              <a:t>5</a:t>
             </a:fld>
             <a:endParaRPr lang="en-US"/>
           </a:p>
@@ -820,7 +1034,7 @@
     </p:spTree>
     <p:extLst>
       <p:ext uri="{BB962C8B-B14F-4D97-AF65-F5344CB8AC3E}">
-        <p14:creationId xmlns:p14="http://schemas.microsoft.com/office/powerpoint/2010/main" val="1435113655"/>
+        <p14:creationId xmlns:p14="http://schemas.microsoft.com/office/powerpoint/2010/main" val="2157702353"/>
       </p:ext>
     </p:extLst>
   </p:cSld>
@@ -876,15 +1090,7 @@
           <a:p>
             <a:r>
               <a:rPr lang="en-US" dirty="0"/>
-              <a:t>To address this, I created </a:t>
-            </a:r>
-            <a:r>
-              <a:rPr lang="en-US" dirty="0" err="1"/>
-              <a:t>lrd</a:t>
-            </a:r>
-            <a:r>
-              <a:rPr lang="en-US" dirty="0"/>
-              <a:t>, which is an R package designed to scored data. It also contains several functions for plotting data and interpreting scored output</a:t>
+              <a:t>Time intensive and error prone! This was taken from an actual dataset I hand coded – 13,924 rows!</a:t>
             </a:r>
           </a:p>
         </p:txBody>
@@ -906,7 +1112,7 @@
           <a:p>
             <a:fld id="{5FB4CB51-7BB7-4D82-80F2-A9EED2F5C979}" type="slidenum">
               <a:rPr lang="en-US" smtClean="0"/>
-              <a:t>7</a:t>
+              <a:t>6</a:t>
             </a:fld>
             <a:endParaRPr lang="en-US"/>
           </a:p>
@@ -915,7 +1121,7 @@
     </p:spTree>
     <p:extLst>
       <p:ext uri="{BB962C8B-B14F-4D97-AF65-F5344CB8AC3E}">
-        <p14:creationId xmlns:p14="http://schemas.microsoft.com/office/powerpoint/2010/main" val="261478368"/>
+        <p14:creationId xmlns:p14="http://schemas.microsoft.com/office/powerpoint/2010/main" val="275712090"/>
       </p:ext>
     </p:extLst>
   </p:cSld>
@@ -971,19 +1177,8 @@
           <a:p>
             <a:r>
               <a:rPr lang="en-US" dirty="0"/>
-              <a:t>Used </a:t>
-            </a:r>
-            <a:r>
-              <a:rPr lang="en-US" dirty="0" err="1"/>
-              <a:t>lrd</a:t>
-            </a:r>
-            <a:r>
-              <a:rPr lang="en-US" dirty="0"/>
-              <a:t> to score sets of cued and free-recall data and compared to manually coded data</a:t>
-            </a:r>
-          </a:p>
-          <a:p>
-            <a:endParaRPr lang="en-US" dirty="0"/>
+              <a:t>Time intensive and error prone! This was taken from an actual dataset I hand coded – 13,924 rows!</a:t>
+            </a:r>
           </a:p>
         </p:txBody>
       </p:sp>
@@ -1004,7 +1199,7 @@
           <a:p>
             <a:fld id="{5FB4CB51-7BB7-4D82-80F2-A9EED2F5C979}" type="slidenum">
               <a:rPr lang="en-US" smtClean="0"/>
-              <a:t>12</a:t>
+              <a:t>7</a:t>
             </a:fld>
             <a:endParaRPr lang="en-US"/>
           </a:p>
@@ -1013,7 +1208,7 @@
     </p:spTree>
     <p:extLst>
       <p:ext uri="{BB962C8B-B14F-4D97-AF65-F5344CB8AC3E}">
-        <p14:creationId xmlns:p14="http://schemas.microsoft.com/office/powerpoint/2010/main" val="1611691448"/>
+        <p14:creationId xmlns:p14="http://schemas.microsoft.com/office/powerpoint/2010/main" val="3631890818"/>
       </p:ext>
     </p:extLst>
   </p:cSld>
@@ -1069,7 +1264,7 @@
           <a:p>
             <a:r>
               <a:rPr lang="en-US" dirty="0"/>
-              <a:t>Notice how recall rates increase with flexibility</a:t>
+              <a:t>Time intensive and error prone! This was taken from an actual dataset I hand coded – 13,924 rows!</a:t>
             </a:r>
           </a:p>
         </p:txBody>
@@ -1091,7 +1286,7 @@
           <a:p>
             <a:fld id="{5FB4CB51-7BB7-4D82-80F2-A9EED2F5C979}" type="slidenum">
               <a:rPr lang="en-US" smtClean="0"/>
-              <a:t>15</a:t>
+              <a:t>8</a:t>
             </a:fld>
             <a:endParaRPr lang="en-US"/>
           </a:p>
@@ -1100,7 +1295,7 @@
     </p:spTree>
     <p:extLst>
       <p:ext uri="{BB962C8B-B14F-4D97-AF65-F5344CB8AC3E}">
-        <p14:creationId xmlns:p14="http://schemas.microsoft.com/office/powerpoint/2010/main" val="1336928623"/>
+        <p14:creationId xmlns:p14="http://schemas.microsoft.com/office/powerpoint/2010/main" val="3696951244"/>
       </p:ext>
     </p:extLst>
   </p:cSld>
@@ -1156,29 +1351,7 @@
           <a:p>
             <a:r>
               <a:rPr lang="en-US" dirty="0"/>
-              <a:t>Sensitivity = True positives (</a:t>
-            </a:r>
-            <a:r>
-              <a:rPr lang="en-US" dirty="0" err="1"/>
-              <a:t>lrd</a:t>
-            </a:r>
-            <a:r>
-              <a:rPr lang="en-US" dirty="0"/>
-              <a:t> correctly marks a word correct); specificity true negatives (</a:t>
-            </a:r>
-            <a:r>
-              <a:rPr lang="en-US" dirty="0" err="1"/>
-              <a:t>lrd</a:t>
-            </a:r>
-            <a:r>
-              <a:rPr lang="en-US" dirty="0"/>
-              <a:t> correctly marks a word as incorrect). </a:t>
-            </a:r>
-          </a:p>
-          <a:p>
-            <a:r>
-              <a:rPr lang="en-US" dirty="0"/>
-              <a:t>0 provides no flexibility in scoring, 5 is highly lenient as it allows for up to 5 character changes/insertions/deletions</a:t>
+              <a:t>Simple text matching won’t work! Misspellings, embedded code leftover from survey software, etc.</a:t>
             </a:r>
           </a:p>
         </p:txBody>
@@ -1200,7 +1373,7 @@
           <a:p>
             <a:fld id="{5FB4CB51-7BB7-4D82-80F2-A9EED2F5C979}" type="slidenum">
               <a:rPr lang="en-US" smtClean="0"/>
-              <a:t>16</a:t>
+              <a:t>9</a:t>
             </a:fld>
             <a:endParaRPr lang="en-US"/>
           </a:p>
@@ -1209,7 +1382,7 @@
     </p:spTree>
     <p:extLst>
       <p:ext uri="{BB962C8B-B14F-4D97-AF65-F5344CB8AC3E}">
-        <p14:creationId xmlns:p14="http://schemas.microsoft.com/office/powerpoint/2010/main" val="4067996684"/>
+        <p14:creationId xmlns:p14="http://schemas.microsoft.com/office/powerpoint/2010/main" val="1435113655"/>
       </p:ext>
     </p:extLst>
   </p:cSld>
@@ -1265,7 +1438,15 @@
           <a:p>
             <a:r>
               <a:rPr lang="en-US" dirty="0"/>
-              <a:t>Notice how recall rates increase with flexibility</a:t>
+              <a:t>To address this, I created </a:t>
+            </a:r>
+            <a:r>
+              <a:rPr lang="en-US" dirty="0" err="1"/>
+              <a:t>lrd</a:t>
+            </a:r>
+            <a:r>
+              <a:rPr lang="en-US" dirty="0"/>
+              <a:t>, which is an R package designed to scored data. It also contains several functions for plotting data and interpreting scored output</a:t>
             </a:r>
           </a:p>
         </p:txBody>
@@ -1287,7 +1468,7 @@
           <a:p>
             <a:fld id="{5FB4CB51-7BB7-4D82-80F2-A9EED2F5C979}" type="slidenum">
               <a:rPr lang="en-US" smtClean="0"/>
-              <a:t>18</a:t>
+              <a:t>10</a:t>
             </a:fld>
             <a:endParaRPr lang="en-US"/>
           </a:p>
@@ -1296,7 +1477,7 @@
     </p:spTree>
     <p:extLst>
       <p:ext uri="{BB962C8B-B14F-4D97-AF65-F5344CB8AC3E}">
-        <p14:creationId xmlns:p14="http://schemas.microsoft.com/office/powerpoint/2010/main" val="417975010"/>
+        <p14:creationId xmlns:p14="http://schemas.microsoft.com/office/powerpoint/2010/main" val="261478368"/>
       </p:ext>
     </p:extLst>
   </p:cSld>
@@ -1350,10 +1531,7 @@
           <a:bodyPr/>
           <a:lstStyle/>
           <a:p>
-            <a:r>
-              <a:rPr lang="en-US" dirty="0"/>
-              <a:t>Notice how recall rates increase with flexibility</a:t>
-            </a:r>
+            <a:endParaRPr lang="en-US" dirty="0"/>
           </a:p>
         </p:txBody>
       </p:sp>
@@ -1374,7 +1552,7 @@
           <a:p>
             <a:fld id="{5FB4CB51-7BB7-4D82-80F2-A9EED2F5C979}" type="slidenum">
               <a:rPr lang="en-US" smtClean="0"/>
-              <a:t>19</a:t>
+              <a:t>15</a:t>
             </a:fld>
             <a:endParaRPr lang="en-US"/>
           </a:p>
@@ -1383,7 +1561,7 @@
     </p:spTree>
     <p:extLst>
       <p:ext uri="{BB962C8B-B14F-4D97-AF65-F5344CB8AC3E}">
-        <p14:creationId xmlns:p14="http://schemas.microsoft.com/office/powerpoint/2010/main" val="1244510962"/>
+        <p14:creationId xmlns:p14="http://schemas.microsoft.com/office/powerpoint/2010/main" val="2890357702"/>
       </p:ext>
     </p:extLst>
   </p:cSld>
@@ -2037,10 +2215,9 @@
             </a:lvl1pPr>
           </a:lstStyle>
           <a:p>
-            <a:fld id="{5923F103-BC34-4FE4-A40E-EDDEECFDA5D0}" type="datetimeFigureOut">
+            <a:fld id="{1FC0CB98-076B-4E7F-ADC2-4587EC9E321F}" type="datetime1">
               <a:rPr lang="en-US" smtClean="0"/>
-              <a:pPr/>
-              <a:t>3/21/2021</a:t>
+              <a:t>3/24/2021</a:t>
             </a:fld>
             <a:endParaRPr lang="en-US" dirty="0"/>
           </a:p>
@@ -2131,7 +2308,7 @@
         </p:nvSpPr>
         <p:spPr>
           <a:xfrm>
-            <a:off x="7763257" y="219457"/>
+            <a:off x="8147081" y="4201251"/>
             <a:ext cx="628649" cy="575765"/>
           </a:xfrm>
         </p:spPr>
@@ -3164,9 +3341,9 @@
           <a:bodyPr/>
           <a:lstStyle/>
           <a:p>
-            <a:fld id="{923A1CC3-2375-41D4-9E03-427CAF2A4C1A}" type="datetimeFigureOut">
+            <a:fld id="{19686C29-6173-4D4D-9A70-2C98FACDF6D7}" type="datetime1">
               <a:rPr lang="en-US" smtClean="0"/>
-              <a:t>3/21/2021</a:t>
+              <a:t>3/24/2021</a:t>
             </a:fld>
             <a:endParaRPr lang="en-US" dirty="0"/>
           </a:p>
@@ -3266,7 +3443,6 @@
   <p:clrMapOvr>
     <a:masterClrMapping/>
   </p:clrMapOvr>
-  <p:hf sldNum="0" hdr="0" dt="0"/>
 </p:sldLayout>
 </file>
 
@@ -4182,9 +4358,9 @@
           <a:bodyPr/>
           <a:lstStyle/>
           <a:p>
-            <a:fld id="{AFF16868-8199-4C2C-A5B1-63AEE139F88E}" type="datetimeFigureOut">
+            <a:fld id="{C8F5D057-413A-4080-A087-E5568A1F54A1}" type="datetime1">
               <a:rPr lang="en-US" smtClean="0"/>
-              <a:t>3/21/2021</a:t>
+              <a:t>3/24/2021</a:t>
             </a:fld>
             <a:endParaRPr lang="en-US" dirty="0"/>
           </a:p>
@@ -4284,7 +4460,6 @@
   <p:clrMapOvr>
     <a:masterClrMapping/>
   </p:clrMapOvr>
-  <p:hf sldNum="0" hdr="0" dt="0"/>
 </p:sldLayout>
 </file>
 
@@ -5359,9 +5534,9 @@
           <a:bodyPr/>
           <a:lstStyle/>
           <a:p>
-            <a:fld id="{2BE451C3-0FF4-47C4-B829-773ADF60F88C}" type="datetimeFigureOut">
+            <a:fld id="{2B5E42BE-AE0E-4C60-AD43-DA59A9911143}" type="datetime1">
               <a:rPr lang="en-US" smtClean="0"/>
-              <a:t>3/21/2021</a:t>
+              <a:t>3/24/2021</a:t>
             </a:fld>
             <a:endParaRPr lang="en-US" dirty="0"/>
           </a:p>
@@ -5461,7 +5636,6 @@
   <p:clrMapOvr>
     <a:masterClrMapping/>
   </p:clrMapOvr>
-  <p:hf sldNum="0" hdr="0" dt="0"/>
 </p:sldLayout>
 </file>
 
@@ -6427,9 +6601,9 @@
           <a:bodyPr/>
           <a:lstStyle/>
           <a:p>
-            <a:fld id="{5C12C299-16B2-4475-990D-751901EACC14}" type="datetimeFigureOut">
+            <a:fld id="{ABDDE9AC-F351-4970-B4AE-E20D3ADAAEFB}" type="datetime1">
               <a:rPr lang="en-US" smtClean="0"/>
-              <a:t>3/21/2021</a:t>
+              <a:t>3/24/2021</a:t>
             </a:fld>
             <a:endParaRPr lang="en-US" dirty="0"/>
           </a:p>
@@ -6529,7 +6703,6 @@
   <p:clrMapOvr>
     <a:masterClrMapping/>
   </p:clrMapOvr>
-  <p:hf sldNum="0" hdr="0" dt="0"/>
 </p:sldLayout>
 </file>
 
@@ -7080,9 +7253,9 @@
           <a:bodyPr/>
           <a:lstStyle/>
           <a:p>
-            <a:fld id="{9FE86839-B9D8-4651-8783-F325ECE74E65}" type="datetimeFigureOut">
+            <a:fld id="{89E7D69C-0FB4-4198-9F78-21F80D2940BC}" type="datetime1">
               <a:rPr lang="en-US" smtClean="0"/>
-              <a:t>3/21/2021</a:t>
+              <a:t>3/24/2021</a:t>
             </a:fld>
             <a:endParaRPr lang="en-US" dirty="0"/>
           </a:p>
@@ -7146,7 +7319,6 @@
   <p:clrMapOvr>
     <a:masterClrMapping/>
   </p:clrMapOvr>
-  <p:hf sldNum="0" hdr="0" dt="0"/>
 </p:sldLayout>
 </file>
 
@@ -7934,9 +8106,9 @@
           <a:bodyPr/>
           <a:lstStyle/>
           <a:p>
-            <a:fld id="{FD484F64-32F6-45C5-931F-ADC1662401D0}" type="datetimeFigureOut">
+            <a:fld id="{7EFF015A-7AE2-4F7C-BC05-ED59AAE8F1FE}" type="datetime1">
               <a:rPr lang="en-US" smtClean="0"/>
-              <a:t>3/21/2021</a:t>
+              <a:t>3/24/2021</a:t>
             </a:fld>
             <a:endParaRPr lang="en-US" dirty="0"/>
           </a:p>
@@ -8000,7 +8172,6 @@
   <p:clrMapOvr>
     <a:masterClrMapping/>
   </p:clrMapOvr>
-  <p:hf sldNum="0" hdr="0" dt="0"/>
 </p:sldLayout>
 </file>
 
@@ -8116,9 +8287,9 @@
           <a:bodyPr/>
           <a:lstStyle/>
           <a:p>
-            <a:fld id="{53086D93-FCAC-47E0-A2EE-787E62CA814C}" type="datetimeFigureOut">
+            <a:fld id="{537E89C1-4C5E-4DD3-AD6F-DEFF2AC6176D}" type="datetime1">
               <a:rPr lang="en-US" smtClean="0"/>
-              <a:t>3/21/2021</a:t>
+              <a:t>3/24/2021</a:t>
             </a:fld>
             <a:endParaRPr lang="en-US" dirty="0"/>
           </a:p>
@@ -8182,7 +8353,6 @@
   <p:clrMapOvr>
     <a:masterClrMapping/>
   </p:clrMapOvr>
-  <p:hf sldNum="0" hdr="0" dt="0"/>
 </p:sldLayout>
 </file>
 
@@ -9121,9 +9291,9 @@
           <a:bodyPr/>
           <a:lstStyle/>
           <a:p>
-            <a:fld id="{CDA879A6-0FD0-4734-A311-86BFCA472E6E}" type="datetimeFigureOut">
+            <a:fld id="{1B8FBFA9-FA7F-4129-A20B-0DFAB08836D0}" type="datetime1">
               <a:rPr lang="en-US" smtClean="0"/>
-              <a:t>3/21/2021</a:t>
+              <a:t>3/24/2021</a:t>
             </a:fld>
             <a:endParaRPr lang="en-US" dirty="0"/>
           </a:p>
@@ -9223,7 +9393,6 @@
   <p:clrMapOvr>
     <a:masterClrMapping/>
   </p:clrMapOvr>
-  <p:hf sldNum="0" hdr="0" dt="0"/>
 </p:sldLayout>
 </file>
 
@@ -9378,9 +9547,9 @@
           <a:bodyPr/>
           <a:lstStyle/>
           <a:p>
-            <a:fld id="{19C9CA7B-DFD4-44B5-8C60-D14B8CD1FB59}" type="datetimeFigureOut">
+            <a:fld id="{4795D5FF-7B94-4AD2-A99D-0AFF21C29B5C}" type="datetime1">
               <a:rPr lang="en-US" smtClean="0"/>
-              <a:t>3/21/2021</a:t>
+              <a:t>3/24/2021</a:t>
             </a:fld>
             <a:endParaRPr lang="en-US" dirty="0"/>
           </a:p>
@@ -9420,10 +9589,23 @@
             <p:ph type="sldNum" sz="quarter" idx="12"/>
           </p:nvPr>
         </p:nvSpPr>
-        <p:spPr/>
+        <p:spPr>
+          <a:xfrm>
+            <a:off x="8433406" y="4467729"/>
+            <a:ext cx="628649" cy="575765"/>
+          </a:xfrm>
+        </p:spPr>
         <p:txBody>
           <a:bodyPr/>
-          <a:lstStyle/>
+          <a:lstStyle>
+            <a:lvl1pPr>
+              <a:defRPr>
+                <a:solidFill>
+                  <a:schemeClr val="tx2"/>
+                </a:solidFill>
+              </a:defRPr>
+            </a:lvl1pPr>
+          </a:lstStyle>
           <a:p>
             <a:fld id="{D57F1E4F-1CFF-5643-939E-217C01CDF565}" type="slidenum">
               <a:rPr lang="en-US" smtClean="0"/>
@@ -10446,9 +10628,9 @@
           <a:bodyPr/>
           <a:lstStyle/>
           <a:p>
-            <a:fld id="{F34E6425-0181-43F2-84FC-787E803FD2F8}" type="datetimeFigureOut">
+            <a:fld id="{B1A20F2A-B7C6-47BC-88D1-F60FE2EBB9ED}" type="datetime1">
               <a:rPr lang="en-US" smtClean="0"/>
-              <a:t>3/21/2021</a:t>
+              <a:t>3/24/2021</a:t>
             </a:fld>
             <a:endParaRPr lang="en-US" dirty="0"/>
           </a:p>
@@ -10724,9 +10906,9 @@
           <a:bodyPr/>
           <a:lstStyle/>
           <a:p>
-            <a:fld id="{3BDB8791-F1B0-41E7-B7FD-A781E65C4266}" type="datetimeFigureOut">
+            <a:fld id="{15402920-E2B2-470E-915B-5527FA3E356E}" type="datetime1">
               <a:rPr lang="en-US" smtClean="0"/>
-              <a:t>3/21/2021</a:t>
+              <a:t>3/24/2021</a:t>
             </a:fld>
             <a:endParaRPr lang="en-US" dirty="0"/>
           </a:p>
@@ -11112,9 +11294,9 @@
           <a:bodyPr/>
           <a:lstStyle/>
           <a:p>
-            <a:fld id="{5FDD63B2-E120-4ED8-B27B-C685F510A5FE}" type="datetimeFigureOut">
+            <a:fld id="{5BB7D17A-BF7D-4845-8C1E-8397ED62827D}" type="datetime1">
               <a:rPr lang="en-US" smtClean="0"/>
-              <a:t>3/21/2021</a:t>
+              <a:t>3/24/2021</a:t>
             </a:fld>
             <a:endParaRPr lang="en-US" dirty="0"/>
           </a:p>
@@ -11178,7 +11360,6 @@
   <p:clrMapOvr>
     <a:masterClrMapping/>
   </p:clrMapOvr>
-  <p:hf sldNum="0" hdr="0" dt="0"/>
 </p:sldLayout>
 </file>
 
@@ -11237,9 +11418,9 @@
           <a:bodyPr/>
           <a:lstStyle/>
           <a:p>
-            <a:fld id="{7AA18ACC-A947-437B-A130-35BD54FDF1E9}" type="datetimeFigureOut">
+            <a:fld id="{0A99D3C9-FB49-403F-9234-8CC257C0E081}" type="datetime1">
               <a:rPr lang="en-US" smtClean="0"/>
-              <a:t>3/21/2021</a:t>
+              <a:t>3/24/2021</a:t>
             </a:fld>
             <a:endParaRPr lang="en-US" dirty="0"/>
           </a:p>
@@ -11279,10 +11460,23 @@
             <p:ph type="sldNum" sz="quarter" idx="12"/>
           </p:nvPr>
         </p:nvSpPr>
-        <p:spPr/>
+        <p:spPr>
+          <a:xfrm>
+            <a:off x="8433406" y="4446715"/>
+            <a:ext cx="628649" cy="575765"/>
+          </a:xfrm>
+        </p:spPr>
         <p:txBody>
           <a:bodyPr/>
-          <a:lstStyle/>
+          <a:lstStyle>
+            <a:lvl1pPr>
+              <a:defRPr>
+                <a:solidFill>
+                  <a:schemeClr val="tx2"/>
+                </a:solidFill>
+              </a:defRPr>
+            </a:lvl1pPr>
+          </a:lstStyle>
           <a:p>
             <a:fld id="{D57F1E4F-1CFF-5643-939E-217C01CDF565}" type="slidenum">
               <a:rPr lang="en-US" smtClean="0"/>
@@ -11303,7 +11497,6 @@
   <p:clrMapOvr>
     <a:masterClrMapping/>
   </p:clrMapOvr>
-  <p:hf sldNum="0" hdr="0" dt="0"/>
 </p:sldLayout>
 </file>
 
@@ -11339,9 +11532,9 @@
           <a:bodyPr/>
           <a:lstStyle/>
           <a:p>
-            <a:fld id="{7C8D7E02-BCB8-4D50-A234-369438C08659}" type="datetimeFigureOut">
+            <a:fld id="{2E5DF55D-8BE7-4049-84FD-3CED96404691}" type="datetime1">
               <a:rPr lang="en-US" smtClean="0"/>
-              <a:t>3/21/2021</a:t>
+              <a:t>3/24/2021</a:t>
             </a:fld>
             <a:endParaRPr lang="en-US" dirty="0"/>
           </a:p>
@@ -11417,10 +11610,23 @@
             <p:ph type="sldNum" sz="quarter" idx="12"/>
           </p:nvPr>
         </p:nvSpPr>
-        <p:spPr/>
+        <p:spPr>
+          <a:xfrm>
+            <a:off x="8433406" y="4436881"/>
+            <a:ext cx="628649" cy="575765"/>
+          </a:xfrm>
+        </p:spPr>
         <p:txBody>
           <a:bodyPr/>
-          <a:lstStyle/>
+          <a:lstStyle>
+            <a:lvl1pPr>
+              <a:defRPr>
+                <a:solidFill>
+                  <a:schemeClr val="tx2"/>
+                </a:solidFill>
+              </a:defRPr>
+            </a:lvl1pPr>
+          </a:lstStyle>
           <a:p>
             <a:fld id="{D57F1E4F-1CFF-5643-939E-217C01CDF565}" type="slidenum">
               <a:rPr lang="en-US" smtClean="0"/>
@@ -11441,7 +11647,6 @@
   <p:clrMapOvr>
     <a:masterClrMapping/>
   </p:clrMapOvr>
-  <p:hf sldNum="0" hdr="0" dt="0"/>
 </p:sldLayout>
 </file>
 
@@ -12455,9 +12660,9 @@
           <a:bodyPr/>
           <a:lstStyle/>
           <a:p>
-            <a:fld id="{76E86A4C-8E40-4F87-A4F0-01A0687C5742}" type="datetimeFigureOut">
+            <a:fld id="{6B386DD0-6483-4A54-95FD-85200CBC97B8}" type="datetime1">
               <a:rPr lang="en-US" smtClean="0"/>
-              <a:t>3/21/2021</a:t>
+              <a:t>3/24/2021</a:t>
             </a:fld>
             <a:endParaRPr lang="en-US" dirty="0"/>
           </a:p>
@@ -12557,7 +12762,6 @@
   <p:clrMapOvr>
     <a:masterClrMapping/>
   </p:clrMapOvr>
-  <p:hf sldNum="0" hdr="0" dt="0"/>
 </p:sldLayout>
 </file>
 
@@ -13595,9 +13799,9 @@
           <a:bodyPr/>
           <a:lstStyle/>
           <a:p>
-            <a:fld id="{35E72C73-2D91-4E12-BA25-F0AA0C03599B}" type="datetimeFigureOut">
+            <a:fld id="{DF5BE254-9875-41D6-8DFD-3F9DA58B0666}" type="datetime1">
               <a:rPr lang="en-US" smtClean="0"/>
-              <a:t>3/21/2021</a:t>
+              <a:t>3/24/2021</a:t>
             </a:fld>
             <a:endParaRPr lang="en-US" dirty="0"/>
           </a:p>
@@ -13697,7 +13901,6 @@
   <p:clrMapOvr>
     <a:masterClrMapping/>
   </p:clrMapOvr>
-  <p:hf sldNum="0" hdr="0" dt="0"/>
 </p:sldLayout>
 </file>
 
@@ -14630,9 +14833,9 @@
             </a:lvl1pPr>
           </a:lstStyle>
           <a:p>
-            <a:fld id="{2BE451C3-0FF4-47C4-B829-773ADF60F88C}" type="datetimeFigureOut">
+            <a:fld id="{89B272D3-586D-447A-8765-6A4E8FB8D755}" type="datetime1">
               <a:rPr lang="en-US" smtClean="0"/>
-              <a:t>3/21/2021</a:t>
+              <a:t>3/24/2021</a:t>
             </a:fld>
             <a:endParaRPr lang="en-US" dirty="0"/>
           </a:p>
@@ -14784,7 +14987,7 @@
     <p:sldLayoutId id="2147493634" r:id="rId17"/>
     <p:sldLayoutId id="2147493508" r:id="rId18"/>
   </p:sldLayoutIdLst>
-  <p:hf sldNum="0" hdr="0" dt="0"/>
+  <p:hf hdr="0" ftr="0" dt="0"/>
   <p:txStyles>
     <p:titleStyle>
       <a:lvl1pPr algn="l" defTabSz="342900" rtl="0" eaLnBrk="1" latinLnBrk="0" hangingPunct="1">
@@ -15599,6 +15802,36 @@
           </a:p>
         </p:txBody>
       </p:sp>
+      <p:sp>
+        <p:nvSpPr>
+          <p:cNvPr id="3" name="Slide Number Placeholder 2">
+            <a:extLst>
+              <a:ext uri="{FF2B5EF4-FFF2-40B4-BE49-F238E27FC236}">
+                <a16:creationId xmlns:a16="http://schemas.microsoft.com/office/drawing/2014/main" id="{4D425A0A-5206-4CC5-88C7-67DD8B69F53B}"/>
+              </a:ext>
+            </a:extLst>
+          </p:cNvPr>
+          <p:cNvSpPr>
+            <a:spLocks noGrp="1"/>
+          </p:cNvSpPr>
+          <p:nvPr>
+            <p:ph type="sldNum" sz="quarter" idx="12"/>
+          </p:nvPr>
+        </p:nvSpPr>
+        <p:spPr/>
+        <p:txBody>
+          <a:bodyPr/>
+          <a:lstStyle/>
+          <a:p>
+            <a:fld id="{D57F1E4F-1CFF-5643-939E-217C01CDF565}" type="slidenum">
+              <a:rPr lang="en-US" smtClean="0"/>
+              <a:pPr/>
+              <a:t>1</a:t>
+            </a:fld>
+            <a:endParaRPr lang="en-US" dirty="0"/>
+          </a:p>
+        </p:txBody>
+      </p:sp>
     </p:spTree>
     <p:extLst>
       <p:ext uri="{BB962C8B-B14F-4D97-AF65-F5344CB8AC3E}">
@@ -15613,6 +15846,479 @@
 </file>
 
 <file path=ppt/slides/slide10.xml><?xml version="1.0" encoding="utf-8"?>
+<p:sld xmlns:a="http://schemas.openxmlformats.org/drawingml/2006/main" xmlns:r="http://schemas.openxmlformats.org/officeDocument/2006/relationships" xmlns:p="http://schemas.openxmlformats.org/presentationml/2006/main">
+  <p:cSld>
+    <p:bg>
+      <p:bgPr>
+        <a:solidFill>
+          <a:schemeClr val="bg1"/>
+        </a:solidFill>
+        <a:effectLst/>
+      </p:bgPr>
+    </p:bg>
+    <p:spTree>
+      <p:nvGrpSpPr>
+        <p:cNvPr id="1" name=""/>
+        <p:cNvGrpSpPr/>
+        <p:nvPr/>
+      </p:nvGrpSpPr>
+      <p:grpSpPr>
+        <a:xfrm>
+          <a:off x="0" y="0"/>
+          <a:ext cx="0" cy="0"/>
+          <a:chOff x="0" y="0"/>
+          <a:chExt cx="0" cy="0"/>
+        </a:xfrm>
+      </p:grpSpPr>
+      <p:sp>
+        <p:nvSpPr>
+          <p:cNvPr id="6" name="Title 1">
+            <a:extLst>
+              <a:ext uri="{FF2B5EF4-FFF2-40B4-BE49-F238E27FC236}">
+                <a16:creationId xmlns:a16="http://schemas.microsoft.com/office/drawing/2014/main" id="{E11FFE5D-604D-4909-905C-2A1A5145EC67}"/>
+              </a:ext>
+            </a:extLst>
+          </p:cNvPr>
+          <p:cNvSpPr>
+            <a:spLocks noGrp="1"/>
+          </p:cNvSpPr>
+          <p:nvPr>
+            <p:ph type="title"/>
+          </p:nvPr>
+        </p:nvSpPr>
+        <p:spPr/>
+        <p:txBody>
+          <a:bodyPr>
+            <a:normAutofit fontScale="90000"/>
+          </a:bodyPr>
+          <a:lstStyle/>
+          <a:p>
+            <a:r>
+              <a:rPr lang="en-US" sz="3200" b="1" dirty="0"/>
+              <a:t>The </a:t>
+            </a:r>
+            <a:r>
+              <a:rPr lang="en-US" sz="3200" b="1" i="1" dirty="0" err="1"/>
+              <a:t>lrd</a:t>
+            </a:r>
+            <a:r>
+              <a:rPr lang="en-US" sz="3200" b="1" dirty="0"/>
+              <a:t> Package</a:t>
+            </a:r>
+          </a:p>
+        </p:txBody>
+      </p:sp>
+      <p:sp>
+        <p:nvSpPr>
+          <p:cNvPr id="7" name="Content Placeholder 6">
+            <a:extLst>
+              <a:ext uri="{FF2B5EF4-FFF2-40B4-BE49-F238E27FC236}">
+                <a16:creationId xmlns:a16="http://schemas.microsoft.com/office/drawing/2014/main" id="{3A97E985-6C17-4FEA-82DB-54814CA9A0C6}"/>
+              </a:ext>
+            </a:extLst>
+          </p:cNvPr>
+          <p:cNvSpPr>
+            <a:spLocks noGrp="1"/>
+          </p:cNvSpPr>
+          <p:nvPr>
+            <p:ph idx="1"/>
+          </p:nvPr>
+        </p:nvSpPr>
+        <p:spPr>
+          <a:xfrm>
+            <a:off x="542701" y="1720207"/>
+            <a:ext cx="7886700" cy="3075190"/>
+          </a:xfrm>
+        </p:spPr>
+        <p:txBody>
+          <a:bodyPr>
+            <a:normAutofit/>
+          </a:bodyPr>
+          <a:lstStyle/>
+          <a:p>
+            <a:pPr lvl="1"/>
+            <a:r>
+              <a:rPr lang="en-US" sz="1800" i="1" dirty="0" err="1">
+                <a:solidFill>
+                  <a:schemeClr val="tx1"/>
+                </a:solidFill>
+              </a:rPr>
+              <a:t>lrd</a:t>
+            </a:r>
+            <a:r>
+              <a:rPr lang="en-US" sz="1800" i="1" dirty="0">
+                <a:solidFill>
+                  <a:schemeClr val="tx1"/>
+                </a:solidFill>
+              </a:rPr>
+              <a:t> </a:t>
+            </a:r>
+            <a:r>
+              <a:rPr lang="en-US" sz="1800" dirty="0">
+                <a:solidFill>
+                  <a:schemeClr val="tx1"/>
+                </a:solidFill>
+              </a:rPr>
+              <a:t>(Lexical Response Data) is an R package designed to automate scoring of recall data while controlling for participant errors.</a:t>
+            </a:r>
+          </a:p>
+          <a:p>
+            <a:pPr lvl="2"/>
+            <a:r>
+              <a:rPr lang="en-US" sz="1600" dirty="0">
+                <a:solidFill>
+                  <a:schemeClr val="tx1"/>
+                </a:solidFill>
+              </a:rPr>
+              <a:t>Cued-recall</a:t>
+            </a:r>
+          </a:p>
+          <a:p>
+            <a:pPr lvl="2"/>
+            <a:r>
+              <a:rPr lang="en-US" sz="1600" dirty="0">
+                <a:solidFill>
+                  <a:schemeClr val="tx1"/>
+                </a:solidFill>
+              </a:rPr>
+              <a:t>Free recall</a:t>
+            </a:r>
+          </a:p>
+          <a:p>
+            <a:pPr lvl="2"/>
+            <a:r>
+              <a:rPr lang="en-US" sz="1600" dirty="0">
+                <a:solidFill>
+                  <a:schemeClr val="tx1"/>
+                </a:solidFill>
+              </a:rPr>
+              <a:t>Sentence responses</a:t>
+            </a:r>
+          </a:p>
+          <a:p>
+            <a:pPr lvl="1"/>
+            <a:r>
+              <a:rPr lang="en-US" sz="1800" dirty="0">
+                <a:solidFill>
+                  <a:schemeClr val="tx1"/>
+                </a:solidFill>
+              </a:rPr>
+              <a:t>Open source and freely available via </a:t>
+            </a:r>
+            <a:r>
+              <a:rPr lang="en-US" sz="1800" dirty="0" err="1">
+                <a:solidFill>
+                  <a:schemeClr val="tx1"/>
+                </a:solidFill>
+              </a:rPr>
+              <a:t>Github</a:t>
+            </a:r>
+            <a:endParaRPr lang="en-US" sz="1800" dirty="0">
+              <a:solidFill>
+                <a:schemeClr val="tx1"/>
+              </a:solidFill>
+            </a:endParaRPr>
+          </a:p>
+          <a:p>
+            <a:pPr marL="342900" lvl="1" indent="0">
+              <a:buClr>
+                <a:schemeClr val="tx1"/>
+              </a:buClr>
+              <a:buNone/>
+            </a:pPr>
+            <a:endParaRPr lang="en-US" sz="1550" dirty="0"/>
+          </a:p>
+          <a:p>
+            <a:pPr lvl="1">
+              <a:buClr>
+                <a:schemeClr val="tx1"/>
+              </a:buClr>
+            </a:pPr>
+            <a:endParaRPr lang="en-US" sz="2100" dirty="0"/>
+          </a:p>
+        </p:txBody>
+      </p:sp>
+      <p:sp>
+        <p:nvSpPr>
+          <p:cNvPr id="3" name="Slide Number Placeholder 2">
+            <a:extLst>
+              <a:ext uri="{FF2B5EF4-FFF2-40B4-BE49-F238E27FC236}">
+                <a16:creationId xmlns:a16="http://schemas.microsoft.com/office/drawing/2014/main" id="{DF67CF93-D3C6-4CA6-AF86-09F59DB2ED99}"/>
+              </a:ext>
+            </a:extLst>
+          </p:cNvPr>
+          <p:cNvSpPr>
+            <a:spLocks noGrp="1"/>
+          </p:cNvSpPr>
+          <p:nvPr>
+            <p:ph type="sldNum" sz="quarter" idx="12"/>
+          </p:nvPr>
+        </p:nvSpPr>
+        <p:spPr/>
+        <p:txBody>
+          <a:bodyPr/>
+          <a:lstStyle/>
+          <a:p>
+            <a:fld id="{D57F1E4F-1CFF-5643-939E-217C01CDF565}" type="slidenum">
+              <a:rPr lang="en-US" smtClean="0"/>
+              <a:pPr/>
+              <a:t>10</a:t>
+            </a:fld>
+            <a:endParaRPr lang="en-US" dirty="0"/>
+          </a:p>
+        </p:txBody>
+      </p:sp>
+    </p:spTree>
+    <p:custDataLst>
+      <p:tags r:id="rId1"/>
+    </p:custDataLst>
+    <p:extLst>
+      <p:ext uri="{BB962C8B-B14F-4D97-AF65-F5344CB8AC3E}">
+        <p14:creationId xmlns:p14="http://schemas.microsoft.com/office/powerpoint/2010/main" val="3023844495"/>
+      </p:ext>
+    </p:extLst>
+  </p:cSld>
+  <p:clrMapOvr>
+    <a:masterClrMapping/>
+  </p:clrMapOvr>
+  <mc:AlternateContent xmlns:mc="http://schemas.openxmlformats.org/markup-compatibility/2006" xmlns:p14="http://schemas.microsoft.com/office/powerpoint/2010/main">
+    <mc:Choice Requires="p14">
+      <p:transition spd="slow" p14:dur="2000" advTm="98023"/>
+    </mc:Choice>
+    <mc:Fallback xmlns="">
+      <p:transition spd="slow" advTm="98023"/>
+    </mc:Fallback>
+  </mc:AlternateContent>
+  <p:timing>
+    <p:tnLst>
+      <p:par>
+        <p:cTn id="1" dur="indefinite" restart="never" nodeType="tmRoot">
+          <p:childTnLst>
+            <p:seq concurrent="1" nextAc="seek">
+              <p:cTn id="2" dur="indefinite" nodeType="mainSeq">
+                <p:childTnLst>
+                  <p:par>
+                    <p:cTn id="3" fill="hold">
+                      <p:stCondLst>
+                        <p:cond delay="indefinite"/>
+                      </p:stCondLst>
+                      <p:childTnLst>
+                        <p:par>
+                          <p:cTn id="4" fill="hold">
+                            <p:stCondLst>
+                              <p:cond delay="0"/>
+                            </p:stCondLst>
+                            <p:childTnLst>
+                              <p:par>
+                                <p:cTn id="5" presetID="1" presetClass="entr" presetSubtype="0" fill="hold" nodeType="clickEffect">
+                                  <p:stCondLst>
+                                    <p:cond delay="0"/>
+                                  </p:stCondLst>
+                                  <p:childTnLst>
+                                    <p:set>
+                                      <p:cBhvr>
+                                        <p:cTn id="6" dur="1" fill="hold">
+                                          <p:stCondLst>
+                                            <p:cond delay="0"/>
+                                          </p:stCondLst>
+                                        </p:cTn>
+                                        <p:tgtEl>
+                                          <p:spTgt spid="7">
+                                            <p:txEl>
+                                              <p:pRg st="1" end="1"/>
+                                            </p:txEl>
+                                          </p:spTgt>
+                                        </p:tgtEl>
+                                        <p:attrNameLst>
+                                          <p:attrName>style.visibility</p:attrName>
+                                        </p:attrNameLst>
+                                      </p:cBhvr>
+                                      <p:to>
+                                        <p:strVal val="visible"/>
+                                      </p:to>
+                                    </p:set>
+                                  </p:childTnLst>
+                                </p:cTn>
+                              </p:par>
+                            </p:childTnLst>
+                          </p:cTn>
+                        </p:par>
+                      </p:childTnLst>
+                    </p:cTn>
+                  </p:par>
+                  <p:par>
+                    <p:cTn id="7" fill="hold">
+                      <p:stCondLst>
+                        <p:cond delay="indefinite"/>
+                      </p:stCondLst>
+                      <p:childTnLst>
+                        <p:par>
+                          <p:cTn id="8" fill="hold">
+                            <p:stCondLst>
+                              <p:cond delay="0"/>
+                            </p:stCondLst>
+                            <p:childTnLst>
+                              <p:par>
+                                <p:cTn id="9" presetID="1" presetClass="entr" presetSubtype="0" fill="hold" nodeType="clickEffect">
+                                  <p:stCondLst>
+                                    <p:cond delay="0"/>
+                                  </p:stCondLst>
+                                  <p:childTnLst>
+                                    <p:set>
+                                      <p:cBhvr>
+                                        <p:cTn id="10" dur="1" fill="hold">
+                                          <p:stCondLst>
+                                            <p:cond delay="0"/>
+                                          </p:stCondLst>
+                                        </p:cTn>
+                                        <p:tgtEl>
+                                          <p:spTgt spid="7">
+                                            <p:txEl>
+                                              <p:pRg st="2" end="2"/>
+                                            </p:txEl>
+                                          </p:spTgt>
+                                        </p:tgtEl>
+                                        <p:attrNameLst>
+                                          <p:attrName>style.visibility</p:attrName>
+                                        </p:attrNameLst>
+                                      </p:cBhvr>
+                                      <p:to>
+                                        <p:strVal val="visible"/>
+                                      </p:to>
+                                    </p:set>
+                                  </p:childTnLst>
+                                </p:cTn>
+                              </p:par>
+                            </p:childTnLst>
+                          </p:cTn>
+                        </p:par>
+                      </p:childTnLst>
+                    </p:cTn>
+                  </p:par>
+                  <p:par>
+                    <p:cTn id="11" fill="hold">
+                      <p:stCondLst>
+                        <p:cond delay="indefinite"/>
+                      </p:stCondLst>
+                      <p:childTnLst>
+                        <p:par>
+                          <p:cTn id="12" fill="hold">
+                            <p:stCondLst>
+                              <p:cond delay="0"/>
+                            </p:stCondLst>
+                            <p:childTnLst>
+                              <p:par>
+                                <p:cTn id="13" presetID="1" presetClass="entr" presetSubtype="0" fill="hold" nodeType="clickEffect">
+                                  <p:stCondLst>
+                                    <p:cond delay="0"/>
+                                  </p:stCondLst>
+                                  <p:childTnLst>
+                                    <p:set>
+                                      <p:cBhvr>
+                                        <p:cTn id="14" dur="1" fill="hold">
+                                          <p:stCondLst>
+                                            <p:cond delay="0"/>
+                                          </p:stCondLst>
+                                        </p:cTn>
+                                        <p:tgtEl>
+                                          <p:spTgt spid="7">
+                                            <p:txEl>
+                                              <p:pRg st="3" end="3"/>
+                                            </p:txEl>
+                                          </p:spTgt>
+                                        </p:tgtEl>
+                                        <p:attrNameLst>
+                                          <p:attrName>style.visibility</p:attrName>
+                                        </p:attrNameLst>
+                                      </p:cBhvr>
+                                      <p:to>
+                                        <p:strVal val="visible"/>
+                                      </p:to>
+                                    </p:set>
+                                  </p:childTnLst>
+                                </p:cTn>
+                              </p:par>
+                            </p:childTnLst>
+                          </p:cTn>
+                        </p:par>
+                      </p:childTnLst>
+                    </p:cTn>
+                  </p:par>
+                  <p:par>
+                    <p:cTn id="15" fill="hold">
+                      <p:stCondLst>
+                        <p:cond delay="indefinite"/>
+                      </p:stCondLst>
+                      <p:childTnLst>
+                        <p:par>
+                          <p:cTn id="16" fill="hold">
+                            <p:stCondLst>
+                              <p:cond delay="0"/>
+                            </p:stCondLst>
+                            <p:childTnLst>
+                              <p:par>
+                                <p:cTn id="17" presetID="1" presetClass="entr" presetSubtype="0" fill="hold" nodeType="clickEffect">
+                                  <p:stCondLst>
+                                    <p:cond delay="0"/>
+                                  </p:stCondLst>
+                                  <p:childTnLst>
+                                    <p:set>
+                                      <p:cBhvr>
+                                        <p:cTn id="18" dur="1" fill="hold">
+                                          <p:stCondLst>
+                                            <p:cond delay="0"/>
+                                          </p:stCondLst>
+                                        </p:cTn>
+                                        <p:tgtEl>
+                                          <p:spTgt spid="7">
+                                            <p:txEl>
+                                              <p:pRg st="4" end="4"/>
+                                            </p:txEl>
+                                          </p:spTgt>
+                                        </p:tgtEl>
+                                        <p:attrNameLst>
+                                          <p:attrName>style.visibility</p:attrName>
+                                        </p:attrNameLst>
+                                      </p:cBhvr>
+                                      <p:to>
+                                        <p:strVal val="visible"/>
+                                      </p:to>
+                                    </p:set>
+                                  </p:childTnLst>
+                                </p:cTn>
+                              </p:par>
+                            </p:childTnLst>
+                          </p:cTn>
+                        </p:par>
+                      </p:childTnLst>
+                    </p:cTn>
+                  </p:par>
+                </p:childTnLst>
+              </p:cTn>
+              <p:prevCondLst>
+                <p:cond evt="onPrev" delay="0">
+                  <p:tgtEl>
+                    <p:sldTgt/>
+                  </p:tgtEl>
+                </p:cond>
+              </p:prevCondLst>
+              <p:nextCondLst>
+                <p:cond evt="onNext" delay="0">
+                  <p:tgtEl>
+                    <p:sldTgt/>
+                  </p:tgtEl>
+                </p:cond>
+              </p:nextCondLst>
+            </p:seq>
+          </p:childTnLst>
+        </p:cTn>
+      </p:par>
+    </p:tnLst>
+  </p:timing>
+</p:sld>
+</file>
+
+<file path=ppt/slides/slide11.xml><?xml version="1.0" encoding="utf-8"?>
 <p:sld xmlns:a="http://schemas.openxmlformats.org/drawingml/2006/main" xmlns:r="http://schemas.openxmlformats.org/officeDocument/2006/relationships" xmlns:p="http://schemas.openxmlformats.org/presentationml/2006/main">
   <p:cSld>
     <p:spTree>
@@ -15631,10 +16337,10 @@
       </p:grpSpPr>
       <p:sp>
         <p:nvSpPr>
-          <p:cNvPr id="4" name="Footer Placeholder 3">
+          <p:cNvPr id="3" name="Content Placeholder 2">
             <a:extLst>
               <a:ext uri="{FF2B5EF4-FFF2-40B4-BE49-F238E27FC236}">
-                <a16:creationId xmlns:a16="http://schemas.microsoft.com/office/drawing/2014/main" id="{2C48350D-D1D6-4991-8D5A-77AF8BE21B05}"/>
+                <a16:creationId xmlns:a16="http://schemas.microsoft.com/office/drawing/2014/main" id="{CD332C8C-CB2C-4AA3-841B-2994E4F1FC99}"/>
               </a:ext>
             </a:extLst>
           </p:cNvPr>
@@ -15642,7 +16348,168 @@
             <a:spLocks noGrp="1"/>
           </p:cNvSpPr>
           <p:nvPr>
-            <p:ph type="ftr" sz="quarter" idx="11"/>
+            <p:ph idx="1"/>
+          </p:nvPr>
+        </p:nvSpPr>
+        <p:spPr>
+          <a:xfrm>
+            <a:off x="866216" y="1952625"/>
+            <a:ext cx="7321343" cy="2562225"/>
+          </a:xfrm>
+        </p:spPr>
+        <p:txBody>
+          <a:bodyPr>
+            <a:normAutofit/>
+          </a:bodyPr>
+          <a:lstStyle/>
+          <a:p>
+            <a:r>
+              <a:rPr lang="en-US" sz="1800" i="1" dirty="0" err="1">
+                <a:solidFill>
+                  <a:schemeClr val="tx1"/>
+                </a:solidFill>
+              </a:rPr>
+              <a:t>lrd</a:t>
+            </a:r>
+            <a:r>
+              <a:rPr lang="en-US" sz="1800" dirty="0">
+                <a:solidFill>
+                  <a:schemeClr val="tx1"/>
+                </a:solidFill>
+              </a:rPr>
+              <a:t> scores recall data using </a:t>
+            </a:r>
+            <a:r>
+              <a:rPr lang="en-US" sz="1800" b="1" dirty="0">
+                <a:solidFill>
+                  <a:schemeClr val="tx2"/>
+                </a:solidFill>
+              </a:rPr>
+              <a:t>Levenshtein</a:t>
+            </a:r>
+            <a:r>
+              <a:rPr lang="en-US" sz="1800" dirty="0"/>
+              <a:t> </a:t>
+            </a:r>
+            <a:r>
+              <a:rPr lang="en-US" sz="1800" dirty="0">
+                <a:solidFill>
+                  <a:schemeClr val="tx1"/>
+                </a:solidFill>
+              </a:rPr>
+              <a:t>distances</a:t>
+            </a:r>
+          </a:p>
+          <a:p>
+            <a:pPr lvl="1"/>
+            <a:r>
+              <a:rPr lang="en-US" sz="1600" dirty="0">
+                <a:solidFill>
+                  <a:schemeClr val="tx1"/>
+                </a:solidFill>
+              </a:rPr>
+              <a:t>Number of character insertions, deletions, or changes required to transform a word</a:t>
+            </a:r>
+          </a:p>
+          <a:p>
+            <a:pPr lvl="1"/>
+            <a:r>
+              <a:rPr lang="en-US" sz="1600" dirty="0">
+                <a:solidFill>
+                  <a:schemeClr val="tx1"/>
+                </a:solidFill>
+              </a:rPr>
+              <a:t>“Cat” and “Bat” have a Levenshtein distance of 1 while “Mouse” and “Mice” have a distance of 4</a:t>
+            </a:r>
+          </a:p>
+          <a:p>
+            <a:r>
+              <a:rPr lang="en-US" sz="1750" i="1" dirty="0" err="1">
+                <a:solidFill>
+                  <a:schemeClr val="tx1"/>
+                </a:solidFill>
+              </a:rPr>
+              <a:t>lrd</a:t>
+            </a:r>
+            <a:r>
+              <a:rPr lang="en-US" sz="1750" dirty="0">
+                <a:solidFill>
+                  <a:schemeClr val="tx1"/>
+                </a:solidFill>
+              </a:rPr>
+              <a:t> scores data using Levenshtein distances ranging from 0 – 5</a:t>
+            </a:r>
+          </a:p>
+          <a:p>
+            <a:pPr lvl="1"/>
+            <a:r>
+              <a:rPr lang="en-US" sz="1600" dirty="0">
+                <a:solidFill>
+                  <a:schemeClr val="tx1"/>
+                </a:solidFill>
+              </a:rPr>
+              <a:t>User selects this cutoff when scoring</a:t>
+            </a:r>
+          </a:p>
+        </p:txBody>
+      </p:sp>
+      <p:sp>
+        <p:nvSpPr>
+          <p:cNvPr id="5" name="Title 1">
+            <a:extLst>
+              <a:ext uri="{FF2B5EF4-FFF2-40B4-BE49-F238E27FC236}">
+                <a16:creationId xmlns:a16="http://schemas.microsoft.com/office/drawing/2014/main" id="{5ACABAC2-FCE9-4308-87B6-3595AA894652}"/>
+              </a:ext>
+            </a:extLst>
+          </p:cNvPr>
+          <p:cNvSpPr>
+            <a:spLocks noGrp="1"/>
+          </p:cNvSpPr>
+          <p:nvPr>
+            <p:ph type="title"/>
+          </p:nvPr>
+        </p:nvSpPr>
+        <p:spPr>
+          <a:xfrm>
+            <a:off x="866775" y="730250"/>
+            <a:ext cx="6570663" cy="530225"/>
+          </a:xfrm>
+        </p:spPr>
+        <p:txBody>
+          <a:bodyPr>
+            <a:normAutofit fontScale="90000"/>
+          </a:bodyPr>
+          <a:lstStyle/>
+          <a:p>
+            <a:r>
+              <a:rPr lang="en-US" sz="3200" b="1" dirty="0"/>
+              <a:t>The </a:t>
+            </a:r>
+            <a:r>
+              <a:rPr lang="en-US" sz="3200" b="1" i="1" dirty="0" err="1"/>
+              <a:t>lrd</a:t>
+            </a:r>
+            <a:r>
+              <a:rPr lang="en-US" sz="3200" b="1" dirty="0"/>
+              <a:t> Package</a:t>
+            </a:r>
+          </a:p>
+        </p:txBody>
+      </p:sp>
+      <p:sp>
+        <p:nvSpPr>
+          <p:cNvPr id="6" name="Slide Number Placeholder 5">
+            <a:extLst>
+              <a:ext uri="{FF2B5EF4-FFF2-40B4-BE49-F238E27FC236}">
+                <a16:creationId xmlns:a16="http://schemas.microsoft.com/office/drawing/2014/main" id="{3277E43A-A18B-4E13-9D68-5A8BC66D249D}"/>
+              </a:ext>
+            </a:extLst>
+          </p:cNvPr>
+          <p:cNvSpPr>
+            <a:spLocks noGrp="1"/>
+          </p:cNvSpPr>
+          <p:nvPr>
+            <p:ph type="sldNum" sz="quarter" idx="12"/>
           </p:nvPr>
         </p:nvSpPr>
         <p:spPr/>
@@ -15650,15 +16517,601 @@
           <a:bodyPr/>
           <a:lstStyle/>
           <a:p>
-            <a:r>
-              <a:rPr lang="en-US"/>
-              <a:t>
-              </a:t>
-            </a:r>
+            <a:fld id="{D57F1E4F-1CFF-5643-939E-217C01CDF565}" type="slidenum">
+              <a:rPr lang="en-US" smtClean="0"/>
+              <a:pPr/>
+              <a:t>11</a:t>
+            </a:fld>
             <a:endParaRPr lang="en-US" dirty="0"/>
           </a:p>
         </p:txBody>
       </p:sp>
+    </p:spTree>
+    <p:extLst>
+      <p:ext uri="{BB962C8B-B14F-4D97-AF65-F5344CB8AC3E}">
+        <p14:creationId xmlns:p14="http://schemas.microsoft.com/office/powerpoint/2010/main" val="4162768942"/>
+      </p:ext>
+    </p:extLst>
+  </p:cSld>
+  <p:clrMapOvr>
+    <a:masterClrMapping/>
+  </p:clrMapOvr>
+  <p:timing>
+    <p:tnLst>
+      <p:par>
+        <p:cTn id="1" dur="indefinite" restart="never" nodeType="tmRoot">
+          <p:childTnLst>
+            <p:seq concurrent="1" nextAc="seek">
+              <p:cTn id="2" dur="indefinite" nodeType="mainSeq">
+                <p:childTnLst>
+                  <p:par>
+                    <p:cTn id="3" fill="hold">
+                      <p:stCondLst>
+                        <p:cond delay="indefinite"/>
+                      </p:stCondLst>
+                      <p:childTnLst>
+                        <p:par>
+                          <p:cTn id="4" fill="hold">
+                            <p:stCondLst>
+                              <p:cond delay="0"/>
+                            </p:stCondLst>
+                            <p:childTnLst>
+                              <p:par>
+                                <p:cTn id="5" presetID="1" presetClass="entr" presetSubtype="0" fill="hold" nodeType="clickEffect">
+                                  <p:stCondLst>
+                                    <p:cond delay="0"/>
+                                  </p:stCondLst>
+                                  <p:childTnLst>
+                                    <p:set>
+                                      <p:cBhvr>
+                                        <p:cTn id="6" dur="1" fill="hold">
+                                          <p:stCondLst>
+                                            <p:cond delay="0"/>
+                                          </p:stCondLst>
+                                        </p:cTn>
+                                        <p:tgtEl>
+                                          <p:spTgt spid="3">
+                                            <p:txEl>
+                                              <p:pRg st="1" end="1"/>
+                                            </p:txEl>
+                                          </p:spTgt>
+                                        </p:tgtEl>
+                                        <p:attrNameLst>
+                                          <p:attrName>style.visibility</p:attrName>
+                                        </p:attrNameLst>
+                                      </p:cBhvr>
+                                      <p:to>
+                                        <p:strVal val="visible"/>
+                                      </p:to>
+                                    </p:set>
+                                  </p:childTnLst>
+                                </p:cTn>
+                              </p:par>
+                            </p:childTnLst>
+                          </p:cTn>
+                        </p:par>
+                      </p:childTnLst>
+                    </p:cTn>
+                  </p:par>
+                  <p:par>
+                    <p:cTn id="7" fill="hold">
+                      <p:stCondLst>
+                        <p:cond delay="indefinite"/>
+                      </p:stCondLst>
+                      <p:childTnLst>
+                        <p:par>
+                          <p:cTn id="8" fill="hold">
+                            <p:stCondLst>
+                              <p:cond delay="0"/>
+                            </p:stCondLst>
+                            <p:childTnLst>
+                              <p:par>
+                                <p:cTn id="9" presetID="1" presetClass="entr" presetSubtype="0" fill="hold" nodeType="clickEffect">
+                                  <p:stCondLst>
+                                    <p:cond delay="0"/>
+                                  </p:stCondLst>
+                                  <p:childTnLst>
+                                    <p:set>
+                                      <p:cBhvr>
+                                        <p:cTn id="10" dur="1" fill="hold">
+                                          <p:stCondLst>
+                                            <p:cond delay="0"/>
+                                          </p:stCondLst>
+                                        </p:cTn>
+                                        <p:tgtEl>
+                                          <p:spTgt spid="3">
+                                            <p:txEl>
+                                              <p:pRg st="2" end="2"/>
+                                            </p:txEl>
+                                          </p:spTgt>
+                                        </p:tgtEl>
+                                        <p:attrNameLst>
+                                          <p:attrName>style.visibility</p:attrName>
+                                        </p:attrNameLst>
+                                      </p:cBhvr>
+                                      <p:to>
+                                        <p:strVal val="visible"/>
+                                      </p:to>
+                                    </p:set>
+                                  </p:childTnLst>
+                                </p:cTn>
+                              </p:par>
+                            </p:childTnLst>
+                          </p:cTn>
+                        </p:par>
+                      </p:childTnLst>
+                    </p:cTn>
+                  </p:par>
+                  <p:par>
+                    <p:cTn id="11" fill="hold">
+                      <p:stCondLst>
+                        <p:cond delay="indefinite"/>
+                      </p:stCondLst>
+                      <p:childTnLst>
+                        <p:par>
+                          <p:cTn id="12" fill="hold">
+                            <p:stCondLst>
+                              <p:cond delay="0"/>
+                            </p:stCondLst>
+                            <p:childTnLst>
+                              <p:par>
+                                <p:cTn id="13" presetID="1" presetClass="entr" presetSubtype="0" fill="hold" nodeType="clickEffect">
+                                  <p:stCondLst>
+                                    <p:cond delay="0"/>
+                                  </p:stCondLst>
+                                  <p:childTnLst>
+                                    <p:set>
+                                      <p:cBhvr>
+                                        <p:cTn id="14" dur="1" fill="hold">
+                                          <p:stCondLst>
+                                            <p:cond delay="0"/>
+                                          </p:stCondLst>
+                                        </p:cTn>
+                                        <p:tgtEl>
+                                          <p:spTgt spid="3">
+                                            <p:txEl>
+                                              <p:pRg st="3" end="3"/>
+                                            </p:txEl>
+                                          </p:spTgt>
+                                        </p:tgtEl>
+                                        <p:attrNameLst>
+                                          <p:attrName>style.visibility</p:attrName>
+                                        </p:attrNameLst>
+                                      </p:cBhvr>
+                                      <p:to>
+                                        <p:strVal val="visible"/>
+                                      </p:to>
+                                    </p:set>
+                                  </p:childTnLst>
+                                </p:cTn>
+                              </p:par>
+                            </p:childTnLst>
+                          </p:cTn>
+                        </p:par>
+                      </p:childTnLst>
+                    </p:cTn>
+                  </p:par>
+                  <p:par>
+                    <p:cTn id="15" fill="hold">
+                      <p:stCondLst>
+                        <p:cond delay="indefinite"/>
+                      </p:stCondLst>
+                      <p:childTnLst>
+                        <p:par>
+                          <p:cTn id="16" fill="hold">
+                            <p:stCondLst>
+                              <p:cond delay="0"/>
+                            </p:stCondLst>
+                            <p:childTnLst>
+                              <p:par>
+                                <p:cTn id="17" presetID="1" presetClass="entr" presetSubtype="0" fill="hold" nodeType="clickEffect">
+                                  <p:stCondLst>
+                                    <p:cond delay="0"/>
+                                  </p:stCondLst>
+                                  <p:childTnLst>
+                                    <p:set>
+                                      <p:cBhvr>
+                                        <p:cTn id="18" dur="1" fill="hold">
+                                          <p:stCondLst>
+                                            <p:cond delay="0"/>
+                                          </p:stCondLst>
+                                        </p:cTn>
+                                        <p:tgtEl>
+                                          <p:spTgt spid="3">
+                                            <p:txEl>
+                                              <p:pRg st="4" end="4"/>
+                                            </p:txEl>
+                                          </p:spTgt>
+                                        </p:tgtEl>
+                                        <p:attrNameLst>
+                                          <p:attrName>style.visibility</p:attrName>
+                                        </p:attrNameLst>
+                                      </p:cBhvr>
+                                      <p:to>
+                                        <p:strVal val="visible"/>
+                                      </p:to>
+                                    </p:set>
+                                  </p:childTnLst>
+                                </p:cTn>
+                              </p:par>
+                            </p:childTnLst>
+                          </p:cTn>
+                        </p:par>
+                      </p:childTnLst>
+                    </p:cTn>
+                  </p:par>
+                </p:childTnLst>
+              </p:cTn>
+              <p:prevCondLst>
+                <p:cond evt="onPrev" delay="0">
+                  <p:tgtEl>
+                    <p:sldTgt/>
+                  </p:tgtEl>
+                </p:cond>
+              </p:prevCondLst>
+              <p:nextCondLst>
+                <p:cond evt="onNext" delay="0">
+                  <p:tgtEl>
+                    <p:sldTgt/>
+                  </p:tgtEl>
+                </p:cond>
+              </p:nextCondLst>
+            </p:seq>
+          </p:childTnLst>
+        </p:cTn>
+      </p:par>
+    </p:tnLst>
+  </p:timing>
+</p:sld>
+</file>
+
+<file path=ppt/slides/slide12.xml><?xml version="1.0" encoding="utf-8"?>
+<p:sld xmlns:a="http://schemas.openxmlformats.org/drawingml/2006/main" xmlns:r="http://schemas.openxmlformats.org/officeDocument/2006/relationships" xmlns:p="http://schemas.openxmlformats.org/presentationml/2006/main">
+  <p:cSld>
+    <p:bg>
+      <p:bgPr>
+        <a:solidFill>
+          <a:schemeClr val="bg1"/>
+        </a:solidFill>
+        <a:effectLst/>
+      </p:bgPr>
+    </p:bg>
+    <p:spTree>
+      <p:nvGrpSpPr>
+        <p:cNvPr id="1" name=""/>
+        <p:cNvGrpSpPr/>
+        <p:nvPr/>
+      </p:nvGrpSpPr>
+      <p:grpSpPr>
+        <a:xfrm>
+          <a:off x="0" y="0"/>
+          <a:ext cx="0" cy="0"/>
+          <a:chOff x="0" y="0"/>
+          <a:chExt cx="0" cy="0"/>
+        </a:xfrm>
+      </p:grpSpPr>
+      <p:sp>
+        <p:nvSpPr>
+          <p:cNvPr id="7" name="Content Placeholder 6">
+            <a:extLst>
+              <a:ext uri="{FF2B5EF4-FFF2-40B4-BE49-F238E27FC236}">
+                <a16:creationId xmlns:a16="http://schemas.microsoft.com/office/drawing/2014/main" id="{3A97E985-6C17-4FEA-82DB-54814CA9A0C6}"/>
+              </a:ext>
+            </a:extLst>
+          </p:cNvPr>
+          <p:cNvSpPr>
+            <a:spLocks noGrp="1"/>
+          </p:cNvSpPr>
+          <p:nvPr>
+            <p:ph idx="1"/>
+          </p:nvPr>
+        </p:nvSpPr>
+        <p:spPr/>
+        <p:txBody>
+          <a:bodyPr>
+            <a:normAutofit/>
+          </a:bodyPr>
+          <a:lstStyle/>
+          <a:p>
+            <a:r>
+              <a:rPr lang="en-US" sz="1800" i="1" dirty="0" err="1">
+                <a:solidFill>
+                  <a:schemeClr val="tx1"/>
+                </a:solidFill>
+              </a:rPr>
+              <a:t>lrd</a:t>
+            </a:r>
+            <a:r>
+              <a:rPr lang="en-US" sz="1800" dirty="0">
+                <a:solidFill>
+                  <a:schemeClr val="tx1"/>
+                </a:solidFill>
+              </a:rPr>
+              <a:t> is also available as an R Shiny application!</a:t>
+            </a:r>
+          </a:p>
+          <a:p>
+            <a:pPr lvl="1"/>
+            <a:r>
+              <a:rPr lang="en-US" sz="1600" dirty="0">
+                <a:solidFill>
+                  <a:schemeClr val="tx1"/>
+                </a:solidFill>
+              </a:rPr>
+              <a:t>Shiny provides and interactive GUI for using </a:t>
+            </a:r>
+            <a:r>
+              <a:rPr lang="en-US" sz="1600" dirty="0" err="1">
+                <a:solidFill>
+                  <a:schemeClr val="tx1"/>
+                </a:solidFill>
+              </a:rPr>
+              <a:t>lrd</a:t>
+            </a:r>
+            <a:r>
+              <a:rPr lang="en-US" sz="1600" dirty="0">
+                <a:solidFill>
+                  <a:schemeClr val="tx1"/>
+                </a:solidFill>
+              </a:rPr>
+              <a:t>. No programming required!</a:t>
+            </a:r>
+          </a:p>
+          <a:p>
+            <a:pPr lvl="1"/>
+            <a:r>
+              <a:rPr lang="en-US" sz="1600" dirty="0">
+                <a:solidFill>
+                  <a:schemeClr val="tx1"/>
+                </a:solidFill>
+              </a:rPr>
+              <a:t>https://github.com/npm27/lrd/</a:t>
+            </a:r>
+          </a:p>
+        </p:txBody>
+      </p:sp>
+      <p:sp>
+        <p:nvSpPr>
+          <p:cNvPr id="6" name="Title 1">
+            <a:extLst>
+              <a:ext uri="{FF2B5EF4-FFF2-40B4-BE49-F238E27FC236}">
+                <a16:creationId xmlns:a16="http://schemas.microsoft.com/office/drawing/2014/main" id="{C5EC24DA-BEC7-414E-8C84-48537F4B7771}"/>
+              </a:ext>
+            </a:extLst>
+          </p:cNvPr>
+          <p:cNvSpPr>
+            <a:spLocks noGrp="1"/>
+          </p:cNvSpPr>
+          <p:nvPr>
+            <p:ph type="title"/>
+          </p:nvPr>
+        </p:nvSpPr>
+        <p:spPr>
+          <a:xfrm>
+            <a:off x="866775" y="730250"/>
+            <a:ext cx="6570663" cy="530225"/>
+          </a:xfrm>
+        </p:spPr>
+        <p:txBody>
+          <a:bodyPr>
+            <a:normAutofit fontScale="90000"/>
+          </a:bodyPr>
+          <a:lstStyle/>
+          <a:p>
+            <a:r>
+              <a:rPr lang="en-US" sz="3200" b="1" dirty="0"/>
+              <a:t>The </a:t>
+            </a:r>
+            <a:r>
+              <a:rPr lang="en-US" sz="3200" b="1" i="1" dirty="0" err="1"/>
+              <a:t>lrd</a:t>
+            </a:r>
+            <a:r>
+              <a:rPr lang="en-US" sz="3200" b="1" dirty="0"/>
+              <a:t> Package</a:t>
+            </a:r>
+          </a:p>
+        </p:txBody>
+      </p:sp>
+      <p:sp>
+        <p:nvSpPr>
+          <p:cNvPr id="3" name="Slide Number Placeholder 2">
+            <a:extLst>
+              <a:ext uri="{FF2B5EF4-FFF2-40B4-BE49-F238E27FC236}">
+                <a16:creationId xmlns:a16="http://schemas.microsoft.com/office/drawing/2014/main" id="{92564A9E-5FFD-4876-BBDD-593ACB879A71}"/>
+              </a:ext>
+            </a:extLst>
+          </p:cNvPr>
+          <p:cNvSpPr>
+            <a:spLocks noGrp="1"/>
+          </p:cNvSpPr>
+          <p:nvPr>
+            <p:ph type="sldNum" sz="quarter" idx="12"/>
+          </p:nvPr>
+        </p:nvSpPr>
+        <p:spPr/>
+        <p:txBody>
+          <a:bodyPr/>
+          <a:lstStyle/>
+          <a:p>
+            <a:fld id="{D57F1E4F-1CFF-5643-939E-217C01CDF565}" type="slidenum">
+              <a:rPr lang="en-US" smtClean="0"/>
+              <a:pPr/>
+              <a:t>12</a:t>
+            </a:fld>
+            <a:endParaRPr lang="en-US" dirty="0"/>
+          </a:p>
+        </p:txBody>
+      </p:sp>
+    </p:spTree>
+    <p:custDataLst>
+      <p:tags r:id="rId1"/>
+    </p:custDataLst>
+    <p:extLst>
+      <p:ext uri="{BB962C8B-B14F-4D97-AF65-F5344CB8AC3E}">
+        <p14:creationId xmlns:p14="http://schemas.microsoft.com/office/powerpoint/2010/main" val="1650040002"/>
+      </p:ext>
+    </p:extLst>
+  </p:cSld>
+  <p:clrMapOvr>
+    <a:masterClrMapping/>
+  </p:clrMapOvr>
+  <mc:AlternateContent xmlns:mc="http://schemas.openxmlformats.org/markup-compatibility/2006" xmlns:p14="http://schemas.microsoft.com/office/powerpoint/2010/main">
+    <mc:Choice Requires="p14">
+      <p:transition spd="slow" p14:dur="2000" advTm="98023"/>
+    </mc:Choice>
+    <mc:Fallback xmlns="">
+      <p:transition spd="slow" advTm="98023"/>
+    </mc:Fallback>
+  </mc:AlternateContent>
+  <p:timing>
+    <p:tnLst>
+      <p:par>
+        <p:cTn id="1" dur="indefinite" restart="never" nodeType="tmRoot">
+          <p:childTnLst>
+            <p:seq concurrent="1" nextAc="seek">
+              <p:cTn id="2" dur="indefinite" nodeType="mainSeq">
+                <p:childTnLst>
+                  <p:par>
+                    <p:cTn id="3" fill="hold">
+                      <p:stCondLst>
+                        <p:cond delay="indefinite"/>
+                      </p:stCondLst>
+                      <p:childTnLst>
+                        <p:par>
+                          <p:cTn id="4" fill="hold">
+                            <p:stCondLst>
+                              <p:cond delay="0"/>
+                            </p:stCondLst>
+                            <p:childTnLst>
+                              <p:par>
+                                <p:cTn id="5" presetID="1" presetClass="entr" presetSubtype="0" fill="hold" nodeType="clickEffect">
+                                  <p:stCondLst>
+                                    <p:cond delay="0"/>
+                                  </p:stCondLst>
+                                  <p:childTnLst>
+                                    <p:set>
+                                      <p:cBhvr>
+                                        <p:cTn id="6" dur="1" fill="hold">
+                                          <p:stCondLst>
+                                            <p:cond delay="0"/>
+                                          </p:stCondLst>
+                                        </p:cTn>
+                                        <p:tgtEl>
+                                          <p:spTgt spid="7">
+                                            <p:txEl>
+                                              <p:pRg st="1" end="1"/>
+                                            </p:txEl>
+                                          </p:spTgt>
+                                        </p:tgtEl>
+                                        <p:attrNameLst>
+                                          <p:attrName>style.visibility</p:attrName>
+                                        </p:attrNameLst>
+                                      </p:cBhvr>
+                                      <p:to>
+                                        <p:strVal val="visible"/>
+                                      </p:to>
+                                    </p:set>
+                                  </p:childTnLst>
+                                </p:cTn>
+                              </p:par>
+                            </p:childTnLst>
+                          </p:cTn>
+                        </p:par>
+                      </p:childTnLst>
+                    </p:cTn>
+                  </p:par>
+                  <p:par>
+                    <p:cTn id="7" fill="hold">
+                      <p:stCondLst>
+                        <p:cond delay="indefinite"/>
+                      </p:stCondLst>
+                      <p:childTnLst>
+                        <p:par>
+                          <p:cTn id="8" fill="hold">
+                            <p:stCondLst>
+                              <p:cond delay="0"/>
+                            </p:stCondLst>
+                            <p:childTnLst>
+                              <p:par>
+                                <p:cTn id="9" presetID="1" presetClass="entr" presetSubtype="0" fill="hold" nodeType="clickEffect">
+                                  <p:stCondLst>
+                                    <p:cond delay="0"/>
+                                  </p:stCondLst>
+                                  <p:childTnLst>
+                                    <p:set>
+                                      <p:cBhvr>
+                                        <p:cTn id="10" dur="1" fill="hold">
+                                          <p:stCondLst>
+                                            <p:cond delay="0"/>
+                                          </p:stCondLst>
+                                        </p:cTn>
+                                        <p:tgtEl>
+                                          <p:spTgt spid="7">
+                                            <p:txEl>
+                                              <p:pRg st="2" end="2"/>
+                                            </p:txEl>
+                                          </p:spTgt>
+                                        </p:tgtEl>
+                                        <p:attrNameLst>
+                                          <p:attrName>style.visibility</p:attrName>
+                                        </p:attrNameLst>
+                                      </p:cBhvr>
+                                      <p:to>
+                                        <p:strVal val="visible"/>
+                                      </p:to>
+                                    </p:set>
+                                  </p:childTnLst>
+                                </p:cTn>
+                              </p:par>
+                            </p:childTnLst>
+                          </p:cTn>
+                        </p:par>
+                      </p:childTnLst>
+                    </p:cTn>
+                  </p:par>
+                </p:childTnLst>
+              </p:cTn>
+              <p:prevCondLst>
+                <p:cond evt="onPrev" delay="0">
+                  <p:tgtEl>
+                    <p:sldTgt/>
+                  </p:tgtEl>
+                </p:cond>
+              </p:prevCondLst>
+              <p:nextCondLst>
+                <p:cond evt="onNext" delay="0">
+                  <p:tgtEl>
+                    <p:sldTgt/>
+                  </p:tgtEl>
+                </p:cond>
+              </p:nextCondLst>
+            </p:seq>
+          </p:childTnLst>
+        </p:cTn>
+      </p:par>
+    </p:tnLst>
+  </p:timing>
+</p:sld>
+</file>
+
+<file path=ppt/slides/slide13.xml><?xml version="1.0" encoding="utf-8"?>
+<p:sld xmlns:a="http://schemas.openxmlformats.org/drawingml/2006/main" xmlns:r="http://schemas.openxmlformats.org/officeDocument/2006/relationships" xmlns:p="http://schemas.openxmlformats.org/presentationml/2006/main">
+  <p:cSld>
+    <p:spTree>
+      <p:nvGrpSpPr>
+        <p:cNvPr id="1" name=""/>
+        <p:cNvGrpSpPr/>
+        <p:nvPr/>
+      </p:nvGrpSpPr>
+      <p:grpSpPr>
+        <a:xfrm>
+          <a:off x="0" y="0"/>
+          <a:ext cx="0" cy="0"/>
+          <a:chOff x="0" y="0"/>
+          <a:chExt cx="0" cy="0"/>
+        </a:xfrm>
+      </p:grpSpPr>
       <p:pic>
         <p:nvPicPr>
           <p:cNvPr id="6" name="Content Placeholder 5" descr="Graphical user interface, text, application, email&#10;&#10;Description automatically generated">
@@ -15683,11 +17136,93 @@
         </p:blipFill>
         <p:spPr>
           <a:xfrm>
-            <a:off x="-1" y="0"/>
+            <a:off x="0" y="0"/>
             <a:ext cx="9147249" cy="4793879"/>
           </a:xfrm>
         </p:spPr>
       </p:pic>
+      <p:sp>
+        <p:nvSpPr>
+          <p:cNvPr id="7" name="Oval 6">
+            <a:extLst>
+              <a:ext uri="{FF2B5EF4-FFF2-40B4-BE49-F238E27FC236}">
+                <a16:creationId xmlns:a16="http://schemas.microsoft.com/office/drawing/2014/main" id="{30FC3F57-694C-45B3-BBCB-9BEE0593FD7E}"/>
+              </a:ext>
+            </a:extLst>
+          </p:cNvPr>
+          <p:cNvSpPr/>
+          <p:nvPr/>
+        </p:nvSpPr>
+        <p:spPr>
+          <a:xfrm>
+            <a:off x="890581" y="833657"/>
+            <a:ext cx="2490182" cy="1532038"/>
+          </a:xfrm>
+          <a:prstGeom prst="ellipse">
+            <a:avLst/>
+          </a:prstGeom>
+          <a:noFill/>
+          <a:ln>
+            <a:solidFill>
+              <a:srgbClr val="FF0000"/>
+            </a:solidFill>
+          </a:ln>
+        </p:spPr>
+        <p:style>
+          <a:lnRef idx="2">
+            <a:schemeClr val="accent1">
+              <a:shade val="50000"/>
+            </a:schemeClr>
+          </a:lnRef>
+          <a:fillRef idx="1">
+            <a:schemeClr val="accent1"/>
+          </a:fillRef>
+          <a:effectRef idx="0">
+            <a:schemeClr val="accent1"/>
+          </a:effectRef>
+          <a:fontRef idx="minor">
+            <a:schemeClr val="lt1"/>
+          </a:fontRef>
+        </p:style>
+        <p:txBody>
+          <a:bodyPr rtlCol="0" anchor="ctr"/>
+          <a:lstStyle/>
+          <a:p>
+            <a:pPr algn="ctr"/>
+            <a:endParaRPr lang="en-US"/>
+          </a:p>
+        </p:txBody>
+      </p:sp>
+      <p:sp>
+        <p:nvSpPr>
+          <p:cNvPr id="3" name="Slide Number Placeholder 2">
+            <a:extLst>
+              <a:ext uri="{FF2B5EF4-FFF2-40B4-BE49-F238E27FC236}">
+                <a16:creationId xmlns:a16="http://schemas.microsoft.com/office/drawing/2014/main" id="{8CB247A9-3FC5-4835-8BAB-92C078F1CFCF}"/>
+              </a:ext>
+            </a:extLst>
+          </p:cNvPr>
+          <p:cNvSpPr>
+            <a:spLocks noGrp="1"/>
+          </p:cNvSpPr>
+          <p:nvPr>
+            <p:ph type="sldNum" sz="quarter" idx="12"/>
+          </p:nvPr>
+        </p:nvSpPr>
+        <p:spPr/>
+        <p:txBody>
+          <a:bodyPr/>
+          <a:lstStyle/>
+          <a:p>
+            <a:fld id="{D57F1E4F-1CFF-5643-939E-217C01CDF565}" type="slidenum">
+              <a:rPr lang="en-US" smtClean="0"/>
+              <a:pPr/>
+              <a:t>13</a:t>
+            </a:fld>
+            <a:endParaRPr lang="en-US" dirty="0"/>
+          </a:p>
+        </p:txBody>
+      </p:sp>
     </p:spTree>
     <p:extLst>
       <p:ext uri="{BB962C8B-B14F-4D97-AF65-F5344CB8AC3E}">
@@ -15698,10 +17233,88 @@
   <p:clrMapOvr>
     <a:masterClrMapping/>
   </p:clrMapOvr>
+  <p:timing>
+    <p:tnLst>
+      <p:par>
+        <p:cTn id="1" dur="indefinite" restart="never" nodeType="tmRoot">
+          <p:childTnLst>
+            <p:seq concurrent="1" nextAc="seek">
+              <p:cTn id="2" dur="indefinite" nodeType="mainSeq">
+                <p:childTnLst>
+                  <p:par>
+                    <p:cTn id="3" fill="hold">
+                      <p:stCondLst>
+                        <p:cond delay="indefinite"/>
+                      </p:stCondLst>
+                      <p:childTnLst>
+                        <p:par>
+                          <p:cTn id="4" fill="hold">
+                            <p:stCondLst>
+                              <p:cond delay="0"/>
+                            </p:stCondLst>
+                            <p:childTnLst>
+                              <p:par>
+                                <p:cTn id="5" presetID="1" presetClass="entr" presetSubtype="0" fill="hold" grpId="0" nodeType="clickEffect">
+                                  <p:stCondLst>
+                                    <p:cond delay="0"/>
+                                  </p:stCondLst>
+                                  <p:childTnLst>
+                                    <p:set>
+                                      <p:cBhvr>
+                                        <p:cTn id="6" dur="1" fill="hold">
+                                          <p:stCondLst>
+                                            <p:cond delay="0"/>
+                                          </p:stCondLst>
+                                        </p:cTn>
+                                        <p:tgtEl>
+                                          <p:spTgt spid="7"/>
+                                        </p:tgtEl>
+                                        <p:attrNameLst>
+                                          <p:attrName>style.visibility</p:attrName>
+                                        </p:attrNameLst>
+                                      </p:cBhvr>
+                                      <p:to>
+                                        <p:strVal val="visible"/>
+                                      </p:to>
+                                    </p:set>
+                                  </p:childTnLst>
+                                </p:cTn>
+                              </p:par>
+                            </p:childTnLst>
+                          </p:cTn>
+                        </p:par>
+                      </p:childTnLst>
+                    </p:cTn>
+                  </p:par>
+                </p:childTnLst>
+              </p:cTn>
+              <p:prevCondLst>
+                <p:cond evt="onPrev" delay="0">
+                  <p:tgtEl>
+                    <p:sldTgt/>
+                  </p:tgtEl>
+                </p:cond>
+              </p:prevCondLst>
+              <p:nextCondLst>
+                <p:cond evt="onNext" delay="0">
+                  <p:tgtEl>
+                    <p:sldTgt/>
+                  </p:tgtEl>
+                </p:cond>
+              </p:nextCondLst>
+            </p:seq>
+          </p:childTnLst>
+        </p:cTn>
+      </p:par>
+    </p:tnLst>
+    <p:bldLst>
+      <p:bldP spid="7" grpId="0" animBg="1"/>
+    </p:bldLst>
+  </p:timing>
 </p:sld>
 </file>
 
-<file path=ppt/slides/slide11.xml><?xml version="1.0" encoding="utf-8"?>
+<file path=ppt/slides/slide14.xml><?xml version="1.0" encoding="utf-8"?>
 <p:sld xmlns:a="http://schemas.openxmlformats.org/drawingml/2006/main" xmlns:r="http://schemas.openxmlformats.org/officeDocument/2006/relationships" xmlns:p="http://schemas.openxmlformats.org/presentationml/2006/main">
   <p:cSld>
     <p:spTree>
@@ -15718,12 +17331,93 @@
           <a:chExt cx="0" cy="0"/>
         </a:xfrm>
       </p:grpSpPr>
+      <p:pic>
+        <p:nvPicPr>
+          <p:cNvPr id="6" name="Content Placeholder 5" descr="Graphical user interface, text, application, email&#10;&#10;Description automatically generated">
+            <a:extLst>
+              <a:ext uri="{FF2B5EF4-FFF2-40B4-BE49-F238E27FC236}">
+                <a16:creationId xmlns:a16="http://schemas.microsoft.com/office/drawing/2014/main" id="{0CB11EE7-4755-46FC-B7B8-3BD84B394F0F}"/>
+              </a:ext>
+            </a:extLst>
+          </p:cNvPr>
+          <p:cNvPicPr>
+            <a:picLocks noGrp="1" noChangeAspect="1"/>
+          </p:cNvPicPr>
+          <p:nvPr>
+            <p:ph idx="4294967295"/>
+          </p:nvPr>
+        </p:nvPicPr>
+        <p:blipFill>
+          <a:blip r:embed="rId2"/>
+          <a:stretch>
+            <a:fillRect/>
+          </a:stretch>
+        </p:blipFill>
+        <p:spPr>
+          <a:xfrm>
+            <a:off x="0" y="0"/>
+            <a:ext cx="9147249" cy="4793879"/>
+          </a:xfrm>
+        </p:spPr>
+      </p:pic>
       <p:sp>
         <p:nvSpPr>
-          <p:cNvPr id="4" name="Footer Placeholder 3">
+          <p:cNvPr id="7" name="Oval 6">
             <a:extLst>
               <a:ext uri="{FF2B5EF4-FFF2-40B4-BE49-F238E27FC236}">
-                <a16:creationId xmlns:a16="http://schemas.microsoft.com/office/drawing/2014/main" id="{2C48350D-D1D6-4991-8D5A-77AF8BE21B05}"/>
+                <a16:creationId xmlns:a16="http://schemas.microsoft.com/office/drawing/2014/main" id="{30FC3F57-694C-45B3-BBCB-9BEE0593FD7E}"/>
+              </a:ext>
+            </a:extLst>
+          </p:cNvPr>
+          <p:cNvSpPr/>
+          <p:nvPr/>
+        </p:nvSpPr>
+        <p:spPr>
+          <a:xfrm>
+            <a:off x="800933" y="2192673"/>
+            <a:ext cx="2490182" cy="1532038"/>
+          </a:xfrm>
+          <a:prstGeom prst="ellipse">
+            <a:avLst/>
+          </a:prstGeom>
+          <a:noFill/>
+          <a:ln>
+            <a:solidFill>
+              <a:srgbClr val="FF0000"/>
+            </a:solidFill>
+          </a:ln>
+        </p:spPr>
+        <p:style>
+          <a:lnRef idx="2">
+            <a:schemeClr val="accent1">
+              <a:shade val="50000"/>
+            </a:schemeClr>
+          </a:lnRef>
+          <a:fillRef idx="1">
+            <a:schemeClr val="accent1"/>
+          </a:fillRef>
+          <a:effectRef idx="0">
+            <a:schemeClr val="accent1"/>
+          </a:effectRef>
+          <a:fontRef idx="minor">
+            <a:schemeClr val="lt1"/>
+          </a:fontRef>
+        </p:style>
+        <p:txBody>
+          <a:bodyPr rtlCol="0" anchor="ctr"/>
+          <a:lstStyle/>
+          <a:p>
+            <a:pPr algn="ctr"/>
+            <a:endParaRPr lang="en-US"/>
+          </a:p>
+        </p:txBody>
+      </p:sp>
+      <p:sp>
+        <p:nvSpPr>
+          <p:cNvPr id="3" name="Slide Number Placeholder 2">
+            <a:extLst>
+              <a:ext uri="{FF2B5EF4-FFF2-40B4-BE49-F238E27FC236}">
+                <a16:creationId xmlns:a16="http://schemas.microsoft.com/office/drawing/2014/main" id="{477D36EE-C53F-425E-AF2F-851573CB7A16}"/>
               </a:ext>
             </a:extLst>
           </p:cNvPr>
@@ -15731,7 +17425,7 @@
             <a:spLocks noGrp="1"/>
           </p:cNvSpPr>
           <p:nvPr>
-            <p:ph type="ftr" sz="quarter" idx="11"/>
+            <p:ph type="sldNum" sz="quarter" idx="12"/>
           </p:nvPr>
         </p:nvSpPr>
         <p:spPr/>
@@ -15739,15 +17433,186 @@
           <a:bodyPr/>
           <a:lstStyle/>
           <a:p>
-            <a:r>
-              <a:rPr lang="en-US"/>
-              <a:t>
-              </a:t>
-            </a:r>
+            <a:fld id="{D57F1E4F-1CFF-5643-939E-217C01CDF565}" type="slidenum">
+              <a:rPr lang="en-US" smtClean="0"/>
+              <a:pPr/>
+              <a:t>14</a:t>
+            </a:fld>
             <a:endParaRPr lang="en-US" dirty="0"/>
           </a:p>
         </p:txBody>
       </p:sp>
+    </p:spTree>
+    <p:extLst>
+      <p:ext uri="{BB962C8B-B14F-4D97-AF65-F5344CB8AC3E}">
+        <p14:creationId xmlns:p14="http://schemas.microsoft.com/office/powerpoint/2010/main" val="2144837086"/>
+      </p:ext>
+    </p:extLst>
+  </p:cSld>
+  <p:clrMapOvr>
+    <a:masterClrMapping/>
+  </p:clrMapOvr>
+</p:sld>
+</file>
+
+<file path=ppt/slides/slide15.xml><?xml version="1.0" encoding="utf-8"?>
+<p:sld xmlns:a="http://schemas.openxmlformats.org/drawingml/2006/main" xmlns:r="http://schemas.openxmlformats.org/officeDocument/2006/relationships" xmlns:p="http://schemas.openxmlformats.org/presentationml/2006/main">
+  <p:cSld>
+    <p:spTree>
+      <p:nvGrpSpPr>
+        <p:cNvPr id="1" name=""/>
+        <p:cNvGrpSpPr/>
+        <p:nvPr/>
+      </p:nvGrpSpPr>
+      <p:grpSpPr>
+        <a:xfrm>
+          <a:off x="0" y="0"/>
+          <a:ext cx="0" cy="0"/>
+          <a:chOff x="0" y="0"/>
+          <a:chExt cx="0" cy="0"/>
+        </a:xfrm>
+      </p:grpSpPr>
+      <p:pic>
+        <p:nvPicPr>
+          <p:cNvPr id="6" name="Content Placeholder 5" descr="Graphical user interface, text, application, email&#10;&#10;Description automatically generated">
+            <a:extLst>
+              <a:ext uri="{FF2B5EF4-FFF2-40B4-BE49-F238E27FC236}">
+                <a16:creationId xmlns:a16="http://schemas.microsoft.com/office/drawing/2014/main" id="{0CB11EE7-4755-46FC-B7B8-3BD84B394F0F}"/>
+              </a:ext>
+            </a:extLst>
+          </p:cNvPr>
+          <p:cNvPicPr>
+            <a:picLocks noGrp="1" noChangeAspect="1"/>
+          </p:cNvPicPr>
+          <p:nvPr>
+            <p:ph idx="4294967295"/>
+          </p:nvPr>
+        </p:nvPicPr>
+        <p:blipFill>
+          <a:blip r:embed="rId3"/>
+          <a:stretch>
+            <a:fillRect/>
+          </a:stretch>
+        </p:blipFill>
+        <p:spPr>
+          <a:xfrm>
+            <a:off x="0" y="0"/>
+            <a:ext cx="9147249" cy="4793879"/>
+          </a:xfrm>
+        </p:spPr>
+      </p:pic>
+      <p:sp>
+        <p:nvSpPr>
+          <p:cNvPr id="7" name="Oval 6">
+            <a:extLst>
+              <a:ext uri="{FF2B5EF4-FFF2-40B4-BE49-F238E27FC236}">
+                <a16:creationId xmlns:a16="http://schemas.microsoft.com/office/drawing/2014/main" id="{30FC3F57-694C-45B3-BBCB-9BEE0593FD7E}"/>
+              </a:ext>
+            </a:extLst>
+          </p:cNvPr>
+          <p:cNvSpPr/>
+          <p:nvPr/>
+        </p:nvSpPr>
+        <p:spPr>
+          <a:xfrm>
+            <a:off x="893212" y="3270229"/>
+            <a:ext cx="2490182" cy="1532038"/>
+          </a:xfrm>
+          <a:prstGeom prst="ellipse">
+            <a:avLst/>
+          </a:prstGeom>
+          <a:noFill/>
+          <a:ln>
+            <a:solidFill>
+              <a:srgbClr val="FF0000"/>
+            </a:solidFill>
+          </a:ln>
+        </p:spPr>
+        <p:style>
+          <a:lnRef idx="2">
+            <a:schemeClr val="accent1">
+              <a:shade val="50000"/>
+            </a:schemeClr>
+          </a:lnRef>
+          <a:fillRef idx="1">
+            <a:schemeClr val="accent1"/>
+          </a:fillRef>
+          <a:effectRef idx="0">
+            <a:schemeClr val="accent1"/>
+          </a:effectRef>
+          <a:fontRef idx="minor">
+            <a:schemeClr val="lt1"/>
+          </a:fontRef>
+        </p:style>
+        <p:txBody>
+          <a:bodyPr rtlCol="0" anchor="ctr"/>
+          <a:lstStyle/>
+          <a:p>
+            <a:pPr algn="ctr"/>
+            <a:endParaRPr lang="en-US"/>
+          </a:p>
+        </p:txBody>
+      </p:sp>
+      <p:sp>
+        <p:nvSpPr>
+          <p:cNvPr id="3" name="Slide Number Placeholder 2">
+            <a:extLst>
+              <a:ext uri="{FF2B5EF4-FFF2-40B4-BE49-F238E27FC236}">
+                <a16:creationId xmlns:a16="http://schemas.microsoft.com/office/drawing/2014/main" id="{49531322-0472-4A2D-B4A5-75D32A90D307}"/>
+              </a:ext>
+            </a:extLst>
+          </p:cNvPr>
+          <p:cNvSpPr>
+            <a:spLocks noGrp="1"/>
+          </p:cNvSpPr>
+          <p:nvPr>
+            <p:ph type="sldNum" sz="quarter" idx="12"/>
+          </p:nvPr>
+        </p:nvSpPr>
+        <p:spPr/>
+        <p:txBody>
+          <a:bodyPr/>
+          <a:lstStyle/>
+          <a:p>
+            <a:fld id="{D57F1E4F-1CFF-5643-939E-217C01CDF565}" type="slidenum">
+              <a:rPr lang="en-US" smtClean="0"/>
+              <a:pPr/>
+              <a:t>15</a:t>
+            </a:fld>
+            <a:endParaRPr lang="en-US" dirty="0"/>
+          </a:p>
+        </p:txBody>
+      </p:sp>
+    </p:spTree>
+    <p:extLst>
+      <p:ext uri="{BB962C8B-B14F-4D97-AF65-F5344CB8AC3E}">
+        <p14:creationId xmlns:p14="http://schemas.microsoft.com/office/powerpoint/2010/main" val="1666243795"/>
+      </p:ext>
+    </p:extLst>
+  </p:cSld>
+  <p:clrMapOvr>
+    <a:masterClrMapping/>
+  </p:clrMapOvr>
+</p:sld>
+</file>
+
+<file path=ppt/slides/slide16.xml><?xml version="1.0" encoding="utf-8"?>
+<p:sld xmlns:a="http://schemas.openxmlformats.org/drawingml/2006/main" xmlns:r="http://schemas.openxmlformats.org/officeDocument/2006/relationships" xmlns:p="http://schemas.openxmlformats.org/presentationml/2006/main">
+  <p:cSld>
+    <p:spTree>
+      <p:nvGrpSpPr>
+        <p:cNvPr id="1" name=""/>
+        <p:cNvGrpSpPr/>
+        <p:nvPr/>
+      </p:nvGrpSpPr>
+      <p:grpSpPr>
+        <a:xfrm>
+          <a:off x="0" y="0"/>
+          <a:ext cx="0" cy="0"/>
+          <a:chOff x="0" y="0"/>
+          <a:chExt cx="0" cy="0"/>
+        </a:xfrm>
+      </p:grpSpPr>
       <p:pic>
         <p:nvPicPr>
           <p:cNvPr id="3" name="Picture 2" descr="Graphical user interface, table&#10;&#10;Description automatically generated">
@@ -15953,6 +17818,36 @@
           <a:p>
             <a:pPr algn="ctr"/>
             <a:endParaRPr lang="en-US"/>
+          </a:p>
+        </p:txBody>
+      </p:sp>
+      <p:sp>
+        <p:nvSpPr>
+          <p:cNvPr id="5" name="Slide Number Placeholder 4">
+            <a:extLst>
+              <a:ext uri="{FF2B5EF4-FFF2-40B4-BE49-F238E27FC236}">
+                <a16:creationId xmlns:a16="http://schemas.microsoft.com/office/drawing/2014/main" id="{8843E3C8-2578-43D7-91FD-199B6666B7B1}"/>
+              </a:ext>
+            </a:extLst>
+          </p:cNvPr>
+          <p:cNvSpPr>
+            <a:spLocks noGrp="1"/>
+          </p:cNvSpPr>
+          <p:nvPr>
+            <p:ph type="sldNum" sz="quarter" idx="12"/>
+          </p:nvPr>
+        </p:nvSpPr>
+        <p:spPr/>
+        <p:txBody>
+          <a:bodyPr/>
+          <a:lstStyle/>
+          <a:p>
+            <a:fld id="{D57F1E4F-1CFF-5643-939E-217C01CDF565}" type="slidenum">
+              <a:rPr lang="en-US" smtClean="0"/>
+              <a:pPr/>
+              <a:t>16</a:t>
+            </a:fld>
+            <a:endParaRPr lang="en-US" dirty="0"/>
           </a:p>
         </p:txBody>
       </p:sp>
@@ -16182,7 +18077,7 @@
 </p:sld>
 </file>
 
-<file path=ppt/slides/slide12.xml><?xml version="1.0" encoding="utf-8"?>
+<file path=ppt/slides/slide17.xml><?xml version="1.0" encoding="utf-8"?>
 <p:sld xmlns:a="http://schemas.openxmlformats.org/drawingml/2006/main" xmlns:r="http://schemas.openxmlformats.org/officeDocument/2006/relationships" xmlns:p="http://schemas.openxmlformats.org/presentationml/2006/main">
   <p:cSld>
     <p:spTree>
@@ -16284,17 +18179,7 @@
                   <a:schemeClr val="tx1"/>
                 </a:solidFill>
               </a:rPr>
-              <a:t> scoring (ANOVAs)</a:t>
-            </a:r>
-          </a:p>
-          <a:p>
-            <a:r>
-              <a:rPr lang="en-US" sz="1750" dirty="0">
-                <a:solidFill>
-                  <a:schemeClr val="tx1"/>
-                </a:solidFill>
-              </a:rPr>
-              <a:t>Sensitivity and specificity analyses</a:t>
+              <a:t> scoring Sensitivity and specificity analyses</a:t>
             </a:r>
           </a:p>
           <a:p>
@@ -16347,10 +18232,10 @@
       </p:sp>
       <p:sp>
         <p:nvSpPr>
-          <p:cNvPr id="4" name="Footer Placeholder 3">
+          <p:cNvPr id="6" name="Slide Number Placeholder 5">
             <a:extLst>
               <a:ext uri="{FF2B5EF4-FFF2-40B4-BE49-F238E27FC236}">
-                <a16:creationId xmlns:a16="http://schemas.microsoft.com/office/drawing/2014/main" id="{A2AE2969-1273-4A3C-8C5F-3EAB04C45AF5}"/>
+                <a16:creationId xmlns:a16="http://schemas.microsoft.com/office/drawing/2014/main" id="{8F2110C3-6444-4229-9176-32055DE61EAF}"/>
               </a:ext>
             </a:extLst>
           </p:cNvPr>
@@ -16358,7 +18243,7 @@
             <a:spLocks noGrp="1"/>
           </p:cNvSpPr>
           <p:nvPr>
-            <p:ph type="ftr" sz="quarter" idx="11"/>
+            <p:ph type="sldNum" sz="quarter" idx="12"/>
           </p:nvPr>
         </p:nvSpPr>
         <p:spPr/>
@@ -16366,11 +18251,11 @@
           <a:bodyPr/>
           <a:lstStyle/>
           <a:p>
-            <a:r>
-              <a:rPr lang="en-US"/>
-              <a:t>
-              </a:t>
-            </a:r>
+            <a:fld id="{D57F1E4F-1CFF-5643-939E-217C01CDF565}" type="slidenum">
+              <a:rPr lang="en-US" smtClean="0"/>
+              <a:pPr/>
+              <a:t>17</a:t>
+            </a:fld>
             <a:endParaRPr lang="en-US" dirty="0"/>
           </a:p>
         </p:txBody>
@@ -16491,55 +18376,6 @@
                       </p:childTnLst>
                     </p:cTn>
                   </p:par>
-                  <p:par>
-                    <p:cTn id="11" fill="hold">
-                      <p:stCondLst>
-                        <p:cond delay="indefinite"/>
-                      </p:stCondLst>
-                      <p:childTnLst>
-                        <p:par>
-                          <p:cTn id="12" fill="hold">
-                            <p:stCondLst>
-                              <p:cond delay="0"/>
-                            </p:stCondLst>
-                            <p:childTnLst>
-                              <p:par>
-                                <p:cTn id="13" presetID="1" presetClass="entr" presetSubtype="0" fill="hold" nodeType="clickEffect">
-                                  <p:stCondLst>
-                                    <p:cond delay="0"/>
-                                  </p:stCondLst>
-                                  <p:childTnLst>
-                                    <p:set>
-                                      <p:cBhvr>
-                                        <p:cTn id="14" dur="1" fill="hold">
-                                          <p:stCondLst>
-                                            <p:cond delay="0"/>
-                                          </p:stCondLst>
-                                        </p:cTn>
-                                        <p:tgtEl>
-                                          <p:spTgt spid="3">
-                                            <p:txEl>
-                                              <p:pRg st="3" end="3"/>
-                                            </p:txEl>
-                                          </p:spTgt>
-                                        </p:tgtEl>
-                                        <p:attrNameLst>
-                                          <p:attrName>style.visibility</p:attrName>
-                                        </p:attrNameLst>
-                                      </p:cBhvr>
-                                      <p:to>
-                                        <p:strVal val="visible"/>
-                                      </p:to>
-                                    </p:set>
-                                  </p:childTnLst>
-                                </p:cTn>
-                              </p:par>
-                            </p:childTnLst>
-                          </p:cTn>
-                        </p:par>
-                      </p:childTnLst>
-                    </p:cTn>
-                  </p:par>
                 </p:childTnLst>
               </p:cTn>
               <p:prevCondLst>
@@ -16565,7 +18401,7 @@
 </p:sld>
 </file>
 
-<file path=ppt/slides/slide13.xml><?xml version="1.0" encoding="utf-8"?>
+<file path=ppt/slides/slide18.xml><?xml version="1.0" encoding="utf-8"?>
 <p:sld xmlns:a="http://schemas.openxmlformats.org/drawingml/2006/main" xmlns:r="http://schemas.openxmlformats.org/officeDocument/2006/relationships" xmlns:p="http://schemas.openxmlformats.org/presentationml/2006/main">
   <p:cSld>
     <p:spTree>
@@ -16678,10 +18514,10 @@
       </p:sp>
       <p:sp>
         <p:nvSpPr>
-          <p:cNvPr id="4" name="Footer Placeholder 3">
+          <p:cNvPr id="6" name="Slide Number Placeholder 5">
             <a:extLst>
               <a:ext uri="{FF2B5EF4-FFF2-40B4-BE49-F238E27FC236}">
-                <a16:creationId xmlns:a16="http://schemas.microsoft.com/office/drawing/2014/main" id="{E9FA8B5A-3260-4792-A3A4-2AF0EB2A7CFE}"/>
+                <a16:creationId xmlns:a16="http://schemas.microsoft.com/office/drawing/2014/main" id="{95654DCB-5604-44CB-9D85-AC6ECC07F075}"/>
               </a:ext>
             </a:extLst>
           </p:cNvPr>
@@ -16689,7 +18525,7 @@
             <a:spLocks noGrp="1"/>
           </p:cNvSpPr>
           <p:nvPr>
-            <p:ph type="ftr" sz="quarter" idx="11"/>
+            <p:ph type="sldNum" sz="quarter" idx="12"/>
           </p:nvPr>
         </p:nvSpPr>
         <p:spPr/>
@@ -16697,11 +18533,11 @@
           <a:bodyPr/>
           <a:lstStyle/>
           <a:p>
-            <a:r>
-              <a:rPr lang="en-US"/>
-              <a:t>
-              </a:t>
-            </a:r>
+            <a:fld id="{D57F1E4F-1CFF-5643-939E-217C01CDF565}" type="slidenum">
+              <a:rPr lang="en-US" smtClean="0"/>
+              <a:pPr/>
+              <a:t>18</a:t>
+            </a:fld>
             <a:endParaRPr lang="en-US" dirty="0"/>
           </a:p>
         </p:txBody>
@@ -16719,1156 +18555,7 @@
 </p:sld>
 </file>
 
-<file path=ppt/slides/slide14.xml><?xml version="1.0" encoding="utf-8"?>
-<p:sld xmlns:a="http://schemas.openxmlformats.org/drawingml/2006/main" xmlns:r="http://schemas.openxmlformats.org/officeDocument/2006/relationships" xmlns:p="http://schemas.openxmlformats.org/presentationml/2006/main">
-  <p:cSld>
-    <p:spTree>
-      <p:nvGrpSpPr>
-        <p:cNvPr id="1" name=""/>
-        <p:cNvGrpSpPr/>
-        <p:nvPr/>
-      </p:nvGrpSpPr>
-      <p:grpSpPr>
-        <a:xfrm>
-          <a:off x="0" y="0"/>
-          <a:ext cx="0" cy="0"/>
-          <a:chOff x="0" y="0"/>
-          <a:chExt cx="0" cy="0"/>
-        </a:xfrm>
-      </p:grpSpPr>
-      <p:sp>
-        <p:nvSpPr>
-          <p:cNvPr id="2" name="Title 1">
-            <a:extLst>
-              <a:ext uri="{FF2B5EF4-FFF2-40B4-BE49-F238E27FC236}">
-                <a16:creationId xmlns:a16="http://schemas.microsoft.com/office/drawing/2014/main" id="{28849B26-4C63-4518-8979-C30E3E564944}"/>
-              </a:ext>
-            </a:extLst>
-          </p:cNvPr>
-          <p:cNvSpPr>
-            <a:spLocks noGrp="1"/>
-          </p:cNvSpPr>
-          <p:nvPr>
-            <p:ph type="title"/>
-          </p:nvPr>
-        </p:nvSpPr>
-        <p:spPr/>
-        <p:txBody>
-          <a:bodyPr/>
-          <a:lstStyle/>
-          <a:p>
-            <a:r>
-              <a:rPr lang="en-US" b="1" dirty="0"/>
-              <a:t>Results</a:t>
-            </a:r>
-          </a:p>
-        </p:txBody>
-      </p:sp>
-      <p:graphicFrame>
-        <p:nvGraphicFramePr>
-          <p:cNvPr id="5" name="Table 5">
-            <a:extLst>
-              <a:ext uri="{FF2B5EF4-FFF2-40B4-BE49-F238E27FC236}">
-                <a16:creationId xmlns:a16="http://schemas.microsoft.com/office/drawing/2014/main" id="{D38D64F8-53E5-4500-80DF-E02DEB4C4654}"/>
-              </a:ext>
-            </a:extLst>
-          </p:cNvPr>
-          <p:cNvGraphicFramePr>
-            <a:graphicFrameLocks noGrp="1"/>
-          </p:cNvGraphicFramePr>
-          <p:nvPr>
-            <p:ph idx="1"/>
-            <p:extLst>
-              <p:ext uri="{D42A27DB-BD31-4B8C-83A1-F6EECF244321}">
-                <p14:modId xmlns:p14="http://schemas.microsoft.com/office/powerpoint/2010/main" val="682943490"/>
-              </p:ext>
-            </p:extLst>
-          </p:nvPr>
-        </p:nvGraphicFramePr>
-        <p:xfrm>
-          <a:off x="866215" y="1879052"/>
-          <a:ext cx="6894785" cy="1725996"/>
-        </p:xfrm>
-        <a:graphic>
-          <a:graphicData uri="http://schemas.openxmlformats.org/drawingml/2006/table">
-            <a:tbl>
-              <a:tblPr firstRow="1" bandRow="1">
-                <a:tableStyleId>{5C22544A-7EE6-4342-B048-85BDC9FD1C3A}</a:tableStyleId>
-              </a:tblPr>
-              <a:tblGrid>
-                <a:gridCol w="1133518">
-                  <a:extLst>
-                    <a:ext uri="{9D8B030D-6E8A-4147-A177-3AD203B41FA5}">
-                      <a16:colId xmlns:a16="http://schemas.microsoft.com/office/drawing/2014/main" val="1414667312"/>
-                    </a:ext>
-                  </a:extLst>
-                </a:gridCol>
-                <a:gridCol w="861849">
-                  <a:extLst>
-                    <a:ext uri="{9D8B030D-6E8A-4147-A177-3AD203B41FA5}">
-                      <a16:colId xmlns:a16="http://schemas.microsoft.com/office/drawing/2014/main" val="3022451391"/>
-                    </a:ext>
-                  </a:extLst>
-                </a:gridCol>
-                <a:gridCol w="800956">
-                  <a:extLst>
-                    <a:ext uri="{9D8B030D-6E8A-4147-A177-3AD203B41FA5}">
-                      <a16:colId xmlns:a16="http://schemas.microsoft.com/office/drawing/2014/main" val="1655699768"/>
-                    </a:ext>
-                  </a:extLst>
-                </a:gridCol>
-                <a:gridCol w="810324">
-                  <a:extLst>
-                    <a:ext uri="{9D8B030D-6E8A-4147-A177-3AD203B41FA5}">
-                      <a16:colId xmlns:a16="http://schemas.microsoft.com/office/drawing/2014/main" val="3095863849"/>
-                    </a:ext>
-                  </a:extLst>
-                </a:gridCol>
-                <a:gridCol w="805641">
-                  <a:extLst>
-                    <a:ext uri="{9D8B030D-6E8A-4147-A177-3AD203B41FA5}">
-                      <a16:colId xmlns:a16="http://schemas.microsoft.com/office/drawing/2014/main" val="3765619605"/>
-                    </a:ext>
-                  </a:extLst>
-                </a:gridCol>
-                <a:gridCol w="796273">
-                  <a:extLst>
-                    <a:ext uri="{9D8B030D-6E8A-4147-A177-3AD203B41FA5}">
-                      <a16:colId xmlns:a16="http://schemas.microsoft.com/office/drawing/2014/main" val="3776992281"/>
-                    </a:ext>
-                  </a:extLst>
-                </a:gridCol>
-                <a:gridCol w="843112">
-                  <a:extLst>
-                    <a:ext uri="{9D8B030D-6E8A-4147-A177-3AD203B41FA5}">
-                      <a16:colId xmlns:a16="http://schemas.microsoft.com/office/drawing/2014/main" val="2538133775"/>
-                    </a:ext>
-                  </a:extLst>
-                </a:gridCol>
-                <a:gridCol w="843112">
-                  <a:extLst>
-                    <a:ext uri="{9D8B030D-6E8A-4147-A177-3AD203B41FA5}">
-                      <a16:colId xmlns:a16="http://schemas.microsoft.com/office/drawing/2014/main" val="904071087"/>
-                    </a:ext>
-                  </a:extLst>
-                </a:gridCol>
-              </a:tblGrid>
-              <a:tr h="464936">
-                <a:tc>
-                  <a:txBody>
-                    <a:bodyPr/>
-                    <a:lstStyle/>
-                    <a:p>
-                      <a:r>
-                        <a:rPr lang="en-US" dirty="0"/>
-                        <a:t>Study</a:t>
-                      </a:r>
-                    </a:p>
-                  </a:txBody>
-                  <a:tcPr/>
-                </a:tc>
-                <a:tc>
-                  <a:txBody>
-                    <a:bodyPr/>
-                    <a:lstStyle/>
-                    <a:p>
-                      <a:r>
-                        <a:rPr lang="en-US" dirty="0"/>
-                        <a:t>Manual</a:t>
-                      </a:r>
-                    </a:p>
-                  </a:txBody>
-                  <a:tcPr/>
-                </a:tc>
-                <a:tc>
-                  <a:txBody>
-                    <a:bodyPr/>
-                    <a:lstStyle/>
-                    <a:p>
-                      <a:r>
-                        <a:rPr lang="en-US" dirty="0"/>
-                        <a:t>Lev 0</a:t>
-                      </a:r>
-                    </a:p>
-                  </a:txBody>
-                  <a:tcPr/>
-                </a:tc>
-                <a:tc>
-                  <a:txBody>
-                    <a:bodyPr/>
-                    <a:lstStyle/>
-                    <a:p>
-                      <a:r>
-                        <a:rPr lang="en-US" dirty="0"/>
-                        <a:t>Lev 1</a:t>
-                      </a:r>
-                    </a:p>
-                  </a:txBody>
-                  <a:tcPr/>
-                </a:tc>
-                <a:tc>
-                  <a:txBody>
-                    <a:bodyPr/>
-                    <a:lstStyle/>
-                    <a:p>
-                      <a:r>
-                        <a:rPr lang="en-US" dirty="0"/>
-                        <a:t>Lev 2</a:t>
-                      </a:r>
-                    </a:p>
-                  </a:txBody>
-                  <a:tcPr/>
-                </a:tc>
-                <a:tc>
-                  <a:txBody>
-                    <a:bodyPr/>
-                    <a:lstStyle/>
-                    <a:p>
-                      <a:r>
-                        <a:rPr lang="en-US" dirty="0"/>
-                        <a:t>Lev 3</a:t>
-                      </a:r>
-                    </a:p>
-                  </a:txBody>
-                  <a:tcPr/>
-                </a:tc>
-                <a:tc>
-                  <a:txBody>
-                    <a:bodyPr/>
-                    <a:lstStyle/>
-                    <a:p>
-                      <a:r>
-                        <a:rPr lang="en-US" dirty="0"/>
-                        <a:t>Lev 4</a:t>
-                      </a:r>
-                    </a:p>
-                  </a:txBody>
-                  <a:tcPr/>
-                </a:tc>
-                <a:tc>
-                  <a:txBody>
-                    <a:bodyPr/>
-                    <a:lstStyle/>
-                    <a:p>
-                      <a:r>
-                        <a:rPr lang="en-US" dirty="0"/>
-                        <a:t>Lev 5</a:t>
-                      </a:r>
-                    </a:p>
-                  </a:txBody>
-                  <a:tcPr/>
-                </a:tc>
-                <a:extLst>
-                  <a:ext uri="{0D108BD9-81ED-4DB2-BD59-A6C34878D82A}">
-                    <a16:rowId xmlns:a16="http://schemas.microsoft.com/office/drawing/2014/main" val="3094978493"/>
-                  </a:ext>
-                </a:extLst>
-              </a:tr>
-              <a:tr h="630530">
-                <a:tc>
-                  <a:txBody>
-                    <a:bodyPr/>
-                    <a:lstStyle/>
-                    <a:p>
-                      <a:r>
-                        <a:rPr lang="en-US" dirty="0"/>
-                        <a:t>Maxwell &amp; Buchanan</a:t>
-                      </a:r>
-                    </a:p>
-                  </a:txBody>
-                  <a:tcPr/>
-                </a:tc>
-                <a:tc>
-                  <a:txBody>
-                    <a:bodyPr/>
-                    <a:lstStyle/>
-                    <a:p>
-                      <a:r>
-                        <a:rPr lang="en-US" b="0" dirty="0"/>
-                        <a:t>54.14</a:t>
-                      </a:r>
-                    </a:p>
-                  </a:txBody>
-                  <a:tcPr/>
-                </a:tc>
-                <a:tc>
-                  <a:txBody>
-                    <a:bodyPr/>
-                    <a:lstStyle/>
-                    <a:p>
-                      <a:r>
-                        <a:rPr lang="en-US" dirty="0"/>
-                        <a:t>50.72</a:t>
-                      </a:r>
-                    </a:p>
-                  </a:txBody>
-                  <a:tcPr/>
-                </a:tc>
-                <a:tc>
-                  <a:txBody>
-                    <a:bodyPr/>
-                    <a:lstStyle/>
-                    <a:p>
-                      <a:r>
-                        <a:rPr lang="en-US" dirty="0"/>
-                        <a:t>52.14</a:t>
-                      </a:r>
-                    </a:p>
-                  </a:txBody>
-                  <a:tcPr/>
-                </a:tc>
-                <a:tc>
-                  <a:txBody>
-                    <a:bodyPr/>
-                    <a:lstStyle/>
-                    <a:p>
-                      <a:r>
-                        <a:rPr lang="en-US" dirty="0"/>
-                        <a:t>53.37</a:t>
-                      </a:r>
-                    </a:p>
-                  </a:txBody>
-                  <a:tcPr/>
-                </a:tc>
-                <a:tc>
-                  <a:txBody>
-                    <a:bodyPr/>
-                    <a:lstStyle/>
-                    <a:p>
-                      <a:r>
-                        <a:rPr lang="en-US" dirty="0"/>
-                        <a:t>61.30*</a:t>
-                      </a:r>
-                    </a:p>
-                  </a:txBody>
-                  <a:tcPr/>
-                </a:tc>
-                <a:tc>
-                  <a:txBody>
-                    <a:bodyPr/>
-                    <a:lstStyle/>
-                    <a:p>
-                      <a:r>
-                        <a:rPr lang="en-US" dirty="0"/>
-                        <a:t>77.42*</a:t>
-                      </a:r>
-                    </a:p>
-                  </a:txBody>
-                  <a:tcPr/>
-                </a:tc>
-                <a:tc>
-                  <a:txBody>
-                    <a:bodyPr/>
-                    <a:lstStyle/>
-                    <a:p>
-                      <a:r>
-                        <a:rPr lang="en-US" dirty="0"/>
-                        <a:t>88.48*</a:t>
-                      </a:r>
-                    </a:p>
-                  </a:txBody>
-                  <a:tcPr/>
-                </a:tc>
-                <a:extLst>
-                  <a:ext uri="{0D108BD9-81ED-4DB2-BD59-A6C34878D82A}">
-                    <a16:rowId xmlns:a16="http://schemas.microsoft.com/office/drawing/2014/main" val="1717987609"/>
-                  </a:ext>
-                </a:extLst>
-              </a:tr>
-              <a:tr h="630530">
-                <a:tc>
-                  <a:txBody>
-                    <a:bodyPr/>
-                    <a:lstStyle/>
-                    <a:p>
-                      <a:r>
-                        <a:rPr lang="en-US" dirty="0"/>
-                        <a:t>Maxwell &amp; Huff</a:t>
-                      </a:r>
-                    </a:p>
-                  </a:txBody>
-                  <a:tcPr/>
-                </a:tc>
-                <a:tc>
-                  <a:txBody>
-                    <a:bodyPr/>
-                    <a:lstStyle/>
-                    <a:p>
-                      <a:r>
-                        <a:rPr lang="en-US" b="0" dirty="0"/>
-                        <a:t>43.96</a:t>
-                      </a:r>
-                    </a:p>
-                  </a:txBody>
-                  <a:tcPr/>
-                </a:tc>
-                <a:tc>
-                  <a:txBody>
-                    <a:bodyPr/>
-                    <a:lstStyle/>
-                    <a:p>
-                      <a:r>
-                        <a:rPr lang="en-US" dirty="0"/>
-                        <a:t>41.06</a:t>
-                      </a:r>
-                    </a:p>
-                  </a:txBody>
-                  <a:tcPr/>
-                </a:tc>
-                <a:tc>
-                  <a:txBody>
-                    <a:bodyPr/>
-                    <a:lstStyle/>
-                    <a:p>
-                      <a:r>
-                        <a:rPr lang="en-US" dirty="0"/>
-                        <a:t>43.11</a:t>
-                      </a:r>
-                    </a:p>
-                  </a:txBody>
-                  <a:tcPr/>
-                </a:tc>
-                <a:tc>
-                  <a:txBody>
-                    <a:bodyPr/>
-                    <a:lstStyle/>
-                    <a:p>
-                      <a:r>
-                        <a:rPr lang="en-US" dirty="0"/>
-                        <a:t>44.86</a:t>
-                      </a:r>
-                    </a:p>
-                  </a:txBody>
-                  <a:tcPr/>
-                </a:tc>
-                <a:tc>
-                  <a:txBody>
-                    <a:bodyPr/>
-                    <a:lstStyle/>
-                    <a:p>
-                      <a:r>
-                        <a:rPr lang="en-US" dirty="0"/>
-                        <a:t>50.83*</a:t>
-                      </a:r>
-                    </a:p>
-                  </a:txBody>
-                  <a:tcPr/>
-                </a:tc>
-                <a:tc>
-                  <a:txBody>
-                    <a:bodyPr/>
-                    <a:lstStyle/>
-                    <a:p>
-                      <a:r>
-                        <a:rPr lang="en-US" dirty="0"/>
-                        <a:t>64.84*</a:t>
-                      </a:r>
-                    </a:p>
-                  </a:txBody>
-                  <a:tcPr/>
-                </a:tc>
-                <a:tc>
-                  <a:txBody>
-                    <a:bodyPr/>
-                    <a:lstStyle/>
-                    <a:p>
-                      <a:r>
-                        <a:rPr lang="en-US" dirty="0"/>
-                        <a:t>77.69*</a:t>
-                      </a:r>
-                    </a:p>
-                  </a:txBody>
-                  <a:tcPr/>
-                </a:tc>
-                <a:extLst>
-                  <a:ext uri="{0D108BD9-81ED-4DB2-BD59-A6C34878D82A}">
-                    <a16:rowId xmlns:a16="http://schemas.microsoft.com/office/drawing/2014/main" val="552033736"/>
-                  </a:ext>
-                </a:extLst>
-              </a:tr>
-            </a:tbl>
-          </a:graphicData>
-        </a:graphic>
-      </p:graphicFrame>
-      <p:sp>
-        <p:nvSpPr>
-          <p:cNvPr id="4" name="Footer Placeholder 3">
-            <a:extLst>
-              <a:ext uri="{FF2B5EF4-FFF2-40B4-BE49-F238E27FC236}">
-                <a16:creationId xmlns:a16="http://schemas.microsoft.com/office/drawing/2014/main" id="{E840E93B-3EB5-41FD-9778-380533936B76}"/>
-              </a:ext>
-            </a:extLst>
-          </p:cNvPr>
-          <p:cNvSpPr>
-            <a:spLocks noGrp="1"/>
-          </p:cNvSpPr>
-          <p:nvPr>
-            <p:ph type="ftr" sz="quarter" idx="11"/>
-          </p:nvPr>
-        </p:nvSpPr>
-        <p:spPr/>
-        <p:txBody>
-          <a:bodyPr/>
-          <a:lstStyle/>
-          <a:p>
-            <a:r>
-              <a:rPr lang="en-US"/>
-              <a:t>
-              </a:t>
-            </a:r>
-            <a:endParaRPr lang="en-US" dirty="0"/>
-          </a:p>
-        </p:txBody>
-      </p:sp>
-      <p:sp>
-        <p:nvSpPr>
-          <p:cNvPr id="7" name="TextBox 6">
-            <a:extLst>
-              <a:ext uri="{FF2B5EF4-FFF2-40B4-BE49-F238E27FC236}">
-                <a16:creationId xmlns:a16="http://schemas.microsoft.com/office/drawing/2014/main" id="{CCA89930-FC6C-472B-84FA-E9EA1B78E878}"/>
-              </a:ext>
-            </a:extLst>
-          </p:cNvPr>
-          <p:cNvSpPr txBox="1"/>
-          <p:nvPr/>
-        </p:nvSpPr>
-        <p:spPr>
-          <a:xfrm>
-            <a:off x="4866290" y="3638431"/>
-            <a:ext cx="3621704" cy="276999"/>
-          </a:xfrm>
-          <a:prstGeom prst="rect">
-            <a:avLst/>
-          </a:prstGeom>
-          <a:noFill/>
-        </p:spPr>
-        <p:txBody>
-          <a:bodyPr wrap="square" rtlCol="0">
-            <a:spAutoFit/>
-          </a:bodyPr>
-          <a:lstStyle/>
-          <a:p>
-            <a:r>
-              <a:rPr lang="en-US" sz="1200" dirty="0"/>
-              <a:t>* = </a:t>
-            </a:r>
-            <a:r>
-              <a:rPr lang="en-US" sz="1200" i="1" dirty="0"/>
-              <a:t>p</a:t>
-            </a:r>
-            <a:r>
-              <a:rPr lang="en-US" sz="1200" dirty="0"/>
-              <a:t> &lt; .05 relative to manually coded</a:t>
-            </a:r>
-          </a:p>
-        </p:txBody>
-      </p:sp>
-    </p:spTree>
-    <p:extLst>
-      <p:ext uri="{BB962C8B-B14F-4D97-AF65-F5344CB8AC3E}">
-        <p14:creationId xmlns:p14="http://schemas.microsoft.com/office/powerpoint/2010/main" val="4069836763"/>
-      </p:ext>
-    </p:extLst>
-  </p:cSld>
-  <p:clrMapOvr>
-    <a:masterClrMapping/>
-  </p:clrMapOvr>
-</p:sld>
-</file>
-
-<file path=ppt/slides/slide15.xml><?xml version="1.0" encoding="utf-8"?>
-<p:sld xmlns:a="http://schemas.openxmlformats.org/drawingml/2006/main" xmlns:r="http://schemas.openxmlformats.org/officeDocument/2006/relationships" xmlns:p="http://schemas.openxmlformats.org/presentationml/2006/main">
-  <p:cSld>
-    <p:spTree>
-      <p:nvGrpSpPr>
-        <p:cNvPr id="1" name=""/>
-        <p:cNvGrpSpPr/>
-        <p:nvPr/>
-      </p:nvGrpSpPr>
-      <p:grpSpPr>
-        <a:xfrm>
-          <a:off x="0" y="0"/>
-          <a:ext cx="0" cy="0"/>
-          <a:chOff x="0" y="0"/>
-          <a:chExt cx="0" cy="0"/>
-        </a:xfrm>
-      </p:grpSpPr>
-      <p:sp>
-        <p:nvSpPr>
-          <p:cNvPr id="2" name="Title 1">
-            <a:extLst>
-              <a:ext uri="{FF2B5EF4-FFF2-40B4-BE49-F238E27FC236}">
-                <a16:creationId xmlns:a16="http://schemas.microsoft.com/office/drawing/2014/main" id="{28849B26-4C63-4518-8979-C30E3E564944}"/>
-              </a:ext>
-            </a:extLst>
-          </p:cNvPr>
-          <p:cNvSpPr>
-            <a:spLocks noGrp="1"/>
-          </p:cNvSpPr>
-          <p:nvPr>
-            <p:ph type="title"/>
-          </p:nvPr>
-        </p:nvSpPr>
-        <p:spPr/>
-        <p:txBody>
-          <a:bodyPr/>
-          <a:lstStyle/>
-          <a:p>
-            <a:r>
-              <a:rPr lang="en-US" b="1" dirty="0"/>
-              <a:t>Results</a:t>
-            </a:r>
-          </a:p>
-        </p:txBody>
-      </p:sp>
-      <p:graphicFrame>
-        <p:nvGraphicFramePr>
-          <p:cNvPr id="5" name="Table 5">
-            <a:extLst>
-              <a:ext uri="{FF2B5EF4-FFF2-40B4-BE49-F238E27FC236}">
-                <a16:creationId xmlns:a16="http://schemas.microsoft.com/office/drawing/2014/main" id="{D38D64F8-53E5-4500-80DF-E02DEB4C4654}"/>
-              </a:ext>
-            </a:extLst>
-          </p:cNvPr>
-          <p:cNvGraphicFramePr>
-            <a:graphicFrameLocks noGrp="1"/>
-          </p:cNvGraphicFramePr>
-          <p:nvPr>
-            <p:ph idx="1"/>
-            <p:extLst>
-              <p:ext uri="{D42A27DB-BD31-4B8C-83A1-F6EECF244321}">
-                <p14:modId xmlns:p14="http://schemas.microsoft.com/office/powerpoint/2010/main" val="4234611559"/>
-              </p:ext>
-            </p:extLst>
-          </p:nvPr>
-        </p:nvGraphicFramePr>
-        <p:xfrm>
-          <a:off x="866215" y="1879052"/>
-          <a:ext cx="6894785" cy="1725996"/>
-        </p:xfrm>
-        <a:graphic>
-          <a:graphicData uri="http://schemas.openxmlformats.org/drawingml/2006/table">
-            <a:tbl>
-              <a:tblPr firstRow="1" bandRow="1">
-                <a:tableStyleId>{5C22544A-7EE6-4342-B048-85BDC9FD1C3A}</a:tableStyleId>
-              </a:tblPr>
-              <a:tblGrid>
-                <a:gridCol w="1133518">
-                  <a:extLst>
-                    <a:ext uri="{9D8B030D-6E8A-4147-A177-3AD203B41FA5}">
-                      <a16:colId xmlns:a16="http://schemas.microsoft.com/office/drawing/2014/main" val="1414667312"/>
-                    </a:ext>
-                  </a:extLst>
-                </a:gridCol>
-                <a:gridCol w="861849">
-                  <a:extLst>
-                    <a:ext uri="{9D8B030D-6E8A-4147-A177-3AD203B41FA5}">
-                      <a16:colId xmlns:a16="http://schemas.microsoft.com/office/drawing/2014/main" val="3022451391"/>
-                    </a:ext>
-                  </a:extLst>
-                </a:gridCol>
-                <a:gridCol w="800956">
-                  <a:extLst>
-                    <a:ext uri="{9D8B030D-6E8A-4147-A177-3AD203B41FA5}">
-                      <a16:colId xmlns:a16="http://schemas.microsoft.com/office/drawing/2014/main" val="1655699768"/>
-                    </a:ext>
-                  </a:extLst>
-                </a:gridCol>
-                <a:gridCol w="810324">
-                  <a:extLst>
-                    <a:ext uri="{9D8B030D-6E8A-4147-A177-3AD203B41FA5}">
-                      <a16:colId xmlns:a16="http://schemas.microsoft.com/office/drawing/2014/main" val="3095863849"/>
-                    </a:ext>
-                  </a:extLst>
-                </a:gridCol>
-                <a:gridCol w="805641">
-                  <a:extLst>
-                    <a:ext uri="{9D8B030D-6E8A-4147-A177-3AD203B41FA5}">
-                      <a16:colId xmlns:a16="http://schemas.microsoft.com/office/drawing/2014/main" val="3765619605"/>
-                    </a:ext>
-                  </a:extLst>
-                </a:gridCol>
-                <a:gridCol w="796273">
-                  <a:extLst>
-                    <a:ext uri="{9D8B030D-6E8A-4147-A177-3AD203B41FA5}">
-                      <a16:colId xmlns:a16="http://schemas.microsoft.com/office/drawing/2014/main" val="3776992281"/>
-                    </a:ext>
-                  </a:extLst>
-                </a:gridCol>
-                <a:gridCol w="843112">
-                  <a:extLst>
-                    <a:ext uri="{9D8B030D-6E8A-4147-A177-3AD203B41FA5}">
-                      <a16:colId xmlns:a16="http://schemas.microsoft.com/office/drawing/2014/main" val="2538133775"/>
-                    </a:ext>
-                  </a:extLst>
-                </a:gridCol>
-                <a:gridCol w="843112">
-                  <a:extLst>
-                    <a:ext uri="{9D8B030D-6E8A-4147-A177-3AD203B41FA5}">
-                      <a16:colId xmlns:a16="http://schemas.microsoft.com/office/drawing/2014/main" val="904071087"/>
-                    </a:ext>
-                  </a:extLst>
-                </a:gridCol>
-              </a:tblGrid>
-              <a:tr h="464936">
-                <a:tc>
-                  <a:txBody>
-                    <a:bodyPr/>
-                    <a:lstStyle/>
-                    <a:p>
-                      <a:r>
-                        <a:rPr lang="en-US" dirty="0"/>
-                        <a:t>Study</a:t>
-                      </a:r>
-                    </a:p>
-                  </a:txBody>
-                  <a:tcPr/>
-                </a:tc>
-                <a:tc>
-                  <a:txBody>
-                    <a:bodyPr/>
-                    <a:lstStyle/>
-                    <a:p>
-                      <a:r>
-                        <a:rPr lang="en-US" dirty="0"/>
-                        <a:t>Manual</a:t>
-                      </a:r>
-                    </a:p>
-                  </a:txBody>
-                  <a:tcPr/>
-                </a:tc>
-                <a:tc>
-                  <a:txBody>
-                    <a:bodyPr/>
-                    <a:lstStyle/>
-                    <a:p>
-                      <a:r>
-                        <a:rPr lang="en-US" dirty="0"/>
-                        <a:t>Lev 0</a:t>
-                      </a:r>
-                    </a:p>
-                  </a:txBody>
-                  <a:tcPr/>
-                </a:tc>
-                <a:tc>
-                  <a:txBody>
-                    <a:bodyPr/>
-                    <a:lstStyle/>
-                    <a:p>
-                      <a:r>
-                        <a:rPr lang="en-US" dirty="0"/>
-                        <a:t>Lev 1</a:t>
-                      </a:r>
-                    </a:p>
-                  </a:txBody>
-                  <a:tcPr/>
-                </a:tc>
-                <a:tc>
-                  <a:txBody>
-                    <a:bodyPr/>
-                    <a:lstStyle/>
-                    <a:p>
-                      <a:r>
-                        <a:rPr lang="en-US" dirty="0"/>
-                        <a:t>Lev 2</a:t>
-                      </a:r>
-                    </a:p>
-                  </a:txBody>
-                  <a:tcPr/>
-                </a:tc>
-                <a:tc>
-                  <a:txBody>
-                    <a:bodyPr/>
-                    <a:lstStyle/>
-                    <a:p>
-                      <a:r>
-                        <a:rPr lang="en-US" dirty="0"/>
-                        <a:t>Lev 3</a:t>
-                      </a:r>
-                    </a:p>
-                  </a:txBody>
-                  <a:tcPr/>
-                </a:tc>
-                <a:tc>
-                  <a:txBody>
-                    <a:bodyPr/>
-                    <a:lstStyle/>
-                    <a:p>
-                      <a:r>
-                        <a:rPr lang="en-US" dirty="0"/>
-                        <a:t>Lev 4</a:t>
-                      </a:r>
-                    </a:p>
-                  </a:txBody>
-                  <a:tcPr/>
-                </a:tc>
-                <a:tc>
-                  <a:txBody>
-                    <a:bodyPr/>
-                    <a:lstStyle/>
-                    <a:p>
-                      <a:r>
-                        <a:rPr lang="en-US" dirty="0"/>
-                        <a:t>Lev 5</a:t>
-                      </a:r>
-                    </a:p>
-                  </a:txBody>
-                  <a:tcPr/>
-                </a:tc>
-                <a:extLst>
-                  <a:ext uri="{0D108BD9-81ED-4DB2-BD59-A6C34878D82A}">
-                    <a16:rowId xmlns:a16="http://schemas.microsoft.com/office/drawing/2014/main" val="3094978493"/>
-                  </a:ext>
-                </a:extLst>
-              </a:tr>
-              <a:tr h="630530">
-                <a:tc>
-                  <a:txBody>
-                    <a:bodyPr/>
-                    <a:lstStyle/>
-                    <a:p>
-                      <a:r>
-                        <a:rPr lang="en-US" dirty="0"/>
-                        <a:t>Maxwell &amp; Buchanan</a:t>
-                      </a:r>
-                    </a:p>
-                  </a:txBody>
-                  <a:tcPr/>
-                </a:tc>
-                <a:tc>
-                  <a:txBody>
-                    <a:bodyPr/>
-                    <a:lstStyle/>
-                    <a:p>
-                      <a:r>
-                        <a:rPr lang="en-US" b="1" dirty="0"/>
-                        <a:t>54.14</a:t>
-                      </a:r>
-                    </a:p>
-                  </a:txBody>
-                  <a:tcPr/>
-                </a:tc>
-                <a:tc>
-                  <a:txBody>
-                    <a:bodyPr/>
-                    <a:lstStyle/>
-                    <a:p>
-                      <a:r>
-                        <a:rPr lang="en-US" dirty="0"/>
-                        <a:t>50.72</a:t>
-                      </a:r>
-                    </a:p>
-                  </a:txBody>
-                  <a:tcPr/>
-                </a:tc>
-                <a:tc>
-                  <a:txBody>
-                    <a:bodyPr/>
-                    <a:lstStyle/>
-                    <a:p>
-                      <a:r>
-                        <a:rPr lang="en-US" dirty="0"/>
-                        <a:t>52.14</a:t>
-                      </a:r>
-                    </a:p>
-                  </a:txBody>
-                  <a:tcPr/>
-                </a:tc>
-                <a:tc>
-                  <a:txBody>
-                    <a:bodyPr/>
-                    <a:lstStyle/>
-                    <a:p>
-                      <a:r>
-                        <a:rPr lang="en-US" b="1" dirty="0"/>
-                        <a:t>53.37</a:t>
-                      </a:r>
-                    </a:p>
-                  </a:txBody>
-                  <a:tcPr/>
-                </a:tc>
-                <a:tc>
-                  <a:txBody>
-                    <a:bodyPr/>
-                    <a:lstStyle/>
-                    <a:p>
-                      <a:r>
-                        <a:rPr lang="en-US" dirty="0"/>
-                        <a:t>61.30*</a:t>
-                      </a:r>
-                    </a:p>
-                  </a:txBody>
-                  <a:tcPr/>
-                </a:tc>
-                <a:tc>
-                  <a:txBody>
-                    <a:bodyPr/>
-                    <a:lstStyle/>
-                    <a:p>
-                      <a:r>
-                        <a:rPr lang="en-US" dirty="0"/>
-                        <a:t>77.42*</a:t>
-                      </a:r>
-                    </a:p>
-                  </a:txBody>
-                  <a:tcPr/>
-                </a:tc>
-                <a:tc>
-                  <a:txBody>
-                    <a:bodyPr/>
-                    <a:lstStyle/>
-                    <a:p>
-                      <a:r>
-                        <a:rPr lang="en-US" dirty="0"/>
-                        <a:t>88.48*</a:t>
-                      </a:r>
-                    </a:p>
-                  </a:txBody>
-                  <a:tcPr/>
-                </a:tc>
-                <a:extLst>
-                  <a:ext uri="{0D108BD9-81ED-4DB2-BD59-A6C34878D82A}">
-                    <a16:rowId xmlns:a16="http://schemas.microsoft.com/office/drawing/2014/main" val="1717987609"/>
-                  </a:ext>
-                </a:extLst>
-              </a:tr>
-              <a:tr h="630530">
-                <a:tc>
-                  <a:txBody>
-                    <a:bodyPr/>
-                    <a:lstStyle/>
-                    <a:p>
-                      <a:r>
-                        <a:rPr lang="en-US" dirty="0"/>
-                        <a:t>Maxwell &amp; Huff</a:t>
-                      </a:r>
-                    </a:p>
-                  </a:txBody>
-                  <a:tcPr/>
-                </a:tc>
-                <a:tc>
-                  <a:txBody>
-                    <a:bodyPr/>
-                    <a:lstStyle/>
-                    <a:p>
-                      <a:r>
-                        <a:rPr lang="en-US" b="1" dirty="0"/>
-                        <a:t>43.96</a:t>
-                      </a:r>
-                    </a:p>
-                  </a:txBody>
-                  <a:tcPr/>
-                </a:tc>
-                <a:tc>
-                  <a:txBody>
-                    <a:bodyPr/>
-                    <a:lstStyle/>
-                    <a:p>
-                      <a:r>
-                        <a:rPr lang="en-US" dirty="0"/>
-                        <a:t>41.06</a:t>
-                      </a:r>
-                    </a:p>
-                  </a:txBody>
-                  <a:tcPr/>
-                </a:tc>
-                <a:tc>
-                  <a:txBody>
-                    <a:bodyPr/>
-                    <a:lstStyle/>
-                    <a:p>
-                      <a:r>
-                        <a:rPr lang="en-US" dirty="0"/>
-                        <a:t>43.11</a:t>
-                      </a:r>
-                    </a:p>
-                  </a:txBody>
-                  <a:tcPr/>
-                </a:tc>
-                <a:tc>
-                  <a:txBody>
-                    <a:bodyPr/>
-                    <a:lstStyle/>
-                    <a:p>
-                      <a:r>
-                        <a:rPr lang="en-US" b="1" dirty="0"/>
-                        <a:t>44.86</a:t>
-                      </a:r>
-                    </a:p>
-                  </a:txBody>
-                  <a:tcPr/>
-                </a:tc>
-                <a:tc>
-                  <a:txBody>
-                    <a:bodyPr/>
-                    <a:lstStyle/>
-                    <a:p>
-                      <a:r>
-                        <a:rPr lang="en-US" dirty="0"/>
-                        <a:t>50.83*</a:t>
-                      </a:r>
-                    </a:p>
-                  </a:txBody>
-                  <a:tcPr/>
-                </a:tc>
-                <a:tc>
-                  <a:txBody>
-                    <a:bodyPr/>
-                    <a:lstStyle/>
-                    <a:p>
-                      <a:r>
-                        <a:rPr lang="en-US" dirty="0"/>
-                        <a:t>64.84*</a:t>
-                      </a:r>
-                    </a:p>
-                  </a:txBody>
-                  <a:tcPr/>
-                </a:tc>
-                <a:tc>
-                  <a:txBody>
-                    <a:bodyPr/>
-                    <a:lstStyle/>
-                    <a:p>
-                      <a:r>
-                        <a:rPr lang="en-US" dirty="0"/>
-                        <a:t>77.69*</a:t>
-                      </a:r>
-                    </a:p>
-                  </a:txBody>
-                  <a:tcPr/>
-                </a:tc>
-                <a:extLst>
-                  <a:ext uri="{0D108BD9-81ED-4DB2-BD59-A6C34878D82A}">
-                    <a16:rowId xmlns:a16="http://schemas.microsoft.com/office/drawing/2014/main" val="552033736"/>
-                  </a:ext>
-                </a:extLst>
-              </a:tr>
-            </a:tbl>
-          </a:graphicData>
-        </a:graphic>
-      </p:graphicFrame>
-      <p:sp>
-        <p:nvSpPr>
-          <p:cNvPr id="4" name="Footer Placeholder 3">
-            <a:extLst>
-              <a:ext uri="{FF2B5EF4-FFF2-40B4-BE49-F238E27FC236}">
-                <a16:creationId xmlns:a16="http://schemas.microsoft.com/office/drawing/2014/main" id="{E840E93B-3EB5-41FD-9778-380533936B76}"/>
-              </a:ext>
-            </a:extLst>
-          </p:cNvPr>
-          <p:cNvSpPr>
-            <a:spLocks noGrp="1"/>
-          </p:cNvSpPr>
-          <p:nvPr>
-            <p:ph type="ftr" sz="quarter" idx="11"/>
-          </p:nvPr>
-        </p:nvSpPr>
-        <p:spPr/>
-        <p:txBody>
-          <a:bodyPr/>
-          <a:lstStyle/>
-          <a:p>
-            <a:r>
-              <a:rPr lang="en-US"/>
-              <a:t>
-              </a:t>
-            </a:r>
-            <a:endParaRPr lang="en-US" dirty="0"/>
-          </a:p>
-        </p:txBody>
-      </p:sp>
-      <p:sp>
-        <p:nvSpPr>
-          <p:cNvPr id="6" name="TextBox 5">
-            <a:extLst>
-              <a:ext uri="{FF2B5EF4-FFF2-40B4-BE49-F238E27FC236}">
-                <a16:creationId xmlns:a16="http://schemas.microsoft.com/office/drawing/2014/main" id="{472F1FFB-1B92-4B18-B5DC-2DDF7D5676CE}"/>
-              </a:ext>
-            </a:extLst>
-          </p:cNvPr>
-          <p:cNvSpPr txBox="1"/>
-          <p:nvPr/>
-        </p:nvSpPr>
-        <p:spPr>
-          <a:xfrm>
-            <a:off x="797896" y="4090083"/>
-            <a:ext cx="7031421" cy="646331"/>
-          </a:xfrm>
-          <a:prstGeom prst="rect">
-            <a:avLst/>
-          </a:prstGeom>
-          <a:noFill/>
-        </p:spPr>
-        <p:txBody>
-          <a:bodyPr wrap="square" rtlCol="0">
-            <a:spAutoFit/>
-          </a:bodyPr>
-          <a:lstStyle/>
-          <a:p>
-            <a:r>
-              <a:rPr lang="en-US" dirty="0"/>
-              <a:t>For both datasets, recall rates matched the closest using a Levenshtein distance of 2 </a:t>
-            </a:r>
-          </a:p>
-        </p:txBody>
-      </p:sp>
-      <p:sp>
-        <p:nvSpPr>
-          <p:cNvPr id="3" name="TextBox 2">
-            <a:extLst>
-              <a:ext uri="{FF2B5EF4-FFF2-40B4-BE49-F238E27FC236}">
-                <a16:creationId xmlns:a16="http://schemas.microsoft.com/office/drawing/2014/main" id="{6DE8FD7E-59F9-4862-AC80-47ADEB43181F}"/>
-              </a:ext>
-            </a:extLst>
-          </p:cNvPr>
-          <p:cNvSpPr txBox="1"/>
-          <p:nvPr/>
-        </p:nvSpPr>
-        <p:spPr>
-          <a:xfrm>
-            <a:off x="4866290" y="3638431"/>
-            <a:ext cx="3621704" cy="276999"/>
-          </a:xfrm>
-          <a:prstGeom prst="rect">
-            <a:avLst/>
-          </a:prstGeom>
-          <a:noFill/>
-        </p:spPr>
-        <p:txBody>
-          <a:bodyPr wrap="square" rtlCol="0">
-            <a:spAutoFit/>
-          </a:bodyPr>
-          <a:lstStyle/>
-          <a:p>
-            <a:r>
-              <a:rPr lang="en-US" sz="1200" dirty="0"/>
-              <a:t>* = </a:t>
-            </a:r>
-            <a:r>
-              <a:rPr lang="en-US" sz="1200" i="1" dirty="0"/>
-              <a:t>p</a:t>
-            </a:r>
-            <a:r>
-              <a:rPr lang="en-US" sz="1200" dirty="0"/>
-              <a:t> &lt; .05 relative to manually coded</a:t>
-            </a:r>
-          </a:p>
-        </p:txBody>
-      </p:sp>
-    </p:spTree>
-    <p:extLst>
-      <p:ext uri="{BB962C8B-B14F-4D97-AF65-F5344CB8AC3E}">
-        <p14:creationId xmlns:p14="http://schemas.microsoft.com/office/powerpoint/2010/main" val="3771470507"/>
-      </p:ext>
-    </p:extLst>
-  </p:cSld>
-  <p:clrMapOvr>
-    <a:masterClrMapping/>
-  </p:clrMapOvr>
-</p:sld>
-</file>
-
-<file path=ppt/slides/slide16.xml><?xml version="1.0" encoding="utf-8"?>
+<file path=ppt/slides/slide19.xml><?xml version="1.0" encoding="utf-8"?>
 <p:sld xmlns:a="http://schemas.openxmlformats.org/drawingml/2006/main" xmlns:r="http://schemas.openxmlformats.org/officeDocument/2006/relationships" xmlns:p="http://schemas.openxmlformats.org/presentationml/2006/main">
   <p:cSld>
     <p:spTree>
@@ -19166,6 +19853,36 @@
           </a:p>
         </p:txBody>
       </p:sp>
+      <p:sp>
+        <p:nvSpPr>
+          <p:cNvPr id="11" name="Slide Number Placeholder 10">
+            <a:extLst>
+              <a:ext uri="{FF2B5EF4-FFF2-40B4-BE49-F238E27FC236}">
+                <a16:creationId xmlns:a16="http://schemas.microsoft.com/office/drawing/2014/main" id="{E932A3B9-3B15-4B5A-9DCD-E60020E1447B}"/>
+              </a:ext>
+            </a:extLst>
+          </p:cNvPr>
+          <p:cNvSpPr>
+            <a:spLocks noGrp="1"/>
+          </p:cNvSpPr>
+          <p:nvPr>
+            <p:ph type="sldNum" sz="quarter" idx="12"/>
+          </p:nvPr>
+        </p:nvSpPr>
+        <p:spPr/>
+        <p:txBody>
+          <a:bodyPr/>
+          <a:lstStyle/>
+          <a:p>
+            <a:fld id="{D57F1E4F-1CFF-5643-939E-217C01CDF565}" type="slidenum">
+              <a:rPr lang="en-US" smtClean="0"/>
+              <a:pPr/>
+              <a:t>19</a:t>
+            </a:fld>
+            <a:endParaRPr lang="en-US" dirty="0"/>
+          </a:p>
+        </p:txBody>
+      </p:sp>
     </p:spTree>
     <p:extLst>
       <p:ext uri="{BB962C8B-B14F-4D97-AF65-F5344CB8AC3E}">
@@ -19537,1501 +20254,6 @@
 </p:sld>
 </file>
 
-<file path=ppt/slides/slide17.xml><?xml version="1.0" encoding="utf-8"?>
-<p:sld xmlns:a="http://schemas.openxmlformats.org/drawingml/2006/main" xmlns:r="http://schemas.openxmlformats.org/officeDocument/2006/relationships" xmlns:p="http://schemas.openxmlformats.org/presentationml/2006/main">
-  <p:cSld>
-    <p:spTree>
-      <p:nvGrpSpPr>
-        <p:cNvPr id="1" name=""/>
-        <p:cNvGrpSpPr/>
-        <p:nvPr/>
-      </p:nvGrpSpPr>
-      <p:grpSpPr>
-        <a:xfrm>
-          <a:off x="0" y="0"/>
-          <a:ext cx="0" cy="0"/>
-          <a:chOff x="0" y="0"/>
-          <a:chExt cx="0" cy="0"/>
-        </a:xfrm>
-      </p:grpSpPr>
-      <p:sp>
-        <p:nvSpPr>
-          <p:cNvPr id="2" name="Title 1">
-            <a:extLst>
-              <a:ext uri="{FF2B5EF4-FFF2-40B4-BE49-F238E27FC236}">
-                <a16:creationId xmlns:a16="http://schemas.microsoft.com/office/drawing/2014/main" id="{3C5F83DF-0561-4141-875F-99F36076C97D}"/>
-              </a:ext>
-            </a:extLst>
-          </p:cNvPr>
-          <p:cNvSpPr>
-            <a:spLocks noGrp="1"/>
-          </p:cNvSpPr>
-          <p:nvPr>
-            <p:ph type="title"/>
-          </p:nvPr>
-        </p:nvSpPr>
-        <p:spPr/>
-        <p:txBody>
-          <a:bodyPr/>
-          <a:lstStyle/>
-          <a:p>
-            <a:r>
-              <a:rPr lang="en-US" b="1" dirty="0"/>
-              <a:t>Free-Recall</a:t>
-            </a:r>
-          </a:p>
-        </p:txBody>
-      </p:sp>
-      <p:sp>
-        <p:nvSpPr>
-          <p:cNvPr id="3" name="Content Placeholder 2">
-            <a:extLst>
-              <a:ext uri="{FF2B5EF4-FFF2-40B4-BE49-F238E27FC236}">
-                <a16:creationId xmlns:a16="http://schemas.microsoft.com/office/drawing/2014/main" id="{A5562E7E-FB37-4271-B667-A6BF2CD1A2E4}"/>
-              </a:ext>
-            </a:extLst>
-          </p:cNvPr>
-          <p:cNvSpPr>
-            <a:spLocks noGrp="1"/>
-          </p:cNvSpPr>
-          <p:nvPr>
-            <p:ph idx="1"/>
-          </p:nvPr>
-        </p:nvSpPr>
-        <p:spPr/>
-        <p:txBody>
-          <a:bodyPr>
-            <a:normAutofit/>
-          </a:bodyPr>
-          <a:lstStyle/>
-          <a:p>
-            <a:r>
-              <a:rPr lang="en-US" sz="1800" dirty="0">
-                <a:solidFill>
-                  <a:schemeClr val="tx1"/>
-                </a:solidFill>
-              </a:rPr>
-              <a:t>Free recall data taken from Huff, Yates, &amp; </a:t>
-            </a:r>
-            <a:r>
-              <a:rPr lang="en-US" sz="1800" dirty="0" err="1">
-                <a:solidFill>
-                  <a:schemeClr val="tx1"/>
-                </a:solidFill>
-              </a:rPr>
-              <a:t>Balota</a:t>
-            </a:r>
-            <a:r>
-              <a:rPr lang="en-US" sz="1800" dirty="0">
-                <a:solidFill>
-                  <a:schemeClr val="tx1"/>
-                </a:solidFill>
-              </a:rPr>
-              <a:t> (2018)</a:t>
-            </a:r>
-          </a:p>
-          <a:p>
-            <a:pPr lvl="1"/>
-            <a:r>
-              <a:rPr lang="en-US" sz="1600" dirty="0">
-                <a:solidFill>
-                  <a:schemeClr val="tx1"/>
-                </a:solidFill>
-              </a:rPr>
-              <a:t>120 participants completed free-recall tasks for three types of words lists</a:t>
-            </a:r>
-          </a:p>
-          <a:p>
-            <a:pPr lvl="2"/>
-            <a:r>
-              <a:rPr lang="en-US" sz="1400" dirty="0" err="1">
-                <a:solidFill>
-                  <a:schemeClr val="tx1"/>
-                </a:solidFill>
-              </a:rPr>
-              <a:t>Adhoc</a:t>
-            </a:r>
-            <a:endParaRPr lang="en-US" sz="1400" dirty="0">
-              <a:solidFill>
-                <a:schemeClr val="tx1"/>
-              </a:solidFill>
-            </a:endParaRPr>
-          </a:p>
-          <a:p>
-            <a:pPr lvl="2"/>
-            <a:r>
-              <a:rPr lang="en-US" sz="1400" dirty="0">
-                <a:solidFill>
-                  <a:schemeClr val="tx1"/>
-                </a:solidFill>
-              </a:rPr>
-              <a:t>Categorical</a:t>
-            </a:r>
-          </a:p>
-          <a:p>
-            <a:pPr lvl="2"/>
-            <a:r>
-              <a:rPr lang="en-US" sz="1400" dirty="0">
-                <a:solidFill>
-                  <a:schemeClr val="tx1"/>
-                </a:solidFill>
-              </a:rPr>
-              <a:t>Unrelated</a:t>
-            </a:r>
-            <a:endParaRPr lang="en-US" sz="1100" dirty="0">
-              <a:solidFill>
-                <a:schemeClr val="tx1"/>
-              </a:solidFill>
-            </a:endParaRPr>
-          </a:p>
-        </p:txBody>
-      </p:sp>
-      <p:sp>
-        <p:nvSpPr>
-          <p:cNvPr id="4" name="Footer Placeholder 3">
-            <a:extLst>
-              <a:ext uri="{FF2B5EF4-FFF2-40B4-BE49-F238E27FC236}">
-                <a16:creationId xmlns:a16="http://schemas.microsoft.com/office/drawing/2014/main" id="{E9FA8B5A-3260-4792-A3A4-2AF0EB2A7CFE}"/>
-              </a:ext>
-            </a:extLst>
-          </p:cNvPr>
-          <p:cNvSpPr>
-            <a:spLocks noGrp="1"/>
-          </p:cNvSpPr>
-          <p:nvPr>
-            <p:ph type="ftr" sz="quarter" idx="11"/>
-          </p:nvPr>
-        </p:nvSpPr>
-        <p:spPr/>
-        <p:txBody>
-          <a:bodyPr/>
-          <a:lstStyle/>
-          <a:p>
-            <a:r>
-              <a:rPr lang="en-US"/>
-              <a:t>
-              </a:t>
-            </a:r>
-            <a:endParaRPr lang="en-US" dirty="0"/>
-          </a:p>
-        </p:txBody>
-      </p:sp>
-    </p:spTree>
-    <p:extLst>
-      <p:ext uri="{BB962C8B-B14F-4D97-AF65-F5344CB8AC3E}">
-        <p14:creationId xmlns:p14="http://schemas.microsoft.com/office/powerpoint/2010/main" val="131209907"/>
-      </p:ext>
-    </p:extLst>
-  </p:cSld>
-  <p:clrMapOvr>
-    <a:masterClrMapping/>
-  </p:clrMapOvr>
-</p:sld>
-</file>
-
-<file path=ppt/slides/slide18.xml><?xml version="1.0" encoding="utf-8"?>
-<p:sld xmlns:a="http://schemas.openxmlformats.org/drawingml/2006/main" xmlns:r="http://schemas.openxmlformats.org/officeDocument/2006/relationships" xmlns:p="http://schemas.openxmlformats.org/presentationml/2006/main">
-  <p:cSld>
-    <p:spTree>
-      <p:nvGrpSpPr>
-        <p:cNvPr id="1" name=""/>
-        <p:cNvGrpSpPr/>
-        <p:nvPr/>
-      </p:nvGrpSpPr>
-      <p:grpSpPr>
-        <a:xfrm>
-          <a:off x="0" y="0"/>
-          <a:ext cx="0" cy="0"/>
-          <a:chOff x="0" y="0"/>
-          <a:chExt cx="0" cy="0"/>
-        </a:xfrm>
-      </p:grpSpPr>
-      <p:sp>
-        <p:nvSpPr>
-          <p:cNvPr id="2" name="Title 1">
-            <a:extLst>
-              <a:ext uri="{FF2B5EF4-FFF2-40B4-BE49-F238E27FC236}">
-                <a16:creationId xmlns:a16="http://schemas.microsoft.com/office/drawing/2014/main" id="{28849B26-4C63-4518-8979-C30E3E564944}"/>
-              </a:ext>
-            </a:extLst>
-          </p:cNvPr>
-          <p:cNvSpPr>
-            <a:spLocks noGrp="1"/>
-          </p:cNvSpPr>
-          <p:nvPr>
-            <p:ph type="title"/>
-          </p:nvPr>
-        </p:nvSpPr>
-        <p:spPr/>
-        <p:txBody>
-          <a:bodyPr/>
-          <a:lstStyle/>
-          <a:p>
-            <a:r>
-              <a:rPr lang="en-US" b="1" dirty="0"/>
-              <a:t>Results</a:t>
-            </a:r>
-          </a:p>
-        </p:txBody>
-      </p:sp>
-      <p:graphicFrame>
-        <p:nvGraphicFramePr>
-          <p:cNvPr id="5" name="Table 5">
-            <a:extLst>
-              <a:ext uri="{FF2B5EF4-FFF2-40B4-BE49-F238E27FC236}">
-                <a16:creationId xmlns:a16="http://schemas.microsoft.com/office/drawing/2014/main" id="{D38D64F8-53E5-4500-80DF-E02DEB4C4654}"/>
-              </a:ext>
-            </a:extLst>
-          </p:cNvPr>
-          <p:cNvGraphicFramePr>
-            <a:graphicFrameLocks noGrp="1"/>
-          </p:cNvGraphicFramePr>
-          <p:nvPr>
-            <p:ph idx="1"/>
-            <p:extLst>
-              <p:ext uri="{D42A27DB-BD31-4B8C-83A1-F6EECF244321}">
-                <p14:modId xmlns:p14="http://schemas.microsoft.com/office/powerpoint/2010/main" val="1039259529"/>
-              </p:ext>
-            </p:extLst>
-          </p:nvPr>
-        </p:nvGraphicFramePr>
-        <p:xfrm>
-          <a:off x="642424" y="1803454"/>
-          <a:ext cx="7342364" cy="2101977"/>
-        </p:xfrm>
-        <a:graphic>
-          <a:graphicData uri="http://schemas.openxmlformats.org/drawingml/2006/table">
-            <a:tbl>
-              <a:tblPr firstRow="1" bandRow="1">
-                <a:tableStyleId>{5C22544A-7EE6-4342-B048-85BDC9FD1C3A}</a:tableStyleId>
-              </a:tblPr>
-              <a:tblGrid>
-                <a:gridCol w="1248925">
-                  <a:extLst>
-                    <a:ext uri="{9D8B030D-6E8A-4147-A177-3AD203B41FA5}">
-                      <a16:colId xmlns:a16="http://schemas.microsoft.com/office/drawing/2014/main" val="1414667312"/>
-                    </a:ext>
-                  </a:extLst>
-                </a:gridCol>
-                <a:gridCol w="875973">
-                  <a:extLst>
-                    <a:ext uri="{9D8B030D-6E8A-4147-A177-3AD203B41FA5}">
-                      <a16:colId xmlns:a16="http://schemas.microsoft.com/office/drawing/2014/main" val="3022451391"/>
-                    </a:ext>
-                  </a:extLst>
-                </a:gridCol>
-                <a:gridCol w="852951">
-                  <a:extLst>
-                    <a:ext uri="{9D8B030D-6E8A-4147-A177-3AD203B41FA5}">
-                      <a16:colId xmlns:a16="http://schemas.microsoft.com/office/drawing/2014/main" val="1655699768"/>
-                    </a:ext>
-                  </a:extLst>
-                </a:gridCol>
-                <a:gridCol w="862926">
-                  <a:extLst>
-                    <a:ext uri="{9D8B030D-6E8A-4147-A177-3AD203B41FA5}">
-                      <a16:colId xmlns:a16="http://schemas.microsoft.com/office/drawing/2014/main" val="3095863849"/>
-                    </a:ext>
-                  </a:extLst>
-                </a:gridCol>
-                <a:gridCol w="857940">
-                  <a:extLst>
-                    <a:ext uri="{9D8B030D-6E8A-4147-A177-3AD203B41FA5}">
-                      <a16:colId xmlns:a16="http://schemas.microsoft.com/office/drawing/2014/main" val="3765619605"/>
-                    </a:ext>
-                  </a:extLst>
-                </a:gridCol>
-                <a:gridCol w="847963">
-                  <a:extLst>
-                    <a:ext uri="{9D8B030D-6E8A-4147-A177-3AD203B41FA5}">
-                      <a16:colId xmlns:a16="http://schemas.microsoft.com/office/drawing/2014/main" val="3776992281"/>
-                    </a:ext>
-                  </a:extLst>
-                </a:gridCol>
-                <a:gridCol w="897843">
-                  <a:extLst>
-                    <a:ext uri="{9D8B030D-6E8A-4147-A177-3AD203B41FA5}">
-                      <a16:colId xmlns:a16="http://schemas.microsoft.com/office/drawing/2014/main" val="2538133775"/>
-                    </a:ext>
-                  </a:extLst>
-                </a:gridCol>
-                <a:gridCol w="897843">
-                  <a:extLst>
-                    <a:ext uri="{9D8B030D-6E8A-4147-A177-3AD203B41FA5}">
-                      <a16:colId xmlns:a16="http://schemas.microsoft.com/office/drawing/2014/main" val="904071087"/>
-                    </a:ext>
-                  </a:extLst>
-                </a:gridCol>
-              </a:tblGrid>
-              <a:tr h="414714">
-                <a:tc>
-                  <a:txBody>
-                    <a:bodyPr/>
-                    <a:lstStyle/>
-                    <a:p>
-                      <a:r>
-                        <a:rPr lang="en-US" dirty="0"/>
-                        <a:t>List Type</a:t>
-                      </a:r>
-                    </a:p>
-                  </a:txBody>
-                  <a:tcPr/>
-                </a:tc>
-                <a:tc>
-                  <a:txBody>
-                    <a:bodyPr/>
-                    <a:lstStyle/>
-                    <a:p>
-                      <a:r>
-                        <a:rPr lang="en-US" dirty="0"/>
-                        <a:t>Manual</a:t>
-                      </a:r>
-                    </a:p>
-                  </a:txBody>
-                  <a:tcPr/>
-                </a:tc>
-                <a:tc>
-                  <a:txBody>
-                    <a:bodyPr/>
-                    <a:lstStyle/>
-                    <a:p>
-                      <a:r>
-                        <a:rPr lang="en-US" dirty="0"/>
-                        <a:t>Lev 0</a:t>
-                      </a:r>
-                    </a:p>
-                  </a:txBody>
-                  <a:tcPr/>
-                </a:tc>
-                <a:tc>
-                  <a:txBody>
-                    <a:bodyPr/>
-                    <a:lstStyle/>
-                    <a:p>
-                      <a:r>
-                        <a:rPr lang="en-US" dirty="0"/>
-                        <a:t>Lev 1</a:t>
-                      </a:r>
-                    </a:p>
-                  </a:txBody>
-                  <a:tcPr/>
-                </a:tc>
-                <a:tc>
-                  <a:txBody>
-                    <a:bodyPr/>
-                    <a:lstStyle/>
-                    <a:p>
-                      <a:r>
-                        <a:rPr lang="en-US" dirty="0"/>
-                        <a:t>Lev 2</a:t>
-                      </a:r>
-                    </a:p>
-                  </a:txBody>
-                  <a:tcPr/>
-                </a:tc>
-                <a:tc>
-                  <a:txBody>
-                    <a:bodyPr/>
-                    <a:lstStyle/>
-                    <a:p>
-                      <a:r>
-                        <a:rPr lang="en-US" dirty="0"/>
-                        <a:t>Lev 3</a:t>
-                      </a:r>
-                    </a:p>
-                  </a:txBody>
-                  <a:tcPr/>
-                </a:tc>
-                <a:tc>
-                  <a:txBody>
-                    <a:bodyPr/>
-                    <a:lstStyle/>
-                    <a:p>
-                      <a:r>
-                        <a:rPr lang="en-US" dirty="0"/>
-                        <a:t>Lev 4</a:t>
-                      </a:r>
-                    </a:p>
-                  </a:txBody>
-                  <a:tcPr/>
-                </a:tc>
-                <a:tc>
-                  <a:txBody>
-                    <a:bodyPr/>
-                    <a:lstStyle/>
-                    <a:p>
-                      <a:r>
-                        <a:rPr lang="en-US" dirty="0"/>
-                        <a:t>Lev 5</a:t>
-                      </a:r>
-                    </a:p>
-                  </a:txBody>
-                  <a:tcPr/>
-                </a:tc>
-                <a:extLst>
-                  <a:ext uri="{0D108BD9-81ED-4DB2-BD59-A6C34878D82A}">
-                    <a16:rowId xmlns:a16="http://schemas.microsoft.com/office/drawing/2014/main" val="3094978493"/>
-                  </a:ext>
-                </a:extLst>
-              </a:tr>
-              <a:tr h="562421">
-                <a:tc>
-                  <a:txBody>
-                    <a:bodyPr/>
-                    <a:lstStyle/>
-                    <a:p>
-                      <a:r>
-                        <a:rPr lang="en-US" dirty="0" err="1"/>
-                        <a:t>Adhoc</a:t>
-                      </a:r>
-                      <a:endParaRPr lang="en-US" dirty="0"/>
-                    </a:p>
-                  </a:txBody>
-                  <a:tcPr/>
-                </a:tc>
-                <a:tc>
-                  <a:txBody>
-                    <a:bodyPr/>
-                    <a:lstStyle/>
-                    <a:p>
-                      <a:r>
-                        <a:rPr lang="en-US" b="0" dirty="0"/>
-                        <a:t>50.00</a:t>
-                      </a:r>
-                    </a:p>
-                  </a:txBody>
-                  <a:tcPr/>
-                </a:tc>
-                <a:tc>
-                  <a:txBody>
-                    <a:bodyPr/>
-                    <a:lstStyle/>
-                    <a:p>
-                      <a:r>
-                        <a:rPr lang="en-US" b="0" dirty="0"/>
-                        <a:t>48.10</a:t>
-                      </a:r>
-                    </a:p>
-                  </a:txBody>
-                  <a:tcPr/>
-                </a:tc>
-                <a:tc>
-                  <a:txBody>
-                    <a:bodyPr/>
-                    <a:lstStyle/>
-                    <a:p>
-                      <a:r>
-                        <a:rPr lang="en-US" b="0" dirty="0"/>
-                        <a:t>48.64</a:t>
-                      </a:r>
-                    </a:p>
-                  </a:txBody>
-                  <a:tcPr/>
-                </a:tc>
-                <a:tc>
-                  <a:txBody>
-                    <a:bodyPr/>
-                    <a:lstStyle/>
-                    <a:p>
-                      <a:r>
-                        <a:rPr lang="en-US" b="0" dirty="0"/>
-                        <a:t>48.58</a:t>
-                      </a:r>
-                    </a:p>
-                  </a:txBody>
-                  <a:tcPr/>
-                </a:tc>
-                <a:tc>
-                  <a:txBody>
-                    <a:bodyPr/>
-                    <a:lstStyle/>
-                    <a:p>
-                      <a:r>
-                        <a:rPr lang="en-US" b="0" dirty="0"/>
-                        <a:t>49.48</a:t>
-                      </a:r>
-                    </a:p>
-                  </a:txBody>
-                  <a:tcPr/>
-                </a:tc>
-                <a:tc>
-                  <a:txBody>
-                    <a:bodyPr/>
-                    <a:lstStyle/>
-                    <a:p>
-                      <a:r>
-                        <a:rPr lang="en-US" b="0" dirty="0"/>
-                        <a:t>49.71</a:t>
-                      </a:r>
-                    </a:p>
-                  </a:txBody>
-                  <a:tcPr/>
-                </a:tc>
-                <a:tc>
-                  <a:txBody>
-                    <a:bodyPr/>
-                    <a:lstStyle/>
-                    <a:p>
-                      <a:r>
-                        <a:rPr lang="en-US" b="0" dirty="0"/>
-                        <a:t>49.71</a:t>
-                      </a:r>
-                    </a:p>
-                  </a:txBody>
-                  <a:tcPr/>
-                </a:tc>
-                <a:extLst>
-                  <a:ext uri="{0D108BD9-81ED-4DB2-BD59-A6C34878D82A}">
-                    <a16:rowId xmlns:a16="http://schemas.microsoft.com/office/drawing/2014/main" val="1717987609"/>
-                  </a:ext>
-                </a:extLst>
-              </a:tr>
-              <a:tr h="562421">
-                <a:tc>
-                  <a:txBody>
-                    <a:bodyPr/>
-                    <a:lstStyle/>
-                    <a:p>
-                      <a:r>
-                        <a:rPr lang="en-US" dirty="0"/>
-                        <a:t>Categorical</a:t>
-                      </a:r>
-                    </a:p>
-                  </a:txBody>
-                  <a:tcPr/>
-                </a:tc>
-                <a:tc>
-                  <a:txBody>
-                    <a:bodyPr/>
-                    <a:lstStyle/>
-                    <a:p>
-                      <a:r>
-                        <a:rPr lang="en-US" b="0" dirty="0"/>
-                        <a:t>47.86</a:t>
-                      </a:r>
-                    </a:p>
-                  </a:txBody>
-                  <a:tcPr/>
-                </a:tc>
-                <a:tc>
-                  <a:txBody>
-                    <a:bodyPr/>
-                    <a:lstStyle/>
-                    <a:p>
-                      <a:r>
-                        <a:rPr lang="en-US" b="0" dirty="0"/>
-                        <a:t>44.13</a:t>
-                      </a:r>
-                    </a:p>
-                  </a:txBody>
-                  <a:tcPr/>
-                </a:tc>
-                <a:tc>
-                  <a:txBody>
-                    <a:bodyPr/>
-                    <a:lstStyle/>
-                    <a:p>
-                      <a:r>
-                        <a:rPr lang="en-US" b="0" dirty="0"/>
-                        <a:t>44.60</a:t>
-                      </a:r>
-                    </a:p>
-                  </a:txBody>
-                  <a:tcPr/>
-                </a:tc>
-                <a:tc>
-                  <a:txBody>
-                    <a:bodyPr/>
-                    <a:lstStyle/>
-                    <a:p>
-                      <a:r>
-                        <a:rPr lang="en-US" b="0" dirty="0"/>
-                        <a:t>44.71</a:t>
-                      </a:r>
-                    </a:p>
-                  </a:txBody>
-                  <a:tcPr/>
-                </a:tc>
-                <a:tc>
-                  <a:txBody>
-                    <a:bodyPr/>
-                    <a:lstStyle/>
-                    <a:p>
-                      <a:r>
-                        <a:rPr lang="en-US" b="0" dirty="0"/>
-                        <a:t>45.56</a:t>
-                      </a:r>
-                    </a:p>
-                  </a:txBody>
-                  <a:tcPr/>
-                </a:tc>
-                <a:tc>
-                  <a:txBody>
-                    <a:bodyPr/>
-                    <a:lstStyle/>
-                    <a:p>
-                      <a:r>
-                        <a:rPr lang="en-US" b="0" dirty="0"/>
-                        <a:t>47.19</a:t>
-                      </a:r>
-                    </a:p>
-                  </a:txBody>
-                  <a:tcPr/>
-                </a:tc>
-                <a:tc>
-                  <a:txBody>
-                    <a:bodyPr/>
-                    <a:lstStyle/>
-                    <a:p>
-                      <a:r>
-                        <a:rPr lang="en-US" b="0" dirty="0"/>
-                        <a:t>47.19</a:t>
-                      </a:r>
-                    </a:p>
-                  </a:txBody>
-                  <a:tcPr/>
-                </a:tc>
-                <a:extLst>
-                  <a:ext uri="{0D108BD9-81ED-4DB2-BD59-A6C34878D82A}">
-                    <a16:rowId xmlns:a16="http://schemas.microsoft.com/office/drawing/2014/main" val="552033736"/>
-                  </a:ext>
-                </a:extLst>
-              </a:tr>
-              <a:tr h="562421">
-                <a:tc>
-                  <a:txBody>
-                    <a:bodyPr/>
-                    <a:lstStyle/>
-                    <a:p>
-                      <a:r>
-                        <a:rPr lang="en-US" dirty="0"/>
-                        <a:t>Unrelated</a:t>
-                      </a:r>
-                    </a:p>
-                  </a:txBody>
-                  <a:tcPr/>
-                </a:tc>
-                <a:tc>
-                  <a:txBody>
-                    <a:bodyPr/>
-                    <a:lstStyle/>
-                    <a:p>
-                      <a:r>
-                        <a:rPr lang="en-US" b="0" dirty="0"/>
-                        <a:t>37.99</a:t>
-                      </a:r>
-                    </a:p>
-                  </a:txBody>
-                  <a:tcPr/>
-                </a:tc>
-                <a:tc>
-                  <a:txBody>
-                    <a:bodyPr/>
-                    <a:lstStyle/>
-                    <a:p>
-                      <a:r>
-                        <a:rPr lang="en-US" b="0" dirty="0"/>
-                        <a:t>37.40</a:t>
-                      </a:r>
-                    </a:p>
-                  </a:txBody>
-                  <a:tcPr/>
-                </a:tc>
-                <a:tc>
-                  <a:txBody>
-                    <a:bodyPr/>
-                    <a:lstStyle/>
-                    <a:p>
-                      <a:r>
-                        <a:rPr lang="en-US" b="0" dirty="0"/>
-                        <a:t>37.52</a:t>
-                      </a:r>
-                    </a:p>
-                  </a:txBody>
-                  <a:tcPr/>
-                </a:tc>
-                <a:tc>
-                  <a:txBody>
-                    <a:bodyPr/>
-                    <a:lstStyle/>
-                    <a:p>
-                      <a:r>
-                        <a:rPr lang="en-US" b="0" dirty="0"/>
-                        <a:t>37.88</a:t>
-                      </a:r>
-                    </a:p>
-                  </a:txBody>
-                  <a:tcPr/>
-                </a:tc>
-                <a:tc>
-                  <a:txBody>
-                    <a:bodyPr/>
-                    <a:lstStyle/>
-                    <a:p>
-                      <a:r>
-                        <a:rPr lang="en-US" b="0" dirty="0"/>
-                        <a:t>38.46</a:t>
-                      </a:r>
-                    </a:p>
-                  </a:txBody>
-                  <a:tcPr/>
-                </a:tc>
-                <a:tc>
-                  <a:txBody>
-                    <a:bodyPr/>
-                    <a:lstStyle/>
-                    <a:p>
-                      <a:r>
-                        <a:rPr lang="en-US" b="0" dirty="0"/>
-                        <a:t>38.46</a:t>
-                      </a:r>
-                    </a:p>
-                  </a:txBody>
-                  <a:tcPr/>
-                </a:tc>
-                <a:tc>
-                  <a:txBody>
-                    <a:bodyPr/>
-                    <a:lstStyle/>
-                    <a:p>
-                      <a:r>
-                        <a:rPr lang="en-US" b="0" dirty="0"/>
-                        <a:t>38.46</a:t>
-                      </a:r>
-                    </a:p>
-                  </a:txBody>
-                  <a:tcPr/>
-                </a:tc>
-                <a:extLst>
-                  <a:ext uri="{0D108BD9-81ED-4DB2-BD59-A6C34878D82A}">
-                    <a16:rowId xmlns:a16="http://schemas.microsoft.com/office/drawing/2014/main" val="95508324"/>
-                  </a:ext>
-                </a:extLst>
-              </a:tr>
-            </a:tbl>
-          </a:graphicData>
-        </a:graphic>
-      </p:graphicFrame>
-      <p:sp>
-        <p:nvSpPr>
-          <p:cNvPr id="4" name="Footer Placeholder 3">
-            <a:extLst>
-              <a:ext uri="{FF2B5EF4-FFF2-40B4-BE49-F238E27FC236}">
-                <a16:creationId xmlns:a16="http://schemas.microsoft.com/office/drawing/2014/main" id="{E840E93B-3EB5-41FD-9778-380533936B76}"/>
-              </a:ext>
-            </a:extLst>
-          </p:cNvPr>
-          <p:cNvSpPr>
-            <a:spLocks noGrp="1"/>
-          </p:cNvSpPr>
-          <p:nvPr>
-            <p:ph type="ftr" sz="quarter" idx="11"/>
-          </p:nvPr>
-        </p:nvSpPr>
-        <p:spPr/>
-        <p:txBody>
-          <a:bodyPr/>
-          <a:lstStyle/>
-          <a:p>
-            <a:r>
-              <a:rPr lang="en-US"/>
-              <a:t>
-              </a:t>
-            </a:r>
-            <a:endParaRPr lang="en-US" dirty="0"/>
-          </a:p>
-        </p:txBody>
-      </p:sp>
-    </p:spTree>
-    <p:extLst>
-      <p:ext uri="{BB962C8B-B14F-4D97-AF65-F5344CB8AC3E}">
-        <p14:creationId xmlns:p14="http://schemas.microsoft.com/office/powerpoint/2010/main" val="595653585"/>
-      </p:ext>
-    </p:extLst>
-  </p:cSld>
-  <p:clrMapOvr>
-    <a:masterClrMapping/>
-  </p:clrMapOvr>
-</p:sld>
-</file>
-
-<file path=ppt/slides/slide19.xml><?xml version="1.0" encoding="utf-8"?>
-<p:sld xmlns:a="http://schemas.openxmlformats.org/drawingml/2006/main" xmlns:r="http://schemas.openxmlformats.org/officeDocument/2006/relationships" xmlns:p="http://schemas.openxmlformats.org/presentationml/2006/main">
-  <p:cSld>
-    <p:spTree>
-      <p:nvGrpSpPr>
-        <p:cNvPr id="1" name=""/>
-        <p:cNvGrpSpPr/>
-        <p:nvPr/>
-      </p:nvGrpSpPr>
-      <p:grpSpPr>
-        <a:xfrm>
-          <a:off x="0" y="0"/>
-          <a:ext cx="0" cy="0"/>
-          <a:chOff x="0" y="0"/>
-          <a:chExt cx="0" cy="0"/>
-        </a:xfrm>
-      </p:grpSpPr>
-      <p:sp>
-        <p:nvSpPr>
-          <p:cNvPr id="2" name="Title 1">
-            <a:extLst>
-              <a:ext uri="{FF2B5EF4-FFF2-40B4-BE49-F238E27FC236}">
-                <a16:creationId xmlns:a16="http://schemas.microsoft.com/office/drawing/2014/main" id="{28849B26-4C63-4518-8979-C30E3E564944}"/>
-              </a:ext>
-            </a:extLst>
-          </p:cNvPr>
-          <p:cNvSpPr>
-            <a:spLocks noGrp="1"/>
-          </p:cNvSpPr>
-          <p:nvPr>
-            <p:ph type="title"/>
-          </p:nvPr>
-        </p:nvSpPr>
-        <p:spPr/>
-        <p:txBody>
-          <a:bodyPr/>
-          <a:lstStyle/>
-          <a:p>
-            <a:r>
-              <a:rPr lang="en-US" b="1" dirty="0"/>
-              <a:t>Results</a:t>
-            </a:r>
-          </a:p>
-        </p:txBody>
-      </p:sp>
-      <p:graphicFrame>
-        <p:nvGraphicFramePr>
-          <p:cNvPr id="5" name="Table 5">
-            <a:extLst>
-              <a:ext uri="{FF2B5EF4-FFF2-40B4-BE49-F238E27FC236}">
-                <a16:creationId xmlns:a16="http://schemas.microsoft.com/office/drawing/2014/main" id="{D38D64F8-53E5-4500-80DF-E02DEB4C4654}"/>
-              </a:ext>
-            </a:extLst>
-          </p:cNvPr>
-          <p:cNvGraphicFramePr>
-            <a:graphicFrameLocks noGrp="1"/>
-          </p:cNvGraphicFramePr>
-          <p:nvPr>
-            <p:ph idx="1"/>
-            <p:extLst>
-              <p:ext uri="{D42A27DB-BD31-4B8C-83A1-F6EECF244321}">
-                <p14:modId xmlns:p14="http://schemas.microsoft.com/office/powerpoint/2010/main" val="3786503034"/>
-              </p:ext>
-            </p:extLst>
-          </p:nvPr>
-        </p:nvGraphicFramePr>
-        <p:xfrm>
-          <a:off x="642424" y="1803454"/>
-          <a:ext cx="7342364" cy="2101977"/>
-        </p:xfrm>
-        <a:graphic>
-          <a:graphicData uri="http://schemas.openxmlformats.org/drawingml/2006/table">
-            <a:tbl>
-              <a:tblPr firstRow="1" bandRow="1">
-                <a:tableStyleId>{5C22544A-7EE6-4342-B048-85BDC9FD1C3A}</a:tableStyleId>
-              </a:tblPr>
-              <a:tblGrid>
-                <a:gridCol w="1248925">
-                  <a:extLst>
-                    <a:ext uri="{9D8B030D-6E8A-4147-A177-3AD203B41FA5}">
-                      <a16:colId xmlns:a16="http://schemas.microsoft.com/office/drawing/2014/main" val="1414667312"/>
-                    </a:ext>
-                  </a:extLst>
-                </a:gridCol>
-                <a:gridCol w="875973">
-                  <a:extLst>
-                    <a:ext uri="{9D8B030D-6E8A-4147-A177-3AD203B41FA5}">
-                      <a16:colId xmlns:a16="http://schemas.microsoft.com/office/drawing/2014/main" val="3022451391"/>
-                    </a:ext>
-                  </a:extLst>
-                </a:gridCol>
-                <a:gridCol w="852951">
-                  <a:extLst>
-                    <a:ext uri="{9D8B030D-6E8A-4147-A177-3AD203B41FA5}">
-                      <a16:colId xmlns:a16="http://schemas.microsoft.com/office/drawing/2014/main" val="1655699768"/>
-                    </a:ext>
-                  </a:extLst>
-                </a:gridCol>
-                <a:gridCol w="862926">
-                  <a:extLst>
-                    <a:ext uri="{9D8B030D-6E8A-4147-A177-3AD203B41FA5}">
-                      <a16:colId xmlns:a16="http://schemas.microsoft.com/office/drawing/2014/main" val="3095863849"/>
-                    </a:ext>
-                  </a:extLst>
-                </a:gridCol>
-                <a:gridCol w="857940">
-                  <a:extLst>
-                    <a:ext uri="{9D8B030D-6E8A-4147-A177-3AD203B41FA5}">
-                      <a16:colId xmlns:a16="http://schemas.microsoft.com/office/drawing/2014/main" val="3765619605"/>
-                    </a:ext>
-                  </a:extLst>
-                </a:gridCol>
-                <a:gridCol w="847963">
-                  <a:extLst>
-                    <a:ext uri="{9D8B030D-6E8A-4147-A177-3AD203B41FA5}">
-                      <a16:colId xmlns:a16="http://schemas.microsoft.com/office/drawing/2014/main" val="3776992281"/>
-                    </a:ext>
-                  </a:extLst>
-                </a:gridCol>
-                <a:gridCol w="897843">
-                  <a:extLst>
-                    <a:ext uri="{9D8B030D-6E8A-4147-A177-3AD203B41FA5}">
-                      <a16:colId xmlns:a16="http://schemas.microsoft.com/office/drawing/2014/main" val="2538133775"/>
-                    </a:ext>
-                  </a:extLst>
-                </a:gridCol>
-                <a:gridCol w="897843">
-                  <a:extLst>
-                    <a:ext uri="{9D8B030D-6E8A-4147-A177-3AD203B41FA5}">
-                      <a16:colId xmlns:a16="http://schemas.microsoft.com/office/drawing/2014/main" val="904071087"/>
-                    </a:ext>
-                  </a:extLst>
-                </a:gridCol>
-              </a:tblGrid>
-              <a:tr h="414714">
-                <a:tc>
-                  <a:txBody>
-                    <a:bodyPr/>
-                    <a:lstStyle/>
-                    <a:p>
-                      <a:r>
-                        <a:rPr lang="en-US" dirty="0"/>
-                        <a:t>List Type</a:t>
-                      </a:r>
-                    </a:p>
-                  </a:txBody>
-                  <a:tcPr/>
-                </a:tc>
-                <a:tc>
-                  <a:txBody>
-                    <a:bodyPr/>
-                    <a:lstStyle/>
-                    <a:p>
-                      <a:r>
-                        <a:rPr lang="en-US" dirty="0"/>
-                        <a:t>Manual</a:t>
-                      </a:r>
-                    </a:p>
-                  </a:txBody>
-                  <a:tcPr/>
-                </a:tc>
-                <a:tc>
-                  <a:txBody>
-                    <a:bodyPr/>
-                    <a:lstStyle/>
-                    <a:p>
-                      <a:r>
-                        <a:rPr lang="en-US" dirty="0"/>
-                        <a:t>Lev 0</a:t>
-                      </a:r>
-                    </a:p>
-                  </a:txBody>
-                  <a:tcPr/>
-                </a:tc>
-                <a:tc>
-                  <a:txBody>
-                    <a:bodyPr/>
-                    <a:lstStyle/>
-                    <a:p>
-                      <a:r>
-                        <a:rPr lang="en-US" dirty="0"/>
-                        <a:t>Lev 1</a:t>
-                      </a:r>
-                    </a:p>
-                  </a:txBody>
-                  <a:tcPr/>
-                </a:tc>
-                <a:tc>
-                  <a:txBody>
-                    <a:bodyPr/>
-                    <a:lstStyle/>
-                    <a:p>
-                      <a:r>
-                        <a:rPr lang="en-US" dirty="0"/>
-                        <a:t>Lev 2</a:t>
-                      </a:r>
-                    </a:p>
-                  </a:txBody>
-                  <a:tcPr/>
-                </a:tc>
-                <a:tc>
-                  <a:txBody>
-                    <a:bodyPr/>
-                    <a:lstStyle/>
-                    <a:p>
-                      <a:r>
-                        <a:rPr lang="en-US" dirty="0"/>
-                        <a:t>Lev 3</a:t>
-                      </a:r>
-                    </a:p>
-                  </a:txBody>
-                  <a:tcPr/>
-                </a:tc>
-                <a:tc>
-                  <a:txBody>
-                    <a:bodyPr/>
-                    <a:lstStyle/>
-                    <a:p>
-                      <a:r>
-                        <a:rPr lang="en-US" dirty="0"/>
-                        <a:t>Lev 4</a:t>
-                      </a:r>
-                    </a:p>
-                  </a:txBody>
-                  <a:tcPr/>
-                </a:tc>
-                <a:tc>
-                  <a:txBody>
-                    <a:bodyPr/>
-                    <a:lstStyle/>
-                    <a:p>
-                      <a:r>
-                        <a:rPr lang="en-US" dirty="0"/>
-                        <a:t>Lev 5</a:t>
-                      </a:r>
-                    </a:p>
-                  </a:txBody>
-                  <a:tcPr/>
-                </a:tc>
-                <a:extLst>
-                  <a:ext uri="{0D108BD9-81ED-4DB2-BD59-A6C34878D82A}">
-                    <a16:rowId xmlns:a16="http://schemas.microsoft.com/office/drawing/2014/main" val="3094978493"/>
-                  </a:ext>
-                </a:extLst>
-              </a:tr>
-              <a:tr h="562421">
-                <a:tc>
-                  <a:txBody>
-                    <a:bodyPr/>
-                    <a:lstStyle/>
-                    <a:p>
-                      <a:r>
-                        <a:rPr lang="en-US" dirty="0" err="1"/>
-                        <a:t>Adhoc</a:t>
-                      </a:r>
-                      <a:endParaRPr lang="en-US" dirty="0"/>
-                    </a:p>
-                  </a:txBody>
-                  <a:tcPr/>
-                </a:tc>
-                <a:tc>
-                  <a:txBody>
-                    <a:bodyPr/>
-                    <a:lstStyle/>
-                    <a:p>
-                      <a:r>
-                        <a:rPr lang="en-US" b="1" dirty="0"/>
-                        <a:t>50.00</a:t>
-                      </a:r>
-                    </a:p>
-                  </a:txBody>
-                  <a:tcPr/>
-                </a:tc>
-                <a:tc>
-                  <a:txBody>
-                    <a:bodyPr/>
-                    <a:lstStyle/>
-                    <a:p>
-                      <a:r>
-                        <a:rPr lang="en-US" b="0" dirty="0"/>
-                        <a:t>48.10</a:t>
-                      </a:r>
-                    </a:p>
-                  </a:txBody>
-                  <a:tcPr/>
-                </a:tc>
-                <a:tc>
-                  <a:txBody>
-                    <a:bodyPr/>
-                    <a:lstStyle/>
-                    <a:p>
-                      <a:r>
-                        <a:rPr lang="en-US" b="0" dirty="0"/>
-                        <a:t>48.64</a:t>
-                      </a:r>
-                    </a:p>
-                  </a:txBody>
-                  <a:tcPr/>
-                </a:tc>
-                <a:tc>
-                  <a:txBody>
-                    <a:bodyPr/>
-                    <a:lstStyle/>
-                    <a:p>
-                      <a:r>
-                        <a:rPr lang="en-US" b="0" dirty="0"/>
-                        <a:t>48.58</a:t>
-                      </a:r>
-                    </a:p>
-                  </a:txBody>
-                  <a:tcPr/>
-                </a:tc>
-                <a:tc>
-                  <a:txBody>
-                    <a:bodyPr/>
-                    <a:lstStyle/>
-                    <a:p>
-                      <a:r>
-                        <a:rPr lang="en-US" b="0" dirty="0"/>
-                        <a:t>49.48</a:t>
-                      </a:r>
-                    </a:p>
-                  </a:txBody>
-                  <a:tcPr/>
-                </a:tc>
-                <a:tc>
-                  <a:txBody>
-                    <a:bodyPr/>
-                    <a:lstStyle/>
-                    <a:p>
-                      <a:r>
-                        <a:rPr lang="en-US" b="1" dirty="0"/>
-                        <a:t>49.71</a:t>
-                      </a:r>
-                    </a:p>
-                  </a:txBody>
-                  <a:tcPr/>
-                </a:tc>
-                <a:tc>
-                  <a:txBody>
-                    <a:bodyPr/>
-                    <a:lstStyle/>
-                    <a:p>
-                      <a:r>
-                        <a:rPr lang="en-US" b="1" dirty="0"/>
-                        <a:t>49.71</a:t>
-                      </a:r>
-                    </a:p>
-                  </a:txBody>
-                  <a:tcPr/>
-                </a:tc>
-                <a:extLst>
-                  <a:ext uri="{0D108BD9-81ED-4DB2-BD59-A6C34878D82A}">
-                    <a16:rowId xmlns:a16="http://schemas.microsoft.com/office/drawing/2014/main" val="1717987609"/>
-                  </a:ext>
-                </a:extLst>
-              </a:tr>
-              <a:tr h="562421">
-                <a:tc>
-                  <a:txBody>
-                    <a:bodyPr/>
-                    <a:lstStyle/>
-                    <a:p>
-                      <a:r>
-                        <a:rPr lang="en-US" dirty="0"/>
-                        <a:t>Categorical</a:t>
-                      </a:r>
-                    </a:p>
-                  </a:txBody>
-                  <a:tcPr/>
-                </a:tc>
-                <a:tc>
-                  <a:txBody>
-                    <a:bodyPr/>
-                    <a:lstStyle/>
-                    <a:p>
-                      <a:r>
-                        <a:rPr lang="en-US" b="1" dirty="0"/>
-                        <a:t>47.86</a:t>
-                      </a:r>
-                    </a:p>
-                  </a:txBody>
-                  <a:tcPr/>
-                </a:tc>
-                <a:tc>
-                  <a:txBody>
-                    <a:bodyPr/>
-                    <a:lstStyle/>
-                    <a:p>
-                      <a:r>
-                        <a:rPr lang="en-US" b="0" dirty="0"/>
-                        <a:t>44.13</a:t>
-                      </a:r>
-                    </a:p>
-                  </a:txBody>
-                  <a:tcPr/>
-                </a:tc>
-                <a:tc>
-                  <a:txBody>
-                    <a:bodyPr/>
-                    <a:lstStyle/>
-                    <a:p>
-                      <a:r>
-                        <a:rPr lang="en-US" b="0" dirty="0"/>
-                        <a:t>44.60</a:t>
-                      </a:r>
-                    </a:p>
-                  </a:txBody>
-                  <a:tcPr/>
-                </a:tc>
-                <a:tc>
-                  <a:txBody>
-                    <a:bodyPr/>
-                    <a:lstStyle/>
-                    <a:p>
-                      <a:r>
-                        <a:rPr lang="en-US" b="0" dirty="0"/>
-                        <a:t>44.71</a:t>
-                      </a:r>
-                    </a:p>
-                  </a:txBody>
-                  <a:tcPr/>
-                </a:tc>
-                <a:tc>
-                  <a:txBody>
-                    <a:bodyPr/>
-                    <a:lstStyle/>
-                    <a:p>
-                      <a:r>
-                        <a:rPr lang="en-US" b="0" dirty="0"/>
-                        <a:t>45.56</a:t>
-                      </a:r>
-                    </a:p>
-                  </a:txBody>
-                  <a:tcPr/>
-                </a:tc>
-                <a:tc>
-                  <a:txBody>
-                    <a:bodyPr/>
-                    <a:lstStyle/>
-                    <a:p>
-                      <a:r>
-                        <a:rPr lang="en-US" b="1" dirty="0"/>
-                        <a:t>47.19</a:t>
-                      </a:r>
-                    </a:p>
-                  </a:txBody>
-                  <a:tcPr/>
-                </a:tc>
-                <a:tc>
-                  <a:txBody>
-                    <a:bodyPr/>
-                    <a:lstStyle/>
-                    <a:p>
-                      <a:r>
-                        <a:rPr lang="en-US" b="1" dirty="0"/>
-                        <a:t>47.19</a:t>
-                      </a:r>
-                    </a:p>
-                  </a:txBody>
-                  <a:tcPr/>
-                </a:tc>
-                <a:extLst>
-                  <a:ext uri="{0D108BD9-81ED-4DB2-BD59-A6C34878D82A}">
-                    <a16:rowId xmlns:a16="http://schemas.microsoft.com/office/drawing/2014/main" val="552033736"/>
-                  </a:ext>
-                </a:extLst>
-              </a:tr>
-              <a:tr h="562421">
-                <a:tc>
-                  <a:txBody>
-                    <a:bodyPr/>
-                    <a:lstStyle/>
-                    <a:p>
-                      <a:r>
-                        <a:rPr lang="en-US" dirty="0"/>
-                        <a:t>Unrelated</a:t>
-                      </a:r>
-                    </a:p>
-                  </a:txBody>
-                  <a:tcPr/>
-                </a:tc>
-                <a:tc>
-                  <a:txBody>
-                    <a:bodyPr/>
-                    <a:lstStyle/>
-                    <a:p>
-                      <a:r>
-                        <a:rPr lang="en-US" b="1" dirty="0"/>
-                        <a:t>37.99</a:t>
-                      </a:r>
-                    </a:p>
-                  </a:txBody>
-                  <a:tcPr/>
-                </a:tc>
-                <a:tc>
-                  <a:txBody>
-                    <a:bodyPr/>
-                    <a:lstStyle/>
-                    <a:p>
-                      <a:r>
-                        <a:rPr lang="en-US" b="0" dirty="0"/>
-                        <a:t>37.40</a:t>
-                      </a:r>
-                    </a:p>
-                  </a:txBody>
-                  <a:tcPr/>
-                </a:tc>
-                <a:tc>
-                  <a:txBody>
-                    <a:bodyPr/>
-                    <a:lstStyle/>
-                    <a:p>
-                      <a:r>
-                        <a:rPr lang="en-US" b="0" dirty="0"/>
-                        <a:t>37.52</a:t>
-                      </a:r>
-                    </a:p>
-                  </a:txBody>
-                  <a:tcPr/>
-                </a:tc>
-                <a:tc>
-                  <a:txBody>
-                    <a:bodyPr/>
-                    <a:lstStyle/>
-                    <a:p>
-                      <a:r>
-                        <a:rPr lang="en-US" b="1" dirty="0"/>
-                        <a:t>37.88</a:t>
-                      </a:r>
-                    </a:p>
-                  </a:txBody>
-                  <a:tcPr/>
-                </a:tc>
-                <a:tc>
-                  <a:txBody>
-                    <a:bodyPr/>
-                    <a:lstStyle/>
-                    <a:p>
-                      <a:r>
-                        <a:rPr lang="en-US" b="0" dirty="0"/>
-                        <a:t>38.46</a:t>
-                      </a:r>
-                    </a:p>
-                  </a:txBody>
-                  <a:tcPr/>
-                </a:tc>
-                <a:tc>
-                  <a:txBody>
-                    <a:bodyPr/>
-                    <a:lstStyle/>
-                    <a:p>
-                      <a:r>
-                        <a:rPr lang="en-US" b="0" dirty="0"/>
-                        <a:t>38.46</a:t>
-                      </a:r>
-                    </a:p>
-                  </a:txBody>
-                  <a:tcPr/>
-                </a:tc>
-                <a:tc>
-                  <a:txBody>
-                    <a:bodyPr/>
-                    <a:lstStyle/>
-                    <a:p>
-                      <a:r>
-                        <a:rPr lang="en-US" b="0" dirty="0"/>
-                        <a:t>38.46</a:t>
-                      </a:r>
-                    </a:p>
-                  </a:txBody>
-                  <a:tcPr/>
-                </a:tc>
-                <a:extLst>
-                  <a:ext uri="{0D108BD9-81ED-4DB2-BD59-A6C34878D82A}">
-                    <a16:rowId xmlns:a16="http://schemas.microsoft.com/office/drawing/2014/main" val="95508324"/>
-                  </a:ext>
-                </a:extLst>
-              </a:tr>
-            </a:tbl>
-          </a:graphicData>
-        </a:graphic>
-      </p:graphicFrame>
-      <p:sp>
-        <p:nvSpPr>
-          <p:cNvPr id="4" name="Footer Placeholder 3">
-            <a:extLst>
-              <a:ext uri="{FF2B5EF4-FFF2-40B4-BE49-F238E27FC236}">
-                <a16:creationId xmlns:a16="http://schemas.microsoft.com/office/drawing/2014/main" id="{E840E93B-3EB5-41FD-9778-380533936B76}"/>
-              </a:ext>
-            </a:extLst>
-          </p:cNvPr>
-          <p:cNvSpPr>
-            <a:spLocks noGrp="1"/>
-          </p:cNvSpPr>
-          <p:nvPr>
-            <p:ph type="ftr" sz="quarter" idx="11"/>
-          </p:nvPr>
-        </p:nvSpPr>
-        <p:spPr/>
-        <p:txBody>
-          <a:bodyPr/>
-          <a:lstStyle/>
-          <a:p>
-            <a:r>
-              <a:rPr lang="en-US"/>
-              <a:t>
-              </a:t>
-            </a:r>
-            <a:endParaRPr lang="en-US" dirty="0"/>
-          </a:p>
-        </p:txBody>
-      </p:sp>
-      <p:sp>
-        <p:nvSpPr>
-          <p:cNvPr id="6" name="TextBox 5">
-            <a:extLst>
-              <a:ext uri="{FF2B5EF4-FFF2-40B4-BE49-F238E27FC236}">
-                <a16:creationId xmlns:a16="http://schemas.microsoft.com/office/drawing/2014/main" id="{7152655D-7628-4DE5-A79E-E4209489EA91}"/>
-              </a:ext>
-            </a:extLst>
-          </p:cNvPr>
-          <p:cNvSpPr txBox="1"/>
-          <p:nvPr/>
-        </p:nvSpPr>
-        <p:spPr>
-          <a:xfrm>
-            <a:off x="642424" y="4147548"/>
-            <a:ext cx="7031421" cy="646331"/>
-          </a:xfrm>
-          <a:prstGeom prst="rect">
-            <a:avLst/>
-          </a:prstGeom>
-          <a:noFill/>
-        </p:spPr>
-        <p:txBody>
-          <a:bodyPr wrap="square" rtlCol="0">
-            <a:spAutoFit/>
-          </a:bodyPr>
-          <a:lstStyle/>
-          <a:p>
-            <a:r>
-              <a:rPr lang="en-US" dirty="0"/>
-              <a:t>Across list types,</a:t>
-            </a:r>
-            <a:r>
-              <a:rPr lang="en-US" i="1" dirty="0"/>
-              <a:t> </a:t>
-            </a:r>
-            <a:r>
-              <a:rPr lang="en-US" i="1" dirty="0" err="1"/>
-              <a:t>lrd</a:t>
-            </a:r>
-            <a:r>
-              <a:rPr lang="en-US" i="1" dirty="0"/>
-              <a:t> </a:t>
-            </a:r>
-            <a:r>
-              <a:rPr lang="en-US" dirty="0"/>
-              <a:t>was most accurate when using a cutoff of 3 or greater.</a:t>
-            </a:r>
-          </a:p>
-        </p:txBody>
-      </p:sp>
-    </p:spTree>
-    <p:extLst>
-      <p:ext uri="{BB962C8B-B14F-4D97-AF65-F5344CB8AC3E}">
-        <p14:creationId xmlns:p14="http://schemas.microsoft.com/office/powerpoint/2010/main" val="1896286760"/>
-      </p:ext>
-    </p:extLst>
-  </p:cSld>
-  <p:clrMapOvr>
-    <a:masterClrMapping/>
-  </p:clrMapOvr>
-</p:sld>
-</file>
-
 <file path=ppt/slides/slide2.xml><?xml version="1.0" encoding="utf-8"?>
 <p:sld xmlns:a="http://schemas.openxmlformats.org/drawingml/2006/main" xmlns:r="http://schemas.openxmlformats.org/officeDocument/2006/relationships" xmlns:p="http://schemas.openxmlformats.org/presentationml/2006/main">
   <p:cSld>
@@ -21146,10 +20368,10 @@
       </p:sp>
       <p:sp>
         <p:nvSpPr>
-          <p:cNvPr id="4" name="Footer Placeholder 3">
+          <p:cNvPr id="6" name="Slide Number Placeholder 5">
             <a:extLst>
               <a:ext uri="{FF2B5EF4-FFF2-40B4-BE49-F238E27FC236}">
-                <a16:creationId xmlns:a16="http://schemas.microsoft.com/office/drawing/2014/main" id="{FD3C1C69-8F17-4E0D-8F2B-461852FFA4B8}"/>
+                <a16:creationId xmlns:a16="http://schemas.microsoft.com/office/drawing/2014/main" id="{59E77529-3E66-48FC-AC75-6591BAD3C02A}"/>
               </a:ext>
             </a:extLst>
           </p:cNvPr>
@@ -21157,7 +20379,7 @@
             <a:spLocks noGrp="1"/>
           </p:cNvSpPr>
           <p:nvPr>
-            <p:ph type="ftr" sz="quarter" idx="11"/>
+            <p:ph type="sldNum" sz="quarter" idx="12"/>
           </p:nvPr>
         </p:nvSpPr>
         <p:spPr/>
@@ -21165,11 +20387,11 @@
           <a:bodyPr/>
           <a:lstStyle/>
           <a:p>
-            <a:r>
-              <a:rPr lang="en-US"/>
-              <a:t>
-              </a:t>
-            </a:r>
+            <a:fld id="{D57F1E4F-1CFF-5643-939E-217C01CDF565}" type="slidenum">
+              <a:rPr lang="en-US" smtClean="0"/>
+              <a:pPr/>
+              <a:t>2</a:t>
+            </a:fld>
             <a:endParaRPr lang="en-US" dirty="0"/>
           </a:p>
         </p:txBody>
@@ -21316,6 +20538,198 @@
 </file>
 
 <file path=ppt/slides/slide20.xml><?xml version="1.0" encoding="utf-8"?>
+<p:sld xmlns:a="http://schemas.openxmlformats.org/drawingml/2006/main" xmlns:r="http://schemas.openxmlformats.org/officeDocument/2006/relationships" xmlns:p="http://schemas.openxmlformats.org/presentationml/2006/main">
+  <p:cSld>
+    <p:spTree>
+      <p:nvGrpSpPr>
+        <p:cNvPr id="1" name=""/>
+        <p:cNvGrpSpPr/>
+        <p:nvPr/>
+      </p:nvGrpSpPr>
+      <p:grpSpPr>
+        <a:xfrm>
+          <a:off x="0" y="0"/>
+          <a:ext cx="0" cy="0"/>
+          <a:chOff x="0" y="0"/>
+          <a:chExt cx="0" cy="0"/>
+        </a:xfrm>
+      </p:grpSpPr>
+      <p:sp>
+        <p:nvSpPr>
+          <p:cNvPr id="2" name="Title 1">
+            <a:extLst>
+              <a:ext uri="{FF2B5EF4-FFF2-40B4-BE49-F238E27FC236}">
+                <a16:creationId xmlns:a16="http://schemas.microsoft.com/office/drawing/2014/main" id="{3C5F83DF-0561-4141-875F-99F36076C97D}"/>
+              </a:ext>
+            </a:extLst>
+          </p:cNvPr>
+          <p:cNvSpPr>
+            <a:spLocks noGrp="1"/>
+          </p:cNvSpPr>
+          <p:nvPr>
+            <p:ph type="title"/>
+          </p:nvPr>
+        </p:nvSpPr>
+        <p:spPr/>
+        <p:txBody>
+          <a:bodyPr/>
+          <a:lstStyle/>
+          <a:p>
+            <a:r>
+              <a:rPr lang="en-US" b="1" dirty="0"/>
+              <a:t>Free-Recall</a:t>
+            </a:r>
+          </a:p>
+        </p:txBody>
+      </p:sp>
+      <p:sp>
+        <p:nvSpPr>
+          <p:cNvPr id="3" name="Content Placeholder 2">
+            <a:extLst>
+              <a:ext uri="{FF2B5EF4-FFF2-40B4-BE49-F238E27FC236}">
+                <a16:creationId xmlns:a16="http://schemas.microsoft.com/office/drawing/2014/main" id="{A5562E7E-FB37-4271-B667-A6BF2CD1A2E4}"/>
+              </a:ext>
+            </a:extLst>
+          </p:cNvPr>
+          <p:cNvSpPr>
+            <a:spLocks noGrp="1"/>
+          </p:cNvSpPr>
+          <p:nvPr>
+            <p:ph idx="1"/>
+          </p:nvPr>
+        </p:nvSpPr>
+        <p:spPr/>
+        <p:txBody>
+          <a:bodyPr>
+            <a:normAutofit/>
+          </a:bodyPr>
+          <a:lstStyle/>
+          <a:p>
+            <a:r>
+              <a:rPr lang="en-US" sz="1800" dirty="0">
+                <a:solidFill>
+                  <a:schemeClr val="tx1"/>
+                </a:solidFill>
+              </a:rPr>
+              <a:t>Free recall data taken from Huff, Yates, &amp; </a:t>
+            </a:r>
+            <a:r>
+              <a:rPr lang="en-US" sz="1800" dirty="0" err="1">
+                <a:solidFill>
+                  <a:schemeClr val="tx1"/>
+                </a:solidFill>
+              </a:rPr>
+              <a:t>Balota</a:t>
+            </a:r>
+            <a:r>
+              <a:rPr lang="en-US" sz="1800" dirty="0">
+                <a:solidFill>
+                  <a:schemeClr val="tx1"/>
+                </a:solidFill>
+              </a:rPr>
+              <a:t> (2018)</a:t>
+            </a:r>
+          </a:p>
+          <a:p>
+            <a:pPr lvl="1"/>
+            <a:r>
+              <a:rPr lang="en-US" sz="1600" dirty="0">
+                <a:solidFill>
+                  <a:schemeClr val="tx1"/>
+                </a:solidFill>
+              </a:rPr>
+              <a:t>120 participants completed free-recall tasks for three types of words lists</a:t>
+            </a:r>
+          </a:p>
+          <a:p>
+            <a:pPr lvl="2"/>
+            <a:r>
+              <a:rPr lang="en-US" sz="1400" dirty="0" err="1">
+                <a:solidFill>
+                  <a:schemeClr val="tx1"/>
+                </a:solidFill>
+              </a:rPr>
+              <a:t>Adhoc</a:t>
+            </a:r>
+            <a:endParaRPr lang="en-US" sz="1400" dirty="0">
+              <a:solidFill>
+                <a:schemeClr val="tx1"/>
+              </a:solidFill>
+            </a:endParaRPr>
+          </a:p>
+          <a:p>
+            <a:pPr lvl="2"/>
+            <a:r>
+              <a:rPr lang="en-US" sz="1400" dirty="0">
+                <a:solidFill>
+                  <a:schemeClr val="tx1"/>
+                </a:solidFill>
+              </a:rPr>
+              <a:t>Categorical</a:t>
+            </a:r>
+          </a:p>
+          <a:p>
+            <a:pPr lvl="2"/>
+            <a:r>
+              <a:rPr lang="en-US" sz="1400" dirty="0">
+                <a:solidFill>
+                  <a:schemeClr val="tx1"/>
+                </a:solidFill>
+              </a:rPr>
+              <a:t>Unrelated</a:t>
+            </a:r>
+            <a:endParaRPr lang="en-US" sz="1100" dirty="0">
+              <a:solidFill>
+                <a:schemeClr val="tx1"/>
+              </a:solidFill>
+            </a:endParaRPr>
+          </a:p>
+        </p:txBody>
+      </p:sp>
+      <p:sp>
+        <p:nvSpPr>
+          <p:cNvPr id="6" name="Slide Number Placeholder 5">
+            <a:extLst>
+              <a:ext uri="{FF2B5EF4-FFF2-40B4-BE49-F238E27FC236}">
+                <a16:creationId xmlns:a16="http://schemas.microsoft.com/office/drawing/2014/main" id="{45B199CC-F3BC-4231-A3FA-55AC12F267A6}"/>
+              </a:ext>
+            </a:extLst>
+          </p:cNvPr>
+          <p:cNvSpPr>
+            <a:spLocks noGrp="1"/>
+          </p:cNvSpPr>
+          <p:nvPr>
+            <p:ph type="sldNum" sz="quarter" idx="12"/>
+          </p:nvPr>
+        </p:nvSpPr>
+        <p:spPr/>
+        <p:txBody>
+          <a:bodyPr/>
+          <a:lstStyle/>
+          <a:p>
+            <a:fld id="{D57F1E4F-1CFF-5643-939E-217C01CDF565}" type="slidenum">
+              <a:rPr lang="en-US" smtClean="0"/>
+              <a:pPr/>
+              <a:t>20</a:t>
+            </a:fld>
+            <a:endParaRPr lang="en-US" dirty="0"/>
+          </a:p>
+        </p:txBody>
+      </p:sp>
+    </p:spTree>
+    <p:extLst>
+      <p:ext uri="{BB962C8B-B14F-4D97-AF65-F5344CB8AC3E}">
+        <p14:creationId xmlns:p14="http://schemas.microsoft.com/office/powerpoint/2010/main" val="131209907"/>
+      </p:ext>
+    </p:extLst>
+  </p:cSld>
+  <p:clrMapOvr>
+    <a:masterClrMapping/>
+  </p:clrMapOvr>
+</p:sld>
+</file>
+
+<file path=ppt/slides/slide21.xml><?xml version="1.0" encoding="utf-8"?>
 <p:sld xmlns:a="http://schemas.openxmlformats.org/drawingml/2006/main" xmlns:r="http://schemas.openxmlformats.org/officeDocument/2006/relationships" xmlns:p="http://schemas.openxmlformats.org/presentationml/2006/main">
   <p:cSld>
     <p:spTree>
@@ -22431,6 +21845,36 @@
           </a:p>
         </p:txBody>
       </p:sp>
+      <p:sp>
+        <p:nvSpPr>
+          <p:cNvPr id="4" name="Slide Number Placeholder 3">
+            <a:extLst>
+              <a:ext uri="{FF2B5EF4-FFF2-40B4-BE49-F238E27FC236}">
+                <a16:creationId xmlns:a16="http://schemas.microsoft.com/office/drawing/2014/main" id="{7832A776-8F70-478F-87D8-3B0AACF5F0C4}"/>
+              </a:ext>
+            </a:extLst>
+          </p:cNvPr>
+          <p:cNvSpPr>
+            <a:spLocks noGrp="1"/>
+          </p:cNvSpPr>
+          <p:nvPr>
+            <p:ph type="sldNum" sz="quarter" idx="12"/>
+          </p:nvPr>
+        </p:nvSpPr>
+        <p:spPr/>
+        <p:txBody>
+          <a:bodyPr/>
+          <a:lstStyle/>
+          <a:p>
+            <a:fld id="{D57F1E4F-1CFF-5643-939E-217C01CDF565}" type="slidenum">
+              <a:rPr lang="en-US" smtClean="0"/>
+              <a:pPr/>
+              <a:t>21</a:t>
+            </a:fld>
+            <a:endParaRPr lang="en-US" dirty="0"/>
+          </a:p>
+        </p:txBody>
+      </p:sp>
     </p:spTree>
     <p:extLst>
       <p:ext uri="{BB962C8B-B14F-4D97-AF65-F5344CB8AC3E}">
@@ -22568,7 +22012,7 @@
 </p:sld>
 </file>
 
-<file path=ppt/slides/slide21.xml><?xml version="1.0" encoding="utf-8"?>
+<file path=ppt/slides/slide22.xml><?xml version="1.0" encoding="utf-8"?>
 <p:sld xmlns:a="http://schemas.openxmlformats.org/drawingml/2006/main" xmlns:r="http://schemas.openxmlformats.org/officeDocument/2006/relationships" xmlns:p="http://schemas.openxmlformats.org/presentationml/2006/main">
   <p:cSld>
     <p:bg>
@@ -22691,6 +22135,36 @@
           </a:p>
         </p:txBody>
       </p:sp>
+      <p:sp>
+        <p:nvSpPr>
+          <p:cNvPr id="5" name="Slide Number Placeholder 4">
+            <a:extLst>
+              <a:ext uri="{FF2B5EF4-FFF2-40B4-BE49-F238E27FC236}">
+                <a16:creationId xmlns:a16="http://schemas.microsoft.com/office/drawing/2014/main" id="{CBBE7263-2592-4CDD-BF9A-561E786119E7}"/>
+              </a:ext>
+            </a:extLst>
+          </p:cNvPr>
+          <p:cNvSpPr>
+            <a:spLocks noGrp="1"/>
+          </p:cNvSpPr>
+          <p:nvPr>
+            <p:ph type="sldNum" sz="quarter" idx="12"/>
+          </p:nvPr>
+        </p:nvSpPr>
+        <p:spPr/>
+        <p:txBody>
+          <a:bodyPr/>
+          <a:lstStyle/>
+          <a:p>
+            <a:fld id="{D57F1E4F-1CFF-5643-939E-217C01CDF565}" type="slidenum">
+              <a:rPr lang="en-US" smtClean="0"/>
+              <a:pPr/>
+              <a:t>22</a:t>
+            </a:fld>
+            <a:endParaRPr lang="en-US" dirty="0"/>
+          </a:p>
+        </p:txBody>
+      </p:sp>
     </p:spTree>
     <p:extLst>
       <p:ext uri="{BB962C8B-B14F-4D97-AF65-F5344CB8AC3E}">
@@ -22704,7 +22178,7 @@
 </p:sld>
 </file>
 
-<file path=ppt/slides/slide22.xml><?xml version="1.0" encoding="utf-8"?>
+<file path=ppt/slides/slide23.xml><?xml version="1.0" encoding="utf-8"?>
 <p:sld xmlns:a="http://schemas.openxmlformats.org/drawingml/2006/main" xmlns:r="http://schemas.openxmlformats.org/officeDocument/2006/relationships" xmlns:p="http://schemas.openxmlformats.org/presentationml/2006/main">
   <p:cSld>
     <p:bg>
@@ -22778,12 +22252,116 @@
             <p:ph type="subTitle" idx="1"/>
           </p:nvPr>
         </p:nvSpPr>
+        <p:spPr>
+          <a:xfrm>
+            <a:off x="561416" y="3906067"/>
+            <a:ext cx="6619244" cy="646065"/>
+          </a:xfrm>
+        </p:spPr>
+        <p:txBody>
+          <a:bodyPr>
+            <a:noAutofit/>
+          </a:bodyPr>
+          <a:lstStyle/>
+          <a:p>
+            <a:pPr>
+              <a:spcBef>
+                <a:spcPts val="400"/>
+              </a:spcBef>
+            </a:pPr>
+            <a:r>
+              <a:rPr lang="en-US" sz="1600" b="1" cap="none" dirty="0">
+                <a:solidFill>
+                  <a:schemeClr val="accent2"/>
+                </a:solidFill>
+              </a:rPr>
+              <a:t>Email</a:t>
+            </a:r>
+            <a:r>
+              <a:rPr lang="en-US" sz="1600" b="1" dirty="0">
+                <a:solidFill>
+                  <a:schemeClr val="accent2"/>
+                </a:solidFill>
+              </a:rPr>
+              <a:t>:</a:t>
+            </a:r>
+            <a:r>
+              <a:rPr lang="en-US" sz="1600" b="1" dirty="0">
+                <a:solidFill>
+                  <a:schemeClr val="bg1"/>
+                </a:solidFill>
+              </a:rPr>
+              <a:t> </a:t>
+            </a:r>
+            <a:r>
+              <a:rPr lang="en-US" sz="1600" cap="none" dirty="0">
+                <a:solidFill>
+                  <a:schemeClr val="bg1"/>
+                </a:solidFill>
+              </a:rPr>
+              <a:t>nicholas.maxwell@usm.edu</a:t>
+            </a:r>
+          </a:p>
+          <a:p>
+            <a:pPr>
+              <a:spcBef>
+                <a:spcPts val="400"/>
+              </a:spcBef>
+            </a:pPr>
+            <a:r>
+              <a:rPr lang="en-US" sz="1600" b="1" cap="none" dirty="0">
+                <a:solidFill>
+                  <a:schemeClr val="accent2"/>
+                </a:solidFill>
+              </a:rPr>
+              <a:t>More Info</a:t>
+            </a:r>
+            <a:r>
+              <a:rPr lang="en-US" sz="1600" b="1" dirty="0">
+                <a:solidFill>
+                  <a:schemeClr val="accent2"/>
+                </a:solidFill>
+              </a:rPr>
+              <a:t>: </a:t>
+            </a:r>
+            <a:r>
+              <a:rPr lang="en-US" sz="1600" cap="none" dirty="0">
+                <a:solidFill>
+                  <a:schemeClr val="bg1"/>
+                </a:solidFill>
+              </a:rPr>
+              <a:t>macapsych.com/lexical-re</a:t>
+            </a:r>
+          </a:p>
+        </p:txBody>
+      </p:sp>
+      <p:sp>
+        <p:nvSpPr>
+          <p:cNvPr id="3" name="Slide Number Placeholder 2">
+            <a:extLst>
+              <a:ext uri="{FF2B5EF4-FFF2-40B4-BE49-F238E27FC236}">
+                <a16:creationId xmlns:a16="http://schemas.microsoft.com/office/drawing/2014/main" id="{E6EB3953-EFCB-41A3-8864-45660D6CFC25}"/>
+              </a:ext>
+            </a:extLst>
+          </p:cNvPr>
+          <p:cNvSpPr>
+            <a:spLocks noGrp="1"/>
+          </p:cNvSpPr>
+          <p:nvPr>
+            <p:ph type="sldNum" sz="quarter" idx="12"/>
+          </p:nvPr>
+        </p:nvSpPr>
         <p:spPr/>
         <p:txBody>
           <a:bodyPr/>
           <a:lstStyle/>
           <a:p>
-            <a:endParaRPr lang="en-US"/>
+            <a:fld id="{D57F1E4F-1CFF-5643-939E-217C01CDF565}" type="slidenum">
+              <a:rPr lang="en-US" smtClean="0"/>
+              <a:pPr/>
+              <a:t>23</a:t>
+            </a:fld>
+            <a:endParaRPr lang="en-US" dirty="0"/>
           </a:p>
         </p:txBody>
       </p:sp>
@@ -22917,10 +22495,10 @@
       </p:sp>
       <p:sp>
         <p:nvSpPr>
-          <p:cNvPr id="4" name="Footer Placeholder 3">
+          <p:cNvPr id="7" name="Slide Number Placeholder 6">
             <a:extLst>
               <a:ext uri="{FF2B5EF4-FFF2-40B4-BE49-F238E27FC236}">
-                <a16:creationId xmlns:a16="http://schemas.microsoft.com/office/drawing/2014/main" id="{FD3C1C69-8F17-4E0D-8F2B-461852FFA4B8}"/>
+                <a16:creationId xmlns:a16="http://schemas.microsoft.com/office/drawing/2014/main" id="{ADC0407D-BBAB-4685-8513-E71D50DBF5B8}"/>
               </a:ext>
             </a:extLst>
           </p:cNvPr>
@@ -22928,7 +22506,7 @@
             <a:spLocks noGrp="1"/>
           </p:cNvSpPr>
           <p:nvPr>
-            <p:ph type="ftr" sz="quarter" idx="11"/>
+            <p:ph type="sldNum" sz="quarter" idx="12"/>
           </p:nvPr>
         </p:nvSpPr>
         <p:spPr/>
@@ -22936,11 +22514,11 @@
           <a:bodyPr/>
           <a:lstStyle/>
           <a:p>
-            <a:r>
-              <a:rPr lang="en-US"/>
-              <a:t>
-              </a:t>
-            </a:r>
+            <a:fld id="{D57F1E4F-1CFF-5643-939E-217C01CDF565}" type="slidenum">
+              <a:rPr lang="en-US" smtClean="0"/>
+              <a:pPr/>
+              <a:t>3</a:t>
+            </a:fld>
             <a:endParaRPr lang="en-US" dirty="0"/>
           </a:p>
         </p:txBody>
@@ -23305,10 +22883,10 @@
       </p:sp>
       <p:sp>
         <p:nvSpPr>
-          <p:cNvPr id="4" name="Footer Placeholder 3">
+          <p:cNvPr id="6" name="Slide Number Placeholder 5">
             <a:extLst>
               <a:ext uri="{FF2B5EF4-FFF2-40B4-BE49-F238E27FC236}">
-                <a16:creationId xmlns:a16="http://schemas.microsoft.com/office/drawing/2014/main" id="{EB8AB279-88DE-4ABD-AD9C-CAD368EA707A}"/>
+                <a16:creationId xmlns:a16="http://schemas.microsoft.com/office/drawing/2014/main" id="{E8D9398C-C020-41CF-B2B8-39CE7E760E08}"/>
               </a:ext>
             </a:extLst>
           </p:cNvPr>
@@ -23316,7 +22894,7 @@
             <a:spLocks noGrp="1"/>
           </p:cNvSpPr>
           <p:nvPr>
-            <p:ph type="ftr" sz="quarter" idx="11"/>
+            <p:ph type="sldNum" sz="quarter" idx="12"/>
           </p:nvPr>
         </p:nvSpPr>
         <p:spPr/>
@@ -23324,11 +22902,11 @@
           <a:bodyPr/>
           <a:lstStyle/>
           <a:p>
-            <a:r>
-              <a:rPr lang="en-US"/>
-              <a:t>
-              </a:t>
-            </a:r>
+            <a:fld id="{D57F1E4F-1CFF-5643-939E-217C01CDF565}" type="slidenum">
+              <a:rPr lang="en-US" smtClean="0"/>
+              <a:pPr/>
+              <a:t>4</a:t>
+            </a:fld>
             <a:endParaRPr lang="en-US" dirty="0"/>
           </a:p>
         </p:txBody>
@@ -23540,36 +23118,6 @@
           <a:chExt cx="0" cy="0"/>
         </a:xfrm>
       </p:grpSpPr>
-      <p:sp>
-        <p:nvSpPr>
-          <p:cNvPr id="4" name="Footer Placeholder 3">
-            <a:extLst>
-              <a:ext uri="{FF2B5EF4-FFF2-40B4-BE49-F238E27FC236}">
-                <a16:creationId xmlns:a16="http://schemas.microsoft.com/office/drawing/2014/main" id="{82C672EB-0CAB-4C67-BE98-ACD242378264}"/>
-              </a:ext>
-            </a:extLst>
-          </p:cNvPr>
-          <p:cNvSpPr>
-            <a:spLocks noGrp="1"/>
-          </p:cNvSpPr>
-          <p:nvPr>
-            <p:ph type="ftr" sz="quarter" idx="11"/>
-          </p:nvPr>
-        </p:nvSpPr>
-        <p:spPr/>
-        <p:txBody>
-          <a:bodyPr/>
-          <a:lstStyle/>
-          <a:p>
-            <a:r>
-              <a:rPr lang="en-US"/>
-              <a:t>
-              </a:t>
-            </a:r>
-            <a:endParaRPr lang="en-US" dirty="0"/>
-          </a:p>
-        </p:txBody>
-      </p:sp>
       <p:pic>
         <p:nvPicPr>
           <p:cNvPr id="8" name="Content Placeholder 7">
@@ -23588,14 +23136,13 @@
         </p:nvPicPr>
         <p:blipFill>
           <a:blip r:embed="rId3"/>
-          <a:stretch>
-            <a:fillRect/>
-          </a:stretch>
+          <a:srcRect/>
+          <a:stretch/>
         </p:blipFill>
         <p:spPr>
           <a:xfrm>
-            <a:off x="26126" y="1263017"/>
-            <a:ext cx="4336869" cy="3448131"/>
+            <a:off x="26126" y="1289357"/>
+            <a:ext cx="4336869" cy="3395451"/>
           </a:xfrm>
           <a:prstGeom prst="rect">
             <a:avLst/>
@@ -23738,7 +23285,7 @@
         <p:spPr>
           <a:xfrm>
             <a:off x="4920342" y="1263017"/>
-            <a:ext cx="3648891" cy="1600438"/>
+            <a:ext cx="3648891" cy="1354217"/>
           </a:xfrm>
           <a:prstGeom prst="rect">
             <a:avLst/>
@@ -23766,16 +23313,6 @@
               <a:buChar char="•"/>
             </a:pPr>
             <a:endParaRPr lang="en-US" sz="1600" dirty="0"/>
-          </a:p>
-          <a:p>
-            <a:pPr marL="285750" indent="-285750">
-              <a:buFont typeface="Arial" panose="020B0604020202020204" pitchFamily="34" charset="0"/>
-              <a:buChar char="•"/>
-            </a:pPr>
-            <a:r>
-              <a:rPr lang="en-US" sz="1600" dirty="0"/>
-              <a:t>Time intensive and error prone!</a:t>
-            </a:r>
           </a:p>
           <a:p>
             <a:endParaRPr lang="en-US" dirty="0"/>
@@ -23827,6 +23364,36 @@
           </a:fontRef>
         </p:style>
       </p:cxnSp>
+      <p:sp>
+        <p:nvSpPr>
+          <p:cNvPr id="5" name="Slide Number Placeholder 4">
+            <a:extLst>
+              <a:ext uri="{FF2B5EF4-FFF2-40B4-BE49-F238E27FC236}">
+                <a16:creationId xmlns:a16="http://schemas.microsoft.com/office/drawing/2014/main" id="{8B53B63E-5DC4-4FDD-9A5B-3038AA215C62}"/>
+              </a:ext>
+            </a:extLst>
+          </p:cNvPr>
+          <p:cNvSpPr>
+            <a:spLocks noGrp="1"/>
+          </p:cNvSpPr>
+          <p:nvPr>
+            <p:ph type="sldNum" sz="quarter" idx="12"/>
+          </p:nvPr>
+        </p:nvSpPr>
+        <p:spPr/>
+        <p:txBody>
+          <a:bodyPr/>
+          <a:lstStyle/>
+          <a:p>
+            <a:fld id="{D57F1E4F-1CFF-5643-939E-217C01CDF565}" type="slidenum">
+              <a:rPr lang="en-US" smtClean="0"/>
+              <a:pPr/>
+              <a:t>5</a:t>
+            </a:fld>
+            <a:endParaRPr lang="en-US" dirty="0"/>
+          </a:p>
+        </p:txBody>
+      </p:sp>
     </p:spTree>
     <p:extLst>
       <p:ext uri="{BB962C8B-B14F-4D97-AF65-F5344CB8AC3E}">
@@ -24029,27 +23596,598 @@
                       </p:childTnLst>
                     </p:cTn>
                   </p:par>
+                </p:childTnLst>
+              </p:cTn>
+              <p:prevCondLst>
+                <p:cond evt="onPrev" delay="0">
+                  <p:tgtEl>
+                    <p:sldTgt/>
+                  </p:tgtEl>
+                </p:cond>
+              </p:prevCondLst>
+              <p:nextCondLst>
+                <p:cond evt="onNext" delay="0">
+                  <p:tgtEl>
+                    <p:sldTgt/>
+                  </p:tgtEl>
+                </p:cond>
+              </p:nextCondLst>
+            </p:seq>
+          </p:childTnLst>
+        </p:cTn>
+      </p:par>
+    </p:tnLst>
+  </p:timing>
+</p:sld>
+</file>
+
+<file path=ppt/slides/slide6.xml><?xml version="1.0" encoding="utf-8"?>
+<p:sld xmlns:a="http://schemas.openxmlformats.org/drawingml/2006/main" xmlns:r="http://schemas.openxmlformats.org/officeDocument/2006/relationships" xmlns:p="http://schemas.openxmlformats.org/presentationml/2006/main">
+  <p:cSld>
+    <p:spTree>
+      <p:nvGrpSpPr>
+        <p:cNvPr id="1" name=""/>
+        <p:cNvGrpSpPr/>
+        <p:nvPr/>
+      </p:nvGrpSpPr>
+      <p:grpSpPr>
+        <a:xfrm>
+          <a:off x="0" y="0"/>
+          <a:ext cx="0" cy="0"/>
+          <a:chOff x="0" y="0"/>
+          <a:chExt cx="0" cy="0"/>
+        </a:xfrm>
+      </p:grpSpPr>
+      <p:pic>
+        <p:nvPicPr>
+          <p:cNvPr id="8" name="Content Placeholder 7">
+            <a:extLst>
+              <a:ext uri="{FF2B5EF4-FFF2-40B4-BE49-F238E27FC236}">
+                <a16:creationId xmlns:a16="http://schemas.microsoft.com/office/drawing/2014/main" id="{C9C8348A-34E9-40E5-A2AB-46996EE67288}"/>
+              </a:ext>
+            </a:extLst>
+          </p:cNvPr>
+          <p:cNvPicPr>
+            <a:picLocks noGrp="1" noChangeAspect="1"/>
+          </p:cNvPicPr>
+          <p:nvPr>
+            <p:ph idx="4294967295"/>
+          </p:nvPr>
+        </p:nvPicPr>
+        <p:blipFill>
+          <a:blip r:embed="rId3"/>
+          <a:srcRect/>
+          <a:stretch/>
+        </p:blipFill>
+        <p:spPr>
+          <a:xfrm>
+            <a:off x="26126" y="1287072"/>
+            <a:ext cx="4336869" cy="3400021"/>
+          </a:xfrm>
+          <a:prstGeom prst="rect">
+            <a:avLst/>
+          </a:prstGeom>
+        </p:spPr>
+      </p:pic>
+      <p:sp>
+        <p:nvSpPr>
+          <p:cNvPr id="2" name="Title 1">
+            <a:extLst>
+              <a:ext uri="{FF2B5EF4-FFF2-40B4-BE49-F238E27FC236}">
+                <a16:creationId xmlns:a16="http://schemas.microsoft.com/office/drawing/2014/main" id="{EA95D5B6-9FCC-4894-A1AF-876399D4B917}"/>
+              </a:ext>
+            </a:extLst>
+          </p:cNvPr>
+          <p:cNvSpPr>
+            <a:spLocks noGrp="1"/>
+          </p:cNvSpPr>
+          <p:nvPr>
+            <p:ph type="title" idx="4294967295"/>
+          </p:nvPr>
+        </p:nvSpPr>
+        <p:spPr>
+          <a:xfrm>
+            <a:off x="82232" y="-196139"/>
+            <a:ext cx="7468099" cy="1145373"/>
+          </a:xfrm>
+        </p:spPr>
+        <p:txBody>
+          <a:bodyPr/>
+          <a:lstStyle/>
+          <a:p>
+            <a:r>
+              <a:rPr lang="en-US" b="1" dirty="0">
+                <a:solidFill>
+                  <a:schemeClr val="tx1"/>
+                </a:solidFill>
+              </a:rPr>
+              <a:t>Cued-Recall Example</a:t>
+            </a:r>
+          </a:p>
+        </p:txBody>
+      </p:sp>
+      <p:sp>
+        <p:nvSpPr>
+          <p:cNvPr id="13" name="TextBox 12">
+            <a:extLst>
+              <a:ext uri="{FF2B5EF4-FFF2-40B4-BE49-F238E27FC236}">
+                <a16:creationId xmlns:a16="http://schemas.microsoft.com/office/drawing/2014/main" id="{F7C0FA3C-587E-4C38-8399-82E97FF4320E}"/>
+              </a:ext>
+            </a:extLst>
+          </p:cNvPr>
+          <p:cNvSpPr txBox="1"/>
+          <p:nvPr/>
+        </p:nvSpPr>
+        <p:spPr>
+          <a:xfrm>
+            <a:off x="4920342" y="1263017"/>
+            <a:ext cx="3648891" cy="1354217"/>
+          </a:xfrm>
+          <a:prstGeom prst="rect">
+            <a:avLst/>
+          </a:prstGeom>
+          <a:noFill/>
+        </p:spPr>
+        <p:txBody>
+          <a:bodyPr wrap="square" rtlCol="0">
+            <a:spAutoFit/>
+          </a:bodyPr>
+          <a:lstStyle/>
+          <a:p>
+            <a:pPr marL="285750" indent="-285750">
+              <a:buFont typeface="Arial" panose="020B0604020202020204" pitchFamily="34" charset="0"/>
+              <a:buChar char="•"/>
+            </a:pPr>
+            <a:r>
+              <a:rPr lang="en-US" sz="1600" dirty="0"/>
+              <a:t>Cued-recall data is scored by matching participant response to a key.</a:t>
+            </a:r>
+          </a:p>
+          <a:p>
+            <a:pPr marL="285750" indent="-285750">
+              <a:buFont typeface="Arial" panose="020B0604020202020204" pitchFamily="34" charset="0"/>
+              <a:buChar char="•"/>
+            </a:pPr>
+            <a:endParaRPr lang="en-US" sz="1600" dirty="0"/>
+          </a:p>
+          <a:p>
+            <a:endParaRPr lang="en-US" dirty="0"/>
+          </a:p>
+        </p:txBody>
+      </p:sp>
+      <p:sp>
+        <p:nvSpPr>
+          <p:cNvPr id="5" name="Slide Number Placeholder 4">
+            <a:extLst>
+              <a:ext uri="{FF2B5EF4-FFF2-40B4-BE49-F238E27FC236}">
+                <a16:creationId xmlns:a16="http://schemas.microsoft.com/office/drawing/2014/main" id="{AF47ED61-9DAA-4A6F-94D9-800EC191C947}"/>
+              </a:ext>
+            </a:extLst>
+          </p:cNvPr>
+          <p:cNvSpPr>
+            <a:spLocks noGrp="1"/>
+          </p:cNvSpPr>
+          <p:nvPr>
+            <p:ph type="sldNum" sz="quarter" idx="12"/>
+          </p:nvPr>
+        </p:nvSpPr>
+        <p:spPr/>
+        <p:txBody>
+          <a:bodyPr/>
+          <a:lstStyle/>
+          <a:p>
+            <a:fld id="{D57F1E4F-1CFF-5643-939E-217C01CDF565}" type="slidenum">
+              <a:rPr lang="en-US" smtClean="0"/>
+              <a:pPr/>
+              <a:t>6</a:t>
+            </a:fld>
+            <a:endParaRPr lang="en-US" dirty="0"/>
+          </a:p>
+        </p:txBody>
+      </p:sp>
+    </p:spTree>
+    <p:extLst>
+      <p:ext uri="{BB962C8B-B14F-4D97-AF65-F5344CB8AC3E}">
+        <p14:creationId xmlns:p14="http://schemas.microsoft.com/office/powerpoint/2010/main" val="4145411797"/>
+      </p:ext>
+    </p:extLst>
+  </p:cSld>
+  <p:clrMapOvr>
+    <a:masterClrMapping/>
+  </p:clrMapOvr>
+</p:sld>
+</file>
+
+<file path=ppt/slides/slide7.xml><?xml version="1.0" encoding="utf-8"?>
+<p:sld xmlns:a="http://schemas.openxmlformats.org/drawingml/2006/main" xmlns:r="http://schemas.openxmlformats.org/officeDocument/2006/relationships" xmlns:p="http://schemas.openxmlformats.org/presentationml/2006/main">
+  <p:cSld>
+    <p:spTree>
+      <p:nvGrpSpPr>
+        <p:cNvPr id="1" name=""/>
+        <p:cNvGrpSpPr/>
+        <p:nvPr/>
+      </p:nvGrpSpPr>
+      <p:grpSpPr>
+        <a:xfrm>
+          <a:off x="0" y="0"/>
+          <a:ext cx="0" cy="0"/>
+          <a:chOff x="0" y="0"/>
+          <a:chExt cx="0" cy="0"/>
+        </a:xfrm>
+      </p:grpSpPr>
+      <p:pic>
+        <p:nvPicPr>
+          <p:cNvPr id="8" name="Content Placeholder 7">
+            <a:extLst>
+              <a:ext uri="{FF2B5EF4-FFF2-40B4-BE49-F238E27FC236}">
+                <a16:creationId xmlns:a16="http://schemas.microsoft.com/office/drawing/2014/main" id="{C9C8348A-34E9-40E5-A2AB-46996EE67288}"/>
+              </a:ext>
+            </a:extLst>
+          </p:cNvPr>
+          <p:cNvPicPr>
+            <a:picLocks noGrp="1" noChangeAspect="1"/>
+          </p:cNvPicPr>
+          <p:nvPr>
+            <p:ph idx="4294967295"/>
+          </p:nvPr>
+        </p:nvPicPr>
+        <p:blipFill>
+          <a:blip r:embed="rId3"/>
+          <a:srcRect/>
+          <a:stretch/>
+        </p:blipFill>
+        <p:spPr>
+          <a:xfrm>
+            <a:off x="46081" y="1287072"/>
+            <a:ext cx="4296958" cy="3400021"/>
+          </a:xfrm>
+          <a:prstGeom prst="rect">
+            <a:avLst/>
+          </a:prstGeom>
+        </p:spPr>
+      </p:pic>
+      <p:sp>
+        <p:nvSpPr>
+          <p:cNvPr id="2" name="Title 1">
+            <a:extLst>
+              <a:ext uri="{FF2B5EF4-FFF2-40B4-BE49-F238E27FC236}">
+                <a16:creationId xmlns:a16="http://schemas.microsoft.com/office/drawing/2014/main" id="{EA95D5B6-9FCC-4894-A1AF-876399D4B917}"/>
+              </a:ext>
+            </a:extLst>
+          </p:cNvPr>
+          <p:cNvSpPr>
+            <a:spLocks noGrp="1"/>
+          </p:cNvSpPr>
+          <p:nvPr>
+            <p:ph type="title" idx="4294967295"/>
+          </p:nvPr>
+        </p:nvSpPr>
+        <p:spPr>
+          <a:xfrm>
+            <a:off x="82232" y="-196139"/>
+            <a:ext cx="7468099" cy="1145373"/>
+          </a:xfrm>
+        </p:spPr>
+        <p:txBody>
+          <a:bodyPr/>
+          <a:lstStyle/>
+          <a:p>
+            <a:r>
+              <a:rPr lang="en-US" b="1" dirty="0">
+                <a:solidFill>
+                  <a:schemeClr val="tx1"/>
+                </a:solidFill>
+              </a:rPr>
+              <a:t>Cued-Recall Example</a:t>
+            </a:r>
+          </a:p>
+        </p:txBody>
+      </p:sp>
+      <p:sp>
+        <p:nvSpPr>
+          <p:cNvPr id="13" name="TextBox 12">
+            <a:extLst>
+              <a:ext uri="{FF2B5EF4-FFF2-40B4-BE49-F238E27FC236}">
+                <a16:creationId xmlns:a16="http://schemas.microsoft.com/office/drawing/2014/main" id="{F7C0FA3C-587E-4C38-8399-82E97FF4320E}"/>
+              </a:ext>
+            </a:extLst>
+          </p:cNvPr>
+          <p:cNvSpPr txBox="1"/>
+          <p:nvPr/>
+        </p:nvSpPr>
+        <p:spPr>
+          <a:xfrm>
+            <a:off x="4920342" y="1263017"/>
+            <a:ext cx="3648891" cy="1354217"/>
+          </a:xfrm>
+          <a:prstGeom prst="rect">
+            <a:avLst/>
+          </a:prstGeom>
+          <a:noFill/>
+        </p:spPr>
+        <p:txBody>
+          <a:bodyPr wrap="square" rtlCol="0">
+            <a:spAutoFit/>
+          </a:bodyPr>
+          <a:lstStyle/>
+          <a:p>
+            <a:pPr marL="285750" indent="-285750">
+              <a:buFont typeface="Arial" panose="020B0604020202020204" pitchFamily="34" charset="0"/>
+              <a:buChar char="•"/>
+            </a:pPr>
+            <a:r>
+              <a:rPr lang="en-US" sz="1600" dirty="0"/>
+              <a:t>Cued-recall data is scored by matching participant response to a key.</a:t>
+            </a:r>
+          </a:p>
+          <a:p>
+            <a:pPr marL="285750" indent="-285750">
+              <a:buFont typeface="Arial" panose="020B0604020202020204" pitchFamily="34" charset="0"/>
+              <a:buChar char="•"/>
+            </a:pPr>
+            <a:endParaRPr lang="en-US" sz="1600" dirty="0"/>
+          </a:p>
+          <a:p>
+            <a:endParaRPr lang="en-US" dirty="0"/>
+          </a:p>
+        </p:txBody>
+      </p:sp>
+      <p:sp>
+        <p:nvSpPr>
+          <p:cNvPr id="5" name="Slide Number Placeholder 4">
+            <a:extLst>
+              <a:ext uri="{FF2B5EF4-FFF2-40B4-BE49-F238E27FC236}">
+                <a16:creationId xmlns:a16="http://schemas.microsoft.com/office/drawing/2014/main" id="{235D19EC-D539-4742-A431-39E523D0F04C}"/>
+              </a:ext>
+            </a:extLst>
+          </p:cNvPr>
+          <p:cNvSpPr>
+            <a:spLocks noGrp="1"/>
+          </p:cNvSpPr>
+          <p:nvPr>
+            <p:ph type="sldNum" sz="quarter" idx="12"/>
+          </p:nvPr>
+        </p:nvSpPr>
+        <p:spPr/>
+        <p:txBody>
+          <a:bodyPr/>
+          <a:lstStyle/>
+          <a:p>
+            <a:fld id="{D57F1E4F-1CFF-5643-939E-217C01CDF565}" type="slidenum">
+              <a:rPr lang="en-US" smtClean="0"/>
+              <a:pPr/>
+              <a:t>7</a:t>
+            </a:fld>
+            <a:endParaRPr lang="en-US" dirty="0"/>
+          </a:p>
+        </p:txBody>
+      </p:sp>
+    </p:spTree>
+    <p:extLst>
+      <p:ext uri="{BB962C8B-B14F-4D97-AF65-F5344CB8AC3E}">
+        <p14:creationId xmlns:p14="http://schemas.microsoft.com/office/powerpoint/2010/main" val="2844688020"/>
+      </p:ext>
+    </p:extLst>
+  </p:cSld>
+  <p:clrMapOvr>
+    <a:masterClrMapping/>
+  </p:clrMapOvr>
+</p:sld>
+</file>
+
+<file path=ppt/slides/slide8.xml><?xml version="1.0" encoding="utf-8"?>
+<p:sld xmlns:a="http://schemas.openxmlformats.org/drawingml/2006/main" xmlns:r="http://schemas.openxmlformats.org/officeDocument/2006/relationships" xmlns:p="http://schemas.openxmlformats.org/presentationml/2006/main">
+  <p:cSld>
+    <p:spTree>
+      <p:nvGrpSpPr>
+        <p:cNvPr id="1" name=""/>
+        <p:cNvGrpSpPr/>
+        <p:nvPr/>
+      </p:nvGrpSpPr>
+      <p:grpSpPr>
+        <a:xfrm>
+          <a:off x="0" y="0"/>
+          <a:ext cx="0" cy="0"/>
+          <a:chOff x="0" y="0"/>
+          <a:chExt cx="0" cy="0"/>
+        </a:xfrm>
+      </p:grpSpPr>
+      <p:pic>
+        <p:nvPicPr>
+          <p:cNvPr id="8" name="Content Placeholder 7">
+            <a:extLst>
+              <a:ext uri="{FF2B5EF4-FFF2-40B4-BE49-F238E27FC236}">
+                <a16:creationId xmlns:a16="http://schemas.microsoft.com/office/drawing/2014/main" id="{C9C8348A-34E9-40E5-A2AB-46996EE67288}"/>
+              </a:ext>
+            </a:extLst>
+          </p:cNvPr>
+          <p:cNvPicPr>
+            <a:picLocks noGrp="1" noChangeAspect="1"/>
+          </p:cNvPicPr>
+          <p:nvPr>
+            <p:ph idx="4294967295"/>
+          </p:nvPr>
+        </p:nvPicPr>
+        <p:blipFill>
+          <a:blip r:embed="rId3"/>
+          <a:srcRect/>
+          <a:stretch/>
+        </p:blipFill>
+        <p:spPr>
+          <a:xfrm>
+            <a:off x="26126" y="1271283"/>
+            <a:ext cx="4336869" cy="3431600"/>
+          </a:xfrm>
+          <a:prstGeom prst="rect">
+            <a:avLst/>
+          </a:prstGeom>
+        </p:spPr>
+      </p:pic>
+      <p:sp>
+        <p:nvSpPr>
+          <p:cNvPr id="2" name="Title 1">
+            <a:extLst>
+              <a:ext uri="{FF2B5EF4-FFF2-40B4-BE49-F238E27FC236}">
+                <a16:creationId xmlns:a16="http://schemas.microsoft.com/office/drawing/2014/main" id="{EA95D5B6-9FCC-4894-A1AF-876399D4B917}"/>
+              </a:ext>
+            </a:extLst>
+          </p:cNvPr>
+          <p:cNvSpPr>
+            <a:spLocks noGrp="1"/>
+          </p:cNvSpPr>
+          <p:nvPr>
+            <p:ph type="title" idx="4294967295"/>
+          </p:nvPr>
+        </p:nvSpPr>
+        <p:spPr>
+          <a:xfrm>
+            <a:off x="82232" y="-196139"/>
+            <a:ext cx="7468099" cy="1145373"/>
+          </a:xfrm>
+        </p:spPr>
+        <p:txBody>
+          <a:bodyPr/>
+          <a:lstStyle/>
+          <a:p>
+            <a:r>
+              <a:rPr lang="en-US" b="1" dirty="0">
+                <a:solidFill>
+                  <a:schemeClr val="tx1"/>
+                </a:solidFill>
+              </a:rPr>
+              <a:t>Cued-Recall Example</a:t>
+            </a:r>
+          </a:p>
+        </p:txBody>
+      </p:sp>
+      <p:sp>
+        <p:nvSpPr>
+          <p:cNvPr id="13" name="TextBox 12">
+            <a:extLst>
+              <a:ext uri="{FF2B5EF4-FFF2-40B4-BE49-F238E27FC236}">
+                <a16:creationId xmlns:a16="http://schemas.microsoft.com/office/drawing/2014/main" id="{F7C0FA3C-587E-4C38-8399-82E97FF4320E}"/>
+              </a:ext>
+            </a:extLst>
+          </p:cNvPr>
+          <p:cNvSpPr txBox="1"/>
+          <p:nvPr/>
+        </p:nvSpPr>
+        <p:spPr>
+          <a:xfrm>
+            <a:off x="4920342" y="1263017"/>
+            <a:ext cx="3648891" cy="1600438"/>
+          </a:xfrm>
+          <a:prstGeom prst="rect">
+            <a:avLst/>
+          </a:prstGeom>
+          <a:noFill/>
+        </p:spPr>
+        <p:txBody>
+          <a:bodyPr wrap="square" rtlCol="0">
+            <a:spAutoFit/>
+          </a:bodyPr>
+          <a:lstStyle/>
+          <a:p>
+            <a:pPr marL="285750" indent="-285750">
+              <a:buFont typeface="Arial" panose="020B0604020202020204" pitchFamily="34" charset="0"/>
+              <a:buChar char="•"/>
+            </a:pPr>
+            <a:r>
+              <a:rPr lang="en-US" sz="1600" dirty="0"/>
+              <a:t>Cued-recall data is scored by matching participant response to a key.</a:t>
+            </a:r>
+          </a:p>
+          <a:p>
+            <a:pPr marL="285750" indent="-285750">
+              <a:buFont typeface="Arial" panose="020B0604020202020204" pitchFamily="34" charset="0"/>
+              <a:buChar char="•"/>
+            </a:pPr>
+            <a:endParaRPr lang="en-US" sz="1600" dirty="0"/>
+          </a:p>
+          <a:p>
+            <a:pPr marL="285750" indent="-285750">
+              <a:buFont typeface="Arial" panose="020B0604020202020204" pitchFamily="34" charset="0"/>
+              <a:buChar char="•"/>
+            </a:pPr>
+            <a:r>
+              <a:rPr lang="en-US" sz="1600" dirty="0"/>
+              <a:t>Time intensive and error prone!</a:t>
+            </a:r>
+          </a:p>
+          <a:p>
+            <a:endParaRPr lang="en-US" dirty="0"/>
+          </a:p>
+        </p:txBody>
+      </p:sp>
+      <p:sp>
+        <p:nvSpPr>
+          <p:cNvPr id="5" name="Slide Number Placeholder 4">
+            <a:extLst>
+              <a:ext uri="{FF2B5EF4-FFF2-40B4-BE49-F238E27FC236}">
+                <a16:creationId xmlns:a16="http://schemas.microsoft.com/office/drawing/2014/main" id="{F54136D1-8054-4FC2-A50E-C090276CADD3}"/>
+              </a:ext>
+            </a:extLst>
+          </p:cNvPr>
+          <p:cNvSpPr>
+            <a:spLocks noGrp="1"/>
+          </p:cNvSpPr>
+          <p:nvPr>
+            <p:ph type="sldNum" sz="quarter" idx="12"/>
+          </p:nvPr>
+        </p:nvSpPr>
+        <p:spPr/>
+        <p:txBody>
+          <a:bodyPr/>
+          <a:lstStyle/>
+          <a:p>
+            <a:fld id="{D57F1E4F-1CFF-5643-939E-217C01CDF565}" type="slidenum">
+              <a:rPr lang="en-US" smtClean="0"/>
+              <a:pPr/>
+              <a:t>8</a:t>
+            </a:fld>
+            <a:endParaRPr lang="en-US" dirty="0"/>
+          </a:p>
+        </p:txBody>
+      </p:sp>
+    </p:spTree>
+    <p:extLst>
+      <p:ext uri="{BB962C8B-B14F-4D97-AF65-F5344CB8AC3E}">
+        <p14:creationId xmlns:p14="http://schemas.microsoft.com/office/powerpoint/2010/main" val="3440240231"/>
+      </p:ext>
+    </p:extLst>
+  </p:cSld>
+  <p:clrMapOvr>
+    <a:masterClrMapping/>
+  </p:clrMapOvr>
+  <p:timing>
+    <p:tnLst>
+      <p:par>
+        <p:cTn id="1" dur="indefinite" restart="never" nodeType="tmRoot">
+          <p:childTnLst>
+            <p:seq concurrent="1" nextAc="seek">
+              <p:cTn id="2" dur="indefinite" nodeType="mainSeq">
+                <p:childTnLst>
                   <p:par>
-                    <p:cTn id="19" fill="hold">
+                    <p:cTn id="3" fill="hold">
                       <p:stCondLst>
                         <p:cond delay="indefinite"/>
                       </p:stCondLst>
                       <p:childTnLst>
                         <p:par>
-                          <p:cTn id="20" fill="hold">
+                          <p:cTn id="4" fill="hold">
                             <p:stCondLst>
                               <p:cond delay="0"/>
                             </p:stCondLst>
                             <p:childTnLst>
                               <p:par>
-                                <p:cTn id="21" presetID="1" presetClass="entr" presetSubtype="0" fill="hold" nodeType="clickEffect">
+                                <p:cTn id="5" presetID="1" presetClass="entr" presetSubtype="0" fill="hold" nodeType="clickEffect">
                                   <p:stCondLst>
                                     <p:cond delay="0"/>
                                   </p:stCondLst>
                                   <p:childTnLst>
                                     <p:set>
                                       <p:cBhvr>
-                                        <p:cTn id="22" dur="1" fill="hold">
+                                        <p:cTn id="6" dur="1" fill="hold">
                                           <p:stCondLst>
                                             <p:cond delay="0"/>
                                           </p:stCondLst>
@@ -24103,7 +24241,7 @@
 </p:sld>
 </file>
 
-<file path=ppt/slides/slide6.xml><?xml version="1.0" encoding="utf-8"?>
+<file path=ppt/slides/slide9.xml><?xml version="1.0" encoding="utf-8"?>
 <p:sld xmlns:a="http://schemas.openxmlformats.org/drawingml/2006/main" xmlns:r="http://schemas.openxmlformats.org/officeDocument/2006/relationships" xmlns:p="http://schemas.openxmlformats.org/presentationml/2006/main">
   <p:cSld>
     <p:spTree>
@@ -24206,10 +24344,10 @@
       </p:sp>
       <p:sp>
         <p:nvSpPr>
-          <p:cNvPr id="4" name="Footer Placeholder 3">
+          <p:cNvPr id="6" name="Slide Number Placeholder 5">
             <a:extLst>
               <a:ext uri="{FF2B5EF4-FFF2-40B4-BE49-F238E27FC236}">
-                <a16:creationId xmlns:a16="http://schemas.microsoft.com/office/drawing/2014/main" id="{15E2C801-107D-4890-9891-561DF360FFB8}"/>
+                <a16:creationId xmlns:a16="http://schemas.microsoft.com/office/drawing/2014/main" id="{DB7E5754-D340-45B3-9353-BED7D8F6F2A5}"/>
               </a:ext>
             </a:extLst>
           </p:cNvPr>
@@ -24217,7 +24355,7 @@
             <a:spLocks noGrp="1"/>
           </p:cNvSpPr>
           <p:nvPr>
-            <p:ph type="ftr" sz="quarter" idx="11"/>
+            <p:ph type="sldNum" sz="quarter" idx="12"/>
           </p:nvPr>
         </p:nvSpPr>
         <p:spPr/>
@@ -24225,11 +24363,11 @@
           <a:bodyPr/>
           <a:lstStyle/>
           <a:p>
-            <a:r>
-              <a:rPr lang="en-US"/>
-              <a:t>
-              </a:t>
-            </a:r>
+            <a:fld id="{D57F1E4F-1CFF-5643-939E-217C01CDF565}" type="slidenum">
+              <a:rPr lang="en-US" smtClean="0"/>
+              <a:pPr/>
+              <a:t>9</a:t>
+            </a:fld>
             <a:endParaRPr lang="en-US" dirty="0"/>
           </a:p>
         </p:txBody>
@@ -24238,810 +24376,6 @@
     <p:extLst>
       <p:ext uri="{BB962C8B-B14F-4D97-AF65-F5344CB8AC3E}">
         <p14:creationId xmlns:p14="http://schemas.microsoft.com/office/powerpoint/2010/main" val="1160106991"/>
-      </p:ext>
-    </p:extLst>
-  </p:cSld>
-  <p:clrMapOvr>
-    <a:masterClrMapping/>
-  </p:clrMapOvr>
-  <p:timing>
-    <p:tnLst>
-      <p:par>
-        <p:cTn id="1" dur="indefinite" restart="never" nodeType="tmRoot">
-          <p:childTnLst>
-            <p:seq concurrent="1" nextAc="seek">
-              <p:cTn id="2" dur="indefinite" nodeType="mainSeq">
-                <p:childTnLst>
-                  <p:par>
-                    <p:cTn id="3" fill="hold">
-                      <p:stCondLst>
-                        <p:cond delay="indefinite"/>
-                      </p:stCondLst>
-                      <p:childTnLst>
-                        <p:par>
-                          <p:cTn id="4" fill="hold">
-                            <p:stCondLst>
-                              <p:cond delay="0"/>
-                            </p:stCondLst>
-                            <p:childTnLst>
-                              <p:par>
-                                <p:cTn id="5" presetID="10" presetClass="entr" presetSubtype="0" fill="hold" nodeType="clickEffect">
-                                  <p:stCondLst>
-                                    <p:cond delay="0"/>
-                                  </p:stCondLst>
-                                  <p:childTnLst>
-                                    <p:set>
-                                      <p:cBhvr>
-                                        <p:cTn id="6" dur="1" fill="hold">
-                                          <p:stCondLst>
-                                            <p:cond delay="0"/>
-                                          </p:stCondLst>
-                                        </p:cTn>
-                                        <p:tgtEl>
-                                          <p:spTgt spid="3">
-                                            <p:txEl>
-                                              <p:pRg st="1" end="1"/>
-                                            </p:txEl>
-                                          </p:spTgt>
-                                        </p:tgtEl>
-                                        <p:attrNameLst>
-                                          <p:attrName>style.visibility</p:attrName>
-                                        </p:attrNameLst>
-                                      </p:cBhvr>
-                                      <p:to>
-                                        <p:strVal val="visible"/>
-                                      </p:to>
-                                    </p:set>
-                                    <p:animEffect transition="in" filter="fade">
-                                      <p:cBhvr>
-                                        <p:cTn id="7" dur="500"/>
-                                        <p:tgtEl>
-                                          <p:spTgt spid="3">
-                                            <p:txEl>
-                                              <p:pRg st="1" end="1"/>
-                                            </p:txEl>
-                                          </p:spTgt>
-                                        </p:tgtEl>
-                                      </p:cBhvr>
-                                    </p:animEffect>
-                                  </p:childTnLst>
-                                </p:cTn>
-                              </p:par>
-                            </p:childTnLst>
-                          </p:cTn>
-                        </p:par>
-                      </p:childTnLst>
-                    </p:cTn>
-                  </p:par>
-                  <p:par>
-                    <p:cTn id="8" fill="hold">
-                      <p:stCondLst>
-                        <p:cond delay="indefinite"/>
-                      </p:stCondLst>
-                      <p:childTnLst>
-                        <p:par>
-                          <p:cTn id="9" fill="hold">
-                            <p:stCondLst>
-                              <p:cond delay="0"/>
-                            </p:stCondLst>
-                            <p:childTnLst>
-                              <p:par>
-                                <p:cTn id="10" presetID="1" presetClass="entr" presetSubtype="0" fill="hold" nodeType="clickEffect">
-                                  <p:stCondLst>
-                                    <p:cond delay="0"/>
-                                  </p:stCondLst>
-                                  <p:childTnLst>
-                                    <p:set>
-                                      <p:cBhvr>
-                                        <p:cTn id="11" dur="1" fill="hold">
-                                          <p:stCondLst>
-                                            <p:cond delay="0"/>
-                                          </p:stCondLst>
-                                        </p:cTn>
-                                        <p:tgtEl>
-                                          <p:spTgt spid="3">
-                                            <p:txEl>
-                                              <p:pRg st="2" end="2"/>
-                                            </p:txEl>
-                                          </p:spTgt>
-                                        </p:tgtEl>
-                                        <p:attrNameLst>
-                                          <p:attrName>style.visibility</p:attrName>
-                                        </p:attrNameLst>
-                                      </p:cBhvr>
-                                      <p:to>
-                                        <p:strVal val="visible"/>
-                                      </p:to>
-                                    </p:set>
-                                  </p:childTnLst>
-                                </p:cTn>
-                              </p:par>
-                            </p:childTnLst>
-                          </p:cTn>
-                        </p:par>
-                      </p:childTnLst>
-                    </p:cTn>
-                  </p:par>
-                </p:childTnLst>
-              </p:cTn>
-              <p:prevCondLst>
-                <p:cond evt="onPrev" delay="0">
-                  <p:tgtEl>
-                    <p:sldTgt/>
-                  </p:tgtEl>
-                </p:cond>
-              </p:prevCondLst>
-              <p:nextCondLst>
-                <p:cond evt="onNext" delay="0">
-                  <p:tgtEl>
-                    <p:sldTgt/>
-                  </p:tgtEl>
-                </p:cond>
-              </p:nextCondLst>
-            </p:seq>
-          </p:childTnLst>
-        </p:cTn>
-      </p:par>
-    </p:tnLst>
-  </p:timing>
-</p:sld>
-</file>
-
-<file path=ppt/slides/slide7.xml><?xml version="1.0" encoding="utf-8"?>
-<p:sld xmlns:a="http://schemas.openxmlformats.org/drawingml/2006/main" xmlns:r="http://schemas.openxmlformats.org/officeDocument/2006/relationships" xmlns:p="http://schemas.openxmlformats.org/presentationml/2006/main">
-  <p:cSld>
-    <p:bg>
-      <p:bgPr>
-        <a:solidFill>
-          <a:schemeClr val="bg1"/>
-        </a:solidFill>
-        <a:effectLst/>
-      </p:bgPr>
-    </p:bg>
-    <p:spTree>
-      <p:nvGrpSpPr>
-        <p:cNvPr id="1" name=""/>
-        <p:cNvGrpSpPr/>
-        <p:nvPr/>
-      </p:nvGrpSpPr>
-      <p:grpSpPr>
-        <a:xfrm>
-          <a:off x="0" y="0"/>
-          <a:ext cx="0" cy="0"/>
-          <a:chOff x="0" y="0"/>
-          <a:chExt cx="0" cy="0"/>
-        </a:xfrm>
-      </p:grpSpPr>
-      <p:sp>
-        <p:nvSpPr>
-          <p:cNvPr id="6" name="Title 1">
-            <a:extLst>
-              <a:ext uri="{FF2B5EF4-FFF2-40B4-BE49-F238E27FC236}">
-                <a16:creationId xmlns:a16="http://schemas.microsoft.com/office/drawing/2014/main" id="{E11FFE5D-604D-4909-905C-2A1A5145EC67}"/>
-              </a:ext>
-            </a:extLst>
-          </p:cNvPr>
-          <p:cNvSpPr>
-            <a:spLocks noGrp="1"/>
-          </p:cNvSpPr>
-          <p:nvPr>
-            <p:ph type="title"/>
-          </p:nvPr>
-        </p:nvSpPr>
-        <p:spPr/>
-        <p:txBody>
-          <a:bodyPr>
-            <a:normAutofit fontScale="90000"/>
-          </a:bodyPr>
-          <a:lstStyle/>
-          <a:p>
-            <a:r>
-              <a:rPr lang="en-US" sz="3200" b="1" dirty="0"/>
-              <a:t>The </a:t>
-            </a:r>
-            <a:r>
-              <a:rPr lang="en-US" sz="3200" b="1" i="1" dirty="0" err="1"/>
-              <a:t>lrd</a:t>
-            </a:r>
-            <a:r>
-              <a:rPr lang="en-US" sz="3200" b="1" dirty="0"/>
-              <a:t> Package</a:t>
-            </a:r>
-          </a:p>
-        </p:txBody>
-      </p:sp>
-      <p:sp>
-        <p:nvSpPr>
-          <p:cNvPr id="7" name="Content Placeholder 6">
-            <a:extLst>
-              <a:ext uri="{FF2B5EF4-FFF2-40B4-BE49-F238E27FC236}">
-                <a16:creationId xmlns:a16="http://schemas.microsoft.com/office/drawing/2014/main" id="{3A97E985-6C17-4FEA-82DB-54814CA9A0C6}"/>
-              </a:ext>
-            </a:extLst>
-          </p:cNvPr>
-          <p:cNvSpPr>
-            <a:spLocks noGrp="1"/>
-          </p:cNvSpPr>
-          <p:nvPr>
-            <p:ph idx="1"/>
-          </p:nvPr>
-        </p:nvSpPr>
-        <p:spPr>
-          <a:xfrm>
-            <a:off x="542701" y="1720207"/>
-            <a:ext cx="7886700" cy="3075190"/>
-          </a:xfrm>
-        </p:spPr>
-        <p:txBody>
-          <a:bodyPr>
-            <a:normAutofit/>
-          </a:bodyPr>
-          <a:lstStyle/>
-          <a:p>
-            <a:pPr lvl="1"/>
-            <a:r>
-              <a:rPr lang="en-US" sz="1800" i="1" dirty="0" err="1">
-                <a:solidFill>
-                  <a:schemeClr val="tx1"/>
-                </a:solidFill>
-              </a:rPr>
-              <a:t>lrd</a:t>
-            </a:r>
-            <a:r>
-              <a:rPr lang="en-US" sz="1800" i="1" dirty="0">
-                <a:solidFill>
-                  <a:schemeClr val="tx1"/>
-                </a:solidFill>
-              </a:rPr>
-              <a:t> </a:t>
-            </a:r>
-            <a:r>
-              <a:rPr lang="en-US" sz="1800" dirty="0">
-                <a:solidFill>
-                  <a:schemeClr val="tx1"/>
-                </a:solidFill>
-              </a:rPr>
-              <a:t>(Lexical Response Data) is an R package designed to automate scoring of recall data while controlling for participant errors.</a:t>
-            </a:r>
-          </a:p>
-          <a:p>
-            <a:pPr lvl="2"/>
-            <a:r>
-              <a:rPr lang="en-US" sz="1600" dirty="0">
-                <a:solidFill>
-                  <a:schemeClr val="tx1"/>
-                </a:solidFill>
-              </a:rPr>
-              <a:t>Cued-recall</a:t>
-            </a:r>
-          </a:p>
-          <a:p>
-            <a:pPr lvl="2"/>
-            <a:r>
-              <a:rPr lang="en-US" sz="1600" dirty="0">
-                <a:solidFill>
-                  <a:schemeClr val="tx1"/>
-                </a:solidFill>
-              </a:rPr>
-              <a:t>Free recall</a:t>
-            </a:r>
-          </a:p>
-          <a:p>
-            <a:pPr lvl="2"/>
-            <a:r>
-              <a:rPr lang="en-US" sz="1600" dirty="0">
-                <a:solidFill>
-                  <a:schemeClr val="tx1"/>
-                </a:solidFill>
-              </a:rPr>
-              <a:t>Sentence responses</a:t>
-            </a:r>
-          </a:p>
-          <a:p>
-            <a:pPr lvl="1"/>
-            <a:r>
-              <a:rPr lang="en-US" sz="1800" dirty="0">
-                <a:solidFill>
-                  <a:schemeClr val="tx1"/>
-                </a:solidFill>
-              </a:rPr>
-              <a:t>Open source and freely available via </a:t>
-            </a:r>
-            <a:r>
-              <a:rPr lang="en-US" sz="1800" dirty="0" err="1">
-                <a:solidFill>
-                  <a:schemeClr val="tx1"/>
-                </a:solidFill>
-              </a:rPr>
-              <a:t>Gitihub</a:t>
-            </a:r>
-            <a:endParaRPr lang="en-US" sz="1800" dirty="0">
-              <a:solidFill>
-                <a:schemeClr val="tx1"/>
-              </a:solidFill>
-            </a:endParaRPr>
-          </a:p>
-          <a:p>
-            <a:pPr marL="342900" lvl="1" indent="0">
-              <a:buClr>
-                <a:schemeClr val="tx1"/>
-              </a:buClr>
-              <a:buNone/>
-            </a:pPr>
-            <a:endParaRPr lang="en-US" sz="1550" dirty="0"/>
-          </a:p>
-          <a:p>
-            <a:pPr lvl="1">
-              <a:buClr>
-                <a:schemeClr val="tx1"/>
-              </a:buClr>
-            </a:pPr>
-            <a:endParaRPr lang="en-US" sz="2100" dirty="0"/>
-          </a:p>
-        </p:txBody>
-      </p:sp>
-    </p:spTree>
-    <p:custDataLst>
-      <p:tags r:id="rId1"/>
-    </p:custDataLst>
-    <p:extLst>
-      <p:ext uri="{BB962C8B-B14F-4D97-AF65-F5344CB8AC3E}">
-        <p14:creationId xmlns:p14="http://schemas.microsoft.com/office/powerpoint/2010/main" val="3023844495"/>
-      </p:ext>
-    </p:extLst>
-  </p:cSld>
-  <p:clrMapOvr>
-    <a:masterClrMapping/>
-  </p:clrMapOvr>
-  <mc:AlternateContent xmlns:mc="http://schemas.openxmlformats.org/markup-compatibility/2006" xmlns:p14="http://schemas.microsoft.com/office/powerpoint/2010/main">
-    <mc:Choice Requires="p14">
-      <p:transition spd="slow" p14:dur="2000" advTm="98023"/>
-    </mc:Choice>
-    <mc:Fallback xmlns="">
-      <p:transition spd="slow" advTm="98023"/>
-    </mc:Fallback>
-  </mc:AlternateContent>
-  <p:timing>
-    <p:tnLst>
-      <p:par>
-        <p:cTn id="1" dur="indefinite" restart="never" nodeType="tmRoot">
-          <p:childTnLst>
-            <p:seq concurrent="1" nextAc="seek">
-              <p:cTn id="2" dur="indefinite" nodeType="mainSeq">
-                <p:childTnLst>
-                  <p:par>
-                    <p:cTn id="3" fill="hold">
-                      <p:stCondLst>
-                        <p:cond delay="indefinite"/>
-                      </p:stCondLst>
-                      <p:childTnLst>
-                        <p:par>
-                          <p:cTn id="4" fill="hold">
-                            <p:stCondLst>
-                              <p:cond delay="0"/>
-                            </p:stCondLst>
-                            <p:childTnLst>
-                              <p:par>
-                                <p:cTn id="5" presetID="1" presetClass="entr" presetSubtype="0" fill="hold" nodeType="clickEffect">
-                                  <p:stCondLst>
-                                    <p:cond delay="0"/>
-                                  </p:stCondLst>
-                                  <p:childTnLst>
-                                    <p:set>
-                                      <p:cBhvr>
-                                        <p:cTn id="6" dur="1" fill="hold">
-                                          <p:stCondLst>
-                                            <p:cond delay="0"/>
-                                          </p:stCondLst>
-                                        </p:cTn>
-                                        <p:tgtEl>
-                                          <p:spTgt spid="7">
-                                            <p:txEl>
-                                              <p:pRg st="1" end="1"/>
-                                            </p:txEl>
-                                          </p:spTgt>
-                                        </p:tgtEl>
-                                        <p:attrNameLst>
-                                          <p:attrName>style.visibility</p:attrName>
-                                        </p:attrNameLst>
-                                      </p:cBhvr>
-                                      <p:to>
-                                        <p:strVal val="visible"/>
-                                      </p:to>
-                                    </p:set>
-                                  </p:childTnLst>
-                                </p:cTn>
-                              </p:par>
-                            </p:childTnLst>
-                          </p:cTn>
-                        </p:par>
-                      </p:childTnLst>
-                    </p:cTn>
-                  </p:par>
-                  <p:par>
-                    <p:cTn id="7" fill="hold">
-                      <p:stCondLst>
-                        <p:cond delay="indefinite"/>
-                      </p:stCondLst>
-                      <p:childTnLst>
-                        <p:par>
-                          <p:cTn id="8" fill="hold">
-                            <p:stCondLst>
-                              <p:cond delay="0"/>
-                            </p:stCondLst>
-                            <p:childTnLst>
-                              <p:par>
-                                <p:cTn id="9" presetID="1" presetClass="entr" presetSubtype="0" fill="hold" nodeType="clickEffect">
-                                  <p:stCondLst>
-                                    <p:cond delay="0"/>
-                                  </p:stCondLst>
-                                  <p:childTnLst>
-                                    <p:set>
-                                      <p:cBhvr>
-                                        <p:cTn id="10" dur="1" fill="hold">
-                                          <p:stCondLst>
-                                            <p:cond delay="0"/>
-                                          </p:stCondLst>
-                                        </p:cTn>
-                                        <p:tgtEl>
-                                          <p:spTgt spid="7">
-                                            <p:txEl>
-                                              <p:pRg st="2" end="2"/>
-                                            </p:txEl>
-                                          </p:spTgt>
-                                        </p:tgtEl>
-                                        <p:attrNameLst>
-                                          <p:attrName>style.visibility</p:attrName>
-                                        </p:attrNameLst>
-                                      </p:cBhvr>
-                                      <p:to>
-                                        <p:strVal val="visible"/>
-                                      </p:to>
-                                    </p:set>
-                                  </p:childTnLst>
-                                </p:cTn>
-                              </p:par>
-                            </p:childTnLst>
-                          </p:cTn>
-                        </p:par>
-                      </p:childTnLst>
-                    </p:cTn>
-                  </p:par>
-                  <p:par>
-                    <p:cTn id="11" fill="hold">
-                      <p:stCondLst>
-                        <p:cond delay="indefinite"/>
-                      </p:stCondLst>
-                      <p:childTnLst>
-                        <p:par>
-                          <p:cTn id="12" fill="hold">
-                            <p:stCondLst>
-                              <p:cond delay="0"/>
-                            </p:stCondLst>
-                            <p:childTnLst>
-                              <p:par>
-                                <p:cTn id="13" presetID="1" presetClass="entr" presetSubtype="0" fill="hold" nodeType="clickEffect">
-                                  <p:stCondLst>
-                                    <p:cond delay="0"/>
-                                  </p:stCondLst>
-                                  <p:childTnLst>
-                                    <p:set>
-                                      <p:cBhvr>
-                                        <p:cTn id="14" dur="1" fill="hold">
-                                          <p:stCondLst>
-                                            <p:cond delay="0"/>
-                                          </p:stCondLst>
-                                        </p:cTn>
-                                        <p:tgtEl>
-                                          <p:spTgt spid="7">
-                                            <p:txEl>
-                                              <p:pRg st="3" end="3"/>
-                                            </p:txEl>
-                                          </p:spTgt>
-                                        </p:tgtEl>
-                                        <p:attrNameLst>
-                                          <p:attrName>style.visibility</p:attrName>
-                                        </p:attrNameLst>
-                                      </p:cBhvr>
-                                      <p:to>
-                                        <p:strVal val="visible"/>
-                                      </p:to>
-                                    </p:set>
-                                  </p:childTnLst>
-                                </p:cTn>
-                              </p:par>
-                            </p:childTnLst>
-                          </p:cTn>
-                        </p:par>
-                      </p:childTnLst>
-                    </p:cTn>
-                  </p:par>
-                  <p:par>
-                    <p:cTn id="15" fill="hold">
-                      <p:stCondLst>
-                        <p:cond delay="indefinite"/>
-                      </p:stCondLst>
-                      <p:childTnLst>
-                        <p:par>
-                          <p:cTn id="16" fill="hold">
-                            <p:stCondLst>
-                              <p:cond delay="0"/>
-                            </p:stCondLst>
-                            <p:childTnLst>
-                              <p:par>
-                                <p:cTn id="17" presetID="1" presetClass="entr" presetSubtype="0" fill="hold" nodeType="clickEffect">
-                                  <p:stCondLst>
-                                    <p:cond delay="0"/>
-                                  </p:stCondLst>
-                                  <p:childTnLst>
-                                    <p:set>
-                                      <p:cBhvr>
-                                        <p:cTn id="18" dur="1" fill="hold">
-                                          <p:stCondLst>
-                                            <p:cond delay="0"/>
-                                          </p:stCondLst>
-                                        </p:cTn>
-                                        <p:tgtEl>
-                                          <p:spTgt spid="7">
-                                            <p:txEl>
-                                              <p:pRg st="4" end="4"/>
-                                            </p:txEl>
-                                          </p:spTgt>
-                                        </p:tgtEl>
-                                        <p:attrNameLst>
-                                          <p:attrName>style.visibility</p:attrName>
-                                        </p:attrNameLst>
-                                      </p:cBhvr>
-                                      <p:to>
-                                        <p:strVal val="visible"/>
-                                      </p:to>
-                                    </p:set>
-                                  </p:childTnLst>
-                                </p:cTn>
-                              </p:par>
-                            </p:childTnLst>
-                          </p:cTn>
-                        </p:par>
-                      </p:childTnLst>
-                    </p:cTn>
-                  </p:par>
-                </p:childTnLst>
-              </p:cTn>
-              <p:prevCondLst>
-                <p:cond evt="onPrev" delay="0">
-                  <p:tgtEl>
-                    <p:sldTgt/>
-                  </p:tgtEl>
-                </p:cond>
-              </p:prevCondLst>
-              <p:nextCondLst>
-                <p:cond evt="onNext" delay="0">
-                  <p:tgtEl>
-                    <p:sldTgt/>
-                  </p:tgtEl>
-                </p:cond>
-              </p:nextCondLst>
-            </p:seq>
-          </p:childTnLst>
-        </p:cTn>
-      </p:par>
-    </p:tnLst>
-  </p:timing>
-</p:sld>
-</file>
-
-<file path=ppt/slides/slide8.xml><?xml version="1.0" encoding="utf-8"?>
-<p:sld xmlns:a="http://schemas.openxmlformats.org/drawingml/2006/main" xmlns:r="http://schemas.openxmlformats.org/officeDocument/2006/relationships" xmlns:p="http://schemas.openxmlformats.org/presentationml/2006/main">
-  <p:cSld>
-    <p:spTree>
-      <p:nvGrpSpPr>
-        <p:cNvPr id="1" name=""/>
-        <p:cNvGrpSpPr/>
-        <p:nvPr/>
-      </p:nvGrpSpPr>
-      <p:grpSpPr>
-        <a:xfrm>
-          <a:off x="0" y="0"/>
-          <a:ext cx="0" cy="0"/>
-          <a:chOff x="0" y="0"/>
-          <a:chExt cx="0" cy="0"/>
-        </a:xfrm>
-      </p:grpSpPr>
-      <p:sp>
-        <p:nvSpPr>
-          <p:cNvPr id="3" name="Content Placeholder 2">
-            <a:extLst>
-              <a:ext uri="{FF2B5EF4-FFF2-40B4-BE49-F238E27FC236}">
-                <a16:creationId xmlns:a16="http://schemas.microsoft.com/office/drawing/2014/main" id="{CD332C8C-CB2C-4AA3-841B-2994E4F1FC99}"/>
-              </a:ext>
-            </a:extLst>
-          </p:cNvPr>
-          <p:cNvSpPr>
-            <a:spLocks noGrp="1"/>
-          </p:cNvSpPr>
-          <p:nvPr>
-            <p:ph idx="1"/>
-          </p:nvPr>
-        </p:nvSpPr>
-        <p:spPr>
-          <a:xfrm>
-            <a:off x="866216" y="1952625"/>
-            <a:ext cx="7321343" cy="2562225"/>
-          </a:xfrm>
-        </p:spPr>
-        <p:txBody>
-          <a:bodyPr>
-            <a:normAutofit/>
-          </a:bodyPr>
-          <a:lstStyle/>
-          <a:p>
-            <a:r>
-              <a:rPr lang="en-US" sz="1800" i="1" dirty="0" err="1">
-                <a:solidFill>
-                  <a:schemeClr val="tx1"/>
-                </a:solidFill>
-              </a:rPr>
-              <a:t>lrd</a:t>
-            </a:r>
-            <a:r>
-              <a:rPr lang="en-US" sz="1800" dirty="0">
-                <a:solidFill>
-                  <a:schemeClr val="tx1"/>
-                </a:solidFill>
-              </a:rPr>
-              <a:t> scores recall data using </a:t>
-            </a:r>
-            <a:r>
-              <a:rPr lang="en-US" sz="1800" b="1" dirty="0">
-                <a:solidFill>
-                  <a:schemeClr val="tx2"/>
-                </a:solidFill>
-              </a:rPr>
-              <a:t>Levenshtein</a:t>
-            </a:r>
-            <a:r>
-              <a:rPr lang="en-US" sz="1800" dirty="0"/>
-              <a:t> </a:t>
-            </a:r>
-            <a:r>
-              <a:rPr lang="en-US" sz="1800" dirty="0">
-                <a:solidFill>
-                  <a:schemeClr val="tx1"/>
-                </a:solidFill>
-              </a:rPr>
-              <a:t>distances</a:t>
-            </a:r>
-          </a:p>
-          <a:p>
-            <a:pPr lvl="1"/>
-            <a:r>
-              <a:rPr lang="en-US" sz="1600" dirty="0">
-                <a:solidFill>
-                  <a:schemeClr val="tx1"/>
-                </a:solidFill>
-              </a:rPr>
-              <a:t>Number of character insertions, deletions, or changes required to transform a word</a:t>
-            </a:r>
-          </a:p>
-          <a:p>
-            <a:pPr lvl="1"/>
-            <a:r>
-              <a:rPr lang="en-US" sz="1600" dirty="0">
-                <a:solidFill>
-                  <a:schemeClr val="tx1"/>
-                </a:solidFill>
-              </a:rPr>
-              <a:t>“Cat” and “Bat” have a Levenshtein distance of 1 while “Mouse” and “Mice” have a distance of 4</a:t>
-            </a:r>
-          </a:p>
-          <a:p>
-            <a:r>
-              <a:rPr lang="en-US" sz="1750" i="1" dirty="0" err="1">
-                <a:solidFill>
-                  <a:schemeClr val="tx1"/>
-                </a:solidFill>
-              </a:rPr>
-              <a:t>lrd</a:t>
-            </a:r>
-            <a:r>
-              <a:rPr lang="en-US" sz="1750" dirty="0">
-                <a:solidFill>
-                  <a:schemeClr val="tx1"/>
-                </a:solidFill>
-              </a:rPr>
-              <a:t> scores data using Levenshtein distances ranging from 0 – 5</a:t>
-            </a:r>
-          </a:p>
-          <a:p>
-            <a:pPr lvl="1"/>
-            <a:r>
-              <a:rPr lang="en-US" sz="1600" dirty="0">
-                <a:solidFill>
-                  <a:schemeClr val="tx1"/>
-                </a:solidFill>
-              </a:rPr>
-              <a:t>User selects this cutoff when scoring</a:t>
-            </a:r>
-          </a:p>
-        </p:txBody>
-      </p:sp>
-      <p:sp>
-        <p:nvSpPr>
-          <p:cNvPr id="4" name="Footer Placeholder 3">
-            <a:extLst>
-              <a:ext uri="{FF2B5EF4-FFF2-40B4-BE49-F238E27FC236}">
-                <a16:creationId xmlns:a16="http://schemas.microsoft.com/office/drawing/2014/main" id="{85B54B1A-6D90-4D6B-AFDE-7C06D5317E8D}"/>
-              </a:ext>
-            </a:extLst>
-          </p:cNvPr>
-          <p:cNvSpPr>
-            <a:spLocks noGrp="1"/>
-          </p:cNvSpPr>
-          <p:nvPr>
-            <p:ph type="ftr" sz="quarter" idx="11"/>
-          </p:nvPr>
-        </p:nvSpPr>
-        <p:spPr/>
-        <p:txBody>
-          <a:bodyPr/>
-          <a:lstStyle/>
-          <a:p>
-            <a:r>
-              <a:rPr lang="en-US"/>
-              <a:t>
-              </a:t>
-            </a:r>
-            <a:endParaRPr lang="en-US" dirty="0"/>
-          </a:p>
-        </p:txBody>
-      </p:sp>
-      <p:sp>
-        <p:nvSpPr>
-          <p:cNvPr id="5" name="Title 1">
-            <a:extLst>
-              <a:ext uri="{FF2B5EF4-FFF2-40B4-BE49-F238E27FC236}">
-                <a16:creationId xmlns:a16="http://schemas.microsoft.com/office/drawing/2014/main" id="{5ACABAC2-FCE9-4308-87B6-3595AA894652}"/>
-              </a:ext>
-            </a:extLst>
-          </p:cNvPr>
-          <p:cNvSpPr>
-            <a:spLocks noGrp="1"/>
-          </p:cNvSpPr>
-          <p:nvPr>
-            <p:ph type="title"/>
-          </p:nvPr>
-        </p:nvSpPr>
-        <p:spPr>
-          <a:xfrm>
-            <a:off x="866775" y="730250"/>
-            <a:ext cx="6570663" cy="530225"/>
-          </a:xfrm>
-        </p:spPr>
-        <p:txBody>
-          <a:bodyPr>
-            <a:normAutofit fontScale="90000"/>
-          </a:bodyPr>
-          <a:lstStyle/>
-          <a:p>
-            <a:r>
-              <a:rPr lang="en-US" sz="3200" b="1" dirty="0"/>
-              <a:t>The </a:t>
-            </a:r>
-            <a:r>
-              <a:rPr lang="en-US" sz="3200" b="1" i="1" dirty="0" err="1"/>
-              <a:t>lrd</a:t>
-            </a:r>
-            <a:r>
-              <a:rPr lang="en-US" sz="3200" b="1" dirty="0"/>
-              <a:t> Package</a:t>
-            </a:r>
-          </a:p>
-        </p:txBody>
-      </p:sp>
-    </p:spTree>
-    <p:extLst>
-      <p:ext uri="{BB962C8B-B14F-4D97-AF65-F5344CB8AC3E}">
-        <p14:creationId xmlns:p14="http://schemas.microsoft.com/office/powerpoint/2010/main" val="4162768942"/>
       </p:ext>
     </p:extLst>
   </p:cSld>
@@ -25132,404 +24466,6 @@
                                         </p:cTn>
                                         <p:tgtEl>
                                           <p:spTgt spid="3">
-                                            <p:txEl>
-                                              <p:pRg st="2" end="2"/>
-                                            </p:txEl>
-                                          </p:spTgt>
-                                        </p:tgtEl>
-                                        <p:attrNameLst>
-                                          <p:attrName>style.visibility</p:attrName>
-                                        </p:attrNameLst>
-                                      </p:cBhvr>
-                                      <p:to>
-                                        <p:strVal val="visible"/>
-                                      </p:to>
-                                    </p:set>
-                                  </p:childTnLst>
-                                </p:cTn>
-                              </p:par>
-                            </p:childTnLst>
-                          </p:cTn>
-                        </p:par>
-                      </p:childTnLst>
-                    </p:cTn>
-                  </p:par>
-                  <p:par>
-                    <p:cTn id="11" fill="hold">
-                      <p:stCondLst>
-                        <p:cond delay="indefinite"/>
-                      </p:stCondLst>
-                      <p:childTnLst>
-                        <p:par>
-                          <p:cTn id="12" fill="hold">
-                            <p:stCondLst>
-                              <p:cond delay="0"/>
-                            </p:stCondLst>
-                            <p:childTnLst>
-                              <p:par>
-                                <p:cTn id="13" presetID="1" presetClass="entr" presetSubtype="0" fill="hold" nodeType="clickEffect">
-                                  <p:stCondLst>
-                                    <p:cond delay="0"/>
-                                  </p:stCondLst>
-                                  <p:childTnLst>
-                                    <p:set>
-                                      <p:cBhvr>
-                                        <p:cTn id="14" dur="1" fill="hold">
-                                          <p:stCondLst>
-                                            <p:cond delay="0"/>
-                                          </p:stCondLst>
-                                        </p:cTn>
-                                        <p:tgtEl>
-                                          <p:spTgt spid="3">
-                                            <p:txEl>
-                                              <p:pRg st="3" end="3"/>
-                                            </p:txEl>
-                                          </p:spTgt>
-                                        </p:tgtEl>
-                                        <p:attrNameLst>
-                                          <p:attrName>style.visibility</p:attrName>
-                                        </p:attrNameLst>
-                                      </p:cBhvr>
-                                      <p:to>
-                                        <p:strVal val="visible"/>
-                                      </p:to>
-                                    </p:set>
-                                  </p:childTnLst>
-                                </p:cTn>
-                              </p:par>
-                            </p:childTnLst>
-                          </p:cTn>
-                        </p:par>
-                      </p:childTnLst>
-                    </p:cTn>
-                  </p:par>
-                  <p:par>
-                    <p:cTn id="15" fill="hold">
-                      <p:stCondLst>
-                        <p:cond delay="indefinite"/>
-                      </p:stCondLst>
-                      <p:childTnLst>
-                        <p:par>
-                          <p:cTn id="16" fill="hold">
-                            <p:stCondLst>
-                              <p:cond delay="0"/>
-                            </p:stCondLst>
-                            <p:childTnLst>
-                              <p:par>
-                                <p:cTn id="17" presetID="1" presetClass="entr" presetSubtype="0" fill="hold" nodeType="clickEffect">
-                                  <p:stCondLst>
-                                    <p:cond delay="0"/>
-                                  </p:stCondLst>
-                                  <p:childTnLst>
-                                    <p:set>
-                                      <p:cBhvr>
-                                        <p:cTn id="18" dur="1" fill="hold">
-                                          <p:stCondLst>
-                                            <p:cond delay="0"/>
-                                          </p:stCondLst>
-                                        </p:cTn>
-                                        <p:tgtEl>
-                                          <p:spTgt spid="3">
-                                            <p:txEl>
-                                              <p:pRg st="4" end="4"/>
-                                            </p:txEl>
-                                          </p:spTgt>
-                                        </p:tgtEl>
-                                        <p:attrNameLst>
-                                          <p:attrName>style.visibility</p:attrName>
-                                        </p:attrNameLst>
-                                      </p:cBhvr>
-                                      <p:to>
-                                        <p:strVal val="visible"/>
-                                      </p:to>
-                                    </p:set>
-                                  </p:childTnLst>
-                                </p:cTn>
-                              </p:par>
-                            </p:childTnLst>
-                          </p:cTn>
-                        </p:par>
-                      </p:childTnLst>
-                    </p:cTn>
-                  </p:par>
-                </p:childTnLst>
-              </p:cTn>
-              <p:prevCondLst>
-                <p:cond evt="onPrev" delay="0">
-                  <p:tgtEl>
-                    <p:sldTgt/>
-                  </p:tgtEl>
-                </p:cond>
-              </p:prevCondLst>
-              <p:nextCondLst>
-                <p:cond evt="onNext" delay="0">
-                  <p:tgtEl>
-                    <p:sldTgt/>
-                  </p:tgtEl>
-                </p:cond>
-              </p:nextCondLst>
-            </p:seq>
-          </p:childTnLst>
-        </p:cTn>
-      </p:par>
-    </p:tnLst>
-  </p:timing>
-</p:sld>
-</file>
-
-<file path=ppt/slides/slide9.xml><?xml version="1.0" encoding="utf-8"?>
-<p:sld xmlns:a="http://schemas.openxmlformats.org/drawingml/2006/main" xmlns:r="http://schemas.openxmlformats.org/officeDocument/2006/relationships" xmlns:p="http://schemas.openxmlformats.org/presentationml/2006/main">
-  <p:cSld>
-    <p:bg>
-      <p:bgPr>
-        <a:solidFill>
-          <a:schemeClr val="bg1"/>
-        </a:solidFill>
-        <a:effectLst/>
-      </p:bgPr>
-    </p:bg>
-    <p:spTree>
-      <p:nvGrpSpPr>
-        <p:cNvPr id="1" name=""/>
-        <p:cNvGrpSpPr/>
-        <p:nvPr/>
-      </p:nvGrpSpPr>
-      <p:grpSpPr>
-        <a:xfrm>
-          <a:off x="0" y="0"/>
-          <a:ext cx="0" cy="0"/>
-          <a:chOff x="0" y="0"/>
-          <a:chExt cx="0" cy="0"/>
-        </a:xfrm>
-      </p:grpSpPr>
-      <p:sp>
-        <p:nvSpPr>
-          <p:cNvPr id="7" name="Content Placeholder 6">
-            <a:extLst>
-              <a:ext uri="{FF2B5EF4-FFF2-40B4-BE49-F238E27FC236}">
-                <a16:creationId xmlns:a16="http://schemas.microsoft.com/office/drawing/2014/main" id="{3A97E985-6C17-4FEA-82DB-54814CA9A0C6}"/>
-              </a:ext>
-            </a:extLst>
-          </p:cNvPr>
-          <p:cNvSpPr>
-            <a:spLocks noGrp="1"/>
-          </p:cNvSpPr>
-          <p:nvPr>
-            <p:ph idx="1"/>
-          </p:nvPr>
-        </p:nvSpPr>
-        <p:spPr/>
-        <p:txBody>
-          <a:bodyPr>
-            <a:normAutofit/>
-          </a:bodyPr>
-          <a:lstStyle/>
-          <a:p>
-            <a:r>
-              <a:rPr lang="en-US" sz="1800" i="1" dirty="0" err="1">
-                <a:solidFill>
-                  <a:schemeClr val="tx1"/>
-                </a:solidFill>
-              </a:rPr>
-              <a:t>lrd</a:t>
-            </a:r>
-            <a:r>
-              <a:rPr lang="en-US" sz="1800" dirty="0">
-                <a:solidFill>
-                  <a:schemeClr val="tx1"/>
-                </a:solidFill>
-              </a:rPr>
-              <a:t> is also available as an R Shiny application!</a:t>
-            </a:r>
-          </a:p>
-          <a:p>
-            <a:pPr lvl="1"/>
-            <a:r>
-              <a:rPr lang="en-US" sz="1600" dirty="0">
-                <a:solidFill>
-                  <a:schemeClr val="tx1"/>
-                </a:solidFill>
-              </a:rPr>
-              <a:t>Shiny provides and interactive GUI for using </a:t>
-            </a:r>
-            <a:r>
-              <a:rPr lang="en-US" sz="1600" dirty="0" err="1">
-                <a:solidFill>
-                  <a:schemeClr val="tx1"/>
-                </a:solidFill>
-              </a:rPr>
-              <a:t>lrd</a:t>
-            </a:r>
-            <a:r>
-              <a:rPr lang="en-US" sz="1600" dirty="0">
-                <a:solidFill>
-                  <a:schemeClr val="tx1"/>
-                </a:solidFill>
-              </a:rPr>
-              <a:t>. No programming required!</a:t>
-            </a:r>
-          </a:p>
-          <a:p>
-            <a:pPr lvl="1"/>
-            <a:r>
-              <a:rPr lang="en-US" sz="1600" dirty="0">
-                <a:solidFill>
-                  <a:schemeClr val="tx1"/>
-                </a:solidFill>
-              </a:rPr>
-              <a:t>https://github.com/npm27/lrd/</a:t>
-            </a:r>
-          </a:p>
-        </p:txBody>
-      </p:sp>
-      <p:sp>
-        <p:nvSpPr>
-          <p:cNvPr id="6" name="Title 1">
-            <a:extLst>
-              <a:ext uri="{FF2B5EF4-FFF2-40B4-BE49-F238E27FC236}">
-                <a16:creationId xmlns:a16="http://schemas.microsoft.com/office/drawing/2014/main" id="{C5EC24DA-BEC7-414E-8C84-48537F4B7771}"/>
-              </a:ext>
-            </a:extLst>
-          </p:cNvPr>
-          <p:cNvSpPr>
-            <a:spLocks noGrp="1"/>
-          </p:cNvSpPr>
-          <p:nvPr>
-            <p:ph type="title"/>
-          </p:nvPr>
-        </p:nvSpPr>
-        <p:spPr>
-          <a:xfrm>
-            <a:off x="866775" y="730250"/>
-            <a:ext cx="6570663" cy="530225"/>
-          </a:xfrm>
-        </p:spPr>
-        <p:txBody>
-          <a:bodyPr>
-            <a:normAutofit fontScale="90000"/>
-          </a:bodyPr>
-          <a:lstStyle/>
-          <a:p>
-            <a:r>
-              <a:rPr lang="en-US" sz="3200" b="1" dirty="0"/>
-              <a:t>The </a:t>
-            </a:r>
-            <a:r>
-              <a:rPr lang="en-US" sz="3200" b="1" i="1" dirty="0" err="1"/>
-              <a:t>lrd</a:t>
-            </a:r>
-            <a:r>
-              <a:rPr lang="en-US" sz="3200" b="1" dirty="0"/>
-              <a:t> Package</a:t>
-            </a:r>
-          </a:p>
-        </p:txBody>
-      </p:sp>
-    </p:spTree>
-    <p:custDataLst>
-      <p:tags r:id="rId1"/>
-    </p:custDataLst>
-    <p:extLst>
-      <p:ext uri="{BB962C8B-B14F-4D97-AF65-F5344CB8AC3E}">
-        <p14:creationId xmlns:p14="http://schemas.microsoft.com/office/powerpoint/2010/main" val="1650040002"/>
-      </p:ext>
-    </p:extLst>
-  </p:cSld>
-  <p:clrMapOvr>
-    <a:masterClrMapping/>
-  </p:clrMapOvr>
-  <mc:AlternateContent xmlns:mc="http://schemas.openxmlformats.org/markup-compatibility/2006" xmlns:p14="http://schemas.microsoft.com/office/powerpoint/2010/main">
-    <mc:Choice Requires="p14">
-      <p:transition spd="slow" p14:dur="2000" advTm="98023"/>
-    </mc:Choice>
-    <mc:Fallback xmlns="">
-      <p:transition spd="slow" advTm="98023"/>
-    </mc:Fallback>
-  </mc:AlternateContent>
-  <p:timing>
-    <p:tnLst>
-      <p:par>
-        <p:cTn id="1" dur="indefinite" restart="never" nodeType="tmRoot">
-          <p:childTnLst>
-            <p:seq concurrent="1" nextAc="seek">
-              <p:cTn id="2" dur="indefinite" nodeType="mainSeq">
-                <p:childTnLst>
-                  <p:par>
-                    <p:cTn id="3" fill="hold">
-                      <p:stCondLst>
-                        <p:cond delay="indefinite"/>
-                      </p:stCondLst>
-                      <p:childTnLst>
-                        <p:par>
-                          <p:cTn id="4" fill="hold">
-                            <p:stCondLst>
-                              <p:cond delay="0"/>
-                            </p:stCondLst>
-                            <p:childTnLst>
-                              <p:par>
-                                <p:cTn id="5" presetID="1" presetClass="entr" presetSubtype="0" fill="hold" nodeType="clickEffect">
-                                  <p:stCondLst>
-                                    <p:cond delay="0"/>
-                                  </p:stCondLst>
-                                  <p:childTnLst>
-                                    <p:set>
-                                      <p:cBhvr>
-                                        <p:cTn id="6" dur="1" fill="hold">
-                                          <p:stCondLst>
-                                            <p:cond delay="0"/>
-                                          </p:stCondLst>
-                                        </p:cTn>
-                                        <p:tgtEl>
-                                          <p:spTgt spid="7">
-                                            <p:txEl>
-                                              <p:pRg st="1" end="1"/>
-                                            </p:txEl>
-                                          </p:spTgt>
-                                        </p:tgtEl>
-                                        <p:attrNameLst>
-                                          <p:attrName>style.visibility</p:attrName>
-                                        </p:attrNameLst>
-                                      </p:cBhvr>
-                                      <p:to>
-                                        <p:strVal val="visible"/>
-                                      </p:to>
-                                    </p:set>
-                                  </p:childTnLst>
-                                </p:cTn>
-                              </p:par>
-                            </p:childTnLst>
-                          </p:cTn>
-                        </p:par>
-                      </p:childTnLst>
-                    </p:cTn>
-                  </p:par>
-                  <p:par>
-                    <p:cTn id="7" fill="hold">
-                      <p:stCondLst>
-                        <p:cond delay="indefinite"/>
-                      </p:stCondLst>
-                      <p:childTnLst>
-                        <p:par>
-                          <p:cTn id="8" fill="hold">
-                            <p:stCondLst>
-                              <p:cond delay="0"/>
-                            </p:stCondLst>
-                            <p:childTnLst>
-                              <p:par>
-                                <p:cTn id="9" presetID="1" presetClass="entr" presetSubtype="0" fill="hold" nodeType="clickEffect">
-                                  <p:stCondLst>
-                                    <p:cond delay="0"/>
-                                  </p:stCondLst>
-                                  <p:childTnLst>
-                                    <p:set>
-                                      <p:cBhvr>
-                                        <p:cTn id="10" dur="1" fill="hold">
-                                          <p:stCondLst>
-                                            <p:cond delay="0"/>
-                                          </p:stCondLst>
-                                        </p:cTn>
-                                        <p:tgtEl>
-                                          <p:spTgt spid="7">
                                             <p:txEl>
                                               <p:pRg st="2" end="2"/>
                                             </p:txEl>

--- a/Presentations/Grad Symposium 21.pptx
+++ b/Presentations/Grad Symposium 21.pptx
@@ -219,7 +219,7 @@
           <a:p>
             <a:fld id="{75CB3914-4D35-42D3-857C-7663624C350B}" type="datetimeFigureOut">
               <a:rPr lang="en-US" smtClean="0"/>
-              <a:t>3/24/2021</a:t>
+              <a:t>3/26/2021</a:t>
             </a:fld>
             <a:endParaRPr lang="en-US"/>
           </a:p>
@@ -861,6 +861,93 @@
     <p:extLst>
       <p:ext uri="{BB962C8B-B14F-4D97-AF65-F5344CB8AC3E}">
         <p14:creationId xmlns:p14="http://schemas.microsoft.com/office/powerpoint/2010/main" val="1694405100"/>
+      </p:ext>
+    </p:extLst>
+  </p:cSld>
+  <p:clrMapOvr>
+    <a:masterClrMapping/>
+  </p:clrMapOvr>
+</p:notes>
+</file>
+
+<file path=ppt/notesSlides/notesSlide13.xml><?xml version="1.0" encoding="utf-8"?>
+<p:notes xmlns:a="http://schemas.openxmlformats.org/drawingml/2006/main" xmlns:r="http://schemas.openxmlformats.org/officeDocument/2006/relationships" xmlns:p="http://schemas.openxmlformats.org/presentationml/2006/main">
+  <p:cSld>
+    <p:spTree>
+      <p:nvGrpSpPr>
+        <p:cNvPr id="1" name=""/>
+        <p:cNvGrpSpPr/>
+        <p:nvPr/>
+      </p:nvGrpSpPr>
+      <p:grpSpPr>
+        <a:xfrm>
+          <a:off x="0" y="0"/>
+          <a:ext cx="0" cy="0"/>
+          <a:chOff x="0" y="0"/>
+          <a:chExt cx="0" cy="0"/>
+        </a:xfrm>
+      </p:grpSpPr>
+      <p:sp>
+        <p:nvSpPr>
+          <p:cNvPr id="2" name="Slide Image Placeholder 1"/>
+          <p:cNvSpPr>
+            <a:spLocks noGrp="1" noRot="1" noChangeAspect="1"/>
+          </p:cNvSpPr>
+          <p:nvPr>
+            <p:ph type="sldImg"/>
+          </p:nvPr>
+        </p:nvSpPr>
+        <p:spPr/>
+      </p:sp>
+      <p:sp>
+        <p:nvSpPr>
+          <p:cNvPr id="3" name="Notes Placeholder 2"/>
+          <p:cNvSpPr>
+            <a:spLocks noGrp="1"/>
+          </p:cNvSpPr>
+          <p:nvPr>
+            <p:ph type="body" idx="1"/>
+          </p:nvPr>
+        </p:nvSpPr>
+        <p:spPr/>
+        <p:txBody>
+          <a:bodyPr/>
+          <a:lstStyle/>
+          <a:p>
+            <a:r>
+              <a:rPr lang="en-US" dirty="0"/>
+              <a:t>Because of its flexibility!</a:t>
+            </a:r>
+          </a:p>
+        </p:txBody>
+      </p:sp>
+      <p:sp>
+        <p:nvSpPr>
+          <p:cNvPr id="4" name="Slide Number Placeholder 3"/>
+          <p:cNvSpPr>
+            <a:spLocks noGrp="1"/>
+          </p:cNvSpPr>
+          <p:nvPr>
+            <p:ph type="sldNum" sz="quarter" idx="5"/>
+          </p:nvPr>
+        </p:nvSpPr>
+        <p:spPr/>
+        <p:txBody>
+          <a:bodyPr/>
+          <a:lstStyle/>
+          <a:p>
+            <a:fld id="{5FB4CB51-7BB7-4D82-80F2-A9EED2F5C979}" type="slidenum">
+              <a:rPr lang="en-US" smtClean="0"/>
+              <a:t>22</a:t>
+            </a:fld>
+            <a:endParaRPr lang="en-US"/>
+          </a:p>
+        </p:txBody>
+      </p:sp>
+    </p:spTree>
+    <p:extLst>
+      <p:ext uri="{BB962C8B-B14F-4D97-AF65-F5344CB8AC3E}">
+        <p14:creationId xmlns:p14="http://schemas.microsoft.com/office/powerpoint/2010/main" val="3651756508"/>
       </p:ext>
     </p:extLst>
   </p:cSld>
@@ -2217,7 +2304,7 @@
           <a:p>
             <a:fld id="{1FC0CB98-076B-4E7F-ADC2-4587EC9E321F}" type="datetime1">
               <a:rPr lang="en-US" smtClean="0"/>
-              <a:t>3/24/2021</a:t>
+              <a:t>3/26/2021</a:t>
             </a:fld>
             <a:endParaRPr lang="en-US" dirty="0"/>
           </a:p>
@@ -3343,7 +3430,7 @@
           <a:p>
             <a:fld id="{19686C29-6173-4D4D-9A70-2C98FACDF6D7}" type="datetime1">
               <a:rPr lang="en-US" smtClean="0"/>
-              <a:t>3/24/2021</a:t>
+              <a:t>3/26/2021</a:t>
             </a:fld>
             <a:endParaRPr lang="en-US" dirty="0"/>
           </a:p>
@@ -4360,7 +4447,7 @@
           <a:p>
             <a:fld id="{C8F5D057-413A-4080-A087-E5568A1F54A1}" type="datetime1">
               <a:rPr lang="en-US" smtClean="0"/>
-              <a:t>3/24/2021</a:t>
+              <a:t>3/26/2021</a:t>
             </a:fld>
             <a:endParaRPr lang="en-US" dirty="0"/>
           </a:p>
@@ -5536,7 +5623,7 @@
           <a:p>
             <a:fld id="{2B5E42BE-AE0E-4C60-AD43-DA59A9911143}" type="datetime1">
               <a:rPr lang="en-US" smtClean="0"/>
-              <a:t>3/24/2021</a:t>
+              <a:t>3/26/2021</a:t>
             </a:fld>
             <a:endParaRPr lang="en-US" dirty="0"/>
           </a:p>
@@ -6603,7 +6690,7 @@
           <a:p>
             <a:fld id="{ABDDE9AC-F351-4970-B4AE-E20D3ADAAEFB}" type="datetime1">
               <a:rPr lang="en-US" smtClean="0"/>
-              <a:t>3/24/2021</a:t>
+              <a:t>3/26/2021</a:t>
             </a:fld>
             <a:endParaRPr lang="en-US" dirty="0"/>
           </a:p>
@@ -7255,7 +7342,7 @@
           <a:p>
             <a:fld id="{89E7D69C-0FB4-4198-9F78-21F80D2940BC}" type="datetime1">
               <a:rPr lang="en-US" smtClean="0"/>
-              <a:t>3/24/2021</a:t>
+              <a:t>3/26/2021</a:t>
             </a:fld>
             <a:endParaRPr lang="en-US" dirty="0"/>
           </a:p>
@@ -8108,7 +8195,7 @@
           <a:p>
             <a:fld id="{7EFF015A-7AE2-4F7C-BC05-ED59AAE8F1FE}" type="datetime1">
               <a:rPr lang="en-US" smtClean="0"/>
-              <a:t>3/24/2021</a:t>
+              <a:t>3/26/2021</a:t>
             </a:fld>
             <a:endParaRPr lang="en-US" dirty="0"/>
           </a:p>
@@ -8289,7 +8376,7 @@
           <a:p>
             <a:fld id="{537E89C1-4C5E-4DD3-AD6F-DEFF2AC6176D}" type="datetime1">
               <a:rPr lang="en-US" smtClean="0"/>
-              <a:t>3/24/2021</a:t>
+              <a:t>3/26/2021</a:t>
             </a:fld>
             <a:endParaRPr lang="en-US" dirty="0"/>
           </a:p>
@@ -9293,7 +9380,7 @@
           <a:p>
             <a:fld id="{1B8FBFA9-FA7F-4129-A20B-0DFAB08836D0}" type="datetime1">
               <a:rPr lang="en-US" smtClean="0"/>
-              <a:t>3/24/2021</a:t>
+              <a:t>3/26/2021</a:t>
             </a:fld>
             <a:endParaRPr lang="en-US" dirty="0"/>
           </a:p>
@@ -9549,7 +9636,7 @@
           <a:p>
             <a:fld id="{4795D5FF-7B94-4AD2-A99D-0AFF21C29B5C}" type="datetime1">
               <a:rPr lang="en-US" smtClean="0"/>
-              <a:t>3/24/2021</a:t>
+              <a:t>3/26/2021</a:t>
             </a:fld>
             <a:endParaRPr lang="en-US" dirty="0"/>
           </a:p>
@@ -10630,7 +10717,7 @@
           <a:p>
             <a:fld id="{B1A20F2A-B7C6-47BC-88D1-F60FE2EBB9ED}" type="datetime1">
               <a:rPr lang="en-US" smtClean="0"/>
-              <a:t>3/24/2021</a:t>
+              <a:t>3/26/2021</a:t>
             </a:fld>
             <a:endParaRPr lang="en-US" dirty="0"/>
           </a:p>
@@ -10908,7 +10995,7 @@
           <a:p>
             <a:fld id="{15402920-E2B2-470E-915B-5527FA3E356E}" type="datetime1">
               <a:rPr lang="en-US" smtClean="0"/>
-              <a:t>3/24/2021</a:t>
+              <a:t>3/26/2021</a:t>
             </a:fld>
             <a:endParaRPr lang="en-US" dirty="0"/>
           </a:p>
@@ -11296,7 +11383,7 @@
           <a:p>
             <a:fld id="{5BB7D17A-BF7D-4845-8C1E-8397ED62827D}" type="datetime1">
               <a:rPr lang="en-US" smtClean="0"/>
-              <a:t>3/24/2021</a:t>
+              <a:t>3/26/2021</a:t>
             </a:fld>
             <a:endParaRPr lang="en-US" dirty="0"/>
           </a:p>
@@ -11420,7 +11507,7 @@
           <a:p>
             <a:fld id="{0A99D3C9-FB49-403F-9234-8CC257C0E081}" type="datetime1">
               <a:rPr lang="en-US" smtClean="0"/>
-              <a:t>3/24/2021</a:t>
+              <a:t>3/26/2021</a:t>
             </a:fld>
             <a:endParaRPr lang="en-US" dirty="0"/>
           </a:p>
@@ -11534,7 +11621,7 @@
           <a:p>
             <a:fld id="{2E5DF55D-8BE7-4049-84FD-3CED96404691}" type="datetime1">
               <a:rPr lang="en-US" smtClean="0"/>
-              <a:t>3/24/2021</a:t>
+              <a:t>3/26/2021</a:t>
             </a:fld>
             <a:endParaRPr lang="en-US" dirty="0"/>
           </a:p>
@@ -12662,7 +12749,7 @@
           <a:p>
             <a:fld id="{6B386DD0-6483-4A54-95FD-85200CBC97B8}" type="datetime1">
               <a:rPr lang="en-US" smtClean="0"/>
-              <a:t>3/24/2021</a:t>
+              <a:t>3/26/2021</a:t>
             </a:fld>
             <a:endParaRPr lang="en-US" dirty="0"/>
           </a:p>
@@ -13801,7 +13888,7 @@
           <a:p>
             <a:fld id="{DF5BE254-9875-41D6-8DFD-3F9DA58B0666}" type="datetime1">
               <a:rPr lang="en-US" smtClean="0"/>
-              <a:t>3/24/2021</a:t>
+              <a:t>3/26/2021</a:t>
             </a:fld>
             <a:endParaRPr lang="en-US" dirty="0"/>
           </a:p>
@@ -14835,7 +14922,7 @@
           <a:p>
             <a:fld id="{89B272D3-586D-447A-8765-6A4E8FB8D755}" type="datetime1">
               <a:rPr lang="en-US" smtClean="0"/>
-              <a:t>3/24/2021</a:t>
+              <a:t>3/26/2021</a:t>
             </a:fld>
             <a:endParaRPr lang="en-US" dirty="0"/>
           </a:p>
@@ -17209,7 +17296,12 @@
             <p:ph type="sldNum" sz="quarter" idx="12"/>
           </p:nvPr>
         </p:nvSpPr>
-        <p:spPr/>
+        <p:spPr>
+          <a:xfrm>
+            <a:off x="8518600" y="4588931"/>
+            <a:ext cx="628649" cy="575765"/>
+          </a:xfrm>
+        </p:spPr>
         <p:txBody>
           <a:bodyPr/>
           <a:lstStyle/>
@@ -17428,7 +17520,12 @@
             <p:ph type="sldNum" sz="quarter" idx="12"/>
           </p:nvPr>
         </p:nvSpPr>
-        <p:spPr/>
+        <p:spPr>
+          <a:xfrm>
+            <a:off x="8518600" y="4580542"/>
+            <a:ext cx="628649" cy="575765"/>
+          </a:xfrm>
+        </p:spPr>
         <p:txBody>
           <a:bodyPr/>
           <a:lstStyle/>
@@ -17569,7 +17666,12 @@
             <p:ph type="sldNum" sz="quarter" idx="12"/>
           </p:nvPr>
         </p:nvSpPr>
-        <p:spPr/>
+        <p:spPr>
+          <a:xfrm>
+            <a:off x="8515351" y="4572153"/>
+            <a:ext cx="628649" cy="575765"/>
+          </a:xfrm>
+        </p:spPr>
         <p:txBody>
           <a:bodyPr/>
           <a:lstStyle/>
@@ -17837,7 +17939,12 @@
             <p:ph type="sldNum" sz="quarter" idx="12"/>
           </p:nvPr>
         </p:nvSpPr>
-        <p:spPr/>
+        <p:spPr>
+          <a:xfrm>
+            <a:off x="8515351" y="4588931"/>
+            <a:ext cx="628649" cy="575765"/>
+          </a:xfrm>
+        </p:spPr>
         <p:txBody>
           <a:bodyPr/>
           <a:lstStyle/>
@@ -18510,6 +18617,32 @@
               <a:t>Combined dataset contained 31,301 observations taken from 334 participants</a:t>
             </a:r>
           </a:p>
+          <a:p>
+            <a:r>
+              <a:rPr lang="en-US" sz="1800" dirty="0">
+                <a:solidFill>
+                  <a:schemeClr val="tx1"/>
+                </a:solidFill>
+              </a:rPr>
+              <a:t>Interested in how manually coded data compares to </a:t>
+            </a:r>
+            <a:r>
+              <a:rPr lang="en-US" sz="1800" i="1" dirty="0" err="1">
+                <a:solidFill>
+                  <a:schemeClr val="tx1"/>
+                </a:solidFill>
+              </a:rPr>
+              <a:t>lrd</a:t>
+            </a:r>
+            <a:r>
+              <a:rPr lang="en-US" sz="1800" dirty="0">
+                <a:solidFill>
+                  <a:schemeClr val="tx1"/>
+                </a:solidFill>
+              </a:rPr>
+              <a:t> at each cutoff</a:t>
+            </a:r>
+          </a:p>
         </p:txBody>
       </p:sp>
       <p:sp>
@@ -18552,6 +18685,134 @@
   <p:clrMapOvr>
     <a:masterClrMapping/>
   </p:clrMapOvr>
+  <p:timing>
+    <p:tnLst>
+      <p:par>
+        <p:cTn id="1" dur="indefinite" restart="never" nodeType="tmRoot">
+          <p:childTnLst>
+            <p:seq concurrent="1" nextAc="seek">
+              <p:cTn id="2" dur="indefinite" nodeType="mainSeq">
+                <p:childTnLst>
+                  <p:par>
+                    <p:cTn id="3" fill="hold">
+                      <p:stCondLst>
+                        <p:cond delay="indefinite"/>
+                      </p:stCondLst>
+                      <p:childTnLst>
+                        <p:par>
+                          <p:cTn id="4" fill="hold">
+                            <p:stCondLst>
+                              <p:cond delay="0"/>
+                            </p:stCondLst>
+                            <p:childTnLst>
+                              <p:par>
+                                <p:cTn id="5" presetID="1" presetClass="entr" presetSubtype="0" fill="hold" nodeType="clickEffect">
+                                  <p:stCondLst>
+                                    <p:cond delay="0"/>
+                                  </p:stCondLst>
+                                  <p:childTnLst>
+                                    <p:set>
+                                      <p:cBhvr>
+                                        <p:cTn id="6" dur="1" fill="hold">
+                                          <p:stCondLst>
+                                            <p:cond delay="0"/>
+                                          </p:stCondLst>
+                                        </p:cTn>
+                                        <p:tgtEl>
+                                          <p:spTgt spid="3">
+                                            <p:txEl>
+                                              <p:pRg st="3" end="3"/>
+                                            </p:txEl>
+                                          </p:spTgt>
+                                        </p:tgtEl>
+                                        <p:attrNameLst>
+                                          <p:attrName>style.visibility</p:attrName>
+                                        </p:attrNameLst>
+                                      </p:cBhvr>
+                                      <p:to>
+                                        <p:strVal val="visible"/>
+                                      </p:to>
+                                    </p:set>
+                                  </p:childTnLst>
+                                </p:cTn>
+                              </p:par>
+                            </p:childTnLst>
+                          </p:cTn>
+                        </p:par>
+                      </p:childTnLst>
+                    </p:cTn>
+                  </p:par>
+                  <p:par>
+                    <p:cTn id="7" fill="hold">
+                      <p:stCondLst>
+                        <p:cond delay="indefinite"/>
+                      </p:stCondLst>
+                      <p:childTnLst>
+                        <p:par>
+                          <p:cTn id="8" fill="hold">
+                            <p:stCondLst>
+                              <p:cond delay="0"/>
+                            </p:stCondLst>
+                            <p:childTnLst>
+                              <p:par>
+                                <p:cTn id="9" presetID="1" presetClass="entr" presetSubtype="0" fill="hold" nodeType="clickEffect">
+                                  <p:stCondLst>
+                                    <p:cond delay="0"/>
+                                  </p:stCondLst>
+                                  <p:childTnLst>
+                                    <p:set>
+                                      <p:cBhvr>
+                                        <p:cTn id="10" dur="1" fill="hold">
+                                          <p:stCondLst>
+                                            <p:cond delay="0"/>
+                                          </p:stCondLst>
+                                        </p:cTn>
+                                        <p:tgtEl>
+                                          <p:spTgt spid="3">
+                                            <p:txEl>
+                                              <p:pRg st="4" end="4"/>
+                                            </p:txEl>
+                                          </p:spTgt>
+                                        </p:tgtEl>
+                                        <p:attrNameLst>
+                                          <p:attrName>style.visibility</p:attrName>
+                                        </p:attrNameLst>
+                                      </p:cBhvr>
+                                      <p:to>
+                                        <p:strVal val="visible"/>
+                                      </p:to>
+                                    </p:set>
+                                  </p:childTnLst>
+                                </p:cTn>
+                              </p:par>
+                            </p:childTnLst>
+                          </p:cTn>
+                        </p:par>
+                      </p:childTnLst>
+                    </p:cTn>
+                  </p:par>
+                </p:childTnLst>
+              </p:cTn>
+              <p:prevCondLst>
+                <p:cond evt="onPrev" delay="0">
+                  <p:tgtEl>
+                    <p:sldTgt/>
+                  </p:tgtEl>
+                </p:cond>
+              </p:prevCondLst>
+              <p:nextCondLst>
+                <p:cond evt="onNext" delay="0">
+                  <p:tgtEl>
+                    <p:sldTgt/>
+                  </p:tgtEl>
+                </p:cond>
+              </p:nextCondLst>
+            </p:seq>
+          </p:childTnLst>
+        </p:cTn>
+      </p:par>
+    </p:tnLst>
+  </p:timing>
 </p:sld>
 </file>
 
@@ -20726,6 +20987,196 @@
   <p:clrMapOvr>
     <a:masterClrMapping/>
   </p:clrMapOvr>
+  <p:timing>
+    <p:tnLst>
+      <p:par>
+        <p:cTn id="1" dur="indefinite" restart="never" nodeType="tmRoot">
+          <p:childTnLst>
+            <p:seq concurrent="1" nextAc="seek">
+              <p:cTn id="2" dur="indefinite" nodeType="mainSeq">
+                <p:childTnLst>
+                  <p:par>
+                    <p:cTn id="3" fill="hold">
+                      <p:stCondLst>
+                        <p:cond delay="indefinite"/>
+                      </p:stCondLst>
+                      <p:childTnLst>
+                        <p:par>
+                          <p:cTn id="4" fill="hold">
+                            <p:stCondLst>
+                              <p:cond delay="0"/>
+                            </p:stCondLst>
+                            <p:childTnLst>
+                              <p:par>
+                                <p:cTn id="5" presetID="1" presetClass="entr" presetSubtype="0" fill="hold" nodeType="clickEffect">
+                                  <p:stCondLst>
+                                    <p:cond delay="0"/>
+                                  </p:stCondLst>
+                                  <p:childTnLst>
+                                    <p:set>
+                                      <p:cBhvr>
+                                        <p:cTn id="6" dur="1" fill="hold">
+                                          <p:stCondLst>
+                                            <p:cond delay="0"/>
+                                          </p:stCondLst>
+                                        </p:cTn>
+                                        <p:tgtEl>
+                                          <p:spTgt spid="3">
+                                            <p:txEl>
+                                              <p:pRg st="1" end="1"/>
+                                            </p:txEl>
+                                          </p:spTgt>
+                                        </p:tgtEl>
+                                        <p:attrNameLst>
+                                          <p:attrName>style.visibility</p:attrName>
+                                        </p:attrNameLst>
+                                      </p:cBhvr>
+                                      <p:to>
+                                        <p:strVal val="visible"/>
+                                      </p:to>
+                                    </p:set>
+                                  </p:childTnLst>
+                                </p:cTn>
+                              </p:par>
+                            </p:childTnLst>
+                          </p:cTn>
+                        </p:par>
+                      </p:childTnLst>
+                    </p:cTn>
+                  </p:par>
+                  <p:par>
+                    <p:cTn id="7" fill="hold">
+                      <p:stCondLst>
+                        <p:cond delay="indefinite"/>
+                      </p:stCondLst>
+                      <p:childTnLst>
+                        <p:par>
+                          <p:cTn id="8" fill="hold">
+                            <p:stCondLst>
+                              <p:cond delay="0"/>
+                            </p:stCondLst>
+                            <p:childTnLst>
+                              <p:par>
+                                <p:cTn id="9" presetID="1" presetClass="entr" presetSubtype="0" fill="hold" nodeType="clickEffect">
+                                  <p:stCondLst>
+                                    <p:cond delay="0"/>
+                                  </p:stCondLst>
+                                  <p:childTnLst>
+                                    <p:set>
+                                      <p:cBhvr>
+                                        <p:cTn id="10" dur="1" fill="hold">
+                                          <p:stCondLst>
+                                            <p:cond delay="0"/>
+                                          </p:stCondLst>
+                                        </p:cTn>
+                                        <p:tgtEl>
+                                          <p:spTgt spid="3">
+                                            <p:txEl>
+                                              <p:pRg st="2" end="2"/>
+                                            </p:txEl>
+                                          </p:spTgt>
+                                        </p:tgtEl>
+                                        <p:attrNameLst>
+                                          <p:attrName>style.visibility</p:attrName>
+                                        </p:attrNameLst>
+                                      </p:cBhvr>
+                                      <p:to>
+                                        <p:strVal val="visible"/>
+                                      </p:to>
+                                    </p:set>
+                                  </p:childTnLst>
+                                </p:cTn>
+                              </p:par>
+                              <p:par>
+                                <p:cTn id="11" presetID="1" presetClass="entr" presetSubtype="0" fill="hold" nodeType="withEffect">
+                                  <p:stCondLst>
+                                    <p:cond delay="0"/>
+                                  </p:stCondLst>
+                                  <p:childTnLst>
+                                    <p:set>
+                                      <p:cBhvr>
+                                        <p:cTn id="12" dur="1" fill="hold">
+                                          <p:stCondLst>
+                                            <p:cond delay="0"/>
+                                          </p:stCondLst>
+                                        </p:cTn>
+                                        <p:tgtEl>
+                                          <p:spTgt spid="3">
+                                            <p:txEl>
+                                              <p:pRg st="3" end="3"/>
+                                            </p:txEl>
+                                          </p:spTgt>
+                                        </p:tgtEl>
+                                        <p:attrNameLst>
+                                          <p:attrName>style.visibility</p:attrName>
+                                        </p:attrNameLst>
+                                      </p:cBhvr>
+                                      <p:to>
+                                        <p:strVal val="visible"/>
+                                      </p:to>
+                                    </p:set>
+                                  </p:childTnLst>
+                                </p:cTn>
+                              </p:par>
+                              <p:par>
+                                <p:cTn id="13" presetID="1" presetClass="entr" presetSubtype="0" fill="hold" nodeType="withEffect">
+                                  <p:stCondLst>
+                                    <p:cond delay="0"/>
+                                  </p:stCondLst>
+                                  <p:childTnLst>
+                                    <p:set>
+                                      <p:cBhvr>
+                                        <p:cTn id="14" dur="1" fill="hold">
+                                          <p:stCondLst>
+                                            <p:cond delay="0"/>
+                                          </p:stCondLst>
+                                        </p:cTn>
+                                        <p:tgtEl>
+                                          <p:spTgt spid="3">
+                                            <p:txEl>
+                                              <p:pRg st="4" end="4"/>
+                                            </p:txEl>
+                                          </p:spTgt>
+                                        </p:tgtEl>
+                                        <p:attrNameLst>
+                                          <p:attrName>style.visibility</p:attrName>
+                                        </p:attrNameLst>
+                                      </p:cBhvr>
+                                      <p:to>
+                                        <p:strVal val="visible"/>
+                                      </p:to>
+                                    </p:set>
+                                  </p:childTnLst>
+                                </p:cTn>
+                              </p:par>
+                            </p:childTnLst>
+                          </p:cTn>
+                        </p:par>
+                      </p:childTnLst>
+                    </p:cTn>
+                  </p:par>
+                </p:childTnLst>
+              </p:cTn>
+              <p:prevCondLst>
+                <p:cond evt="onPrev" delay="0">
+                  <p:tgtEl>
+                    <p:sldTgt/>
+                  </p:tgtEl>
+                </p:cond>
+              </p:prevCondLst>
+              <p:nextCondLst>
+                <p:cond evt="onNext" delay="0">
+                  <p:tgtEl>
+                    <p:sldTgt/>
+                  </p:tgtEl>
+                </p:cond>
+              </p:nextCondLst>
+            </p:seq>
+          </p:childTnLst>
+        </p:cTn>
+      </p:par>
+    </p:tnLst>
+  </p:timing>
 </p:sld>
 </file>
 
@@ -22175,6 +22626,134 @@
   <p:clrMapOvr>
     <a:masterClrMapping/>
   </p:clrMapOvr>
+  <p:timing>
+    <p:tnLst>
+      <p:par>
+        <p:cTn id="1" dur="indefinite" restart="never" nodeType="tmRoot">
+          <p:childTnLst>
+            <p:seq concurrent="1" nextAc="seek">
+              <p:cTn id="2" dur="indefinite" nodeType="mainSeq">
+                <p:childTnLst>
+                  <p:par>
+                    <p:cTn id="3" fill="hold">
+                      <p:stCondLst>
+                        <p:cond delay="indefinite"/>
+                      </p:stCondLst>
+                      <p:childTnLst>
+                        <p:par>
+                          <p:cTn id="4" fill="hold">
+                            <p:stCondLst>
+                              <p:cond delay="0"/>
+                            </p:stCondLst>
+                            <p:childTnLst>
+                              <p:par>
+                                <p:cTn id="5" presetID="1" presetClass="entr" presetSubtype="0" fill="hold" nodeType="clickEffect">
+                                  <p:stCondLst>
+                                    <p:cond delay="0"/>
+                                  </p:stCondLst>
+                                  <p:childTnLst>
+                                    <p:set>
+                                      <p:cBhvr>
+                                        <p:cTn id="6" dur="1" fill="hold">
+                                          <p:stCondLst>
+                                            <p:cond delay="0"/>
+                                          </p:stCondLst>
+                                        </p:cTn>
+                                        <p:tgtEl>
+                                          <p:spTgt spid="3">
+                                            <p:txEl>
+                                              <p:pRg st="1" end="1"/>
+                                            </p:txEl>
+                                          </p:spTgt>
+                                        </p:tgtEl>
+                                        <p:attrNameLst>
+                                          <p:attrName>style.visibility</p:attrName>
+                                        </p:attrNameLst>
+                                      </p:cBhvr>
+                                      <p:to>
+                                        <p:strVal val="visible"/>
+                                      </p:to>
+                                    </p:set>
+                                  </p:childTnLst>
+                                </p:cTn>
+                              </p:par>
+                            </p:childTnLst>
+                          </p:cTn>
+                        </p:par>
+                      </p:childTnLst>
+                    </p:cTn>
+                  </p:par>
+                  <p:par>
+                    <p:cTn id="7" fill="hold">
+                      <p:stCondLst>
+                        <p:cond delay="indefinite"/>
+                      </p:stCondLst>
+                      <p:childTnLst>
+                        <p:par>
+                          <p:cTn id="8" fill="hold">
+                            <p:stCondLst>
+                              <p:cond delay="0"/>
+                            </p:stCondLst>
+                            <p:childTnLst>
+                              <p:par>
+                                <p:cTn id="9" presetID="1" presetClass="entr" presetSubtype="0" fill="hold" nodeType="clickEffect">
+                                  <p:stCondLst>
+                                    <p:cond delay="0"/>
+                                  </p:stCondLst>
+                                  <p:childTnLst>
+                                    <p:set>
+                                      <p:cBhvr>
+                                        <p:cTn id="10" dur="1" fill="hold">
+                                          <p:stCondLst>
+                                            <p:cond delay="0"/>
+                                          </p:stCondLst>
+                                        </p:cTn>
+                                        <p:tgtEl>
+                                          <p:spTgt spid="3">
+                                            <p:txEl>
+                                              <p:pRg st="2" end="2"/>
+                                            </p:txEl>
+                                          </p:spTgt>
+                                        </p:tgtEl>
+                                        <p:attrNameLst>
+                                          <p:attrName>style.visibility</p:attrName>
+                                        </p:attrNameLst>
+                                      </p:cBhvr>
+                                      <p:to>
+                                        <p:strVal val="visible"/>
+                                      </p:to>
+                                    </p:set>
+                                  </p:childTnLst>
+                                </p:cTn>
+                              </p:par>
+                            </p:childTnLst>
+                          </p:cTn>
+                        </p:par>
+                      </p:childTnLst>
+                    </p:cTn>
+                  </p:par>
+                </p:childTnLst>
+              </p:cTn>
+              <p:prevCondLst>
+                <p:cond evt="onPrev" delay="0">
+                  <p:tgtEl>
+                    <p:sldTgt/>
+                  </p:tgtEl>
+                </p:cond>
+              </p:prevCondLst>
+              <p:nextCondLst>
+                <p:cond evt="onNext" delay="0">
+                  <p:tgtEl>
+                    <p:sldTgt/>
+                  </p:tgtEl>
+                </p:cond>
+              </p:nextCondLst>
+            </p:seq>
+          </p:childTnLst>
+        </p:cTn>
+      </p:par>
+    </p:tnLst>
+  </p:timing>
 </p:sld>
 </file>
 

--- a/Presentations/Grad Symposium 21.pptx
+++ b/Presentations/Grad Symposium 21.pptx
@@ -219,7 +219,7 @@
           <a:p>
             <a:fld id="{75CB3914-4D35-42D3-857C-7663624C350B}" type="datetimeFigureOut">
               <a:rPr lang="en-US" smtClean="0"/>
-              <a:t>3/26/2021</a:t>
+              <a:t>3/29/2021</a:t>
             </a:fld>
             <a:endParaRPr lang="en-US"/>
           </a:p>
@@ -2304,7 +2304,7 @@
           <a:p>
             <a:fld id="{1FC0CB98-076B-4E7F-ADC2-4587EC9E321F}" type="datetime1">
               <a:rPr lang="en-US" smtClean="0"/>
-              <a:t>3/26/2021</a:t>
+              <a:t>3/29/2021</a:t>
             </a:fld>
             <a:endParaRPr lang="en-US" dirty="0"/>
           </a:p>
@@ -3430,7 +3430,7 @@
           <a:p>
             <a:fld id="{19686C29-6173-4D4D-9A70-2C98FACDF6D7}" type="datetime1">
               <a:rPr lang="en-US" smtClean="0"/>
-              <a:t>3/26/2021</a:t>
+              <a:t>3/29/2021</a:t>
             </a:fld>
             <a:endParaRPr lang="en-US" dirty="0"/>
           </a:p>
@@ -4447,7 +4447,7 @@
           <a:p>
             <a:fld id="{C8F5D057-413A-4080-A087-E5568A1F54A1}" type="datetime1">
               <a:rPr lang="en-US" smtClean="0"/>
-              <a:t>3/26/2021</a:t>
+              <a:t>3/29/2021</a:t>
             </a:fld>
             <a:endParaRPr lang="en-US" dirty="0"/>
           </a:p>
@@ -5623,7 +5623,7 @@
           <a:p>
             <a:fld id="{2B5E42BE-AE0E-4C60-AD43-DA59A9911143}" type="datetime1">
               <a:rPr lang="en-US" smtClean="0"/>
-              <a:t>3/26/2021</a:t>
+              <a:t>3/29/2021</a:t>
             </a:fld>
             <a:endParaRPr lang="en-US" dirty="0"/>
           </a:p>
@@ -6690,7 +6690,7 @@
           <a:p>
             <a:fld id="{ABDDE9AC-F351-4970-B4AE-E20D3ADAAEFB}" type="datetime1">
               <a:rPr lang="en-US" smtClean="0"/>
-              <a:t>3/26/2021</a:t>
+              <a:t>3/29/2021</a:t>
             </a:fld>
             <a:endParaRPr lang="en-US" dirty="0"/>
           </a:p>
@@ -7342,7 +7342,7 @@
           <a:p>
             <a:fld id="{89E7D69C-0FB4-4198-9F78-21F80D2940BC}" type="datetime1">
               <a:rPr lang="en-US" smtClean="0"/>
-              <a:t>3/26/2021</a:t>
+              <a:t>3/29/2021</a:t>
             </a:fld>
             <a:endParaRPr lang="en-US" dirty="0"/>
           </a:p>
@@ -8195,7 +8195,7 @@
           <a:p>
             <a:fld id="{7EFF015A-7AE2-4F7C-BC05-ED59AAE8F1FE}" type="datetime1">
               <a:rPr lang="en-US" smtClean="0"/>
-              <a:t>3/26/2021</a:t>
+              <a:t>3/29/2021</a:t>
             </a:fld>
             <a:endParaRPr lang="en-US" dirty="0"/>
           </a:p>
@@ -8376,7 +8376,7 @@
           <a:p>
             <a:fld id="{537E89C1-4C5E-4DD3-AD6F-DEFF2AC6176D}" type="datetime1">
               <a:rPr lang="en-US" smtClean="0"/>
-              <a:t>3/26/2021</a:t>
+              <a:t>3/29/2021</a:t>
             </a:fld>
             <a:endParaRPr lang="en-US" dirty="0"/>
           </a:p>
@@ -9380,7 +9380,7 @@
           <a:p>
             <a:fld id="{1B8FBFA9-FA7F-4129-A20B-0DFAB08836D0}" type="datetime1">
               <a:rPr lang="en-US" smtClean="0"/>
-              <a:t>3/26/2021</a:t>
+              <a:t>3/29/2021</a:t>
             </a:fld>
             <a:endParaRPr lang="en-US" dirty="0"/>
           </a:p>
@@ -9636,7 +9636,7 @@
           <a:p>
             <a:fld id="{4795D5FF-7B94-4AD2-A99D-0AFF21C29B5C}" type="datetime1">
               <a:rPr lang="en-US" smtClean="0"/>
-              <a:t>3/26/2021</a:t>
+              <a:t>3/29/2021</a:t>
             </a:fld>
             <a:endParaRPr lang="en-US" dirty="0"/>
           </a:p>
@@ -10717,7 +10717,7 @@
           <a:p>
             <a:fld id="{B1A20F2A-B7C6-47BC-88D1-F60FE2EBB9ED}" type="datetime1">
               <a:rPr lang="en-US" smtClean="0"/>
-              <a:t>3/26/2021</a:t>
+              <a:t>3/29/2021</a:t>
             </a:fld>
             <a:endParaRPr lang="en-US" dirty="0"/>
           </a:p>
@@ -10995,7 +10995,7 @@
           <a:p>
             <a:fld id="{15402920-E2B2-470E-915B-5527FA3E356E}" type="datetime1">
               <a:rPr lang="en-US" smtClean="0"/>
-              <a:t>3/26/2021</a:t>
+              <a:t>3/29/2021</a:t>
             </a:fld>
             <a:endParaRPr lang="en-US" dirty="0"/>
           </a:p>
@@ -11383,7 +11383,7 @@
           <a:p>
             <a:fld id="{5BB7D17A-BF7D-4845-8C1E-8397ED62827D}" type="datetime1">
               <a:rPr lang="en-US" smtClean="0"/>
-              <a:t>3/26/2021</a:t>
+              <a:t>3/29/2021</a:t>
             </a:fld>
             <a:endParaRPr lang="en-US" dirty="0"/>
           </a:p>
@@ -11507,7 +11507,7 @@
           <a:p>
             <a:fld id="{0A99D3C9-FB49-403F-9234-8CC257C0E081}" type="datetime1">
               <a:rPr lang="en-US" smtClean="0"/>
-              <a:t>3/26/2021</a:t>
+              <a:t>3/29/2021</a:t>
             </a:fld>
             <a:endParaRPr lang="en-US" dirty="0"/>
           </a:p>
@@ -11621,7 +11621,7 @@
           <a:p>
             <a:fld id="{2E5DF55D-8BE7-4049-84FD-3CED96404691}" type="datetime1">
               <a:rPr lang="en-US" smtClean="0"/>
-              <a:t>3/26/2021</a:t>
+              <a:t>3/29/2021</a:t>
             </a:fld>
             <a:endParaRPr lang="en-US" dirty="0"/>
           </a:p>
@@ -12749,7 +12749,7 @@
           <a:p>
             <a:fld id="{6B386DD0-6483-4A54-95FD-85200CBC97B8}" type="datetime1">
               <a:rPr lang="en-US" smtClean="0"/>
-              <a:t>3/26/2021</a:t>
+              <a:t>3/29/2021</a:t>
             </a:fld>
             <a:endParaRPr lang="en-US" dirty="0"/>
           </a:p>
@@ -13888,7 +13888,7 @@
           <a:p>
             <a:fld id="{DF5BE254-9875-41D6-8DFD-3F9DA58B0666}" type="datetime1">
               <a:rPr lang="en-US" smtClean="0"/>
-              <a:t>3/26/2021</a:t>
+              <a:t>3/29/2021</a:t>
             </a:fld>
             <a:endParaRPr lang="en-US" dirty="0"/>
           </a:p>
@@ -14922,7 +14922,7 @@
           <a:p>
             <a:fld id="{89B272D3-586D-447A-8765-6A4E8FB8D755}" type="datetime1">
               <a:rPr lang="en-US" smtClean="0"/>
-              <a:t>3/26/2021</a:t>
+              <a:t>3/29/2021</a:t>
             </a:fld>
             <a:endParaRPr lang="en-US" dirty="0"/>
           </a:p>
@@ -16013,7 +16013,7 @@
         </p:nvSpPr>
         <p:spPr>
           <a:xfrm>
-            <a:off x="542701" y="1720207"/>
+            <a:off x="546706" y="1968304"/>
             <a:ext cx="7886700" cy="3075190"/>
           </a:xfrm>
         </p:spPr>

--- a/Presentations/Grad Symposium 21.pptx
+++ b/Presentations/Grad Symposium 21.pptx
@@ -219,7 +219,7 @@
           <a:p>
             <a:fld id="{75CB3914-4D35-42D3-857C-7663624C350B}" type="datetimeFigureOut">
               <a:rPr lang="en-US" smtClean="0"/>
-              <a:t>3/29/2021</a:t>
+              <a:t>3/30/2021</a:t>
             </a:fld>
             <a:endParaRPr lang="en-US"/>
           </a:p>
@@ -2304,7 +2304,7 @@
           <a:p>
             <a:fld id="{1FC0CB98-076B-4E7F-ADC2-4587EC9E321F}" type="datetime1">
               <a:rPr lang="en-US" smtClean="0"/>
-              <a:t>3/29/2021</a:t>
+              <a:t>3/30/2021</a:t>
             </a:fld>
             <a:endParaRPr lang="en-US" dirty="0"/>
           </a:p>
@@ -3430,7 +3430,7 @@
           <a:p>
             <a:fld id="{19686C29-6173-4D4D-9A70-2C98FACDF6D7}" type="datetime1">
               <a:rPr lang="en-US" smtClean="0"/>
-              <a:t>3/29/2021</a:t>
+              <a:t>3/30/2021</a:t>
             </a:fld>
             <a:endParaRPr lang="en-US" dirty="0"/>
           </a:p>
@@ -4447,7 +4447,7 @@
           <a:p>
             <a:fld id="{C8F5D057-413A-4080-A087-E5568A1F54A1}" type="datetime1">
               <a:rPr lang="en-US" smtClean="0"/>
-              <a:t>3/29/2021</a:t>
+              <a:t>3/30/2021</a:t>
             </a:fld>
             <a:endParaRPr lang="en-US" dirty="0"/>
           </a:p>
@@ -5623,7 +5623,7 @@
           <a:p>
             <a:fld id="{2B5E42BE-AE0E-4C60-AD43-DA59A9911143}" type="datetime1">
               <a:rPr lang="en-US" smtClean="0"/>
-              <a:t>3/29/2021</a:t>
+              <a:t>3/30/2021</a:t>
             </a:fld>
             <a:endParaRPr lang="en-US" dirty="0"/>
           </a:p>
@@ -6690,7 +6690,7 @@
           <a:p>
             <a:fld id="{ABDDE9AC-F351-4970-B4AE-E20D3ADAAEFB}" type="datetime1">
               <a:rPr lang="en-US" smtClean="0"/>
-              <a:t>3/29/2021</a:t>
+              <a:t>3/30/2021</a:t>
             </a:fld>
             <a:endParaRPr lang="en-US" dirty="0"/>
           </a:p>
@@ -7342,7 +7342,7 @@
           <a:p>
             <a:fld id="{89E7D69C-0FB4-4198-9F78-21F80D2940BC}" type="datetime1">
               <a:rPr lang="en-US" smtClean="0"/>
-              <a:t>3/29/2021</a:t>
+              <a:t>3/30/2021</a:t>
             </a:fld>
             <a:endParaRPr lang="en-US" dirty="0"/>
           </a:p>
@@ -8195,7 +8195,7 @@
           <a:p>
             <a:fld id="{7EFF015A-7AE2-4F7C-BC05-ED59AAE8F1FE}" type="datetime1">
               <a:rPr lang="en-US" smtClean="0"/>
-              <a:t>3/29/2021</a:t>
+              <a:t>3/30/2021</a:t>
             </a:fld>
             <a:endParaRPr lang="en-US" dirty="0"/>
           </a:p>
@@ -8376,7 +8376,7 @@
           <a:p>
             <a:fld id="{537E89C1-4C5E-4DD3-AD6F-DEFF2AC6176D}" type="datetime1">
               <a:rPr lang="en-US" smtClean="0"/>
-              <a:t>3/29/2021</a:t>
+              <a:t>3/30/2021</a:t>
             </a:fld>
             <a:endParaRPr lang="en-US" dirty="0"/>
           </a:p>
@@ -9380,7 +9380,7 @@
           <a:p>
             <a:fld id="{1B8FBFA9-FA7F-4129-A20B-0DFAB08836D0}" type="datetime1">
               <a:rPr lang="en-US" smtClean="0"/>
-              <a:t>3/29/2021</a:t>
+              <a:t>3/30/2021</a:t>
             </a:fld>
             <a:endParaRPr lang="en-US" dirty="0"/>
           </a:p>
@@ -9636,7 +9636,7 @@
           <a:p>
             <a:fld id="{4795D5FF-7B94-4AD2-A99D-0AFF21C29B5C}" type="datetime1">
               <a:rPr lang="en-US" smtClean="0"/>
-              <a:t>3/29/2021</a:t>
+              <a:t>3/30/2021</a:t>
             </a:fld>
             <a:endParaRPr lang="en-US" dirty="0"/>
           </a:p>
@@ -10717,7 +10717,7 @@
           <a:p>
             <a:fld id="{B1A20F2A-B7C6-47BC-88D1-F60FE2EBB9ED}" type="datetime1">
               <a:rPr lang="en-US" smtClean="0"/>
-              <a:t>3/29/2021</a:t>
+              <a:t>3/30/2021</a:t>
             </a:fld>
             <a:endParaRPr lang="en-US" dirty="0"/>
           </a:p>
@@ -10995,7 +10995,7 @@
           <a:p>
             <a:fld id="{15402920-E2B2-470E-915B-5527FA3E356E}" type="datetime1">
               <a:rPr lang="en-US" smtClean="0"/>
-              <a:t>3/29/2021</a:t>
+              <a:t>3/30/2021</a:t>
             </a:fld>
             <a:endParaRPr lang="en-US" dirty="0"/>
           </a:p>
@@ -11383,7 +11383,7 @@
           <a:p>
             <a:fld id="{5BB7D17A-BF7D-4845-8C1E-8397ED62827D}" type="datetime1">
               <a:rPr lang="en-US" smtClean="0"/>
-              <a:t>3/29/2021</a:t>
+              <a:t>3/30/2021</a:t>
             </a:fld>
             <a:endParaRPr lang="en-US" dirty="0"/>
           </a:p>
@@ -11507,7 +11507,7 @@
           <a:p>
             <a:fld id="{0A99D3C9-FB49-403F-9234-8CC257C0E081}" type="datetime1">
               <a:rPr lang="en-US" smtClean="0"/>
-              <a:t>3/29/2021</a:t>
+              <a:t>3/30/2021</a:t>
             </a:fld>
             <a:endParaRPr lang="en-US" dirty="0"/>
           </a:p>
@@ -11621,7 +11621,7 @@
           <a:p>
             <a:fld id="{2E5DF55D-8BE7-4049-84FD-3CED96404691}" type="datetime1">
               <a:rPr lang="en-US" smtClean="0"/>
-              <a:t>3/29/2021</a:t>
+              <a:t>3/30/2021</a:t>
             </a:fld>
             <a:endParaRPr lang="en-US" dirty="0"/>
           </a:p>
@@ -12749,7 +12749,7 @@
           <a:p>
             <a:fld id="{6B386DD0-6483-4A54-95FD-85200CBC97B8}" type="datetime1">
               <a:rPr lang="en-US" smtClean="0"/>
-              <a:t>3/29/2021</a:t>
+              <a:t>3/30/2021</a:t>
             </a:fld>
             <a:endParaRPr lang="en-US" dirty="0"/>
           </a:p>
@@ -13888,7 +13888,7 @@
           <a:p>
             <a:fld id="{DF5BE254-9875-41D6-8DFD-3F9DA58B0666}" type="datetime1">
               <a:rPr lang="en-US" smtClean="0"/>
-              <a:t>3/29/2021</a:t>
+              <a:t>3/30/2021</a:t>
             </a:fld>
             <a:endParaRPr lang="en-US" dirty="0"/>
           </a:p>
@@ -14922,7 +14922,7 @@
           <a:p>
             <a:fld id="{89B272D3-586D-447A-8765-6A4E8FB8D755}" type="datetime1">
               <a:rPr lang="en-US" smtClean="0"/>
-              <a:t>3/29/2021</a:t>
+              <a:t>3/30/2021</a:t>
             </a:fld>
             <a:endParaRPr lang="en-US" dirty="0"/>
           </a:p>
@@ -20327,7 +20327,11 @@
                                           </p:stCondLst>
                                         </p:cTn>
                                         <p:tgtEl>
-                                          <p:spTgt spid="7"/>
+                                          <p:spTgt spid="9">
+                                            <p:txEl>
+                                              <p:pRg st="1" end="1"/>
+                                            </p:txEl>
+                                          </p:spTgt>
                                         </p:tgtEl>
                                         <p:attrNameLst>
                                           <p:attrName>style.visibility</p:attrName>
@@ -20372,11 +20376,7 @@
                                           </p:stCondLst>
                                         </p:cTn>
                                         <p:tgtEl>
-                                          <p:spTgt spid="9">
-                                            <p:txEl>
-                                              <p:pRg st="1" end="1"/>
-                                            </p:txEl>
-                                          </p:spTgt>
+                                          <p:spTgt spid="7"/>
                                         </p:tgtEl>
                                         <p:attrNameLst>
                                           <p:attrName>style.visibility</p:attrName>
